--- a/PPT/tztpvb_barkacs.pptx
+++ b/PPT/tztpvb_barkacs.pptx
@@ -10,10 +10,16 @@
     <p:sldId id="263" r:id="rId4"/>
     <p:sldId id="261" r:id="rId5"/>
     <p:sldId id="258" r:id="rId6"/>
-    <p:sldId id="264" r:id="rId7"/>
-    <p:sldId id="262" r:id="rId8"/>
-    <p:sldId id="259" r:id="rId9"/>
-    <p:sldId id="260" r:id="rId10"/>
+    <p:sldId id="265" r:id="rId7"/>
+    <p:sldId id="266" r:id="rId8"/>
+    <p:sldId id="264" r:id="rId9"/>
+    <p:sldId id="267" r:id="rId10"/>
+    <p:sldId id="262" r:id="rId11"/>
+    <p:sldId id="259" r:id="rId12"/>
+    <p:sldId id="269" r:id="rId13"/>
+    <p:sldId id="270" r:id="rId14"/>
+    <p:sldId id="268" r:id="rId15"/>
+    <p:sldId id="260" r:id="rId16"/>
   </p:sldIdLst>
   <p:sldSz cx="12192000" cy="6858000"/>
   <p:notesSz cx="6858000" cy="9144000"/>
@@ -112,6 +118,11 @@
       </a:defRPr>
     </a:lvl9pPr>
   </p:defaultTextStyle>
+  <p:extLst>
+    <p:ext uri="{EFAFB233-063F-42B5-8137-9DF3F51BA10A}">
+      <p15:sldGuideLst xmlns:p15="http://schemas.microsoft.com/office/powerpoint/2012/main"/>
+    </p:ext>
+  </p:extLst>
 </p:presentation>
 </file>
 
@@ -157,10 +168,9 @@
           </a:lstStyle>
           <a:p>
             <a:r>
-              <a:rPr lang="hu-HU" smtClean="0"/>
+              <a:rPr lang="hu-HU"/>
               <a:t>Mintacím szerkesztése</a:t>
             </a:r>
-            <a:endParaRPr lang="hu-HU"/>
           </a:p>
         </p:txBody>
       </p:sp>
@@ -222,10 +232,9 @@
           </a:lstStyle>
           <a:p>
             <a:r>
-              <a:rPr lang="hu-HU" smtClean="0"/>
+              <a:rPr lang="hu-HU"/>
               <a:t>Kattintson ide az alcím mintájának szerkesztéséhez</a:t>
             </a:r>
-            <a:endParaRPr lang="hu-HU"/>
           </a:p>
         </p:txBody>
       </p:sp>
@@ -246,7 +255,7 @@
           <a:p>
             <a:fld id="{71E632DD-E401-4CE4-A4E1-B4FCB673BE30}" type="datetimeFigureOut">
               <a:rPr lang="hu-HU" smtClean="0"/>
-              <a:t>2023.01.31.</a:t>
+              <a:t>2023. 01. 31.</a:t>
             </a:fld>
             <a:endParaRPr lang="hu-HU"/>
           </a:p>
@@ -340,10 +349,9 @@
           <a:lstStyle/>
           <a:p>
             <a:r>
-              <a:rPr lang="hu-HU" smtClean="0"/>
+              <a:rPr lang="hu-HU"/>
               <a:t>Mintacím szerkesztése</a:t>
             </a:r>
-            <a:endParaRPr lang="hu-HU"/>
           </a:p>
         </p:txBody>
       </p:sp>
@@ -364,38 +372,37 @@
           <a:p>
             <a:pPr lvl="0"/>
             <a:r>
-              <a:rPr lang="hu-HU" smtClean="0"/>
+              <a:rPr lang="hu-HU"/>
               <a:t>Mintaszöveg szerkesztése</a:t>
             </a:r>
           </a:p>
           <a:p>
             <a:pPr lvl="1"/>
             <a:r>
-              <a:rPr lang="hu-HU" smtClean="0"/>
+              <a:rPr lang="hu-HU"/>
               <a:t>Második szint</a:t>
             </a:r>
           </a:p>
           <a:p>
             <a:pPr lvl="2"/>
             <a:r>
-              <a:rPr lang="hu-HU" smtClean="0"/>
+              <a:rPr lang="hu-HU"/>
               <a:t>Harmadik szint</a:t>
             </a:r>
           </a:p>
           <a:p>
             <a:pPr lvl="3"/>
             <a:r>
-              <a:rPr lang="hu-HU" smtClean="0"/>
+              <a:rPr lang="hu-HU"/>
               <a:t>Negyedik szint</a:t>
             </a:r>
           </a:p>
           <a:p>
             <a:pPr lvl="4"/>
             <a:r>
-              <a:rPr lang="hu-HU" smtClean="0"/>
+              <a:rPr lang="hu-HU"/>
               <a:t>Ötödik szint</a:t>
             </a:r>
-            <a:endParaRPr lang="hu-HU"/>
           </a:p>
         </p:txBody>
       </p:sp>
@@ -416,7 +423,7 @@
           <a:p>
             <a:fld id="{71E632DD-E401-4CE4-A4E1-B4FCB673BE30}" type="datetimeFigureOut">
               <a:rPr lang="hu-HU" smtClean="0"/>
-              <a:t>2023.01.31.</a:t>
+              <a:t>2023. 01. 31.</a:t>
             </a:fld>
             <a:endParaRPr lang="hu-HU"/>
           </a:p>
@@ -515,10 +522,9 @@
           <a:lstStyle/>
           <a:p>
             <a:r>
-              <a:rPr lang="hu-HU" smtClean="0"/>
+              <a:rPr lang="hu-HU"/>
               <a:t>Mintacím szerkesztése</a:t>
             </a:r>
-            <a:endParaRPr lang="hu-HU"/>
           </a:p>
         </p:txBody>
       </p:sp>
@@ -544,38 +550,37 @@
           <a:p>
             <a:pPr lvl="0"/>
             <a:r>
-              <a:rPr lang="hu-HU" smtClean="0"/>
+              <a:rPr lang="hu-HU"/>
               <a:t>Mintaszöveg szerkesztése</a:t>
             </a:r>
           </a:p>
           <a:p>
             <a:pPr lvl="1"/>
             <a:r>
-              <a:rPr lang="hu-HU" smtClean="0"/>
+              <a:rPr lang="hu-HU"/>
               <a:t>Második szint</a:t>
             </a:r>
           </a:p>
           <a:p>
             <a:pPr lvl="2"/>
             <a:r>
-              <a:rPr lang="hu-HU" smtClean="0"/>
+              <a:rPr lang="hu-HU"/>
               <a:t>Harmadik szint</a:t>
             </a:r>
           </a:p>
           <a:p>
             <a:pPr lvl="3"/>
             <a:r>
-              <a:rPr lang="hu-HU" smtClean="0"/>
+              <a:rPr lang="hu-HU"/>
               <a:t>Negyedik szint</a:t>
             </a:r>
           </a:p>
           <a:p>
             <a:pPr lvl="4"/>
             <a:r>
-              <a:rPr lang="hu-HU" smtClean="0"/>
+              <a:rPr lang="hu-HU"/>
               <a:t>Ötödik szint</a:t>
             </a:r>
-            <a:endParaRPr lang="hu-HU"/>
           </a:p>
         </p:txBody>
       </p:sp>
@@ -596,7 +601,7 @@
           <a:p>
             <a:fld id="{71E632DD-E401-4CE4-A4E1-B4FCB673BE30}" type="datetimeFigureOut">
               <a:rPr lang="hu-HU" smtClean="0"/>
-              <a:t>2023.01.31.</a:t>
+              <a:t>2023. 01. 31.</a:t>
             </a:fld>
             <a:endParaRPr lang="hu-HU"/>
           </a:p>
@@ -690,10 +695,9 @@
           <a:lstStyle/>
           <a:p>
             <a:r>
-              <a:rPr lang="hu-HU" smtClean="0"/>
+              <a:rPr lang="hu-HU"/>
               <a:t>Mintacím szerkesztése</a:t>
             </a:r>
-            <a:endParaRPr lang="hu-HU"/>
           </a:p>
         </p:txBody>
       </p:sp>
@@ -714,38 +718,37 @@
           <a:p>
             <a:pPr lvl="0"/>
             <a:r>
-              <a:rPr lang="hu-HU" smtClean="0"/>
+              <a:rPr lang="hu-HU"/>
               <a:t>Mintaszöveg szerkesztése</a:t>
             </a:r>
           </a:p>
           <a:p>
             <a:pPr lvl="1"/>
             <a:r>
-              <a:rPr lang="hu-HU" smtClean="0"/>
+              <a:rPr lang="hu-HU"/>
               <a:t>Második szint</a:t>
             </a:r>
           </a:p>
           <a:p>
             <a:pPr lvl="2"/>
             <a:r>
-              <a:rPr lang="hu-HU" smtClean="0"/>
+              <a:rPr lang="hu-HU"/>
               <a:t>Harmadik szint</a:t>
             </a:r>
           </a:p>
           <a:p>
             <a:pPr lvl="3"/>
             <a:r>
-              <a:rPr lang="hu-HU" smtClean="0"/>
+              <a:rPr lang="hu-HU"/>
               <a:t>Negyedik szint</a:t>
             </a:r>
           </a:p>
           <a:p>
             <a:pPr lvl="4"/>
             <a:r>
-              <a:rPr lang="hu-HU" smtClean="0"/>
+              <a:rPr lang="hu-HU"/>
               <a:t>Ötödik szint</a:t>
             </a:r>
-            <a:endParaRPr lang="hu-HU"/>
           </a:p>
         </p:txBody>
       </p:sp>
@@ -766,7 +769,7 @@
           <a:p>
             <a:fld id="{71E632DD-E401-4CE4-A4E1-B4FCB673BE30}" type="datetimeFigureOut">
               <a:rPr lang="hu-HU" smtClean="0"/>
-              <a:t>2023.01.31.</a:t>
+              <a:t>2023. 01. 31.</a:t>
             </a:fld>
             <a:endParaRPr lang="hu-HU"/>
           </a:p>
@@ -869,10 +872,9 @@
           </a:lstStyle>
           <a:p>
             <a:r>
-              <a:rPr lang="hu-HU" smtClean="0"/>
+              <a:rPr lang="hu-HU"/>
               <a:t>Mintacím szerkesztése</a:t>
             </a:r>
-            <a:endParaRPr lang="hu-HU"/>
           </a:p>
         </p:txBody>
       </p:sp>
@@ -989,7 +991,7 @@
           <a:p>
             <a:pPr lvl="0"/>
             <a:r>
-              <a:rPr lang="hu-HU" smtClean="0"/>
+              <a:rPr lang="hu-HU"/>
               <a:t>Mintaszöveg szerkesztése</a:t>
             </a:r>
           </a:p>
@@ -1012,7 +1014,7 @@
           <a:p>
             <a:fld id="{71E632DD-E401-4CE4-A4E1-B4FCB673BE30}" type="datetimeFigureOut">
               <a:rPr lang="hu-HU" smtClean="0"/>
-              <a:t>2023.01.31.</a:t>
+              <a:t>2023. 01. 31.</a:t>
             </a:fld>
             <a:endParaRPr lang="hu-HU"/>
           </a:p>
@@ -1106,10 +1108,9 @@
           <a:lstStyle/>
           <a:p>
             <a:r>
-              <a:rPr lang="hu-HU" smtClean="0"/>
+              <a:rPr lang="hu-HU"/>
               <a:t>Mintacím szerkesztése</a:t>
             </a:r>
-            <a:endParaRPr lang="hu-HU"/>
           </a:p>
         </p:txBody>
       </p:sp>
@@ -1135,38 +1136,37 @@
           <a:p>
             <a:pPr lvl="0"/>
             <a:r>
-              <a:rPr lang="hu-HU" smtClean="0"/>
+              <a:rPr lang="hu-HU"/>
               <a:t>Mintaszöveg szerkesztése</a:t>
             </a:r>
           </a:p>
           <a:p>
             <a:pPr lvl="1"/>
             <a:r>
-              <a:rPr lang="hu-HU" smtClean="0"/>
+              <a:rPr lang="hu-HU"/>
               <a:t>Második szint</a:t>
             </a:r>
           </a:p>
           <a:p>
             <a:pPr lvl="2"/>
             <a:r>
-              <a:rPr lang="hu-HU" smtClean="0"/>
+              <a:rPr lang="hu-HU"/>
               <a:t>Harmadik szint</a:t>
             </a:r>
           </a:p>
           <a:p>
             <a:pPr lvl="3"/>
             <a:r>
-              <a:rPr lang="hu-HU" smtClean="0"/>
+              <a:rPr lang="hu-HU"/>
               <a:t>Negyedik szint</a:t>
             </a:r>
           </a:p>
           <a:p>
             <a:pPr lvl="4"/>
             <a:r>
-              <a:rPr lang="hu-HU" smtClean="0"/>
+              <a:rPr lang="hu-HU"/>
               <a:t>Ötödik szint</a:t>
             </a:r>
-            <a:endParaRPr lang="hu-HU"/>
           </a:p>
         </p:txBody>
       </p:sp>
@@ -1192,38 +1192,37 @@
           <a:p>
             <a:pPr lvl="0"/>
             <a:r>
-              <a:rPr lang="hu-HU" smtClean="0"/>
+              <a:rPr lang="hu-HU"/>
               <a:t>Mintaszöveg szerkesztése</a:t>
             </a:r>
           </a:p>
           <a:p>
             <a:pPr lvl="1"/>
             <a:r>
-              <a:rPr lang="hu-HU" smtClean="0"/>
+              <a:rPr lang="hu-HU"/>
               <a:t>Második szint</a:t>
             </a:r>
           </a:p>
           <a:p>
             <a:pPr lvl="2"/>
             <a:r>
-              <a:rPr lang="hu-HU" smtClean="0"/>
+              <a:rPr lang="hu-HU"/>
               <a:t>Harmadik szint</a:t>
             </a:r>
           </a:p>
           <a:p>
             <a:pPr lvl="3"/>
             <a:r>
-              <a:rPr lang="hu-HU" smtClean="0"/>
+              <a:rPr lang="hu-HU"/>
               <a:t>Negyedik szint</a:t>
             </a:r>
           </a:p>
           <a:p>
             <a:pPr lvl="4"/>
             <a:r>
-              <a:rPr lang="hu-HU" smtClean="0"/>
+              <a:rPr lang="hu-HU"/>
               <a:t>Ötödik szint</a:t>
             </a:r>
-            <a:endParaRPr lang="hu-HU"/>
           </a:p>
         </p:txBody>
       </p:sp>
@@ -1244,7 +1243,7 @@
           <a:p>
             <a:fld id="{71E632DD-E401-4CE4-A4E1-B4FCB673BE30}" type="datetimeFigureOut">
               <a:rPr lang="hu-HU" smtClean="0"/>
-              <a:t>2023.01.31.</a:t>
+              <a:t>2023. 01. 31.</a:t>
             </a:fld>
             <a:endParaRPr lang="hu-HU"/>
           </a:p>
@@ -1343,10 +1342,9 @@
           <a:lstStyle/>
           <a:p>
             <a:r>
-              <a:rPr lang="hu-HU" smtClean="0"/>
+              <a:rPr lang="hu-HU"/>
               <a:t>Mintacím szerkesztése</a:t>
             </a:r>
-            <a:endParaRPr lang="hu-HU"/>
           </a:p>
         </p:txBody>
       </p:sp>
@@ -1409,7 +1407,7 @@
           <a:p>
             <a:pPr lvl="0"/>
             <a:r>
-              <a:rPr lang="hu-HU" smtClean="0"/>
+              <a:rPr lang="hu-HU"/>
               <a:t>Mintaszöveg szerkesztése</a:t>
             </a:r>
           </a:p>
@@ -1437,38 +1435,37 @@
           <a:p>
             <a:pPr lvl="0"/>
             <a:r>
-              <a:rPr lang="hu-HU" smtClean="0"/>
+              <a:rPr lang="hu-HU"/>
               <a:t>Mintaszöveg szerkesztése</a:t>
             </a:r>
           </a:p>
           <a:p>
             <a:pPr lvl="1"/>
             <a:r>
-              <a:rPr lang="hu-HU" smtClean="0"/>
+              <a:rPr lang="hu-HU"/>
               <a:t>Második szint</a:t>
             </a:r>
           </a:p>
           <a:p>
             <a:pPr lvl="2"/>
             <a:r>
-              <a:rPr lang="hu-HU" smtClean="0"/>
+              <a:rPr lang="hu-HU"/>
               <a:t>Harmadik szint</a:t>
             </a:r>
           </a:p>
           <a:p>
             <a:pPr lvl="3"/>
             <a:r>
-              <a:rPr lang="hu-HU" smtClean="0"/>
+              <a:rPr lang="hu-HU"/>
               <a:t>Negyedik szint</a:t>
             </a:r>
           </a:p>
           <a:p>
             <a:pPr lvl="4"/>
             <a:r>
-              <a:rPr lang="hu-HU" smtClean="0"/>
+              <a:rPr lang="hu-HU"/>
               <a:t>Ötödik szint</a:t>
             </a:r>
-            <a:endParaRPr lang="hu-HU"/>
           </a:p>
         </p:txBody>
       </p:sp>
@@ -1531,7 +1528,7 @@
           <a:p>
             <a:pPr lvl="0"/>
             <a:r>
-              <a:rPr lang="hu-HU" smtClean="0"/>
+              <a:rPr lang="hu-HU"/>
               <a:t>Mintaszöveg szerkesztése</a:t>
             </a:r>
           </a:p>
@@ -1559,38 +1556,37 @@
           <a:p>
             <a:pPr lvl="0"/>
             <a:r>
-              <a:rPr lang="hu-HU" smtClean="0"/>
+              <a:rPr lang="hu-HU"/>
               <a:t>Mintaszöveg szerkesztése</a:t>
             </a:r>
           </a:p>
           <a:p>
             <a:pPr lvl="1"/>
             <a:r>
-              <a:rPr lang="hu-HU" smtClean="0"/>
+              <a:rPr lang="hu-HU"/>
               <a:t>Második szint</a:t>
             </a:r>
           </a:p>
           <a:p>
             <a:pPr lvl="2"/>
             <a:r>
-              <a:rPr lang="hu-HU" smtClean="0"/>
+              <a:rPr lang="hu-HU"/>
               <a:t>Harmadik szint</a:t>
             </a:r>
           </a:p>
           <a:p>
             <a:pPr lvl="3"/>
             <a:r>
-              <a:rPr lang="hu-HU" smtClean="0"/>
+              <a:rPr lang="hu-HU"/>
               <a:t>Negyedik szint</a:t>
             </a:r>
           </a:p>
           <a:p>
             <a:pPr lvl="4"/>
             <a:r>
-              <a:rPr lang="hu-HU" smtClean="0"/>
+              <a:rPr lang="hu-HU"/>
               <a:t>Ötödik szint</a:t>
             </a:r>
-            <a:endParaRPr lang="hu-HU"/>
           </a:p>
         </p:txBody>
       </p:sp>
@@ -1611,7 +1607,7 @@
           <a:p>
             <a:fld id="{71E632DD-E401-4CE4-A4E1-B4FCB673BE30}" type="datetimeFigureOut">
               <a:rPr lang="hu-HU" smtClean="0"/>
-              <a:t>2023.01.31.</a:t>
+              <a:t>2023. 01. 31.</a:t>
             </a:fld>
             <a:endParaRPr lang="hu-HU"/>
           </a:p>
@@ -1705,10 +1701,9 @@
           <a:lstStyle/>
           <a:p>
             <a:r>
-              <a:rPr lang="hu-HU" smtClean="0"/>
+              <a:rPr lang="hu-HU"/>
               <a:t>Mintacím szerkesztése</a:t>
             </a:r>
-            <a:endParaRPr lang="hu-HU"/>
           </a:p>
         </p:txBody>
       </p:sp>
@@ -1729,7 +1724,7 @@
           <a:p>
             <a:fld id="{71E632DD-E401-4CE4-A4E1-B4FCB673BE30}" type="datetimeFigureOut">
               <a:rPr lang="hu-HU" smtClean="0"/>
-              <a:t>2023.01.31.</a:t>
+              <a:t>2023. 01. 31.</a:t>
             </a:fld>
             <a:endParaRPr lang="hu-HU"/>
           </a:p>
@@ -1824,7 +1819,7 @@
           <a:p>
             <a:fld id="{71E632DD-E401-4CE4-A4E1-B4FCB673BE30}" type="datetimeFigureOut">
               <a:rPr lang="hu-HU" smtClean="0"/>
-              <a:t>2023.01.31.</a:t>
+              <a:t>2023. 01. 31.</a:t>
             </a:fld>
             <a:endParaRPr lang="hu-HU"/>
           </a:p>
@@ -1927,10 +1922,9 @@
           </a:lstStyle>
           <a:p>
             <a:r>
-              <a:rPr lang="hu-HU" smtClean="0"/>
+              <a:rPr lang="hu-HU"/>
               <a:t>Mintacím szerkesztése</a:t>
             </a:r>
-            <a:endParaRPr lang="hu-HU"/>
           </a:p>
         </p:txBody>
       </p:sp>
@@ -1984,38 +1978,37 @@
           <a:p>
             <a:pPr lvl="0"/>
             <a:r>
-              <a:rPr lang="hu-HU" smtClean="0"/>
+              <a:rPr lang="hu-HU"/>
               <a:t>Mintaszöveg szerkesztése</a:t>
             </a:r>
           </a:p>
           <a:p>
             <a:pPr lvl="1"/>
             <a:r>
-              <a:rPr lang="hu-HU" smtClean="0"/>
+              <a:rPr lang="hu-HU"/>
               <a:t>Második szint</a:t>
             </a:r>
           </a:p>
           <a:p>
             <a:pPr lvl="2"/>
             <a:r>
-              <a:rPr lang="hu-HU" smtClean="0"/>
+              <a:rPr lang="hu-HU"/>
               <a:t>Harmadik szint</a:t>
             </a:r>
           </a:p>
           <a:p>
             <a:pPr lvl="3"/>
             <a:r>
-              <a:rPr lang="hu-HU" smtClean="0"/>
+              <a:rPr lang="hu-HU"/>
               <a:t>Negyedik szint</a:t>
             </a:r>
           </a:p>
           <a:p>
             <a:pPr lvl="4"/>
             <a:r>
-              <a:rPr lang="hu-HU" smtClean="0"/>
+              <a:rPr lang="hu-HU"/>
               <a:t>Ötödik szint</a:t>
             </a:r>
-            <a:endParaRPr lang="hu-HU"/>
           </a:p>
         </p:txBody>
       </p:sp>
@@ -2078,7 +2071,7 @@
           <a:p>
             <a:pPr lvl="0"/>
             <a:r>
-              <a:rPr lang="hu-HU" smtClean="0"/>
+              <a:rPr lang="hu-HU"/>
               <a:t>Mintaszöveg szerkesztése</a:t>
             </a:r>
           </a:p>
@@ -2101,7 +2094,7 @@
           <a:p>
             <a:fld id="{71E632DD-E401-4CE4-A4E1-B4FCB673BE30}" type="datetimeFigureOut">
               <a:rPr lang="hu-HU" smtClean="0"/>
-              <a:t>2023.01.31.</a:t>
+              <a:t>2023. 01. 31.</a:t>
             </a:fld>
             <a:endParaRPr lang="hu-HU"/>
           </a:p>
@@ -2204,10 +2197,9 @@
           </a:lstStyle>
           <a:p>
             <a:r>
-              <a:rPr lang="hu-HU" smtClean="0"/>
+              <a:rPr lang="hu-HU"/>
               <a:t>Mintacím szerkesztése</a:t>
             </a:r>
-            <a:endParaRPr lang="hu-HU"/>
           </a:p>
         </p:txBody>
       </p:sp>
@@ -2331,7 +2323,7 @@
           <a:p>
             <a:pPr lvl="0"/>
             <a:r>
-              <a:rPr lang="hu-HU" smtClean="0"/>
+              <a:rPr lang="hu-HU"/>
               <a:t>Mintaszöveg szerkesztése</a:t>
             </a:r>
           </a:p>
@@ -2354,7 +2346,7 @@
           <a:p>
             <a:fld id="{71E632DD-E401-4CE4-A4E1-B4FCB673BE30}" type="datetimeFigureOut">
               <a:rPr lang="hu-HU" smtClean="0"/>
-              <a:t>2023.01.31.</a:t>
+              <a:t>2023. 01. 31.</a:t>
             </a:fld>
             <a:endParaRPr lang="hu-HU"/>
           </a:p>
@@ -2463,10 +2455,9 @@
           <a:lstStyle/>
           <a:p>
             <a:r>
-              <a:rPr lang="hu-HU" smtClean="0"/>
+              <a:rPr lang="hu-HU"/>
               <a:t>Mintacím szerkesztése</a:t>
             </a:r>
-            <a:endParaRPr lang="hu-HU"/>
           </a:p>
         </p:txBody>
       </p:sp>
@@ -2497,38 +2488,37 @@
           <a:p>
             <a:pPr lvl="0"/>
             <a:r>
-              <a:rPr lang="hu-HU" smtClean="0"/>
+              <a:rPr lang="hu-HU"/>
               <a:t>Mintaszöveg szerkesztése</a:t>
             </a:r>
           </a:p>
           <a:p>
             <a:pPr lvl="1"/>
             <a:r>
-              <a:rPr lang="hu-HU" smtClean="0"/>
+              <a:rPr lang="hu-HU"/>
               <a:t>Második szint</a:t>
             </a:r>
           </a:p>
           <a:p>
             <a:pPr lvl="2"/>
             <a:r>
-              <a:rPr lang="hu-HU" smtClean="0"/>
+              <a:rPr lang="hu-HU"/>
               <a:t>Harmadik szint</a:t>
             </a:r>
           </a:p>
           <a:p>
             <a:pPr lvl="3"/>
             <a:r>
-              <a:rPr lang="hu-HU" smtClean="0"/>
+              <a:rPr lang="hu-HU"/>
               <a:t>Negyedik szint</a:t>
             </a:r>
           </a:p>
           <a:p>
             <a:pPr lvl="4"/>
             <a:r>
-              <a:rPr lang="hu-HU" smtClean="0"/>
+              <a:rPr lang="hu-HU"/>
               <a:t>Ötödik szint</a:t>
             </a:r>
-            <a:endParaRPr lang="hu-HU"/>
           </a:p>
         </p:txBody>
       </p:sp>
@@ -2567,7 +2557,7 @@
           <a:p>
             <a:fld id="{71E632DD-E401-4CE4-A4E1-B4FCB673BE30}" type="datetimeFigureOut">
               <a:rPr lang="hu-HU" smtClean="0"/>
-              <a:t>2023.01.31.</a:t>
+              <a:t>2023. 01. 31.</a:t>
             </a:fld>
             <a:endParaRPr lang="hu-HU"/>
           </a:p>
@@ -2990,7 +2980,7 @@
           <a:lstStyle/>
           <a:p>
             <a:r>
-              <a:rPr lang="hu-HU" sz="7200" dirty="0" err="1" smtClean="0">
+              <a:rPr lang="hu-HU" sz="7200" dirty="0" err="1">
                 <a:latin typeface="Arial" panose="020B0604020202020204" pitchFamily="34" charset="0"/>
                 <a:ea typeface="Arial Unicode MS" panose="020B0604020202020204" pitchFamily="34" charset="-128"/>
                 <a:cs typeface="Arial" panose="020B0604020202020204" pitchFamily="34" charset="0"/>
@@ -3021,7 +3011,7 @@
           <a:lstStyle/>
           <a:p>
             <a:r>
-              <a:rPr lang="hu-HU" dirty="0" smtClean="0">
+              <a:rPr lang="hu-HU" dirty="0">
                 <a:latin typeface="Arial" panose="020B0604020202020204" pitchFamily="34" charset="0"/>
                 <a:cs typeface="Arial" panose="020B0604020202020204" pitchFamily="34" charset="0"/>
               </a:rPr>
@@ -3030,16 +3020,12 @@
           </a:p>
           <a:p>
             <a:r>
-              <a:rPr lang="hu-HU" dirty="0" smtClean="0">
+              <a:rPr lang="hu-HU" dirty="0">
                 <a:latin typeface="Arial" panose="020B0604020202020204" pitchFamily="34" charset="0"/>
                 <a:cs typeface="Arial" panose="020B0604020202020204" pitchFamily="34" charset="0"/>
               </a:rPr>
               <a:t>Projekt tagjai: Terdik Zalán, Török Péter, Vér Bence</a:t>
             </a:r>
-            <a:endParaRPr lang="hu-HU" dirty="0">
-              <a:latin typeface="Arial" panose="020B0604020202020204" pitchFamily="34" charset="0"/>
-              <a:cs typeface="Arial" panose="020B0604020202020204" pitchFamily="34" charset="0"/>
-            </a:endParaRPr>
           </a:p>
         </p:txBody>
       </p:sp>
@@ -3047,6 +3033,445 @@
     <p:extLst>
       <p:ext uri="{BB962C8B-B14F-4D97-AF65-F5344CB8AC3E}">
         <p14:creationId xmlns:p14="http://schemas.microsoft.com/office/powerpoint/2010/main" val="3791667506"/>
+      </p:ext>
+    </p:extLst>
+  </p:cSld>
+  <p:clrMapOvr>
+    <a:masterClrMapping/>
+  </p:clrMapOvr>
+</p:sld>
+</file>
+
+<file path=ppt/slides/slide10.xml><?xml version="1.0" encoding="utf-8"?>
+<p:sld xmlns:a="http://schemas.openxmlformats.org/drawingml/2006/main" xmlns:r="http://schemas.openxmlformats.org/officeDocument/2006/relationships" xmlns:p="http://schemas.openxmlformats.org/presentationml/2006/main">
+  <p:cSld>
+    <p:spTree>
+      <p:nvGrpSpPr>
+        <p:cNvPr id="1" name=""/>
+        <p:cNvGrpSpPr/>
+        <p:nvPr/>
+      </p:nvGrpSpPr>
+      <p:grpSpPr>
+        <a:xfrm>
+          <a:off x="0" y="0"/>
+          <a:ext cx="0" cy="0"/>
+          <a:chOff x="0" y="0"/>
+          <a:chExt cx="0" cy="0"/>
+        </a:xfrm>
+      </p:grpSpPr>
+      <p:sp>
+        <p:nvSpPr>
+          <p:cNvPr id="2" name="Cím 1"/>
+          <p:cNvSpPr>
+            <a:spLocks noGrp="1"/>
+          </p:cNvSpPr>
+          <p:nvPr>
+            <p:ph type="ctrTitle"/>
+          </p:nvPr>
+        </p:nvSpPr>
+        <p:spPr>
+          <a:xfrm>
+            <a:off x="1524000" y="1490663"/>
+            <a:ext cx="9144000" cy="2387600"/>
+          </a:xfrm>
+        </p:spPr>
+        <p:txBody>
+          <a:bodyPr>
+            <a:normAutofit/>
+          </a:bodyPr>
+          <a:lstStyle/>
+          <a:p>
+            <a:r>
+              <a:rPr lang="hu-HU" sz="7200" dirty="0">
+                <a:latin typeface="Arial" panose="020B0604020202020204" pitchFamily="34" charset="0"/>
+                <a:ea typeface="Arial Unicode MS" panose="020B0604020202020204" pitchFamily="34" charset="-128"/>
+                <a:cs typeface="Arial" panose="020B0604020202020204" pitchFamily="34" charset="0"/>
+              </a:rPr>
+              <a:t>Megvalósítás</a:t>
+            </a:r>
+          </a:p>
+        </p:txBody>
+      </p:sp>
+    </p:spTree>
+    <p:extLst>
+      <p:ext uri="{BB962C8B-B14F-4D97-AF65-F5344CB8AC3E}">
+        <p14:creationId xmlns:p14="http://schemas.microsoft.com/office/powerpoint/2010/main" val="101238564"/>
+      </p:ext>
+    </p:extLst>
+  </p:cSld>
+  <p:clrMapOvr>
+    <a:masterClrMapping/>
+  </p:clrMapOvr>
+</p:sld>
+</file>
+
+<file path=ppt/slides/slide11.xml><?xml version="1.0" encoding="utf-8"?>
+<p:sld xmlns:a="http://schemas.openxmlformats.org/drawingml/2006/main" xmlns:r="http://schemas.openxmlformats.org/officeDocument/2006/relationships" xmlns:p="http://schemas.openxmlformats.org/presentationml/2006/main">
+  <p:cSld>
+    <p:spTree>
+      <p:nvGrpSpPr>
+        <p:cNvPr id="1" name=""/>
+        <p:cNvGrpSpPr/>
+        <p:nvPr/>
+      </p:nvGrpSpPr>
+      <p:grpSpPr>
+        <a:xfrm>
+          <a:off x="0" y="0"/>
+          <a:ext cx="0" cy="0"/>
+          <a:chOff x="0" y="0"/>
+          <a:chExt cx="0" cy="0"/>
+        </a:xfrm>
+      </p:grpSpPr>
+      <p:sp>
+        <p:nvSpPr>
+          <p:cNvPr id="2" name="Cím 1"/>
+          <p:cNvSpPr>
+            <a:spLocks noGrp="1"/>
+          </p:cNvSpPr>
+          <p:nvPr>
+            <p:ph type="title"/>
+          </p:nvPr>
+        </p:nvSpPr>
+        <p:spPr/>
+        <p:txBody>
+          <a:bodyPr/>
+          <a:lstStyle/>
+          <a:p>
+            <a:endParaRPr lang="hu-HU"/>
+          </a:p>
+        </p:txBody>
+      </p:sp>
+      <p:sp>
+        <p:nvSpPr>
+          <p:cNvPr id="3" name="Tartalom helye 2"/>
+          <p:cNvSpPr>
+            <a:spLocks noGrp="1"/>
+          </p:cNvSpPr>
+          <p:nvPr>
+            <p:ph idx="1"/>
+          </p:nvPr>
+        </p:nvSpPr>
+        <p:spPr/>
+        <p:txBody>
+          <a:bodyPr/>
+          <a:lstStyle/>
+          <a:p>
+            <a:endParaRPr lang="hu-HU"/>
+          </a:p>
+        </p:txBody>
+      </p:sp>
+    </p:spTree>
+    <p:extLst>
+      <p:ext uri="{BB962C8B-B14F-4D97-AF65-F5344CB8AC3E}">
+        <p14:creationId xmlns:p14="http://schemas.microsoft.com/office/powerpoint/2010/main" val="2893485710"/>
+      </p:ext>
+    </p:extLst>
+  </p:cSld>
+  <p:clrMapOvr>
+    <a:masterClrMapping/>
+  </p:clrMapOvr>
+</p:sld>
+</file>
+
+<file path=ppt/slides/slide12.xml><?xml version="1.0" encoding="utf-8"?>
+<p:sld xmlns:a="http://schemas.openxmlformats.org/drawingml/2006/main" xmlns:r="http://schemas.openxmlformats.org/officeDocument/2006/relationships" xmlns:p="http://schemas.openxmlformats.org/presentationml/2006/main">
+  <p:cSld>
+    <p:spTree>
+      <p:nvGrpSpPr>
+        <p:cNvPr id="1" name=""/>
+        <p:cNvGrpSpPr/>
+        <p:nvPr/>
+      </p:nvGrpSpPr>
+      <p:grpSpPr>
+        <a:xfrm>
+          <a:off x="0" y="0"/>
+          <a:ext cx="0" cy="0"/>
+          <a:chOff x="0" y="0"/>
+          <a:chExt cx="0" cy="0"/>
+        </a:xfrm>
+      </p:grpSpPr>
+      <p:sp>
+        <p:nvSpPr>
+          <p:cNvPr id="2" name="Title 1">
+            <a:extLst>
+              <a:ext uri="{FF2B5EF4-FFF2-40B4-BE49-F238E27FC236}">
+                <a16:creationId xmlns:a16="http://schemas.microsoft.com/office/drawing/2014/main" id="{43F47DFC-B619-7D01-D3D0-53FB72AF8E8C}"/>
+              </a:ext>
+            </a:extLst>
+          </p:cNvPr>
+          <p:cNvSpPr>
+            <a:spLocks noGrp="1"/>
+          </p:cNvSpPr>
+          <p:nvPr>
+            <p:ph type="title"/>
+          </p:nvPr>
+        </p:nvSpPr>
+        <p:spPr/>
+        <p:txBody>
+          <a:bodyPr/>
+          <a:lstStyle/>
+          <a:p>
+            <a:endParaRPr lang="en-US"/>
+          </a:p>
+        </p:txBody>
+      </p:sp>
+      <p:sp>
+        <p:nvSpPr>
+          <p:cNvPr id="3" name="Content Placeholder 2">
+            <a:extLst>
+              <a:ext uri="{FF2B5EF4-FFF2-40B4-BE49-F238E27FC236}">
+                <a16:creationId xmlns:a16="http://schemas.microsoft.com/office/drawing/2014/main" id="{ADB4DFEB-D797-23EC-0BCF-B306E1A6C09B}"/>
+              </a:ext>
+            </a:extLst>
+          </p:cNvPr>
+          <p:cNvSpPr>
+            <a:spLocks noGrp="1"/>
+          </p:cNvSpPr>
+          <p:nvPr>
+            <p:ph idx="1"/>
+          </p:nvPr>
+        </p:nvSpPr>
+        <p:spPr/>
+        <p:txBody>
+          <a:bodyPr/>
+          <a:lstStyle/>
+          <a:p>
+            <a:endParaRPr lang="en-US"/>
+          </a:p>
+        </p:txBody>
+      </p:sp>
+    </p:spTree>
+    <p:extLst>
+      <p:ext uri="{BB962C8B-B14F-4D97-AF65-F5344CB8AC3E}">
+        <p14:creationId xmlns:p14="http://schemas.microsoft.com/office/powerpoint/2010/main" val="1037935441"/>
+      </p:ext>
+    </p:extLst>
+  </p:cSld>
+  <p:clrMapOvr>
+    <a:masterClrMapping/>
+  </p:clrMapOvr>
+</p:sld>
+</file>
+
+<file path=ppt/slides/slide13.xml><?xml version="1.0" encoding="utf-8"?>
+<p:sld xmlns:a="http://schemas.openxmlformats.org/drawingml/2006/main" xmlns:r="http://schemas.openxmlformats.org/officeDocument/2006/relationships" xmlns:p="http://schemas.openxmlformats.org/presentationml/2006/main">
+  <p:cSld>
+    <p:spTree>
+      <p:nvGrpSpPr>
+        <p:cNvPr id="1" name=""/>
+        <p:cNvGrpSpPr/>
+        <p:nvPr/>
+      </p:nvGrpSpPr>
+      <p:grpSpPr>
+        <a:xfrm>
+          <a:off x="0" y="0"/>
+          <a:ext cx="0" cy="0"/>
+          <a:chOff x="0" y="0"/>
+          <a:chExt cx="0" cy="0"/>
+        </a:xfrm>
+      </p:grpSpPr>
+      <p:sp>
+        <p:nvSpPr>
+          <p:cNvPr id="2" name="Title 1">
+            <a:extLst>
+              <a:ext uri="{FF2B5EF4-FFF2-40B4-BE49-F238E27FC236}">
+                <a16:creationId xmlns:a16="http://schemas.microsoft.com/office/drawing/2014/main" id="{EC5B04F0-763D-039E-C2E8-A315B4DE6926}"/>
+              </a:ext>
+            </a:extLst>
+          </p:cNvPr>
+          <p:cNvSpPr>
+            <a:spLocks noGrp="1"/>
+          </p:cNvSpPr>
+          <p:nvPr>
+            <p:ph type="title"/>
+          </p:nvPr>
+        </p:nvSpPr>
+        <p:spPr/>
+        <p:txBody>
+          <a:bodyPr/>
+          <a:lstStyle/>
+          <a:p>
+            <a:endParaRPr lang="en-US"/>
+          </a:p>
+        </p:txBody>
+      </p:sp>
+      <p:sp>
+        <p:nvSpPr>
+          <p:cNvPr id="3" name="Content Placeholder 2">
+            <a:extLst>
+              <a:ext uri="{FF2B5EF4-FFF2-40B4-BE49-F238E27FC236}">
+                <a16:creationId xmlns:a16="http://schemas.microsoft.com/office/drawing/2014/main" id="{E49BB02E-E330-60F3-DB9A-6423564E0BE3}"/>
+              </a:ext>
+            </a:extLst>
+          </p:cNvPr>
+          <p:cNvSpPr>
+            <a:spLocks noGrp="1"/>
+          </p:cNvSpPr>
+          <p:nvPr>
+            <p:ph idx="1"/>
+          </p:nvPr>
+        </p:nvSpPr>
+        <p:spPr/>
+        <p:txBody>
+          <a:bodyPr/>
+          <a:lstStyle/>
+          <a:p>
+            <a:endParaRPr lang="en-US"/>
+          </a:p>
+        </p:txBody>
+      </p:sp>
+    </p:spTree>
+    <p:extLst>
+      <p:ext uri="{BB962C8B-B14F-4D97-AF65-F5344CB8AC3E}">
+        <p14:creationId xmlns:p14="http://schemas.microsoft.com/office/powerpoint/2010/main" val="3874125964"/>
+      </p:ext>
+    </p:extLst>
+  </p:cSld>
+  <p:clrMapOvr>
+    <a:masterClrMapping/>
+  </p:clrMapOvr>
+</p:sld>
+</file>
+
+<file path=ppt/slides/slide14.xml><?xml version="1.0" encoding="utf-8"?>
+<p:sld xmlns:a="http://schemas.openxmlformats.org/drawingml/2006/main" xmlns:r="http://schemas.openxmlformats.org/officeDocument/2006/relationships" xmlns:p="http://schemas.openxmlformats.org/presentationml/2006/main">
+  <p:cSld>
+    <p:spTree>
+      <p:nvGrpSpPr>
+        <p:cNvPr id="1" name=""/>
+        <p:cNvGrpSpPr/>
+        <p:nvPr/>
+      </p:nvGrpSpPr>
+      <p:grpSpPr>
+        <a:xfrm>
+          <a:off x="0" y="0"/>
+          <a:ext cx="0" cy="0"/>
+          <a:chOff x="0" y="0"/>
+          <a:chExt cx="0" cy="0"/>
+        </a:xfrm>
+      </p:grpSpPr>
+      <p:sp>
+        <p:nvSpPr>
+          <p:cNvPr id="2" name="Title 1">
+            <a:extLst>
+              <a:ext uri="{FF2B5EF4-FFF2-40B4-BE49-F238E27FC236}">
+                <a16:creationId xmlns:a16="http://schemas.microsoft.com/office/drawing/2014/main" id="{713AE4D2-94C1-5010-B749-8FAAF4BE032C}"/>
+              </a:ext>
+            </a:extLst>
+          </p:cNvPr>
+          <p:cNvSpPr>
+            <a:spLocks noGrp="1"/>
+          </p:cNvSpPr>
+          <p:nvPr>
+            <p:ph type="title"/>
+          </p:nvPr>
+        </p:nvSpPr>
+        <p:spPr/>
+        <p:txBody>
+          <a:bodyPr/>
+          <a:lstStyle/>
+          <a:p>
+            <a:endParaRPr lang="en-US"/>
+          </a:p>
+        </p:txBody>
+      </p:sp>
+      <p:sp>
+        <p:nvSpPr>
+          <p:cNvPr id="3" name="Content Placeholder 2">
+            <a:extLst>
+              <a:ext uri="{FF2B5EF4-FFF2-40B4-BE49-F238E27FC236}">
+                <a16:creationId xmlns:a16="http://schemas.microsoft.com/office/drawing/2014/main" id="{CC8DBA58-CC8E-9B23-1A23-B919CBE84712}"/>
+              </a:ext>
+            </a:extLst>
+          </p:cNvPr>
+          <p:cNvSpPr>
+            <a:spLocks noGrp="1"/>
+          </p:cNvSpPr>
+          <p:nvPr>
+            <p:ph idx="1"/>
+          </p:nvPr>
+        </p:nvSpPr>
+        <p:spPr/>
+        <p:txBody>
+          <a:bodyPr/>
+          <a:lstStyle/>
+          <a:p>
+            <a:endParaRPr lang="en-US"/>
+          </a:p>
+        </p:txBody>
+      </p:sp>
+    </p:spTree>
+    <p:extLst>
+      <p:ext uri="{BB962C8B-B14F-4D97-AF65-F5344CB8AC3E}">
+        <p14:creationId xmlns:p14="http://schemas.microsoft.com/office/powerpoint/2010/main" val="3456065911"/>
+      </p:ext>
+    </p:extLst>
+  </p:cSld>
+  <p:clrMapOvr>
+    <a:masterClrMapping/>
+  </p:clrMapOvr>
+</p:sld>
+</file>
+
+<file path=ppt/slides/slide15.xml><?xml version="1.0" encoding="utf-8"?>
+<p:sld xmlns:a="http://schemas.openxmlformats.org/drawingml/2006/main" xmlns:r="http://schemas.openxmlformats.org/officeDocument/2006/relationships" xmlns:p="http://schemas.openxmlformats.org/presentationml/2006/main">
+  <p:cSld>
+    <p:spTree>
+      <p:nvGrpSpPr>
+        <p:cNvPr id="1" name=""/>
+        <p:cNvGrpSpPr/>
+        <p:nvPr/>
+      </p:nvGrpSpPr>
+      <p:grpSpPr>
+        <a:xfrm>
+          <a:off x="0" y="0"/>
+          <a:ext cx="0" cy="0"/>
+          <a:chOff x="0" y="0"/>
+          <a:chExt cx="0" cy="0"/>
+        </a:xfrm>
+      </p:grpSpPr>
+      <p:sp>
+        <p:nvSpPr>
+          <p:cNvPr id="2" name="Cím 1"/>
+          <p:cNvSpPr>
+            <a:spLocks noGrp="1"/>
+          </p:cNvSpPr>
+          <p:nvPr>
+            <p:ph type="title"/>
+          </p:nvPr>
+        </p:nvSpPr>
+        <p:spPr/>
+        <p:txBody>
+          <a:bodyPr/>
+          <a:lstStyle/>
+          <a:p>
+            <a:endParaRPr lang="hu-HU"/>
+          </a:p>
+        </p:txBody>
+      </p:sp>
+      <p:sp>
+        <p:nvSpPr>
+          <p:cNvPr id="3" name="Tartalom helye 2"/>
+          <p:cNvSpPr>
+            <a:spLocks noGrp="1"/>
+          </p:cNvSpPr>
+          <p:nvPr>
+            <p:ph idx="1"/>
+          </p:nvPr>
+        </p:nvSpPr>
+        <p:spPr/>
+        <p:txBody>
+          <a:bodyPr/>
+          <a:lstStyle/>
+          <a:p>
+            <a:endParaRPr lang="hu-HU"/>
+          </a:p>
+        </p:txBody>
+      </p:sp>
+    </p:spTree>
+    <p:extLst>
+      <p:ext uri="{BB962C8B-B14F-4D97-AF65-F5344CB8AC3E}">
+        <p14:creationId xmlns:p14="http://schemas.microsoft.com/office/powerpoint/2010/main" val="3200625206"/>
       </p:ext>
     </p:extLst>
   </p:cSld>
@@ -3089,38 +3514,37 @@
           <a:lstStyle/>
           <a:p>
             <a:r>
-              <a:rPr lang="hu-HU" dirty="0" err="1" smtClean="0"/>
+              <a:rPr lang="hu-HU" dirty="0" err="1"/>
               <a:t>Projektleiras</a:t>
             </a:r>
             <a:r>
-              <a:rPr lang="hu-HU" dirty="0" smtClean="0"/>
+              <a:rPr lang="hu-HU" dirty="0"/>
               <a:t>, </a:t>
             </a:r>
             <a:r>
-              <a:rPr lang="hu-HU" dirty="0" err="1" smtClean="0"/>
+              <a:rPr lang="hu-HU" dirty="0" err="1"/>
               <a:t>fejlesztokornyezet</a:t>
             </a:r>
             <a:r>
-              <a:rPr lang="hu-HU" dirty="0" smtClean="0"/>
+              <a:rPr lang="hu-HU" dirty="0"/>
               <a:t>, </a:t>
             </a:r>
             <a:r>
-              <a:rPr lang="hu-HU" dirty="0" err="1" smtClean="0"/>
+              <a:rPr lang="hu-HU" dirty="0" err="1"/>
               <a:t>sajat</a:t>
             </a:r>
             <a:r>
-              <a:rPr lang="hu-HU" dirty="0" smtClean="0"/>
+              <a:rPr lang="hu-HU" dirty="0"/>
               <a:t> </a:t>
             </a:r>
             <a:r>
-              <a:rPr lang="hu-HU" dirty="0" err="1" smtClean="0"/>
+              <a:rPr lang="hu-HU" dirty="0" err="1"/>
               <a:t>reszrol</a:t>
             </a:r>
             <a:r>
-              <a:rPr lang="hu-HU" dirty="0" smtClean="0"/>
+              <a:rPr lang="hu-HU" dirty="0"/>
               <a:t> beszelni</a:t>
             </a:r>
-            <a:endParaRPr lang="hu-HU" dirty="0"/>
           </a:p>
         </p:txBody>
       </p:sp>
@@ -3189,16 +3613,12 @@
           <a:lstStyle/>
           <a:p>
             <a:r>
-              <a:rPr lang="hu-HU" dirty="0" smtClean="0">
+              <a:rPr lang="hu-HU" dirty="0">
                 <a:latin typeface="Arial" panose="020B0604020202020204" pitchFamily="34" charset="0"/>
                 <a:cs typeface="Arial" panose="020B0604020202020204" pitchFamily="34" charset="0"/>
               </a:rPr>
               <a:t>Mi volt a feladat?</a:t>
             </a:r>
-            <a:endParaRPr lang="hu-HU" dirty="0">
-              <a:latin typeface="Arial" panose="020B0604020202020204" pitchFamily="34" charset="0"/>
-              <a:cs typeface="Arial" panose="020B0604020202020204" pitchFamily="34" charset="0"/>
-            </a:endParaRPr>
           </a:p>
         </p:txBody>
       </p:sp>
@@ -3218,33 +3638,50 @@
           <a:lstStyle/>
           <a:p>
             <a:r>
-              <a:rPr lang="hu-HU" dirty="0" smtClean="0"/>
+              <a:rPr lang="hu-HU" dirty="0">
+                <a:latin typeface="Arial" panose="020B0604020202020204" pitchFamily="34" charset="0"/>
+                <a:cs typeface="Arial" panose="020B0604020202020204" pitchFamily="34" charset="0"/>
+              </a:rPr>
               <a:t>Egy </a:t>
             </a:r>
             <a:r>
-              <a:rPr lang="hu-HU" dirty="0" err="1" smtClean="0"/>
+              <a:rPr lang="hu-HU" dirty="0" err="1">
+                <a:latin typeface="Arial" panose="020B0604020202020204" pitchFamily="34" charset="0"/>
+                <a:cs typeface="Arial" panose="020B0604020202020204" pitchFamily="34" charset="0"/>
+              </a:rPr>
               <a:t>barkácsárúház</a:t>
             </a:r>
             <a:r>
-              <a:rPr lang="hu-HU" dirty="0" smtClean="0"/>
+              <a:rPr lang="hu-HU" dirty="0">
+                <a:latin typeface="Arial" panose="020B0604020202020204" pitchFamily="34" charset="0"/>
+                <a:cs typeface="Arial" panose="020B0604020202020204" pitchFamily="34" charset="0"/>
+              </a:rPr>
               <a:t> oldal felújítása/modernizálása</a:t>
             </a:r>
           </a:p>
           <a:p>
             <a:pPr lvl="1"/>
             <a:r>
-              <a:rPr lang="hu-HU" dirty="0" smtClean="0"/>
+              <a:rPr lang="hu-HU" dirty="0">
+                <a:latin typeface="Arial" panose="020B0604020202020204" pitchFamily="34" charset="0"/>
+                <a:cs typeface="Arial" panose="020B0604020202020204" pitchFamily="34" charset="0"/>
+              </a:rPr>
               <a:t>Ez </a:t>
             </a:r>
             <a:r>
-              <a:rPr lang="hu-HU" dirty="0" err="1" smtClean="0"/>
+              <a:rPr lang="hu-HU" dirty="0" err="1">
+                <a:latin typeface="Arial" panose="020B0604020202020204" pitchFamily="34" charset="0"/>
+                <a:cs typeface="Arial" panose="020B0604020202020204" pitchFamily="34" charset="0"/>
+              </a:rPr>
               <a:t>Bootstrappel</a:t>
             </a:r>
             <a:r>
-              <a:rPr lang="hu-HU" dirty="0" smtClean="0"/>
+              <a:rPr lang="hu-HU" dirty="0">
+                <a:latin typeface="Arial" panose="020B0604020202020204" pitchFamily="34" charset="0"/>
+                <a:cs typeface="Arial" panose="020B0604020202020204" pitchFamily="34" charset="0"/>
+              </a:rPr>
               <a:t> valósult meg </a:t>
             </a:r>
-            <a:endParaRPr lang="hu-HU" dirty="0"/>
           </a:p>
         </p:txBody>
       </p:sp>
@@ -3389,18 +3826,13 @@
           <a:lstStyle/>
           <a:p>
             <a:r>
-              <a:rPr lang="hu-HU" sz="7200" dirty="0" smtClean="0">
+              <a:rPr lang="hu-HU" sz="7200" dirty="0">
                 <a:latin typeface="Arial" panose="020B0604020202020204" pitchFamily="34" charset="0"/>
                 <a:ea typeface="Arial Unicode MS" panose="020B0604020202020204" pitchFamily="34" charset="-128"/>
                 <a:cs typeface="Arial" panose="020B0604020202020204" pitchFamily="34" charset="0"/>
               </a:rPr>
               <a:t>Tervezés</a:t>
             </a:r>
-            <a:endParaRPr lang="hu-HU" sz="7200" dirty="0">
-              <a:latin typeface="Arial" panose="020B0604020202020204" pitchFamily="34" charset="0"/>
-              <a:ea typeface="Arial Unicode MS" panose="020B0604020202020204" pitchFamily="34" charset="-128"/>
-              <a:cs typeface="Arial" panose="020B0604020202020204" pitchFamily="34" charset="0"/>
-            </a:endParaRPr>
           </a:p>
         </p:txBody>
       </p:sp>
@@ -3414,13 +3846,6 @@
   <p:clrMapOvr>
     <a:masterClrMapping/>
   </p:clrMapOvr>
-  <p:timing>
-    <p:tnLst>
-      <p:par>
-        <p:cTn id="1" dur="indefinite" restart="never" nodeType="tmRoot"/>
-      </p:par>
-    </p:tnLst>
-  </p:timing>
 </p:sld>
 </file>
 
@@ -3457,16 +3882,12 @@
           <a:lstStyle/>
           <a:p>
             <a:r>
-              <a:rPr lang="hu-HU" dirty="0" smtClean="0">
+              <a:rPr lang="hu-HU" dirty="0">
                 <a:latin typeface="Arial" panose="020B0604020202020204" pitchFamily="34" charset="0"/>
                 <a:cs typeface="Arial" panose="020B0604020202020204" pitchFamily="34" charset="0"/>
               </a:rPr>
               <a:t>Oldal design</a:t>
             </a:r>
-            <a:endParaRPr lang="hu-HU" dirty="0">
-              <a:latin typeface="Arial" panose="020B0604020202020204" pitchFamily="34" charset="0"/>
-              <a:cs typeface="Arial" panose="020B0604020202020204" pitchFamily="34" charset="0"/>
-            </a:endParaRPr>
           </a:p>
         </p:txBody>
       </p:sp>
@@ -3489,7 +3910,7 @@
               <a:buNone/>
             </a:pPr>
             <a:r>
-              <a:rPr lang="hu-HU" dirty="0" smtClean="0">
+              <a:rPr lang="hu-HU" dirty="0">
                 <a:latin typeface="Arial" panose="020B0604020202020204" pitchFamily="34" charset="0"/>
                 <a:cs typeface="Arial" panose="020B0604020202020204" pitchFamily="34" charset="0"/>
               </a:rPr>
@@ -3598,13 +4019,6 @@
   <p:clrMapOvr>
     <a:masterClrMapping/>
   </p:clrMapOvr>
-  <p:timing>
-    <p:tnLst>
-      <p:par>
-        <p:cTn id="1" dur="indefinite" restart="never" nodeType="tmRoot"/>
-      </p:par>
-    </p:tnLst>
-  </p:timing>
 </p:sld>
 </file>
 
@@ -3640,7 +4054,13 @@
           <a:bodyPr/>
           <a:lstStyle/>
           <a:p>
-            <a:endParaRPr lang="hu-HU"/>
+            <a:r>
+              <a:rPr lang="hu-HU" dirty="0">
+                <a:latin typeface="Arial" panose="020B0604020202020204" pitchFamily="34" charset="0"/>
+                <a:cs typeface="Arial" panose="020B0604020202020204" pitchFamily="34" charset="0"/>
+              </a:rPr>
+              <a:t>Oldal design</a:t>
+            </a:r>
           </a:p>
         </p:txBody>
       </p:sp>
@@ -3659,27 +4079,29 @@
           <a:bodyPr/>
           <a:lstStyle/>
           <a:p>
-            <a:endParaRPr lang="hu-HU"/>
+            <a:pPr marL="0" indent="0" algn="ctr">
+              <a:buNone/>
+            </a:pPr>
+            <a:r>
+              <a:rPr lang="hu-HU" dirty="0">
+                <a:latin typeface="Arial" panose="020B0604020202020204" pitchFamily="34" charset="0"/>
+                <a:cs typeface="Arial" panose="020B0604020202020204" pitchFamily="34" charset="0"/>
+              </a:rPr>
+              <a:t>Mindenki csinált először egy drótvázat </a:t>
+            </a:r>
           </a:p>
         </p:txBody>
       </p:sp>
     </p:spTree>
     <p:extLst>
       <p:ext uri="{BB962C8B-B14F-4D97-AF65-F5344CB8AC3E}">
-        <p14:creationId xmlns:p14="http://schemas.microsoft.com/office/powerpoint/2010/main" val="1207112714"/>
+        <p14:creationId xmlns:p14="http://schemas.microsoft.com/office/powerpoint/2010/main" val="280880543"/>
       </p:ext>
     </p:extLst>
   </p:cSld>
   <p:clrMapOvr>
     <a:masterClrMapping/>
   </p:clrMapOvr>
-  <p:timing>
-    <p:tnLst>
-      <p:par>
-        <p:cTn id="1" dur="indefinite" restart="never" nodeType="tmRoot"/>
-      </p:par>
-    </p:tnLst>
-  </p:timing>
 </p:sld>
 </file>
 
@@ -3707,41 +4129,56 @@
             <a:spLocks noGrp="1"/>
           </p:cNvSpPr>
           <p:nvPr>
-            <p:ph type="ctrTitle"/>
-          </p:nvPr>
-        </p:nvSpPr>
-        <p:spPr>
-          <a:xfrm>
-            <a:off x="1524000" y="1490663"/>
-            <a:ext cx="9144000" cy="2387600"/>
-          </a:xfrm>
-        </p:spPr>
-        <p:txBody>
-          <a:bodyPr>
-            <a:normAutofit/>
-          </a:bodyPr>
-          <a:lstStyle/>
-          <a:p>
-            <a:r>
-              <a:rPr lang="hu-HU" sz="7200" dirty="0" smtClean="0">
+            <p:ph type="title"/>
+          </p:nvPr>
+        </p:nvSpPr>
+        <p:spPr/>
+        <p:txBody>
+          <a:bodyPr/>
+          <a:lstStyle/>
+          <a:p>
+            <a:r>
+              <a:rPr lang="hu-HU" dirty="0">
                 <a:latin typeface="Arial" panose="020B0604020202020204" pitchFamily="34" charset="0"/>
-                <a:ea typeface="Arial Unicode MS" panose="020B0604020202020204" pitchFamily="34" charset="-128"/>
                 <a:cs typeface="Arial" panose="020B0604020202020204" pitchFamily="34" charset="0"/>
               </a:rPr>
-              <a:t>Megvalósítás</a:t>
-            </a:r>
-            <a:endParaRPr lang="hu-HU" sz="7200" dirty="0">
-              <a:latin typeface="Arial" panose="020B0604020202020204" pitchFamily="34" charset="0"/>
-              <a:ea typeface="Arial Unicode MS" panose="020B0604020202020204" pitchFamily="34" charset="-128"/>
-              <a:cs typeface="Arial" panose="020B0604020202020204" pitchFamily="34" charset="0"/>
-            </a:endParaRPr>
+              <a:t>Oldal design</a:t>
+            </a:r>
+          </a:p>
+        </p:txBody>
+      </p:sp>
+      <p:sp>
+        <p:nvSpPr>
+          <p:cNvPr id="3" name="Tartalom helye 2"/>
+          <p:cNvSpPr>
+            <a:spLocks noGrp="1"/>
+          </p:cNvSpPr>
+          <p:nvPr>
+            <p:ph idx="1"/>
+          </p:nvPr>
+        </p:nvSpPr>
+        <p:spPr/>
+        <p:txBody>
+          <a:bodyPr/>
+          <a:lstStyle/>
+          <a:p>
+            <a:pPr marL="0" indent="0" algn="ctr">
+              <a:buNone/>
+            </a:pPr>
+            <a:r>
+              <a:rPr lang="hu-HU" dirty="0">
+                <a:latin typeface="Arial" panose="020B0604020202020204" pitchFamily="34" charset="0"/>
+                <a:cs typeface="Arial" panose="020B0604020202020204" pitchFamily="34" charset="0"/>
+              </a:rPr>
+              <a:t>Mindenki csinált először egy drótvázat </a:t>
+            </a:r>
           </a:p>
         </p:txBody>
       </p:sp>
     </p:spTree>
     <p:extLst>
       <p:ext uri="{BB962C8B-B14F-4D97-AF65-F5344CB8AC3E}">
-        <p14:creationId xmlns:p14="http://schemas.microsoft.com/office/powerpoint/2010/main" val="101238564"/>
+        <p14:creationId xmlns:p14="http://schemas.microsoft.com/office/powerpoint/2010/main" val="792134925"/>
       </p:ext>
     </p:extLst>
   </p:cSld>
@@ -3783,7 +4220,24 @@
           <a:bodyPr/>
           <a:lstStyle/>
           <a:p>
-            <a:endParaRPr lang="hu-HU"/>
+            <a:r>
+              <a:rPr lang="en-US" dirty="0" err="1">
+                <a:latin typeface="Arial" panose="020B0604020202020204" pitchFamily="34" charset="0"/>
+                <a:cs typeface="Arial" panose="020B0604020202020204" pitchFamily="34" charset="0"/>
+              </a:rPr>
+              <a:t>Oldal</a:t>
+            </a:r>
+            <a:r>
+              <a:rPr lang="en-US" dirty="0">
+                <a:latin typeface="Arial" panose="020B0604020202020204" pitchFamily="34" charset="0"/>
+                <a:cs typeface="Arial" panose="020B0604020202020204" pitchFamily="34" charset="0"/>
+              </a:rPr>
+              <a:t> design</a:t>
+            </a:r>
+            <a:endParaRPr lang="hu-HU" dirty="0">
+              <a:latin typeface="Arial" panose="020B0604020202020204" pitchFamily="34" charset="0"/>
+              <a:cs typeface="Arial" panose="020B0604020202020204" pitchFamily="34" charset="0"/>
+            </a:endParaRPr>
           </a:p>
         </p:txBody>
       </p:sp>
@@ -3802,14 +4256,83 @@
           <a:bodyPr/>
           <a:lstStyle/>
           <a:p>
-            <a:endParaRPr lang="hu-HU"/>
+            <a:pPr marL="0" indent="0" algn="ctr">
+              <a:buNone/>
+            </a:pPr>
+            <a:r>
+              <a:rPr lang="en-US" dirty="0" err="1">
+                <a:latin typeface="Arial" panose="020B0604020202020204" pitchFamily="34" charset="0"/>
+                <a:cs typeface="Arial" panose="020B0604020202020204" pitchFamily="34" charset="0"/>
+              </a:rPr>
+              <a:t>Ezután</a:t>
+            </a:r>
+            <a:r>
+              <a:rPr lang="en-US" dirty="0">
+                <a:latin typeface="Arial" panose="020B0604020202020204" pitchFamily="34" charset="0"/>
+                <a:cs typeface="Arial" panose="020B0604020202020204" pitchFamily="34" charset="0"/>
+              </a:rPr>
+              <a:t> Figma-ban </a:t>
+            </a:r>
+            <a:r>
+              <a:rPr lang="en-US" dirty="0" err="1">
+                <a:latin typeface="Arial" panose="020B0604020202020204" pitchFamily="34" charset="0"/>
+                <a:cs typeface="Arial" panose="020B0604020202020204" pitchFamily="34" charset="0"/>
+              </a:rPr>
+              <a:t>készítettük</a:t>
+            </a:r>
+            <a:r>
+              <a:rPr lang="en-US" dirty="0">
+                <a:latin typeface="Arial" panose="020B0604020202020204" pitchFamily="34" charset="0"/>
+                <a:cs typeface="Arial" panose="020B0604020202020204" pitchFamily="34" charset="0"/>
+              </a:rPr>
+              <a:t> </a:t>
+            </a:r>
+            <a:r>
+              <a:rPr lang="en-US" dirty="0" err="1">
+                <a:latin typeface="Arial" panose="020B0604020202020204" pitchFamily="34" charset="0"/>
+                <a:cs typeface="Arial" panose="020B0604020202020204" pitchFamily="34" charset="0"/>
+              </a:rPr>
+              <a:t>az</a:t>
+            </a:r>
+            <a:r>
+              <a:rPr lang="en-US" dirty="0">
+                <a:latin typeface="Arial" panose="020B0604020202020204" pitchFamily="34" charset="0"/>
+                <a:cs typeface="Arial" panose="020B0604020202020204" pitchFamily="34" charset="0"/>
+              </a:rPr>
+              <a:t> </a:t>
+            </a:r>
+            <a:r>
+              <a:rPr lang="en-US" dirty="0" err="1">
+                <a:latin typeface="Arial" panose="020B0604020202020204" pitchFamily="34" charset="0"/>
+                <a:cs typeface="Arial" panose="020B0604020202020204" pitchFamily="34" charset="0"/>
+              </a:rPr>
+              <a:t>oldal</a:t>
+            </a:r>
+            <a:r>
+              <a:rPr lang="en-US" dirty="0">
+                <a:latin typeface="Arial" panose="020B0604020202020204" pitchFamily="34" charset="0"/>
+                <a:cs typeface="Arial" panose="020B0604020202020204" pitchFamily="34" charset="0"/>
+              </a:rPr>
+              <a:t> </a:t>
+            </a:r>
+            <a:r>
+              <a:rPr lang="en-US" dirty="0" err="1">
+                <a:latin typeface="Arial" panose="020B0604020202020204" pitchFamily="34" charset="0"/>
+                <a:cs typeface="Arial" panose="020B0604020202020204" pitchFamily="34" charset="0"/>
+              </a:rPr>
+              <a:t>sablonját</a:t>
+            </a:r>
+            <a:endParaRPr lang="hu-HU" dirty="0">
+              <a:latin typeface="Arial" panose="020B0604020202020204" pitchFamily="34" charset="0"/>
+              <a:cs typeface="Arial" panose="020B0604020202020204" pitchFamily="34" charset="0"/>
+            </a:endParaRPr>
           </a:p>
         </p:txBody>
       </p:sp>
     </p:spTree>
     <p:extLst>
       <p:ext uri="{BB962C8B-B14F-4D97-AF65-F5344CB8AC3E}">
-        <p14:creationId xmlns:p14="http://schemas.microsoft.com/office/powerpoint/2010/main" val="2893485710"/>
+        <p14:creationId xmlns:p14="http://schemas.microsoft.com/office/powerpoint/2010/main" val="1207112714"/>
       </p:ext>
     </p:extLst>
   </p:cSld>
@@ -3851,7 +4374,24 @@
           <a:bodyPr/>
           <a:lstStyle/>
           <a:p>
-            <a:endParaRPr lang="hu-HU"/>
+            <a:r>
+              <a:rPr lang="en-US" dirty="0" err="1">
+                <a:latin typeface="Arial" panose="020B0604020202020204" pitchFamily="34" charset="0"/>
+                <a:cs typeface="Arial" panose="020B0604020202020204" pitchFamily="34" charset="0"/>
+              </a:rPr>
+              <a:t>Oldal</a:t>
+            </a:r>
+            <a:r>
+              <a:rPr lang="en-US" dirty="0">
+                <a:latin typeface="Arial" panose="020B0604020202020204" pitchFamily="34" charset="0"/>
+                <a:cs typeface="Arial" panose="020B0604020202020204" pitchFamily="34" charset="0"/>
+              </a:rPr>
+              <a:t> design</a:t>
+            </a:r>
+            <a:endParaRPr lang="hu-HU" dirty="0">
+              <a:latin typeface="Arial" panose="020B0604020202020204" pitchFamily="34" charset="0"/>
+              <a:cs typeface="Arial" panose="020B0604020202020204" pitchFamily="34" charset="0"/>
+            </a:endParaRPr>
           </a:p>
         </p:txBody>
       </p:sp>
@@ -3870,14 +4410,83 @@
           <a:bodyPr/>
           <a:lstStyle/>
           <a:p>
-            <a:endParaRPr lang="hu-HU"/>
+            <a:pPr marL="0" indent="0" algn="ctr">
+              <a:buNone/>
+            </a:pPr>
+            <a:r>
+              <a:rPr lang="en-US" dirty="0" err="1">
+                <a:latin typeface="Arial" panose="020B0604020202020204" pitchFamily="34" charset="0"/>
+                <a:cs typeface="Arial" panose="020B0604020202020204" pitchFamily="34" charset="0"/>
+              </a:rPr>
+              <a:t>Ezután</a:t>
+            </a:r>
+            <a:r>
+              <a:rPr lang="en-US" dirty="0">
+                <a:latin typeface="Arial" panose="020B0604020202020204" pitchFamily="34" charset="0"/>
+                <a:cs typeface="Arial" panose="020B0604020202020204" pitchFamily="34" charset="0"/>
+              </a:rPr>
+              <a:t> Figma-ban </a:t>
+            </a:r>
+            <a:r>
+              <a:rPr lang="en-US" dirty="0" err="1">
+                <a:latin typeface="Arial" panose="020B0604020202020204" pitchFamily="34" charset="0"/>
+                <a:cs typeface="Arial" panose="020B0604020202020204" pitchFamily="34" charset="0"/>
+              </a:rPr>
+              <a:t>készítettük</a:t>
+            </a:r>
+            <a:r>
+              <a:rPr lang="en-US" dirty="0">
+                <a:latin typeface="Arial" panose="020B0604020202020204" pitchFamily="34" charset="0"/>
+                <a:cs typeface="Arial" panose="020B0604020202020204" pitchFamily="34" charset="0"/>
+              </a:rPr>
+              <a:t> </a:t>
+            </a:r>
+            <a:r>
+              <a:rPr lang="en-US" dirty="0" err="1">
+                <a:latin typeface="Arial" panose="020B0604020202020204" pitchFamily="34" charset="0"/>
+                <a:cs typeface="Arial" panose="020B0604020202020204" pitchFamily="34" charset="0"/>
+              </a:rPr>
+              <a:t>az</a:t>
+            </a:r>
+            <a:r>
+              <a:rPr lang="en-US" dirty="0">
+                <a:latin typeface="Arial" panose="020B0604020202020204" pitchFamily="34" charset="0"/>
+                <a:cs typeface="Arial" panose="020B0604020202020204" pitchFamily="34" charset="0"/>
+              </a:rPr>
+              <a:t> </a:t>
+            </a:r>
+            <a:r>
+              <a:rPr lang="en-US" dirty="0" err="1">
+                <a:latin typeface="Arial" panose="020B0604020202020204" pitchFamily="34" charset="0"/>
+                <a:cs typeface="Arial" panose="020B0604020202020204" pitchFamily="34" charset="0"/>
+              </a:rPr>
+              <a:t>oldal</a:t>
+            </a:r>
+            <a:r>
+              <a:rPr lang="en-US" dirty="0">
+                <a:latin typeface="Arial" panose="020B0604020202020204" pitchFamily="34" charset="0"/>
+                <a:cs typeface="Arial" panose="020B0604020202020204" pitchFamily="34" charset="0"/>
+              </a:rPr>
+              <a:t> </a:t>
+            </a:r>
+            <a:r>
+              <a:rPr lang="en-US" dirty="0" err="1">
+                <a:latin typeface="Arial" panose="020B0604020202020204" pitchFamily="34" charset="0"/>
+                <a:cs typeface="Arial" panose="020B0604020202020204" pitchFamily="34" charset="0"/>
+              </a:rPr>
+              <a:t>sablonját</a:t>
+            </a:r>
+            <a:endParaRPr lang="hu-HU" dirty="0">
+              <a:latin typeface="Arial" panose="020B0604020202020204" pitchFamily="34" charset="0"/>
+              <a:cs typeface="Arial" panose="020B0604020202020204" pitchFamily="34" charset="0"/>
+            </a:endParaRPr>
           </a:p>
         </p:txBody>
       </p:sp>
     </p:spTree>
     <p:extLst>
       <p:ext uri="{BB962C8B-B14F-4D97-AF65-F5344CB8AC3E}">
-        <p14:creationId xmlns:p14="http://schemas.microsoft.com/office/powerpoint/2010/main" val="3200625206"/>
+        <p14:creationId xmlns:p14="http://schemas.microsoft.com/office/powerpoint/2010/main" val="1795959441"/>
       </p:ext>
     </p:extLst>
   </p:cSld>

--- a/PPT/tztpvb_barkacs.pptx
+++ b/PPT/tztpvb_barkacs.pptx
@@ -14,12 +14,13 @@
     <p:sldId id="266" r:id="rId8"/>
     <p:sldId id="264" r:id="rId9"/>
     <p:sldId id="267" r:id="rId10"/>
-    <p:sldId id="262" r:id="rId11"/>
-    <p:sldId id="259" r:id="rId12"/>
-    <p:sldId id="269" r:id="rId13"/>
-    <p:sldId id="270" r:id="rId14"/>
-    <p:sldId id="268" r:id="rId15"/>
-    <p:sldId id="260" r:id="rId16"/>
+    <p:sldId id="271" r:id="rId11"/>
+    <p:sldId id="262" r:id="rId12"/>
+    <p:sldId id="259" r:id="rId13"/>
+    <p:sldId id="269" r:id="rId14"/>
+    <p:sldId id="270" r:id="rId15"/>
+    <p:sldId id="268" r:id="rId16"/>
+    <p:sldId id="272" r:id="rId17"/>
   </p:sldIdLst>
   <p:sldSz cx="12192000" cy="6858000"/>
   <p:notesSz cx="6858000" cy="9144000"/>
@@ -255,7 +256,7 @@
           <a:p>
             <a:fld id="{71E632DD-E401-4CE4-A4E1-B4FCB673BE30}" type="datetimeFigureOut">
               <a:rPr lang="hu-HU" smtClean="0"/>
-              <a:t>2023. 01. 31.</a:t>
+              <a:t>2023. 02. 01.</a:t>
             </a:fld>
             <a:endParaRPr lang="hu-HU"/>
           </a:p>
@@ -423,7 +424,7 @@
           <a:p>
             <a:fld id="{71E632DD-E401-4CE4-A4E1-B4FCB673BE30}" type="datetimeFigureOut">
               <a:rPr lang="hu-HU" smtClean="0"/>
-              <a:t>2023. 01. 31.</a:t>
+              <a:t>2023. 02. 01.</a:t>
             </a:fld>
             <a:endParaRPr lang="hu-HU"/>
           </a:p>
@@ -601,7 +602,7 @@
           <a:p>
             <a:fld id="{71E632DD-E401-4CE4-A4E1-B4FCB673BE30}" type="datetimeFigureOut">
               <a:rPr lang="hu-HU" smtClean="0"/>
-              <a:t>2023. 01. 31.</a:t>
+              <a:t>2023. 02. 01.</a:t>
             </a:fld>
             <a:endParaRPr lang="hu-HU"/>
           </a:p>
@@ -769,7 +770,7 @@
           <a:p>
             <a:fld id="{71E632DD-E401-4CE4-A4E1-B4FCB673BE30}" type="datetimeFigureOut">
               <a:rPr lang="hu-HU" smtClean="0"/>
-              <a:t>2023. 01. 31.</a:t>
+              <a:t>2023. 02. 01.</a:t>
             </a:fld>
             <a:endParaRPr lang="hu-HU"/>
           </a:p>
@@ -1014,7 +1015,7 @@
           <a:p>
             <a:fld id="{71E632DD-E401-4CE4-A4E1-B4FCB673BE30}" type="datetimeFigureOut">
               <a:rPr lang="hu-HU" smtClean="0"/>
-              <a:t>2023. 01. 31.</a:t>
+              <a:t>2023. 02. 01.</a:t>
             </a:fld>
             <a:endParaRPr lang="hu-HU"/>
           </a:p>
@@ -1243,7 +1244,7 @@
           <a:p>
             <a:fld id="{71E632DD-E401-4CE4-A4E1-B4FCB673BE30}" type="datetimeFigureOut">
               <a:rPr lang="hu-HU" smtClean="0"/>
-              <a:t>2023. 01. 31.</a:t>
+              <a:t>2023. 02. 01.</a:t>
             </a:fld>
             <a:endParaRPr lang="hu-HU"/>
           </a:p>
@@ -1607,7 +1608,7 @@
           <a:p>
             <a:fld id="{71E632DD-E401-4CE4-A4E1-B4FCB673BE30}" type="datetimeFigureOut">
               <a:rPr lang="hu-HU" smtClean="0"/>
-              <a:t>2023. 01. 31.</a:t>
+              <a:t>2023. 02. 01.</a:t>
             </a:fld>
             <a:endParaRPr lang="hu-HU"/>
           </a:p>
@@ -1724,7 +1725,7 @@
           <a:p>
             <a:fld id="{71E632DD-E401-4CE4-A4E1-B4FCB673BE30}" type="datetimeFigureOut">
               <a:rPr lang="hu-HU" smtClean="0"/>
-              <a:t>2023. 01. 31.</a:t>
+              <a:t>2023. 02. 01.</a:t>
             </a:fld>
             <a:endParaRPr lang="hu-HU"/>
           </a:p>
@@ -1819,7 +1820,7 @@
           <a:p>
             <a:fld id="{71E632DD-E401-4CE4-A4E1-B4FCB673BE30}" type="datetimeFigureOut">
               <a:rPr lang="hu-HU" smtClean="0"/>
-              <a:t>2023. 01. 31.</a:t>
+              <a:t>2023. 02. 01.</a:t>
             </a:fld>
             <a:endParaRPr lang="hu-HU"/>
           </a:p>
@@ -2094,7 +2095,7 @@
           <a:p>
             <a:fld id="{71E632DD-E401-4CE4-A4E1-B4FCB673BE30}" type="datetimeFigureOut">
               <a:rPr lang="hu-HU" smtClean="0"/>
-              <a:t>2023. 01. 31.</a:t>
+              <a:t>2023. 02. 01.</a:t>
             </a:fld>
             <a:endParaRPr lang="hu-HU"/>
           </a:p>
@@ -2346,7 +2347,7 @@
           <a:p>
             <a:fld id="{71E632DD-E401-4CE4-A4E1-B4FCB673BE30}" type="datetimeFigureOut">
               <a:rPr lang="hu-HU" smtClean="0"/>
-              <a:t>2023. 01. 31.</a:t>
+              <a:t>2023. 02. 01.</a:t>
             </a:fld>
             <a:endParaRPr lang="hu-HU"/>
           </a:p>
@@ -2557,7 +2558,7 @@
           <a:p>
             <a:fld id="{71E632DD-E401-4CE4-A4E1-B4FCB673BE30}" type="datetimeFigureOut">
               <a:rPr lang="hu-HU" smtClean="0"/>
-              <a:t>2023. 01. 31.</a:t>
+              <a:t>2023. 02. 01.</a:t>
             </a:fld>
             <a:endParaRPr lang="hu-HU"/>
           </a:p>
@@ -3066,36 +3067,221 @@
             <a:spLocks noGrp="1"/>
           </p:cNvSpPr>
           <p:nvPr>
-            <p:ph type="ctrTitle"/>
-          </p:nvPr>
-        </p:nvSpPr>
-        <p:spPr>
+            <p:ph type="title"/>
+          </p:nvPr>
+        </p:nvSpPr>
+        <p:spPr/>
+        <p:txBody>
+          <a:bodyPr/>
+          <a:lstStyle/>
+          <a:p>
+            <a:r>
+              <a:rPr lang="en-US" dirty="0" err="1">
+                <a:latin typeface="Arial" panose="020B0604020202020204" pitchFamily="34" charset="0"/>
+                <a:cs typeface="Arial" panose="020B0604020202020204" pitchFamily="34" charset="0"/>
+              </a:rPr>
+              <a:t>Oldal</a:t>
+            </a:r>
+            <a:r>
+              <a:rPr lang="en-US" dirty="0">
+                <a:latin typeface="Arial" panose="020B0604020202020204" pitchFamily="34" charset="0"/>
+                <a:cs typeface="Arial" panose="020B0604020202020204" pitchFamily="34" charset="0"/>
+              </a:rPr>
+              <a:t> design</a:t>
+            </a:r>
+            <a:endParaRPr lang="hu-HU" dirty="0">
+              <a:latin typeface="Arial" panose="020B0604020202020204" pitchFamily="34" charset="0"/>
+              <a:cs typeface="Arial" panose="020B0604020202020204" pitchFamily="34" charset="0"/>
+            </a:endParaRPr>
+          </a:p>
+        </p:txBody>
+      </p:sp>
+      <p:sp>
+        <p:nvSpPr>
+          <p:cNvPr id="3" name="Tartalom helye 2"/>
+          <p:cNvSpPr>
+            <a:spLocks noGrp="1"/>
+          </p:cNvSpPr>
+          <p:nvPr>
+            <p:ph idx="1"/>
+          </p:nvPr>
+        </p:nvSpPr>
+        <p:spPr/>
+        <p:txBody>
+          <a:bodyPr/>
+          <a:lstStyle/>
+          <a:p>
+            <a:pPr marL="0" indent="0" algn="ctr">
+              <a:buNone/>
+            </a:pPr>
+            <a:r>
+              <a:rPr lang="en-US" dirty="0" err="1">
+                <a:latin typeface="Arial" panose="020B0604020202020204" pitchFamily="34" charset="0"/>
+                <a:cs typeface="Arial" panose="020B0604020202020204" pitchFamily="34" charset="0"/>
+              </a:rPr>
+              <a:t>Ezután</a:t>
+            </a:r>
+            <a:r>
+              <a:rPr lang="en-US" dirty="0">
+                <a:latin typeface="Arial" panose="020B0604020202020204" pitchFamily="34" charset="0"/>
+                <a:cs typeface="Arial" panose="020B0604020202020204" pitchFamily="34" charset="0"/>
+              </a:rPr>
+              <a:t> Figma-ban </a:t>
+            </a:r>
+            <a:r>
+              <a:rPr lang="en-US" dirty="0" err="1">
+                <a:latin typeface="Arial" panose="020B0604020202020204" pitchFamily="34" charset="0"/>
+                <a:cs typeface="Arial" panose="020B0604020202020204" pitchFamily="34" charset="0"/>
+              </a:rPr>
+              <a:t>készítettük</a:t>
+            </a:r>
+            <a:r>
+              <a:rPr lang="en-US" dirty="0">
+                <a:latin typeface="Arial" panose="020B0604020202020204" pitchFamily="34" charset="0"/>
+                <a:cs typeface="Arial" panose="020B0604020202020204" pitchFamily="34" charset="0"/>
+              </a:rPr>
+              <a:t> </a:t>
+            </a:r>
+            <a:r>
+              <a:rPr lang="en-US" dirty="0" err="1">
+                <a:latin typeface="Arial" panose="020B0604020202020204" pitchFamily="34" charset="0"/>
+                <a:cs typeface="Arial" panose="020B0604020202020204" pitchFamily="34" charset="0"/>
+              </a:rPr>
+              <a:t>az</a:t>
+            </a:r>
+            <a:r>
+              <a:rPr lang="en-US" dirty="0">
+                <a:latin typeface="Arial" panose="020B0604020202020204" pitchFamily="34" charset="0"/>
+                <a:cs typeface="Arial" panose="020B0604020202020204" pitchFamily="34" charset="0"/>
+              </a:rPr>
+              <a:t> </a:t>
+            </a:r>
+            <a:r>
+              <a:rPr lang="en-US" dirty="0" err="1">
+                <a:latin typeface="Arial" panose="020B0604020202020204" pitchFamily="34" charset="0"/>
+                <a:cs typeface="Arial" panose="020B0604020202020204" pitchFamily="34" charset="0"/>
+              </a:rPr>
+              <a:t>oldal</a:t>
+            </a:r>
+            <a:r>
+              <a:rPr lang="en-US" dirty="0">
+                <a:latin typeface="Arial" panose="020B0604020202020204" pitchFamily="34" charset="0"/>
+                <a:cs typeface="Arial" panose="020B0604020202020204" pitchFamily="34" charset="0"/>
+              </a:rPr>
+              <a:t> </a:t>
+            </a:r>
+            <a:r>
+              <a:rPr lang="en-US" dirty="0" err="1">
+                <a:latin typeface="Arial" panose="020B0604020202020204" pitchFamily="34" charset="0"/>
+                <a:cs typeface="Arial" panose="020B0604020202020204" pitchFamily="34" charset="0"/>
+              </a:rPr>
+              <a:t>sablonjait</a:t>
+            </a:r>
+            <a:endParaRPr lang="hu-HU" dirty="0">
+              <a:latin typeface="Arial" panose="020B0604020202020204" pitchFamily="34" charset="0"/>
+              <a:cs typeface="Arial" panose="020B0604020202020204" pitchFamily="34" charset="0"/>
+            </a:endParaRPr>
+          </a:p>
+        </p:txBody>
+      </p:sp>
+      <p:pic>
+        <p:nvPicPr>
+          <p:cNvPr id="5122" name="Picture 2">
+            <a:extLst>
+              <a:ext uri="{FF2B5EF4-FFF2-40B4-BE49-F238E27FC236}">
+                <a16:creationId xmlns:a16="http://schemas.microsoft.com/office/drawing/2014/main" id="{9CAB2859-865D-01A7-C7C6-B81BC4749BD5}"/>
+              </a:ext>
+            </a:extLst>
+          </p:cNvPr>
+          <p:cNvPicPr>
+            <a:picLocks noChangeAspect="1" noChangeArrowheads="1"/>
+          </p:cNvPicPr>
+          <p:nvPr/>
+        </p:nvPicPr>
+        <p:blipFill>
+          <a:blip r:embed="rId2">
+            <a:extLst>
+              <a:ext uri="{28A0092B-C50C-407E-A947-70E740481C1C}">
+                <a14:useLocalDpi xmlns:a14="http://schemas.microsoft.com/office/drawing/2010/main" val="0"/>
+              </a:ext>
+            </a:extLst>
+          </a:blip>
+          <a:srcRect/>
+          <a:stretch>
+            <a:fillRect/>
+          </a:stretch>
+        </p:blipFill>
+        <p:spPr bwMode="auto">
           <a:xfrm>
-            <a:off x="1524000" y="1490663"/>
-            <a:ext cx="9144000" cy="2387600"/>
+            <a:off x="1603664" y="2316159"/>
+            <a:ext cx="4021966" cy="4351339"/>
           </a:xfrm>
+          <a:prstGeom prst="rect">
+            <a:avLst/>
+          </a:prstGeom>
+          <a:noFill/>
+          <a:extLst>
+            <a:ext uri="{909E8E84-426E-40DD-AFC4-6F175D3DCCD1}">
+              <a14:hiddenFill xmlns:a14="http://schemas.microsoft.com/office/drawing/2010/main">
+                <a:solidFill>
+                  <a:srgbClr val="FFFFFF"/>
+                </a:solidFill>
+              </a14:hiddenFill>
+            </a:ext>
+          </a:extLst>
         </p:spPr>
-        <p:txBody>
-          <a:bodyPr>
-            <a:normAutofit/>
-          </a:bodyPr>
-          <a:lstStyle/>
-          <a:p>
-            <a:r>
-              <a:rPr lang="hu-HU" sz="7200" dirty="0">
-                <a:latin typeface="Arial" panose="020B0604020202020204" pitchFamily="34" charset="0"/>
-                <a:ea typeface="Arial Unicode MS" panose="020B0604020202020204" pitchFamily="34" charset="-128"/>
-                <a:cs typeface="Arial" panose="020B0604020202020204" pitchFamily="34" charset="0"/>
-              </a:rPr>
-              <a:t>Megvalósítás</a:t>
-            </a:r>
-          </a:p>
-        </p:txBody>
-      </p:sp>
+      </p:pic>
+      <p:pic>
+        <p:nvPicPr>
+          <p:cNvPr id="5124" name="Picture 4">
+            <a:extLst>
+              <a:ext uri="{FF2B5EF4-FFF2-40B4-BE49-F238E27FC236}">
+                <a16:creationId xmlns:a16="http://schemas.microsoft.com/office/drawing/2014/main" id="{FDE36526-2381-06CB-6842-11AA78AA8A93}"/>
+              </a:ext>
+            </a:extLst>
+          </p:cNvPr>
+          <p:cNvPicPr>
+            <a:picLocks noChangeAspect="1" noChangeArrowheads="1"/>
+          </p:cNvPicPr>
+          <p:nvPr/>
+        </p:nvPicPr>
+        <p:blipFill>
+          <a:blip r:embed="rId3">
+            <a:extLst>
+              <a:ext uri="{28A0092B-C50C-407E-A947-70E740481C1C}">
+                <a14:useLocalDpi xmlns:a14="http://schemas.microsoft.com/office/drawing/2010/main" val="0"/>
+              </a:ext>
+            </a:extLst>
+          </a:blip>
+          <a:srcRect/>
+          <a:stretch>
+            <a:fillRect/>
+          </a:stretch>
+        </p:blipFill>
+        <p:spPr bwMode="auto">
+          <a:xfrm>
+            <a:off x="6566371" y="2316159"/>
+            <a:ext cx="4120679" cy="4351340"/>
+          </a:xfrm>
+          <a:prstGeom prst="rect">
+            <a:avLst/>
+          </a:prstGeom>
+          <a:noFill/>
+          <a:extLst>
+            <a:ext uri="{909E8E84-426E-40DD-AFC4-6F175D3DCCD1}">
+              <a14:hiddenFill xmlns:a14="http://schemas.microsoft.com/office/drawing/2010/main">
+                <a:solidFill>
+                  <a:srgbClr val="FFFFFF"/>
+                </a:solidFill>
+              </a14:hiddenFill>
+            </a:ext>
+          </a:extLst>
+        </p:spPr>
+      </p:pic>
     </p:spTree>
     <p:extLst>
       <p:ext uri="{BB962C8B-B14F-4D97-AF65-F5344CB8AC3E}">
-        <p14:creationId xmlns:p14="http://schemas.microsoft.com/office/powerpoint/2010/main" val="101238564"/>
+        <p14:creationId xmlns:p14="http://schemas.microsoft.com/office/powerpoint/2010/main" val="2232490883"/>
       </p:ext>
     </p:extLst>
   </p:cSld>
@@ -3129,41 +3315,36 @@
             <a:spLocks noGrp="1"/>
           </p:cNvSpPr>
           <p:nvPr>
-            <p:ph type="title"/>
-          </p:nvPr>
-        </p:nvSpPr>
-        <p:spPr/>
-        <p:txBody>
-          <a:bodyPr/>
-          <a:lstStyle/>
-          <a:p>
-            <a:endParaRPr lang="hu-HU"/>
-          </a:p>
-        </p:txBody>
-      </p:sp>
-      <p:sp>
-        <p:nvSpPr>
-          <p:cNvPr id="3" name="Tartalom helye 2"/>
-          <p:cNvSpPr>
-            <a:spLocks noGrp="1"/>
-          </p:cNvSpPr>
-          <p:nvPr>
-            <p:ph idx="1"/>
-          </p:nvPr>
-        </p:nvSpPr>
-        <p:spPr/>
-        <p:txBody>
-          <a:bodyPr/>
-          <a:lstStyle/>
-          <a:p>
-            <a:endParaRPr lang="hu-HU"/>
+            <p:ph type="ctrTitle"/>
+          </p:nvPr>
+        </p:nvSpPr>
+        <p:spPr>
+          <a:xfrm>
+            <a:off x="1524000" y="1490663"/>
+            <a:ext cx="9144000" cy="2387600"/>
+          </a:xfrm>
+        </p:spPr>
+        <p:txBody>
+          <a:bodyPr>
+            <a:normAutofit/>
+          </a:bodyPr>
+          <a:lstStyle/>
+          <a:p>
+            <a:r>
+              <a:rPr lang="hu-HU" sz="7200" dirty="0">
+                <a:latin typeface="Arial" panose="020B0604020202020204" pitchFamily="34" charset="0"/>
+                <a:ea typeface="Arial Unicode MS" panose="020B0604020202020204" pitchFamily="34" charset="-128"/>
+                <a:cs typeface="Arial" panose="020B0604020202020204" pitchFamily="34" charset="0"/>
+              </a:rPr>
+              <a:t>Megvalósítás</a:t>
+            </a:r>
           </a:p>
         </p:txBody>
       </p:sp>
     </p:spTree>
     <p:extLst>
       <p:ext uri="{BB962C8B-B14F-4D97-AF65-F5344CB8AC3E}">
-        <p14:creationId xmlns:p14="http://schemas.microsoft.com/office/powerpoint/2010/main" val="2893485710"/>
+        <p14:creationId xmlns:p14="http://schemas.microsoft.com/office/powerpoint/2010/main" val="101238564"/>
       </p:ext>
     </p:extLst>
   </p:cSld>
@@ -3192,13 +3373,7 @@
       </p:grpSpPr>
       <p:sp>
         <p:nvSpPr>
-          <p:cNvPr id="2" name="Title 1">
-            <a:extLst>
-              <a:ext uri="{FF2B5EF4-FFF2-40B4-BE49-F238E27FC236}">
-                <a16:creationId xmlns:a16="http://schemas.microsoft.com/office/drawing/2014/main" id="{43F47DFC-B619-7D01-D3D0-53FB72AF8E8C}"/>
-              </a:ext>
-            </a:extLst>
-          </p:cNvPr>
+          <p:cNvPr id="2" name="Cím 1"/>
           <p:cNvSpPr>
             <a:spLocks noGrp="1"/>
           </p:cNvSpPr>
@@ -3211,19 +3386,30 @@
           <a:bodyPr/>
           <a:lstStyle/>
           <a:p>
-            <a:endParaRPr lang="en-US"/>
-          </a:p>
-        </p:txBody>
-      </p:sp>
-      <p:sp>
-        <p:nvSpPr>
-          <p:cNvPr id="3" name="Content Placeholder 2">
-            <a:extLst>
-              <a:ext uri="{FF2B5EF4-FFF2-40B4-BE49-F238E27FC236}">
-                <a16:creationId xmlns:a16="http://schemas.microsoft.com/office/drawing/2014/main" id="{ADB4DFEB-D797-23EC-0BCF-B306E1A6C09B}"/>
-              </a:ext>
-            </a:extLst>
-          </p:cNvPr>
+            <a:r>
+              <a:rPr lang="en-US" dirty="0">
+                <a:latin typeface="Arial" panose="020B0604020202020204" pitchFamily="34" charset="0"/>
+                <a:cs typeface="Arial" panose="020B0604020202020204" pitchFamily="34" charset="0"/>
+              </a:rPr>
+              <a:t>Az </a:t>
+            </a:r>
+            <a:r>
+              <a:rPr lang="en-US" dirty="0" err="1">
+                <a:latin typeface="Arial" panose="020B0604020202020204" pitchFamily="34" charset="0"/>
+                <a:cs typeface="Arial" panose="020B0604020202020204" pitchFamily="34" charset="0"/>
+              </a:rPr>
+              <a:t>oldalak</a:t>
+            </a:r>
+            <a:endParaRPr lang="hu-HU" dirty="0">
+              <a:latin typeface="Arial" panose="020B0604020202020204" pitchFamily="34" charset="0"/>
+              <a:cs typeface="Arial" panose="020B0604020202020204" pitchFamily="34" charset="0"/>
+            </a:endParaRPr>
+          </a:p>
+        </p:txBody>
+      </p:sp>
+      <p:sp>
+        <p:nvSpPr>
+          <p:cNvPr id="3" name="Tartalom helye 2"/>
           <p:cNvSpPr>
             <a:spLocks noGrp="1"/>
           </p:cNvSpPr>
@@ -3236,14 +3422,141 @@
           <a:bodyPr/>
           <a:lstStyle/>
           <a:p>
-            <a:endParaRPr lang="en-US"/>
+            <a:r>
+              <a:rPr lang="en-US" dirty="0" err="1">
+                <a:latin typeface="Arial" panose="020B0604020202020204" pitchFamily="34" charset="0"/>
+                <a:cs typeface="Arial" panose="020B0604020202020204" pitchFamily="34" charset="0"/>
+              </a:rPr>
+              <a:t>Terdik</a:t>
+            </a:r>
+            <a:r>
+              <a:rPr lang="en-US" dirty="0">
+                <a:latin typeface="Arial" panose="020B0604020202020204" pitchFamily="34" charset="0"/>
+                <a:cs typeface="Arial" panose="020B0604020202020204" pitchFamily="34" charset="0"/>
+              </a:rPr>
+              <a:t> </a:t>
+            </a:r>
+            <a:r>
+              <a:rPr lang="en-US" dirty="0" err="1">
+                <a:latin typeface="Arial" panose="020B0604020202020204" pitchFamily="34" charset="0"/>
+                <a:cs typeface="Arial" panose="020B0604020202020204" pitchFamily="34" charset="0"/>
+              </a:rPr>
+              <a:t>Zalán</a:t>
+            </a:r>
+            <a:r>
+              <a:rPr lang="en-US" dirty="0">
+                <a:latin typeface="Arial" panose="020B0604020202020204" pitchFamily="34" charset="0"/>
+                <a:cs typeface="Arial" panose="020B0604020202020204" pitchFamily="34" charset="0"/>
+              </a:rPr>
+              <a:t>: </a:t>
+            </a:r>
+            <a:r>
+              <a:rPr lang="en-US" dirty="0" err="1">
+                <a:latin typeface="Arial" panose="020B0604020202020204" pitchFamily="34" charset="0"/>
+                <a:cs typeface="Arial" panose="020B0604020202020204" pitchFamily="34" charset="0"/>
+              </a:rPr>
+              <a:t>Rólunk</a:t>
+            </a:r>
+            <a:r>
+              <a:rPr lang="en-US" dirty="0">
+                <a:latin typeface="Arial" panose="020B0604020202020204" pitchFamily="34" charset="0"/>
+                <a:cs typeface="Arial" panose="020B0604020202020204" pitchFamily="34" charset="0"/>
+              </a:rPr>
+              <a:t>, </a:t>
+            </a:r>
+            <a:r>
+              <a:rPr lang="en-US" dirty="0" err="1">
+                <a:latin typeface="Arial" panose="020B0604020202020204" pitchFamily="34" charset="0"/>
+                <a:cs typeface="Arial" panose="020B0604020202020204" pitchFamily="34" charset="0"/>
+              </a:rPr>
+              <a:t>Faanyagok</a:t>
+            </a:r>
+            <a:endParaRPr lang="en-US" dirty="0">
+              <a:latin typeface="Arial" panose="020B0604020202020204" pitchFamily="34" charset="0"/>
+              <a:cs typeface="Arial" panose="020B0604020202020204" pitchFamily="34" charset="0"/>
+            </a:endParaRPr>
+          </a:p>
+          <a:p>
+            <a:r>
+              <a:rPr lang="en-US" dirty="0" err="1">
+                <a:latin typeface="Arial" panose="020B0604020202020204" pitchFamily="34" charset="0"/>
+                <a:cs typeface="Arial" panose="020B0604020202020204" pitchFamily="34" charset="0"/>
+              </a:rPr>
+              <a:t>Török</a:t>
+            </a:r>
+            <a:r>
+              <a:rPr lang="en-US" dirty="0">
+                <a:latin typeface="Arial" panose="020B0604020202020204" pitchFamily="34" charset="0"/>
+                <a:cs typeface="Arial" panose="020B0604020202020204" pitchFamily="34" charset="0"/>
+              </a:rPr>
+              <a:t> </a:t>
+            </a:r>
+            <a:r>
+              <a:rPr lang="en-US" dirty="0" err="1">
+                <a:latin typeface="Arial" panose="020B0604020202020204" pitchFamily="34" charset="0"/>
+                <a:cs typeface="Arial" panose="020B0604020202020204" pitchFamily="34" charset="0"/>
+              </a:rPr>
+              <a:t>Péter</a:t>
+            </a:r>
+            <a:r>
+              <a:rPr lang="en-US" dirty="0">
+                <a:latin typeface="Arial" panose="020B0604020202020204" pitchFamily="34" charset="0"/>
+                <a:cs typeface="Arial" panose="020B0604020202020204" pitchFamily="34" charset="0"/>
+              </a:rPr>
+              <a:t>: Blog, </a:t>
+            </a:r>
+            <a:r>
+              <a:rPr lang="en-US" dirty="0" err="1">
+                <a:latin typeface="Arial" panose="020B0604020202020204" pitchFamily="34" charset="0"/>
+                <a:cs typeface="Arial" panose="020B0604020202020204" pitchFamily="34" charset="0"/>
+              </a:rPr>
+              <a:t>Főoldal</a:t>
+            </a:r>
+            <a:endParaRPr lang="en-US" dirty="0">
+              <a:latin typeface="Arial" panose="020B0604020202020204" pitchFamily="34" charset="0"/>
+              <a:cs typeface="Arial" panose="020B0604020202020204" pitchFamily="34" charset="0"/>
+            </a:endParaRPr>
+          </a:p>
+          <a:p>
+            <a:r>
+              <a:rPr lang="en-US" dirty="0">
+                <a:latin typeface="Arial" panose="020B0604020202020204" pitchFamily="34" charset="0"/>
+                <a:cs typeface="Arial" panose="020B0604020202020204" pitchFamily="34" charset="0"/>
+              </a:rPr>
+              <a:t>Vér Bence: </a:t>
+            </a:r>
+            <a:r>
+              <a:rPr lang="en-US" dirty="0" err="1">
+                <a:latin typeface="Arial" panose="020B0604020202020204" pitchFamily="34" charset="0"/>
+                <a:cs typeface="Arial" panose="020B0604020202020204" pitchFamily="34" charset="0"/>
+              </a:rPr>
+              <a:t>Szerszámkatalógus</a:t>
+            </a:r>
+            <a:r>
+              <a:rPr lang="en-US" dirty="0">
+                <a:latin typeface="Arial" panose="020B0604020202020204" pitchFamily="34" charset="0"/>
+                <a:cs typeface="Arial" panose="020B0604020202020204" pitchFamily="34" charset="0"/>
+              </a:rPr>
+              <a:t>, </a:t>
+            </a:r>
+            <a:r>
+              <a:rPr lang="en-US" dirty="0" err="1">
+                <a:latin typeface="Arial" panose="020B0604020202020204" pitchFamily="34" charset="0"/>
+                <a:cs typeface="Arial" panose="020B0604020202020204" pitchFamily="34" charset="0"/>
+              </a:rPr>
+              <a:t>Festékek</a:t>
+            </a:r>
+            <a:endParaRPr lang="hu-HU" dirty="0">
+              <a:latin typeface="Arial" panose="020B0604020202020204" pitchFamily="34" charset="0"/>
+              <a:cs typeface="Arial" panose="020B0604020202020204" pitchFamily="34" charset="0"/>
+            </a:endParaRPr>
           </a:p>
         </p:txBody>
       </p:sp>
     </p:spTree>
     <p:extLst>
       <p:ext uri="{BB962C8B-B14F-4D97-AF65-F5344CB8AC3E}">
-        <p14:creationId xmlns:p14="http://schemas.microsoft.com/office/powerpoint/2010/main" val="1037935441"/>
+        <p14:creationId xmlns:p14="http://schemas.microsoft.com/office/powerpoint/2010/main" val="2893485710"/>
       </p:ext>
     </p:extLst>
   </p:cSld>
@@ -3275,7 +3588,7 @@
           <p:cNvPr id="2" name="Title 1">
             <a:extLst>
               <a:ext uri="{FF2B5EF4-FFF2-40B4-BE49-F238E27FC236}">
-                <a16:creationId xmlns:a16="http://schemas.microsoft.com/office/drawing/2014/main" id="{EC5B04F0-763D-039E-C2E8-A315B4DE6926}"/>
+                <a16:creationId xmlns:a16="http://schemas.microsoft.com/office/drawing/2014/main" id="{43F47DFC-B619-7D01-D3D0-53FB72AF8E8C}"/>
               </a:ext>
             </a:extLst>
           </p:cNvPr>
@@ -3291,7 +3604,31 @@
           <a:bodyPr/>
           <a:lstStyle/>
           <a:p>
-            <a:endParaRPr lang="en-US"/>
+            <a:r>
+              <a:rPr lang="en-US" dirty="0" err="1">
+                <a:latin typeface="Arial" panose="020B0604020202020204" pitchFamily="34" charset="0"/>
+                <a:cs typeface="Arial" panose="020B0604020202020204" pitchFamily="34" charset="0"/>
+              </a:rPr>
+              <a:t>Terdik</a:t>
+            </a:r>
+            <a:r>
+              <a:rPr lang="en-US" dirty="0">
+                <a:latin typeface="Arial" panose="020B0604020202020204" pitchFamily="34" charset="0"/>
+                <a:cs typeface="Arial" panose="020B0604020202020204" pitchFamily="34" charset="0"/>
+              </a:rPr>
+              <a:t> </a:t>
+            </a:r>
+            <a:r>
+              <a:rPr lang="en-US" dirty="0" err="1">
+                <a:latin typeface="Arial" panose="020B0604020202020204" pitchFamily="34" charset="0"/>
+                <a:cs typeface="Arial" panose="020B0604020202020204" pitchFamily="34" charset="0"/>
+              </a:rPr>
+              <a:t>Zalán</a:t>
+            </a:r>
+            <a:endParaRPr lang="en-US" dirty="0">
+              <a:latin typeface="Arial" panose="020B0604020202020204" pitchFamily="34" charset="0"/>
+              <a:cs typeface="Arial" panose="020B0604020202020204" pitchFamily="34" charset="0"/>
+            </a:endParaRPr>
           </a:p>
         </p:txBody>
       </p:sp>
@@ -3300,7 +3637,7 @@
           <p:cNvPr id="3" name="Content Placeholder 2">
             <a:extLst>
               <a:ext uri="{FF2B5EF4-FFF2-40B4-BE49-F238E27FC236}">
-                <a16:creationId xmlns:a16="http://schemas.microsoft.com/office/drawing/2014/main" id="{E49BB02E-E330-60F3-DB9A-6423564E0BE3}"/>
+                <a16:creationId xmlns:a16="http://schemas.microsoft.com/office/drawing/2014/main" id="{ADB4DFEB-D797-23EC-0BCF-B306E1A6C09B}"/>
               </a:ext>
             </a:extLst>
           </p:cNvPr>
@@ -3316,14 +3653,233 @@
           <a:bodyPr/>
           <a:lstStyle/>
           <a:p>
-            <a:endParaRPr lang="en-US"/>
+            <a:r>
+              <a:rPr lang="en-US" dirty="0"/>
+              <a:t>Az </a:t>
+            </a:r>
+            <a:r>
+              <a:rPr lang="en-US" dirty="0" err="1"/>
+              <a:t>elején</a:t>
+            </a:r>
+            <a:r>
+              <a:rPr lang="en-US" dirty="0"/>
+              <a:t> </a:t>
+            </a:r>
+            <a:r>
+              <a:rPr lang="en-US" dirty="0" err="1"/>
+              <a:t>nehéz</a:t>
+            </a:r>
+            <a:r>
+              <a:rPr lang="en-US" dirty="0"/>
+              <a:t> volt a </a:t>
+            </a:r>
+            <a:r>
+              <a:rPr lang="en-US" dirty="0" err="1"/>
+              <a:t>közös</a:t>
+            </a:r>
+            <a:r>
+              <a:rPr lang="en-US" dirty="0"/>
+              <a:t> </a:t>
+            </a:r>
+            <a:r>
+              <a:rPr lang="en-US" dirty="0" err="1"/>
+              <a:t>munka</a:t>
+            </a:r>
+            <a:r>
+              <a:rPr lang="en-US" dirty="0"/>
+              <a:t>, de </a:t>
+            </a:r>
+            <a:r>
+              <a:rPr lang="en-US" dirty="0" err="1"/>
+              <a:t>utána</a:t>
+            </a:r>
+            <a:r>
+              <a:rPr lang="en-US" dirty="0"/>
+              <a:t> </a:t>
+            </a:r>
+            <a:r>
+              <a:rPr lang="en-US" dirty="0" err="1"/>
+              <a:t>már</a:t>
+            </a:r>
+            <a:r>
+              <a:rPr lang="en-US" dirty="0"/>
+              <a:t> </a:t>
+            </a:r>
+            <a:r>
+              <a:rPr lang="en-US" dirty="0" err="1"/>
+              <a:t>ossze</a:t>
+            </a:r>
+            <a:r>
+              <a:rPr lang="en-US" dirty="0"/>
+              <a:t> </a:t>
+            </a:r>
+            <a:r>
+              <a:rPr lang="en-US" dirty="0" err="1"/>
+              <a:t>szoktunk</a:t>
+            </a:r>
+            <a:r>
+              <a:rPr lang="en-US" dirty="0"/>
+              <a:t> </a:t>
+            </a:r>
+            <a:r>
+              <a:rPr lang="en-US" dirty="0" err="1"/>
+              <a:t>és</a:t>
+            </a:r>
+            <a:r>
+              <a:rPr lang="en-US" dirty="0"/>
+              <a:t> </a:t>
+            </a:r>
+            <a:r>
+              <a:rPr lang="en-US" dirty="0" err="1"/>
+              <a:t>ertettük</a:t>
+            </a:r>
+            <a:r>
+              <a:rPr lang="en-US" dirty="0"/>
+              <a:t> </a:t>
+            </a:r>
+            <a:r>
+              <a:rPr lang="en-US" dirty="0" err="1"/>
+              <a:t>egymást</a:t>
+            </a:r>
+            <a:r>
+              <a:rPr lang="en-US" dirty="0"/>
+              <a:t>.</a:t>
+            </a:r>
+          </a:p>
+          <a:p>
+            <a:r>
+              <a:rPr lang="en-US" dirty="0"/>
+              <a:t>A </a:t>
+            </a:r>
+            <a:r>
+              <a:rPr lang="en-US" dirty="0" err="1"/>
+              <a:t>feladatomat</a:t>
+            </a:r>
+            <a:r>
+              <a:rPr lang="en-US" dirty="0"/>
+              <a:t> </a:t>
+            </a:r>
+            <a:r>
+              <a:rPr lang="en-US" dirty="0" err="1"/>
+              <a:t>viszonylag</a:t>
+            </a:r>
+            <a:r>
+              <a:rPr lang="en-US" dirty="0"/>
+              <a:t> </a:t>
+            </a:r>
+            <a:r>
+              <a:rPr lang="en-US" dirty="0" err="1"/>
+              <a:t>sikeresen</a:t>
+            </a:r>
+            <a:r>
+              <a:rPr lang="en-US" dirty="0"/>
+              <a:t> </a:t>
+            </a:r>
+            <a:r>
+              <a:rPr lang="en-US" dirty="0" err="1"/>
+              <a:t>elvégeztem</a:t>
+            </a:r>
+            <a:r>
+              <a:rPr lang="en-US" dirty="0"/>
+              <a:t>, </a:t>
+            </a:r>
+            <a:r>
+              <a:rPr lang="en-US" dirty="0" err="1"/>
+              <a:t>néha</a:t>
+            </a:r>
+            <a:r>
+              <a:rPr lang="en-US" dirty="0"/>
+              <a:t> </a:t>
+            </a:r>
+            <a:r>
+              <a:rPr lang="en-US" dirty="0" err="1"/>
+              <a:t>sok</a:t>
+            </a:r>
+            <a:r>
+              <a:rPr lang="en-US" dirty="0"/>
+              <a:t> </a:t>
+            </a:r>
+            <a:r>
+              <a:rPr lang="en-US" dirty="0" err="1"/>
+              <a:t>nehezséggel</a:t>
+            </a:r>
+            <a:r>
+              <a:rPr lang="en-US"/>
+              <a:t>. </a:t>
+            </a:r>
+          </a:p>
+          <a:p>
+            <a:r>
+              <a:rPr lang="en-US"/>
+              <a:t>Összeségében</a:t>
+            </a:r>
+            <a:r>
+              <a:rPr lang="en-US" dirty="0"/>
+              <a:t> a </a:t>
+            </a:r>
+            <a:r>
+              <a:rPr lang="en-US" dirty="0" err="1"/>
+              <a:t>csapatmunka</a:t>
+            </a:r>
+            <a:r>
+              <a:rPr lang="en-US" dirty="0"/>
+              <a:t> </a:t>
+            </a:r>
+            <a:r>
+              <a:rPr lang="en-US" dirty="0" err="1"/>
+              <a:t>jól</a:t>
+            </a:r>
+            <a:r>
+              <a:rPr lang="en-US" dirty="0"/>
+              <a:t> </a:t>
+            </a:r>
+            <a:r>
+              <a:rPr lang="en-US" dirty="0" err="1"/>
+              <a:t>ment</a:t>
+            </a:r>
+            <a:r>
+              <a:rPr lang="en-US" dirty="0"/>
+              <a:t>. a </a:t>
+            </a:r>
+            <a:r>
+              <a:rPr lang="en-US" dirty="0" err="1"/>
+              <a:t>végere</a:t>
+            </a:r>
+            <a:r>
+              <a:rPr lang="en-US" dirty="0"/>
+              <a:t> </a:t>
+            </a:r>
+            <a:r>
+              <a:rPr lang="en-US" dirty="0" err="1"/>
+              <a:t>nagyon</a:t>
+            </a:r>
+            <a:r>
+              <a:rPr lang="en-US" dirty="0"/>
+              <a:t> </a:t>
+            </a:r>
+            <a:r>
+              <a:rPr lang="en-US" dirty="0" err="1"/>
+              <a:t>össze</a:t>
+            </a:r>
+            <a:r>
+              <a:rPr lang="en-US" dirty="0"/>
+              <a:t> </a:t>
+            </a:r>
+            <a:r>
+              <a:rPr lang="en-US" dirty="0" err="1"/>
+              <a:t>hangolódtunk</a:t>
+            </a:r>
+            <a:endParaRPr lang="en-US" dirty="0">
+              <a:latin typeface="Arial" panose="020B0604020202020204" pitchFamily="34" charset="0"/>
+              <a:cs typeface="Arial" panose="020B0604020202020204" pitchFamily="34" charset="0"/>
+            </a:endParaRPr>
           </a:p>
         </p:txBody>
       </p:sp>
     </p:spTree>
     <p:extLst>
       <p:ext uri="{BB962C8B-B14F-4D97-AF65-F5344CB8AC3E}">
-        <p14:creationId xmlns:p14="http://schemas.microsoft.com/office/powerpoint/2010/main" val="3874125964"/>
+        <p14:creationId xmlns:p14="http://schemas.microsoft.com/office/powerpoint/2010/main" val="1037935441"/>
       </p:ext>
     </p:extLst>
   </p:cSld>
@@ -3355,7 +3911,7 @@
           <p:cNvPr id="2" name="Title 1">
             <a:extLst>
               <a:ext uri="{FF2B5EF4-FFF2-40B4-BE49-F238E27FC236}">
-                <a16:creationId xmlns:a16="http://schemas.microsoft.com/office/drawing/2014/main" id="{713AE4D2-94C1-5010-B749-8FAAF4BE032C}"/>
+                <a16:creationId xmlns:a16="http://schemas.microsoft.com/office/drawing/2014/main" id="{EC5B04F0-763D-039E-C2E8-A315B4DE6926}"/>
               </a:ext>
             </a:extLst>
           </p:cNvPr>
@@ -3371,7 +3927,31 @@
           <a:bodyPr/>
           <a:lstStyle/>
           <a:p>
-            <a:endParaRPr lang="en-US"/>
+            <a:r>
+              <a:rPr lang="en-US" dirty="0" err="1">
+                <a:latin typeface="Arial" panose="020B0604020202020204" pitchFamily="34" charset="0"/>
+                <a:cs typeface="Arial" panose="020B0604020202020204" pitchFamily="34" charset="0"/>
+              </a:rPr>
+              <a:t>Török</a:t>
+            </a:r>
+            <a:r>
+              <a:rPr lang="en-US" dirty="0">
+                <a:latin typeface="Arial" panose="020B0604020202020204" pitchFamily="34" charset="0"/>
+                <a:cs typeface="Arial" panose="020B0604020202020204" pitchFamily="34" charset="0"/>
+              </a:rPr>
+              <a:t> </a:t>
+            </a:r>
+            <a:r>
+              <a:rPr lang="en-US" dirty="0" err="1">
+                <a:latin typeface="Arial" panose="020B0604020202020204" pitchFamily="34" charset="0"/>
+                <a:cs typeface="Arial" panose="020B0604020202020204" pitchFamily="34" charset="0"/>
+              </a:rPr>
+              <a:t>Péter</a:t>
+            </a:r>
+            <a:endParaRPr lang="en-US" dirty="0">
+              <a:latin typeface="Arial" panose="020B0604020202020204" pitchFamily="34" charset="0"/>
+              <a:cs typeface="Arial" panose="020B0604020202020204" pitchFamily="34" charset="0"/>
+            </a:endParaRPr>
           </a:p>
         </p:txBody>
       </p:sp>
@@ -3380,7 +3960,7 @@
           <p:cNvPr id="3" name="Content Placeholder 2">
             <a:extLst>
               <a:ext uri="{FF2B5EF4-FFF2-40B4-BE49-F238E27FC236}">
-                <a16:creationId xmlns:a16="http://schemas.microsoft.com/office/drawing/2014/main" id="{CC8DBA58-CC8E-9B23-1A23-B919CBE84712}"/>
+                <a16:creationId xmlns:a16="http://schemas.microsoft.com/office/drawing/2014/main" id="{E49BB02E-E330-60F3-DB9A-6423564E0BE3}"/>
               </a:ext>
             </a:extLst>
           </p:cNvPr>
@@ -3403,7 +3983,7 @@
     </p:spTree>
     <p:extLst>
       <p:ext uri="{BB962C8B-B14F-4D97-AF65-F5344CB8AC3E}">
-        <p14:creationId xmlns:p14="http://schemas.microsoft.com/office/powerpoint/2010/main" val="3456065911"/>
+        <p14:creationId xmlns:p14="http://schemas.microsoft.com/office/powerpoint/2010/main" val="3874125964"/>
       </p:ext>
     </p:extLst>
   </p:cSld>
@@ -3432,7 +4012,13 @@
       </p:grpSpPr>
       <p:sp>
         <p:nvSpPr>
-          <p:cNvPr id="2" name="Cím 1"/>
+          <p:cNvPr id="2" name="Title 1">
+            <a:extLst>
+              <a:ext uri="{FF2B5EF4-FFF2-40B4-BE49-F238E27FC236}">
+                <a16:creationId xmlns:a16="http://schemas.microsoft.com/office/drawing/2014/main" id="{713AE4D2-94C1-5010-B749-8FAAF4BE032C}"/>
+              </a:ext>
+            </a:extLst>
+          </p:cNvPr>
           <p:cNvSpPr>
             <a:spLocks noGrp="1"/>
           </p:cNvSpPr>
@@ -3445,13 +4031,25 @@
           <a:bodyPr/>
           <a:lstStyle/>
           <a:p>
-            <a:endParaRPr lang="hu-HU"/>
-          </a:p>
-        </p:txBody>
-      </p:sp>
-      <p:sp>
-        <p:nvSpPr>
-          <p:cNvPr id="3" name="Tartalom helye 2"/>
+            <a:r>
+              <a:rPr lang="en-US" dirty="0">
+                <a:latin typeface="Arial" panose="020B0604020202020204" pitchFamily="34" charset="0"/>
+                <a:cs typeface="Arial" panose="020B0604020202020204" pitchFamily="34" charset="0"/>
+              </a:rPr>
+              <a:t>Vér Bence</a:t>
+            </a:r>
+          </a:p>
+        </p:txBody>
+      </p:sp>
+      <p:sp>
+        <p:nvSpPr>
+          <p:cNvPr id="3" name="Content Placeholder 2">
+            <a:extLst>
+              <a:ext uri="{FF2B5EF4-FFF2-40B4-BE49-F238E27FC236}">
+                <a16:creationId xmlns:a16="http://schemas.microsoft.com/office/drawing/2014/main" id="{CC8DBA58-CC8E-9B23-1A23-B919CBE84712}"/>
+              </a:ext>
+            </a:extLst>
+          </p:cNvPr>
           <p:cNvSpPr>
             <a:spLocks noGrp="1"/>
           </p:cNvSpPr>
@@ -3464,14 +4062,274 @@
           <a:bodyPr/>
           <a:lstStyle/>
           <a:p>
-            <a:endParaRPr lang="hu-HU"/>
+            <a:r>
+              <a:rPr lang="en-US" dirty="0">
+                <a:latin typeface="Arial" panose="020B0604020202020204" pitchFamily="34" charset="0"/>
+                <a:cs typeface="Arial" panose="020B0604020202020204" pitchFamily="34" charset="0"/>
+              </a:rPr>
+              <a:t>A </a:t>
+            </a:r>
+            <a:r>
+              <a:rPr lang="en-US" dirty="0" err="1">
+                <a:latin typeface="Arial" panose="020B0604020202020204" pitchFamily="34" charset="0"/>
+                <a:cs typeface="Arial" panose="020B0604020202020204" pitchFamily="34" charset="0"/>
+              </a:rPr>
+              <a:t>szerszámkatalógus</a:t>
+            </a:r>
+            <a:r>
+              <a:rPr lang="en-US" dirty="0">
+                <a:latin typeface="Arial" panose="020B0604020202020204" pitchFamily="34" charset="0"/>
+                <a:cs typeface="Arial" panose="020B0604020202020204" pitchFamily="34" charset="0"/>
+              </a:rPr>
+              <a:t> </a:t>
+            </a:r>
+            <a:r>
+              <a:rPr lang="en-US" dirty="0" err="1">
+                <a:latin typeface="Arial" panose="020B0604020202020204" pitchFamily="34" charset="0"/>
+                <a:cs typeface="Arial" panose="020B0604020202020204" pitchFamily="34" charset="0"/>
+              </a:rPr>
+              <a:t>és</a:t>
+            </a:r>
+            <a:r>
+              <a:rPr lang="en-US" dirty="0">
+                <a:latin typeface="Arial" panose="020B0604020202020204" pitchFamily="34" charset="0"/>
+                <a:cs typeface="Arial" panose="020B0604020202020204" pitchFamily="34" charset="0"/>
+              </a:rPr>
+              <a:t> </a:t>
+            </a:r>
+            <a:r>
+              <a:rPr lang="en-US" dirty="0" err="1">
+                <a:latin typeface="Arial" panose="020B0604020202020204" pitchFamily="34" charset="0"/>
+                <a:cs typeface="Arial" panose="020B0604020202020204" pitchFamily="34" charset="0"/>
+              </a:rPr>
+              <a:t>festék</a:t>
+            </a:r>
+            <a:r>
+              <a:rPr lang="en-US" dirty="0">
+                <a:latin typeface="Arial" panose="020B0604020202020204" pitchFamily="34" charset="0"/>
+                <a:cs typeface="Arial" panose="020B0604020202020204" pitchFamily="34" charset="0"/>
+              </a:rPr>
+              <a:t> </a:t>
+            </a:r>
+            <a:r>
+              <a:rPr lang="en-US" dirty="0" err="1">
+                <a:latin typeface="Arial" panose="020B0604020202020204" pitchFamily="34" charset="0"/>
+                <a:cs typeface="Arial" panose="020B0604020202020204" pitchFamily="34" charset="0"/>
+              </a:rPr>
+              <a:t>oldalakért</a:t>
+            </a:r>
+            <a:r>
+              <a:rPr lang="en-US" dirty="0">
+                <a:latin typeface="Arial" panose="020B0604020202020204" pitchFamily="34" charset="0"/>
+                <a:cs typeface="Arial" panose="020B0604020202020204" pitchFamily="34" charset="0"/>
+              </a:rPr>
+              <a:t> </a:t>
+            </a:r>
+            <a:r>
+              <a:rPr lang="en-US" dirty="0" err="1">
+                <a:latin typeface="Arial" panose="020B0604020202020204" pitchFamily="34" charset="0"/>
+                <a:cs typeface="Arial" panose="020B0604020202020204" pitchFamily="34" charset="0"/>
+              </a:rPr>
+              <a:t>felelős</a:t>
+            </a:r>
+            <a:endParaRPr lang="en-US" dirty="0">
+              <a:latin typeface="Arial" panose="020B0604020202020204" pitchFamily="34" charset="0"/>
+              <a:cs typeface="Arial" panose="020B0604020202020204" pitchFamily="34" charset="0"/>
+            </a:endParaRPr>
+          </a:p>
+          <a:p>
+            <a:r>
+              <a:rPr lang="en-US" dirty="0">
+                <a:latin typeface="Arial" panose="020B0604020202020204" pitchFamily="34" charset="0"/>
+                <a:cs typeface="Arial" panose="020B0604020202020204" pitchFamily="34" charset="0"/>
+              </a:rPr>
+              <a:t>Az </a:t>
+            </a:r>
+            <a:r>
+              <a:rPr lang="en-US" dirty="0" err="1">
+                <a:latin typeface="Arial" panose="020B0604020202020204" pitchFamily="34" charset="0"/>
+                <a:cs typeface="Arial" panose="020B0604020202020204" pitchFamily="34" charset="0"/>
+              </a:rPr>
+              <a:t>elején</a:t>
+            </a:r>
+            <a:r>
+              <a:rPr lang="en-US" dirty="0">
+                <a:latin typeface="Arial" panose="020B0604020202020204" pitchFamily="34" charset="0"/>
+                <a:cs typeface="Arial" panose="020B0604020202020204" pitchFamily="34" charset="0"/>
+              </a:rPr>
+              <a:t> </a:t>
+            </a:r>
+            <a:r>
+              <a:rPr lang="en-US" dirty="0" err="1">
+                <a:latin typeface="Arial" panose="020B0604020202020204" pitchFamily="34" charset="0"/>
+                <a:cs typeface="Arial" panose="020B0604020202020204" pitchFamily="34" charset="0"/>
+              </a:rPr>
+              <a:t>voltak</a:t>
+            </a:r>
+            <a:r>
+              <a:rPr lang="en-US" dirty="0">
+                <a:latin typeface="Arial" panose="020B0604020202020204" pitchFamily="34" charset="0"/>
+                <a:cs typeface="Arial" panose="020B0604020202020204" pitchFamily="34" charset="0"/>
+              </a:rPr>
+              <a:t> </a:t>
+            </a:r>
+            <a:r>
+              <a:rPr lang="en-US" dirty="0" err="1">
+                <a:latin typeface="Arial" panose="020B0604020202020204" pitchFamily="34" charset="0"/>
+                <a:cs typeface="Arial" panose="020B0604020202020204" pitchFamily="34" charset="0"/>
+              </a:rPr>
+              <a:t>nagyobb</a:t>
+            </a:r>
+            <a:r>
+              <a:rPr lang="en-US" dirty="0">
+                <a:latin typeface="Arial" panose="020B0604020202020204" pitchFamily="34" charset="0"/>
+                <a:cs typeface="Arial" panose="020B0604020202020204" pitchFamily="34" charset="0"/>
+              </a:rPr>
+              <a:t> </a:t>
+            </a:r>
+            <a:r>
+              <a:rPr lang="en-US" dirty="0" err="1">
+                <a:latin typeface="Arial" panose="020B0604020202020204" pitchFamily="34" charset="0"/>
+                <a:cs typeface="Arial" panose="020B0604020202020204" pitchFamily="34" charset="0"/>
+              </a:rPr>
+              <a:t>problémák</a:t>
+            </a:r>
+            <a:endParaRPr lang="en-US" dirty="0">
+              <a:latin typeface="Arial" panose="020B0604020202020204" pitchFamily="34" charset="0"/>
+              <a:cs typeface="Arial" panose="020B0604020202020204" pitchFamily="34" charset="0"/>
+            </a:endParaRPr>
+          </a:p>
+          <a:p>
+            <a:r>
+              <a:rPr lang="en-US" dirty="0" err="1">
+                <a:latin typeface="Arial" panose="020B0604020202020204" pitchFamily="34" charset="0"/>
+                <a:cs typeface="Arial" panose="020B0604020202020204" pitchFamily="34" charset="0"/>
+              </a:rPr>
+              <a:t>Jó</a:t>
+            </a:r>
+            <a:r>
+              <a:rPr lang="en-US" dirty="0">
+                <a:latin typeface="Arial" panose="020B0604020202020204" pitchFamily="34" charset="0"/>
+                <a:cs typeface="Arial" panose="020B0604020202020204" pitchFamily="34" charset="0"/>
+              </a:rPr>
+              <a:t> </a:t>
+            </a:r>
+            <a:r>
+              <a:rPr lang="en-US" dirty="0" err="1">
+                <a:latin typeface="Arial" panose="020B0604020202020204" pitchFamily="34" charset="0"/>
+                <a:cs typeface="Arial" panose="020B0604020202020204" pitchFamily="34" charset="0"/>
+              </a:rPr>
+              <a:t>fejlesztőkörnyezet</a:t>
+            </a:r>
+            <a:endParaRPr lang="en-US" dirty="0">
+              <a:latin typeface="Arial" panose="020B0604020202020204" pitchFamily="34" charset="0"/>
+              <a:cs typeface="Arial" panose="020B0604020202020204" pitchFamily="34" charset="0"/>
+            </a:endParaRPr>
+          </a:p>
+          <a:p>
+            <a:endParaRPr lang="en-US" dirty="0">
+              <a:latin typeface="Arial" panose="020B0604020202020204" pitchFamily="34" charset="0"/>
+              <a:cs typeface="Arial" panose="020B0604020202020204" pitchFamily="34" charset="0"/>
+            </a:endParaRPr>
           </a:p>
         </p:txBody>
       </p:sp>
     </p:spTree>
     <p:extLst>
       <p:ext uri="{BB962C8B-B14F-4D97-AF65-F5344CB8AC3E}">
-        <p14:creationId xmlns:p14="http://schemas.microsoft.com/office/powerpoint/2010/main" val="3200625206"/>
+        <p14:creationId xmlns:p14="http://schemas.microsoft.com/office/powerpoint/2010/main" val="3456065911"/>
+      </p:ext>
+    </p:extLst>
+  </p:cSld>
+  <p:clrMapOvr>
+    <a:masterClrMapping/>
+  </p:clrMapOvr>
+</p:sld>
+</file>
+
+<file path=ppt/slides/slide16.xml><?xml version="1.0" encoding="utf-8"?>
+<p:sld xmlns:a="http://schemas.openxmlformats.org/drawingml/2006/main" xmlns:r="http://schemas.openxmlformats.org/officeDocument/2006/relationships" xmlns:p="http://schemas.openxmlformats.org/presentationml/2006/main">
+  <p:cSld>
+    <p:spTree>
+      <p:nvGrpSpPr>
+        <p:cNvPr id="1" name=""/>
+        <p:cNvGrpSpPr/>
+        <p:nvPr/>
+      </p:nvGrpSpPr>
+      <p:grpSpPr>
+        <a:xfrm>
+          <a:off x="0" y="0"/>
+          <a:ext cx="0" cy="0"/>
+          <a:chOff x="0" y="0"/>
+          <a:chExt cx="0" cy="0"/>
+        </a:xfrm>
+      </p:grpSpPr>
+      <p:sp>
+        <p:nvSpPr>
+          <p:cNvPr id="2" name="Cím 1"/>
+          <p:cNvSpPr>
+            <a:spLocks noGrp="1"/>
+          </p:cNvSpPr>
+          <p:nvPr>
+            <p:ph type="ctrTitle"/>
+          </p:nvPr>
+        </p:nvSpPr>
+        <p:spPr>
+          <a:xfrm>
+            <a:off x="1524000" y="1490663"/>
+            <a:ext cx="9144000" cy="2387600"/>
+          </a:xfrm>
+        </p:spPr>
+        <p:txBody>
+          <a:bodyPr>
+            <a:normAutofit/>
+          </a:bodyPr>
+          <a:lstStyle/>
+          <a:p>
+            <a:r>
+              <a:rPr lang="en-US" sz="6600" dirty="0" err="1">
+                <a:latin typeface="Arial" panose="020B0604020202020204" pitchFamily="34" charset="0"/>
+                <a:ea typeface="Arial Unicode MS" panose="020B0604020202020204" pitchFamily="34" charset="-128"/>
+                <a:cs typeface="Arial" panose="020B0604020202020204" pitchFamily="34" charset="0"/>
+              </a:rPr>
+              <a:t>Köszönjük</a:t>
+            </a:r>
+            <a:r>
+              <a:rPr lang="en-US" sz="6600" dirty="0">
+                <a:latin typeface="Arial" panose="020B0604020202020204" pitchFamily="34" charset="0"/>
+                <a:ea typeface="Arial Unicode MS" panose="020B0604020202020204" pitchFamily="34" charset="-128"/>
+                <a:cs typeface="Arial" panose="020B0604020202020204" pitchFamily="34" charset="0"/>
+              </a:rPr>
+              <a:t> a </a:t>
+            </a:r>
+            <a:r>
+              <a:rPr lang="en-US" sz="6600" dirty="0" err="1">
+                <a:latin typeface="Arial" panose="020B0604020202020204" pitchFamily="34" charset="0"/>
+                <a:ea typeface="Arial Unicode MS" panose="020B0604020202020204" pitchFamily="34" charset="-128"/>
+                <a:cs typeface="Arial" panose="020B0604020202020204" pitchFamily="34" charset="0"/>
+              </a:rPr>
+              <a:t>figyelmet</a:t>
+            </a:r>
+            <a:r>
+              <a:rPr lang="en-US" sz="6600" dirty="0">
+                <a:latin typeface="Arial" panose="020B0604020202020204" pitchFamily="34" charset="0"/>
+                <a:ea typeface="Arial Unicode MS" panose="020B0604020202020204" pitchFamily="34" charset="-128"/>
+                <a:cs typeface="Arial" panose="020B0604020202020204" pitchFamily="34" charset="0"/>
+              </a:rPr>
+              <a:t>!</a:t>
+            </a:r>
+            <a:endParaRPr lang="hu-HU" sz="6600" dirty="0">
+              <a:latin typeface="Arial" panose="020B0604020202020204" pitchFamily="34" charset="0"/>
+              <a:ea typeface="Arial Unicode MS" panose="020B0604020202020204" pitchFamily="34" charset="-128"/>
+              <a:cs typeface="Arial" panose="020B0604020202020204" pitchFamily="34" charset="0"/>
+            </a:endParaRPr>
+          </a:p>
+        </p:txBody>
+      </p:sp>
+    </p:spTree>
+    <p:extLst>
+      <p:ext uri="{BB962C8B-B14F-4D97-AF65-F5344CB8AC3E}">
+        <p14:creationId xmlns:p14="http://schemas.microsoft.com/office/powerpoint/2010/main" val="3260255604"/>
       </p:ext>
     </p:extLst>
   </p:cSld>
@@ -4092,6 +4950,100 @@
           </a:p>
         </p:txBody>
       </p:sp>
+      <p:pic>
+        <p:nvPicPr>
+          <p:cNvPr id="1026" name="Picture 2">
+            <a:extLst>
+              <a:ext uri="{FF2B5EF4-FFF2-40B4-BE49-F238E27FC236}">
+                <a16:creationId xmlns:a16="http://schemas.microsoft.com/office/drawing/2014/main" id="{3954BCCC-C81C-FEB8-8396-17C3DE73B9D6}"/>
+              </a:ext>
+            </a:extLst>
+          </p:cNvPr>
+          <p:cNvPicPr>
+            <a:picLocks noChangeAspect="1" noChangeArrowheads="1"/>
+          </p:cNvPicPr>
+          <p:nvPr/>
+        </p:nvPicPr>
+        <p:blipFill>
+          <a:blip r:embed="rId2">
+            <a:extLst>
+              <a:ext uri="{28A0092B-C50C-407E-A947-70E740481C1C}">
+                <a14:useLocalDpi xmlns:a14="http://schemas.microsoft.com/office/drawing/2010/main" val="0"/>
+              </a:ext>
+            </a:extLst>
+          </a:blip>
+          <a:srcRect/>
+          <a:stretch>
+            <a:fillRect/>
+          </a:stretch>
+        </p:blipFill>
+        <p:spPr bwMode="auto">
+          <a:xfrm>
+            <a:off x="838200" y="2615013"/>
+            <a:ext cx="5179312" cy="3114942"/>
+          </a:xfrm>
+          <a:prstGeom prst="rect">
+            <a:avLst/>
+          </a:prstGeom>
+          <a:noFill/>
+          <a:extLst>
+            <a:ext uri="{909E8E84-426E-40DD-AFC4-6F175D3DCCD1}">
+              <a14:hiddenFill xmlns:a14="http://schemas.microsoft.com/office/drawing/2010/main">
+                <a:solidFill>
+                  <a:srgbClr val="FFFFFF"/>
+                </a:solidFill>
+              </a14:hiddenFill>
+            </a:ext>
+          </a:extLst>
+        </p:spPr>
+      </p:pic>
+      <p:pic>
+        <p:nvPicPr>
+          <p:cNvPr id="1028" name="Picture 4">
+            <a:extLst>
+              <a:ext uri="{FF2B5EF4-FFF2-40B4-BE49-F238E27FC236}">
+                <a16:creationId xmlns:a16="http://schemas.microsoft.com/office/drawing/2014/main" id="{D17094CA-A814-66B3-73E2-9FBC3B973D80}"/>
+              </a:ext>
+            </a:extLst>
+          </p:cNvPr>
+          <p:cNvPicPr>
+            <a:picLocks noChangeAspect="1" noChangeArrowheads="1"/>
+          </p:cNvPicPr>
+          <p:nvPr/>
+        </p:nvPicPr>
+        <p:blipFill>
+          <a:blip r:embed="rId3">
+            <a:extLst>
+              <a:ext uri="{28A0092B-C50C-407E-A947-70E740481C1C}">
+                <a14:useLocalDpi xmlns:a14="http://schemas.microsoft.com/office/drawing/2010/main" val="0"/>
+              </a:ext>
+            </a:extLst>
+          </a:blip>
+          <a:srcRect/>
+          <a:stretch>
+            <a:fillRect/>
+          </a:stretch>
+        </p:blipFill>
+        <p:spPr bwMode="auto">
+          <a:xfrm>
+            <a:off x="6234335" y="2615013"/>
+            <a:ext cx="5119465" cy="3114942"/>
+          </a:xfrm>
+          <a:prstGeom prst="rect">
+            <a:avLst/>
+          </a:prstGeom>
+          <a:noFill/>
+          <a:extLst>
+            <a:ext uri="{909E8E84-426E-40DD-AFC4-6F175D3DCCD1}">
+              <a14:hiddenFill xmlns:a14="http://schemas.microsoft.com/office/drawing/2010/main">
+                <a:solidFill>
+                  <a:srgbClr val="FFFFFF"/>
+                </a:solidFill>
+              </a14:hiddenFill>
+            </a:ext>
+          </a:extLst>
+        </p:spPr>
+      </p:pic>
     </p:spTree>
     <p:extLst>
       <p:ext uri="{BB962C8B-B14F-4D97-AF65-F5344CB8AC3E}">
@@ -4175,6 +5127,194 @@
           </a:p>
         </p:txBody>
       </p:sp>
+      <p:pic>
+        <p:nvPicPr>
+          <p:cNvPr id="2050" name="Picture 2">
+            <a:extLst>
+              <a:ext uri="{FF2B5EF4-FFF2-40B4-BE49-F238E27FC236}">
+                <a16:creationId xmlns:a16="http://schemas.microsoft.com/office/drawing/2014/main" id="{5B1B5A5F-F66D-8B7B-418B-D864988DE73E}"/>
+              </a:ext>
+            </a:extLst>
+          </p:cNvPr>
+          <p:cNvPicPr>
+            <a:picLocks noChangeAspect="1" noChangeArrowheads="1"/>
+          </p:cNvPicPr>
+          <p:nvPr/>
+        </p:nvPicPr>
+        <p:blipFill>
+          <a:blip r:embed="rId2">
+            <a:extLst>
+              <a:ext uri="{28A0092B-C50C-407E-A947-70E740481C1C}">
+                <a14:useLocalDpi xmlns:a14="http://schemas.microsoft.com/office/drawing/2010/main" val="0"/>
+              </a:ext>
+            </a:extLst>
+          </a:blip>
+          <a:srcRect/>
+          <a:stretch>
+            <a:fillRect/>
+          </a:stretch>
+        </p:blipFill>
+        <p:spPr bwMode="auto">
+          <a:xfrm>
+            <a:off x="798313" y="2311969"/>
+            <a:ext cx="2024641" cy="4180904"/>
+          </a:xfrm>
+          <a:prstGeom prst="rect">
+            <a:avLst/>
+          </a:prstGeom>
+          <a:noFill/>
+          <a:extLst>
+            <a:ext uri="{909E8E84-426E-40DD-AFC4-6F175D3DCCD1}">
+              <a14:hiddenFill xmlns:a14="http://schemas.microsoft.com/office/drawing/2010/main">
+                <a:solidFill>
+                  <a:srgbClr val="FFFFFF"/>
+                </a:solidFill>
+              </a14:hiddenFill>
+            </a:ext>
+          </a:extLst>
+        </p:spPr>
+      </p:pic>
+      <p:pic>
+        <p:nvPicPr>
+          <p:cNvPr id="2052" name="Picture 4">
+            <a:extLst>
+              <a:ext uri="{FF2B5EF4-FFF2-40B4-BE49-F238E27FC236}">
+                <a16:creationId xmlns:a16="http://schemas.microsoft.com/office/drawing/2014/main" id="{505A8084-68C6-7CA8-A53F-831FE9CCBB29}"/>
+              </a:ext>
+            </a:extLst>
+          </p:cNvPr>
+          <p:cNvPicPr>
+            <a:picLocks noChangeAspect="1" noChangeArrowheads="1"/>
+          </p:cNvPicPr>
+          <p:nvPr/>
+        </p:nvPicPr>
+        <p:blipFill>
+          <a:blip r:embed="rId3">
+            <a:extLst>
+              <a:ext uri="{28A0092B-C50C-407E-A947-70E740481C1C}">
+                <a14:useLocalDpi xmlns:a14="http://schemas.microsoft.com/office/drawing/2010/main" val="0"/>
+              </a:ext>
+            </a:extLst>
+          </a:blip>
+          <a:srcRect/>
+          <a:stretch>
+            <a:fillRect/>
+          </a:stretch>
+        </p:blipFill>
+        <p:spPr bwMode="auto">
+          <a:xfrm>
+            <a:off x="3641928" y="2311970"/>
+            <a:ext cx="2024641" cy="4180903"/>
+          </a:xfrm>
+          <a:prstGeom prst="rect">
+            <a:avLst/>
+          </a:prstGeom>
+          <a:noFill/>
+          <a:extLst>
+            <a:ext uri="{909E8E84-426E-40DD-AFC4-6F175D3DCCD1}">
+              <a14:hiddenFill xmlns:a14="http://schemas.microsoft.com/office/drawing/2010/main">
+                <a:solidFill>
+                  <a:srgbClr val="FFFFFF"/>
+                </a:solidFill>
+              </a14:hiddenFill>
+            </a:ext>
+          </a:extLst>
+        </p:spPr>
+      </p:pic>
+      <p:pic>
+        <p:nvPicPr>
+          <p:cNvPr id="2054" name="Picture 6">
+            <a:extLst>
+              <a:ext uri="{FF2B5EF4-FFF2-40B4-BE49-F238E27FC236}">
+                <a16:creationId xmlns:a16="http://schemas.microsoft.com/office/drawing/2014/main" id="{CB1AA3DA-1A0B-A921-D088-06EDB91AB167}"/>
+              </a:ext>
+            </a:extLst>
+          </p:cNvPr>
+          <p:cNvPicPr>
+            <a:picLocks noChangeAspect="1" noChangeArrowheads="1"/>
+          </p:cNvPicPr>
+          <p:nvPr/>
+        </p:nvPicPr>
+        <p:blipFill>
+          <a:blip r:embed="rId4">
+            <a:extLst>
+              <a:ext uri="{28A0092B-C50C-407E-A947-70E740481C1C}">
+                <a14:useLocalDpi xmlns:a14="http://schemas.microsoft.com/office/drawing/2010/main" val="0"/>
+              </a:ext>
+            </a:extLst>
+          </a:blip>
+          <a:srcRect/>
+          <a:stretch>
+            <a:fillRect/>
+          </a:stretch>
+        </p:blipFill>
+        <p:spPr bwMode="auto">
+          <a:xfrm>
+            <a:off x="6485544" y="2311971"/>
+            <a:ext cx="2024641" cy="4180903"/>
+          </a:xfrm>
+          <a:prstGeom prst="rect">
+            <a:avLst/>
+          </a:prstGeom>
+          <a:noFill/>
+          <a:extLst>
+            <a:ext uri="{909E8E84-426E-40DD-AFC4-6F175D3DCCD1}">
+              <a14:hiddenFill xmlns:a14="http://schemas.microsoft.com/office/drawing/2010/main">
+                <a:solidFill>
+                  <a:srgbClr val="FFFFFF"/>
+                </a:solidFill>
+              </a14:hiddenFill>
+            </a:ext>
+          </a:extLst>
+        </p:spPr>
+      </p:pic>
+      <p:pic>
+        <p:nvPicPr>
+          <p:cNvPr id="2056" name="Picture 8">
+            <a:extLst>
+              <a:ext uri="{FF2B5EF4-FFF2-40B4-BE49-F238E27FC236}">
+                <a16:creationId xmlns:a16="http://schemas.microsoft.com/office/drawing/2014/main" id="{6F370A77-723C-5452-D941-83BB8DF9BF5C}"/>
+              </a:ext>
+            </a:extLst>
+          </p:cNvPr>
+          <p:cNvPicPr>
+            <a:picLocks noChangeAspect="1" noChangeArrowheads="1"/>
+          </p:cNvPicPr>
+          <p:nvPr/>
+        </p:nvPicPr>
+        <p:blipFill>
+          <a:blip r:embed="rId5">
+            <a:extLst>
+              <a:ext uri="{28A0092B-C50C-407E-A947-70E740481C1C}">
+                <a14:useLocalDpi xmlns:a14="http://schemas.microsoft.com/office/drawing/2010/main" val="0"/>
+              </a:ext>
+            </a:extLst>
+          </a:blip>
+          <a:srcRect/>
+          <a:stretch>
+            <a:fillRect/>
+          </a:stretch>
+        </p:blipFill>
+        <p:spPr bwMode="auto">
+          <a:xfrm>
+            <a:off x="9329160" y="2311973"/>
+            <a:ext cx="2024640" cy="4180901"/>
+          </a:xfrm>
+          <a:prstGeom prst="rect">
+            <a:avLst/>
+          </a:prstGeom>
+          <a:noFill/>
+          <a:extLst>
+            <a:ext uri="{909E8E84-426E-40DD-AFC4-6F175D3DCCD1}">
+              <a14:hiddenFill xmlns:a14="http://schemas.microsoft.com/office/drawing/2010/main">
+                <a:solidFill>
+                  <a:srgbClr val="FFFFFF"/>
+                </a:solidFill>
+              </a14:hiddenFill>
+            </a:ext>
+          </a:extLst>
+        </p:spPr>
+      </p:pic>
     </p:spTree>
     <p:extLst>
       <p:ext uri="{BB962C8B-B14F-4D97-AF65-F5344CB8AC3E}">
@@ -4320,7 +5460,7 @@
                 <a:latin typeface="Arial" panose="020B0604020202020204" pitchFamily="34" charset="0"/>
                 <a:cs typeface="Arial" panose="020B0604020202020204" pitchFamily="34" charset="0"/>
               </a:rPr>
-              <a:t>sablonját</a:t>
+              <a:t>sablonjait</a:t>
             </a:r>
             <a:endParaRPr lang="hu-HU" dirty="0">
               <a:latin typeface="Arial" panose="020B0604020202020204" pitchFamily="34" charset="0"/>
@@ -4329,6 +5469,100 @@
           </a:p>
         </p:txBody>
       </p:sp>
+      <p:pic>
+        <p:nvPicPr>
+          <p:cNvPr id="3074" name="Picture 2">
+            <a:extLst>
+              <a:ext uri="{FF2B5EF4-FFF2-40B4-BE49-F238E27FC236}">
+                <a16:creationId xmlns:a16="http://schemas.microsoft.com/office/drawing/2014/main" id="{14C37571-D67C-0B74-3318-212D8A2A8AFE}"/>
+              </a:ext>
+            </a:extLst>
+          </p:cNvPr>
+          <p:cNvPicPr>
+            <a:picLocks noChangeAspect="1" noChangeArrowheads="1"/>
+          </p:cNvPicPr>
+          <p:nvPr/>
+        </p:nvPicPr>
+        <p:blipFill>
+          <a:blip r:embed="rId2">
+            <a:extLst>
+              <a:ext uri="{28A0092B-C50C-407E-A947-70E740481C1C}">
+                <a14:useLocalDpi xmlns:a14="http://schemas.microsoft.com/office/drawing/2010/main" val="0"/>
+              </a:ext>
+            </a:extLst>
+          </a:blip>
+          <a:srcRect/>
+          <a:stretch>
+            <a:fillRect/>
+          </a:stretch>
+        </p:blipFill>
+        <p:spPr bwMode="auto">
+          <a:xfrm>
+            <a:off x="537896" y="2640647"/>
+            <a:ext cx="5303689" cy="3852225"/>
+          </a:xfrm>
+          <a:prstGeom prst="rect">
+            <a:avLst/>
+          </a:prstGeom>
+          <a:noFill/>
+          <a:extLst>
+            <a:ext uri="{909E8E84-426E-40DD-AFC4-6F175D3DCCD1}">
+              <a14:hiddenFill xmlns:a14="http://schemas.microsoft.com/office/drawing/2010/main">
+                <a:solidFill>
+                  <a:srgbClr val="FFFFFF"/>
+                </a:solidFill>
+              </a14:hiddenFill>
+            </a:ext>
+          </a:extLst>
+        </p:spPr>
+      </p:pic>
+      <p:pic>
+        <p:nvPicPr>
+          <p:cNvPr id="3078" name="Picture 6">
+            <a:extLst>
+              <a:ext uri="{FF2B5EF4-FFF2-40B4-BE49-F238E27FC236}">
+                <a16:creationId xmlns:a16="http://schemas.microsoft.com/office/drawing/2014/main" id="{846E828F-9F98-B7D5-DF28-A9AB303F5BEA}"/>
+              </a:ext>
+            </a:extLst>
+          </p:cNvPr>
+          <p:cNvPicPr>
+            <a:picLocks noChangeAspect="1" noChangeArrowheads="1"/>
+          </p:cNvPicPr>
+          <p:nvPr/>
+        </p:nvPicPr>
+        <p:blipFill>
+          <a:blip r:embed="rId3">
+            <a:extLst>
+              <a:ext uri="{28A0092B-C50C-407E-A947-70E740481C1C}">
+                <a14:useLocalDpi xmlns:a14="http://schemas.microsoft.com/office/drawing/2010/main" val="0"/>
+              </a:ext>
+            </a:extLst>
+          </a:blip>
+          <a:srcRect/>
+          <a:stretch>
+            <a:fillRect/>
+          </a:stretch>
+        </p:blipFill>
+        <p:spPr bwMode="auto">
+          <a:xfrm>
+            <a:off x="6141889" y="2640646"/>
+            <a:ext cx="5329602" cy="3852225"/>
+          </a:xfrm>
+          <a:prstGeom prst="rect">
+            <a:avLst/>
+          </a:prstGeom>
+          <a:noFill/>
+          <a:extLst>
+            <a:ext uri="{909E8E84-426E-40DD-AFC4-6F175D3DCCD1}">
+              <a14:hiddenFill xmlns:a14="http://schemas.microsoft.com/office/drawing/2010/main">
+                <a:solidFill>
+                  <a:srgbClr val="FFFFFF"/>
+                </a:solidFill>
+              </a14:hiddenFill>
+            </a:ext>
+          </a:extLst>
+        </p:spPr>
+      </p:pic>
     </p:spTree>
     <p:extLst>
       <p:ext uri="{BB962C8B-B14F-4D97-AF65-F5344CB8AC3E}">
@@ -4474,7 +5708,7 @@
                 <a:latin typeface="Arial" panose="020B0604020202020204" pitchFamily="34" charset="0"/>
                 <a:cs typeface="Arial" panose="020B0604020202020204" pitchFamily="34" charset="0"/>
               </a:rPr>
-              <a:t>sablonját</a:t>
+              <a:t>sablonjait</a:t>
             </a:r>
             <a:endParaRPr lang="hu-HU" dirty="0">
               <a:latin typeface="Arial" panose="020B0604020202020204" pitchFamily="34" charset="0"/>
@@ -4483,6 +5717,53 @@
           </a:p>
         </p:txBody>
       </p:sp>
+      <p:pic>
+        <p:nvPicPr>
+          <p:cNvPr id="4102" name="Picture 6">
+            <a:extLst>
+              <a:ext uri="{FF2B5EF4-FFF2-40B4-BE49-F238E27FC236}">
+                <a16:creationId xmlns:a16="http://schemas.microsoft.com/office/drawing/2014/main" id="{E6B23D54-477C-C5D4-6E40-17381D855A7C}"/>
+              </a:ext>
+            </a:extLst>
+          </p:cNvPr>
+          <p:cNvPicPr>
+            <a:picLocks noChangeAspect="1" noChangeArrowheads="1"/>
+          </p:cNvPicPr>
+          <p:nvPr/>
+        </p:nvPicPr>
+        <p:blipFill>
+          <a:blip r:embed="rId2">
+            <a:extLst>
+              <a:ext uri="{28A0092B-C50C-407E-A947-70E740481C1C}">
+                <a14:useLocalDpi xmlns:a14="http://schemas.microsoft.com/office/drawing/2010/main" val="0"/>
+              </a:ext>
+            </a:extLst>
+          </a:blip>
+          <a:srcRect/>
+          <a:stretch>
+            <a:fillRect/>
+          </a:stretch>
+        </p:blipFill>
+        <p:spPr bwMode="auto">
+          <a:xfrm>
+            <a:off x="1033462" y="2380060"/>
+            <a:ext cx="10125075" cy="3796903"/>
+          </a:xfrm>
+          <a:prstGeom prst="rect">
+            <a:avLst/>
+          </a:prstGeom>
+          <a:noFill/>
+          <a:extLst>
+            <a:ext uri="{909E8E84-426E-40DD-AFC4-6F175D3DCCD1}">
+              <a14:hiddenFill xmlns:a14="http://schemas.microsoft.com/office/drawing/2010/main">
+                <a:solidFill>
+                  <a:srgbClr val="FFFFFF"/>
+                </a:solidFill>
+              </a14:hiddenFill>
+            </a:ext>
+          </a:extLst>
+        </p:spPr>
+      </p:pic>
     </p:spTree>
     <p:extLst>
       <p:ext uri="{BB962C8B-B14F-4D97-AF65-F5344CB8AC3E}">

--- a/PPT/tztpvb_barkacs.pptx
+++ b/PPT/tztpvb_barkacs.pptx
@@ -256,7 +256,7 @@
           <a:p>
             <a:fld id="{71E632DD-E401-4CE4-A4E1-B4FCB673BE30}" type="datetimeFigureOut">
               <a:rPr lang="hu-HU" smtClean="0"/>
-              <a:t>2023. 02. 01.</a:t>
+              <a:t>2023.02.02.</a:t>
             </a:fld>
             <a:endParaRPr lang="hu-HU"/>
           </a:p>
@@ -424,7 +424,7 @@
           <a:p>
             <a:fld id="{71E632DD-E401-4CE4-A4E1-B4FCB673BE30}" type="datetimeFigureOut">
               <a:rPr lang="hu-HU" smtClean="0"/>
-              <a:t>2023. 02. 01.</a:t>
+              <a:t>2023.02.02.</a:t>
             </a:fld>
             <a:endParaRPr lang="hu-HU"/>
           </a:p>
@@ -602,7 +602,7 @@
           <a:p>
             <a:fld id="{71E632DD-E401-4CE4-A4E1-B4FCB673BE30}" type="datetimeFigureOut">
               <a:rPr lang="hu-HU" smtClean="0"/>
-              <a:t>2023. 02. 01.</a:t>
+              <a:t>2023.02.02.</a:t>
             </a:fld>
             <a:endParaRPr lang="hu-HU"/>
           </a:p>
@@ -770,7 +770,7 @@
           <a:p>
             <a:fld id="{71E632DD-E401-4CE4-A4E1-B4FCB673BE30}" type="datetimeFigureOut">
               <a:rPr lang="hu-HU" smtClean="0"/>
-              <a:t>2023. 02. 01.</a:t>
+              <a:t>2023.02.02.</a:t>
             </a:fld>
             <a:endParaRPr lang="hu-HU"/>
           </a:p>
@@ -1015,7 +1015,7 @@
           <a:p>
             <a:fld id="{71E632DD-E401-4CE4-A4E1-B4FCB673BE30}" type="datetimeFigureOut">
               <a:rPr lang="hu-HU" smtClean="0"/>
-              <a:t>2023. 02. 01.</a:t>
+              <a:t>2023.02.02.</a:t>
             </a:fld>
             <a:endParaRPr lang="hu-HU"/>
           </a:p>
@@ -1244,7 +1244,7 @@
           <a:p>
             <a:fld id="{71E632DD-E401-4CE4-A4E1-B4FCB673BE30}" type="datetimeFigureOut">
               <a:rPr lang="hu-HU" smtClean="0"/>
-              <a:t>2023. 02. 01.</a:t>
+              <a:t>2023.02.02.</a:t>
             </a:fld>
             <a:endParaRPr lang="hu-HU"/>
           </a:p>
@@ -1608,7 +1608,7 @@
           <a:p>
             <a:fld id="{71E632DD-E401-4CE4-A4E1-B4FCB673BE30}" type="datetimeFigureOut">
               <a:rPr lang="hu-HU" smtClean="0"/>
-              <a:t>2023. 02. 01.</a:t>
+              <a:t>2023.02.02.</a:t>
             </a:fld>
             <a:endParaRPr lang="hu-HU"/>
           </a:p>
@@ -1725,7 +1725,7 @@
           <a:p>
             <a:fld id="{71E632DD-E401-4CE4-A4E1-B4FCB673BE30}" type="datetimeFigureOut">
               <a:rPr lang="hu-HU" smtClean="0"/>
-              <a:t>2023. 02. 01.</a:t>
+              <a:t>2023.02.02.</a:t>
             </a:fld>
             <a:endParaRPr lang="hu-HU"/>
           </a:p>
@@ -1820,7 +1820,7 @@
           <a:p>
             <a:fld id="{71E632DD-E401-4CE4-A4E1-B4FCB673BE30}" type="datetimeFigureOut">
               <a:rPr lang="hu-HU" smtClean="0"/>
-              <a:t>2023. 02. 01.</a:t>
+              <a:t>2023.02.02.</a:t>
             </a:fld>
             <a:endParaRPr lang="hu-HU"/>
           </a:p>
@@ -2095,7 +2095,7 @@
           <a:p>
             <a:fld id="{71E632DD-E401-4CE4-A4E1-B4FCB673BE30}" type="datetimeFigureOut">
               <a:rPr lang="hu-HU" smtClean="0"/>
-              <a:t>2023. 02. 01.</a:t>
+              <a:t>2023.02.02.</a:t>
             </a:fld>
             <a:endParaRPr lang="hu-HU"/>
           </a:p>
@@ -2347,7 +2347,7 @@
           <a:p>
             <a:fld id="{71E632DD-E401-4CE4-A4E1-B4FCB673BE30}" type="datetimeFigureOut">
               <a:rPr lang="hu-HU" smtClean="0"/>
-              <a:t>2023. 02. 01.</a:t>
+              <a:t>2023.02.02.</a:t>
             </a:fld>
             <a:endParaRPr lang="hu-HU"/>
           </a:p>
@@ -2558,7 +2558,7 @@
           <a:p>
             <a:fld id="{71E632DD-E401-4CE4-A4E1-B4FCB673BE30}" type="datetimeFigureOut">
               <a:rPr lang="hu-HU" smtClean="0"/>
-              <a:t>2023. 02. 01.</a:t>
+              <a:t>2023.02.02.</a:t>
             </a:fld>
             <a:endParaRPr lang="hu-HU"/>
           </a:p>
@@ -3654,219 +3654,378 @@
           <a:lstStyle/>
           <a:p>
             <a:r>
-              <a:rPr lang="en-US" dirty="0"/>
+              <a:rPr lang="en-US" dirty="0">
+                <a:latin typeface="Arial" panose="020B0604020202020204" pitchFamily="34" charset="0"/>
+                <a:cs typeface="Arial" panose="020B0604020202020204" pitchFamily="34" charset="0"/>
+              </a:rPr>
               <a:t>Az </a:t>
             </a:r>
             <a:r>
-              <a:rPr lang="en-US" dirty="0" err="1"/>
+              <a:rPr lang="en-US" dirty="0" err="1">
+                <a:latin typeface="Arial" panose="020B0604020202020204" pitchFamily="34" charset="0"/>
+                <a:cs typeface="Arial" panose="020B0604020202020204" pitchFamily="34" charset="0"/>
+              </a:rPr>
               <a:t>elején</a:t>
             </a:r>
             <a:r>
-              <a:rPr lang="en-US" dirty="0"/>
+              <a:rPr lang="en-US" dirty="0">
+                <a:latin typeface="Arial" panose="020B0604020202020204" pitchFamily="34" charset="0"/>
+                <a:cs typeface="Arial" panose="020B0604020202020204" pitchFamily="34" charset="0"/>
+              </a:rPr>
               <a:t> </a:t>
             </a:r>
             <a:r>
-              <a:rPr lang="en-US" dirty="0" err="1"/>
+              <a:rPr lang="en-US" dirty="0" err="1">
+                <a:latin typeface="Arial" panose="020B0604020202020204" pitchFamily="34" charset="0"/>
+                <a:cs typeface="Arial" panose="020B0604020202020204" pitchFamily="34" charset="0"/>
+              </a:rPr>
               <a:t>nehéz</a:t>
             </a:r>
             <a:r>
-              <a:rPr lang="en-US" dirty="0"/>
+              <a:rPr lang="en-US" dirty="0">
+                <a:latin typeface="Arial" panose="020B0604020202020204" pitchFamily="34" charset="0"/>
+                <a:cs typeface="Arial" panose="020B0604020202020204" pitchFamily="34" charset="0"/>
+              </a:rPr>
               <a:t> volt a </a:t>
             </a:r>
             <a:r>
-              <a:rPr lang="en-US" dirty="0" err="1"/>
+              <a:rPr lang="en-US" dirty="0" err="1">
+                <a:latin typeface="Arial" panose="020B0604020202020204" pitchFamily="34" charset="0"/>
+                <a:cs typeface="Arial" panose="020B0604020202020204" pitchFamily="34" charset="0"/>
+              </a:rPr>
               <a:t>közös</a:t>
             </a:r>
             <a:r>
-              <a:rPr lang="en-US" dirty="0"/>
+              <a:rPr lang="en-US" dirty="0">
+                <a:latin typeface="Arial" panose="020B0604020202020204" pitchFamily="34" charset="0"/>
+                <a:cs typeface="Arial" panose="020B0604020202020204" pitchFamily="34" charset="0"/>
+              </a:rPr>
               <a:t> </a:t>
             </a:r>
             <a:r>
-              <a:rPr lang="en-US" dirty="0" err="1"/>
+              <a:rPr lang="en-US" dirty="0" err="1">
+                <a:latin typeface="Arial" panose="020B0604020202020204" pitchFamily="34" charset="0"/>
+                <a:cs typeface="Arial" panose="020B0604020202020204" pitchFamily="34" charset="0"/>
+              </a:rPr>
               <a:t>munka</a:t>
             </a:r>
             <a:r>
-              <a:rPr lang="en-US" dirty="0"/>
+              <a:rPr lang="en-US" dirty="0">
+                <a:latin typeface="Arial" panose="020B0604020202020204" pitchFamily="34" charset="0"/>
+                <a:cs typeface="Arial" panose="020B0604020202020204" pitchFamily="34" charset="0"/>
+              </a:rPr>
               <a:t>, de </a:t>
             </a:r>
             <a:r>
-              <a:rPr lang="en-US" dirty="0" err="1"/>
+              <a:rPr lang="en-US" dirty="0" err="1">
+                <a:latin typeface="Arial" panose="020B0604020202020204" pitchFamily="34" charset="0"/>
+                <a:cs typeface="Arial" panose="020B0604020202020204" pitchFamily="34" charset="0"/>
+              </a:rPr>
               <a:t>utána</a:t>
             </a:r>
             <a:r>
-              <a:rPr lang="en-US" dirty="0"/>
+              <a:rPr lang="en-US" dirty="0">
+                <a:latin typeface="Arial" panose="020B0604020202020204" pitchFamily="34" charset="0"/>
+                <a:cs typeface="Arial" panose="020B0604020202020204" pitchFamily="34" charset="0"/>
+              </a:rPr>
               <a:t> </a:t>
             </a:r>
             <a:r>
-              <a:rPr lang="en-US" dirty="0" err="1"/>
+              <a:rPr lang="en-US" dirty="0" err="1">
+                <a:latin typeface="Arial" panose="020B0604020202020204" pitchFamily="34" charset="0"/>
+                <a:cs typeface="Arial" panose="020B0604020202020204" pitchFamily="34" charset="0"/>
+              </a:rPr>
               <a:t>már</a:t>
             </a:r>
             <a:r>
-              <a:rPr lang="en-US" dirty="0"/>
+              <a:rPr lang="en-US" dirty="0">
+                <a:latin typeface="Arial" panose="020B0604020202020204" pitchFamily="34" charset="0"/>
+                <a:cs typeface="Arial" panose="020B0604020202020204" pitchFamily="34" charset="0"/>
+              </a:rPr>
               <a:t> </a:t>
             </a:r>
             <a:r>
-              <a:rPr lang="en-US" dirty="0" err="1"/>
+              <a:rPr lang="en-US" dirty="0" err="1">
+                <a:latin typeface="Arial" panose="020B0604020202020204" pitchFamily="34" charset="0"/>
+                <a:cs typeface="Arial" panose="020B0604020202020204" pitchFamily="34" charset="0"/>
+              </a:rPr>
               <a:t>ossze</a:t>
             </a:r>
             <a:r>
-              <a:rPr lang="en-US" dirty="0"/>
+              <a:rPr lang="en-US" dirty="0">
+                <a:latin typeface="Arial" panose="020B0604020202020204" pitchFamily="34" charset="0"/>
+                <a:cs typeface="Arial" panose="020B0604020202020204" pitchFamily="34" charset="0"/>
+              </a:rPr>
               <a:t> </a:t>
             </a:r>
             <a:r>
-              <a:rPr lang="en-US" dirty="0" err="1"/>
+              <a:rPr lang="en-US" dirty="0" err="1">
+                <a:latin typeface="Arial" panose="020B0604020202020204" pitchFamily="34" charset="0"/>
+                <a:cs typeface="Arial" panose="020B0604020202020204" pitchFamily="34" charset="0"/>
+              </a:rPr>
               <a:t>szoktunk</a:t>
             </a:r>
             <a:r>
-              <a:rPr lang="en-US" dirty="0"/>
+              <a:rPr lang="en-US" dirty="0">
+                <a:latin typeface="Arial" panose="020B0604020202020204" pitchFamily="34" charset="0"/>
+                <a:cs typeface="Arial" panose="020B0604020202020204" pitchFamily="34" charset="0"/>
+              </a:rPr>
               <a:t> </a:t>
             </a:r>
             <a:r>
-              <a:rPr lang="en-US" dirty="0" err="1"/>
+              <a:rPr lang="en-US" dirty="0" err="1">
+                <a:latin typeface="Arial" panose="020B0604020202020204" pitchFamily="34" charset="0"/>
+                <a:cs typeface="Arial" panose="020B0604020202020204" pitchFamily="34" charset="0"/>
+              </a:rPr>
               <a:t>és</a:t>
             </a:r>
             <a:r>
-              <a:rPr lang="en-US" dirty="0"/>
+              <a:rPr lang="en-US" dirty="0">
+                <a:latin typeface="Arial" panose="020B0604020202020204" pitchFamily="34" charset="0"/>
+                <a:cs typeface="Arial" panose="020B0604020202020204" pitchFamily="34" charset="0"/>
+              </a:rPr>
               <a:t> </a:t>
             </a:r>
             <a:r>
-              <a:rPr lang="en-US" dirty="0" err="1"/>
+              <a:rPr lang="en-US" dirty="0" err="1">
+                <a:latin typeface="Arial" panose="020B0604020202020204" pitchFamily="34" charset="0"/>
+                <a:cs typeface="Arial" panose="020B0604020202020204" pitchFamily="34" charset="0"/>
+              </a:rPr>
               <a:t>ertettük</a:t>
             </a:r>
             <a:r>
-              <a:rPr lang="en-US" dirty="0"/>
+              <a:rPr lang="en-US" dirty="0">
+                <a:latin typeface="Arial" panose="020B0604020202020204" pitchFamily="34" charset="0"/>
+                <a:cs typeface="Arial" panose="020B0604020202020204" pitchFamily="34" charset="0"/>
+              </a:rPr>
               <a:t> </a:t>
             </a:r>
             <a:r>
-              <a:rPr lang="en-US" dirty="0" err="1"/>
+              <a:rPr lang="en-US" dirty="0" err="1">
+                <a:latin typeface="Arial" panose="020B0604020202020204" pitchFamily="34" charset="0"/>
+                <a:cs typeface="Arial" panose="020B0604020202020204" pitchFamily="34" charset="0"/>
+              </a:rPr>
               <a:t>egymást</a:t>
             </a:r>
             <a:r>
-              <a:rPr lang="en-US" dirty="0"/>
+              <a:rPr lang="en-US" dirty="0">
+                <a:latin typeface="Arial" panose="020B0604020202020204" pitchFamily="34" charset="0"/>
+                <a:cs typeface="Arial" panose="020B0604020202020204" pitchFamily="34" charset="0"/>
+              </a:rPr>
               <a:t>.</a:t>
             </a:r>
           </a:p>
           <a:p>
             <a:r>
-              <a:rPr lang="en-US" dirty="0"/>
+              <a:rPr lang="en-US" dirty="0">
+                <a:latin typeface="Arial" panose="020B0604020202020204" pitchFamily="34" charset="0"/>
+                <a:cs typeface="Arial" panose="020B0604020202020204" pitchFamily="34" charset="0"/>
+              </a:rPr>
               <a:t>A </a:t>
             </a:r>
             <a:r>
-              <a:rPr lang="en-US" dirty="0" err="1"/>
+              <a:rPr lang="en-US" dirty="0" err="1">
+                <a:latin typeface="Arial" panose="020B0604020202020204" pitchFamily="34" charset="0"/>
+                <a:cs typeface="Arial" panose="020B0604020202020204" pitchFamily="34" charset="0"/>
+              </a:rPr>
               <a:t>feladatomat</a:t>
             </a:r>
             <a:r>
-              <a:rPr lang="en-US" dirty="0"/>
+              <a:rPr lang="en-US" dirty="0">
+                <a:latin typeface="Arial" panose="020B0604020202020204" pitchFamily="34" charset="0"/>
+                <a:cs typeface="Arial" panose="020B0604020202020204" pitchFamily="34" charset="0"/>
+              </a:rPr>
               <a:t> </a:t>
             </a:r>
             <a:r>
-              <a:rPr lang="en-US" dirty="0" err="1"/>
+              <a:rPr lang="en-US" dirty="0" err="1">
+                <a:latin typeface="Arial" panose="020B0604020202020204" pitchFamily="34" charset="0"/>
+                <a:cs typeface="Arial" panose="020B0604020202020204" pitchFamily="34" charset="0"/>
+              </a:rPr>
               <a:t>viszonylag</a:t>
             </a:r>
             <a:r>
-              <a:rPr lang="en-US" dirty="0"/>
+              <a:rPr lang="en-US" dirty="0">
+                <a:latin typeface="Arial" panose="020B0604020202020204" pitchFamily="34" charset="0"/>
+                <a:cs typeface="Arial" panose="020B0604020202020204" pitchFamily="34" charset="0"/>
+              </a:rPr>
               <a:t> </a:t>
             </a:r>
             <a:r>
-              <a:rPr lang="en-US" dirty="0" err="1"/>
+              <a:rPr lang="en-US" dirty="0" err="1">
+                <a:latin typeface="Arial" panose="020B0604020202020204" pitchFamily="34" charset="0"/>
+                <a:cs typeface="Arial" panose="020B0604020202020204" pitchFamily="34" charset="0"/>
+              </a:rPr>
               <a:t>sikeresen</a:t>
             </a:r>
             <a:r>
-              <a:rPr lang="en-US" dirty="0"/>
+              <a:rPr lang="en-US" dirty="0">
+                <a:latin typeface="Arial" panose="020B0604020202020204" pitchFamily="34" charset="0"/>
+                <a:cs typeface="Arial" panose="020B0604020202020204" pitchFamily="34" charset="0"/>
+              </a:rPr>
               <a:t> </a:t>
             </a:r>
             <a:r>
-              <a:rPr lang="en-US" dirty="0" err="1"/>
+              <a:rPr lang="en-US" dirty="0" err="1">
+                <a:latin typeface="Arial" panose="020B0604020202020204" pitchFamily="34" charset="0"/>
+                <a:cs typeface="Arial" panose="020B0604020202020204" pitchFamily="34" charset="0"/>
+              </a:rPr>
               <a:t>elvégeztem</a:t>
             </a:r>
             <a:r>
-              <a:rPr lang="en-US" dirty="0"/>
+              <a:rPr lang="en-US" dirty="0">
+                <a:latin typeface="Arial" panose="020B0604020202020204" pitchFamily="34" charset="0"/>
+                <a:cs typeface="Arial" panose="020B0604020202020204" pitchFamily="34" charset="0"/>
+              </a:rPr>
               <a:t>, </a:t>
             </a:r>
             <a:r>
-              <a:rPr lang="en-US" dirty="0" err="1"/>
+              <a:rPr lang="en-US" dirty="0" err="1">
+                <a:latin typeface="Arial" panose="020B0604020202020204" pitchFamily="34" charset="0"/>
+                <a:cs typeface="Arial" panose="020B0604020202020204" pitchFamily="34" charset="0"/>
+              </a:rPr>
               <a:t>néha</a:t>
             </a:r>
             <a:r>
-              <a:rPr lang="en-US" dirty="0"/>
+              <a:rPr lang="en-US" dirty="0">
+                <a:latin typeface="Arial" panose="020B0604020202020204" pitchFamily="34" charset="0"/>
+                <a:cs typeface="Arial" panose="020B0604020202020204" pitchFamily="34" charset="0"/>
+              </a:rPr>
               <a:t> </a:t>
             </a:r>
             <a:r>
-              <a:rPr lang="en-US" dirty="0" err="1"/>
+              <a:rPr lang="en-US" dirty="0" err="1">
+                <a:latin typeface="Arial" panose="020B0604020202020204" pitchFamily="34" charset="0"/>
+                <a:cs typeface="Arial" panose="020B0604020202020204" pitchFamily="34" charset="0"/>
+              </a:rPr>
               <a:t>sok</a:t>
             </a:r>
             <a:r>
-              <a:rPr lang="en-US" dirty="0"/>
+              <a:rPr lang="en-US" dirty="0">
+                <a:latin typeface="Arial" panose="020B0604020202020204" pitchFamily="34" charset="0"/>
+                <a:cs typeface="Arial" panose="020B0604020202020204" pitchFamily="34" charset="0"/>
+              </a:rPr>
               <a:t> </a:t>
             </a:r>
             <a:r>
-              <a:rPr lang="en-US" dirty="0" err="1"/>
+              <a:rPr lang="en-US" dirty="0" err="1">
+                <a:latin typeface="Arial" panose="020B0604020202020204" pitchFamily="34" charset="0"/>
+                <a:cs typeface="Arial" panose="020B0604020202020204" pitchFamily="34" charset="0"/>
+              </a:rPr>
               <a:t>nehezséggel</a:t>
             </a:r>
             <a:r>
-              <a:rPr lang="en-US"/>
+              <a:rPr lang="en-US" dirty="0">
+                <a:latin typeface="Arial" panose="020B0604020202020204" pitchFamily="34" charset="0"/>
+                <a:cs typeface="Arial" panose="020B0604020202020204" pitchFamily="34" charset="0"/>
+              </a:rPr>
               <a:t>. </a:t>
             </a:r>
           </a:p>
           <a:p>
             <a:r>
-              <a:rPr lang="en-US"/>
+              <a:rPr lang="en-US" dirty="0" err="1">
+                <a:latin typeface="Arial" panose="020B0604020202020204" pitchFamily="34" charset="0"/>
+                <a:cs typeface="Arial" panose="020B0604020202020204" pitchFamily="34" charset="0"/>
+              </a:rPr>
               <a:t>Összeségében</a:t>
             </a:r>
             <a:r>
-              <a:rPr lang="en-US" dirty="0"/>
+              <a:rPr lang="en-US" dirty="0">
+                <a:latin typeface="Arial" panose="020B0604020202020204" pitchFamily="34" charset="0"/>
+                <a:cs typeface="Arial" panose="020B0604020202020204" pitchFamily="34" charset="0"/>
+              </a:rPr>
               <a:t> a </a:t>
             </a:r>
             <a:r>
-              <a:rPr lang="en-US" dirty="0" err="1"/>
+              <a:rPr lang="en-US" dirty="0" err="1">
+                <a:latin typeface="Arial" panose="020B0604020202020204" pitchFamily="34" charset="0"/>
+                <a:cs typeface="Arial" panose="020B0604020202020204" pitchFamily="34" charset="0"/>
+              </a:rPr>
               <a:t>csapatmunka</a:t>
             </a:r>
             <a:r>
-              <a:rPr lang="en-US" dirty="0"/>
+              <a:rPr lang="en-US" dirty="0">
+                <a:latin typeface="Arial" panose="020B0604020202020204" pitchFamily="34" charset="0"/>
+                <a:cs typeface="Arial" panose="020B0604020202020204" pitchFamily="34" charset="0"/>
+              </a:rPr>
               <a:t> </a:t>
             </a:r>
             <a:r>
-              <a:rPr lang="en-US" dirty="0" err="1"/>
+              <a:rPr lang="en-US" dirty="0" err="1">
+                <a:latin typeface="Arial" panose="020B0604020202020204" pitchFamily="34" charset="0"/>
+                <a:cs typeface="Arial" panose="020B0604020202020204" pitchFamily="34" charset="0"/>
+              </a:rPr>
               <a:t>jól</a:t>
             </a:r>
             <a:r>
-              <a:rPr lang="en-US" dirty="0"/>
+              <a:rPr lang="en-US" dirty="0">
+                <a:latin typeface="Arial" panose="020B0604020202020204" pitchFamily="34" charset="0"/>
+                <a:cs typeface="Arial" panose="020B0604020202020204" pitchFamily="34" charset="0"/>
+              </a:rPr>
               <a:t> </a:t>
             </a:r>
             <a:r>
-              <a:rPr lang="en-US" dirty="0" err="1"/>
+              <a:rPr lang="en-US" dirty="0" err="1">
+                <a:latin typeface="Arial" panose="020B0604020202020204" pitchFamily="34" charset="0"/>
+                <a:cs typeface="Arial" panose="020B0604020202020204" pitchFamily="34" charset="0"/>
+              </a:rPr>
               <a:t>ment</a:t>
             </a:r>
             <a:r>
-              <a:rPr lang="en-US" dirty="0"/>
+              <a:rPr lang="en-US" dirty="0">
+                <a:latin typeface="Arial" panose="020B0604020202020204" pitchFamily="34" charset="0"/>
+                <a:cs typeface="Arial" panose="020B0604020202020204" pitchFamily="34" charset="0"/>
+              </a:rPr>
               <a:t>. a </a:t>
             </a:r>
             <a:r>
-              <a:rPr lang="en-US" dirty="0" err="1"/>
+              <a:rPr lang="en-US" dirty="0" err="1">
+                <a:latin typeface="Arial" panose="020B0604020202020204" pitchFamily="34" charset="0"/>
+                <a:cs typeface="Arial" panose="020B0604020202020204" pitchFamily="34" charset="0"/>
+              </a:rPr>
               <a:t>végere</a:t>
             </a:r>
             <a:r>
-              <a:rPr lang="en-US" dirty="0"/>
+              <a:rPr lang="en-US" dirty="0">
+                <a:latin typeface="Arial" panose="020B0604020202020204" pitchFamily="34" charset="0"/>
+                <a:cs typeface="Arial" panose="020B0604020202020204" pitchFamily="34" charset="0"/>
+              </a:rPr>
               <a:t> </a:t>
             </a:r>
             <a:r>
-              <a:rPr lang="en-US" dirty="0" err="1"/>
+              <a:rPr lang="en-US" dirty="0" err="1">
+                <a:latin typeface="Arial" panose="020B0604020202020204" pitchFamily="34" charset="0"/>
+                <a:cs typeface="Arial" panose="020B0604020202020204" pitchFamily="34" charset="0"/>
+              </a:rPr>
               <a:t>nagyon</a:t>
             </a:r>
             <a:r>
-              <a:rPr lang="en-US" dirty="0"/>
+              <a:rPr lang="en-US" dirty="0">
+                <a:latin typeface="Arial" panose="020B0604020202020204" pitchFamily="34" charset="0"/>
+                <a:cs typeface="Arial" panose="020B0604020202020204" pitchFamily="34" charset="0"/>
+              </a:rPr>
               <a:t> </a:t>
             </a:r>
             <a:r>
-              <a:rPr lang="en-US" dirty="0" err="1"/>
+              <a:rPr lang="en-US" dirty="0" err="1">
+                <a:latin typeface="Arial" panose="020B0604020202020204" pitchFamily="34" charset="0"/>
+                <a:cs typeface="Arial" panose="020B0604020202020204" pitchFamily="34" charset="0"/>
+              </a:rPr>
               <a:t>össze</a:t>
             </a:r>
             <a:r>
-              <a:rPr lang="en-US" dirty="0"/>
+              <a:rPr lang="en-US" dirty="0">
+                <a:latin typeface="Arial" panose="020B0604020202020204" pitchFamily="34" charset="0"/>
+                <a:cs typeface="Arial" panose="020B0604020202020204" pitchFamily="34" charset="0"/>
+              </a:rPr>
               <a:t> </a:t>
             </a:r>
             <a:r>
-              <a:rPr lang="en-US" dirty="0" err="1"/>
+              <a:rPr lang="en-US" dirty="0" err="1">
+                <a:latin typeface="Arial" panose="020B0604020202020204" pitchFamily="34" charset="0"/>
+                <a:cs typeface="Arial" panose="020B0604020202020204" pitchFamily="34" charset="0"/>
+              </a:rPr>
               <a:t>hangolódtunk</a:t>
             </a:r>
             <a:endParaRPr lang="en-US" dirty="0">
@@ -3976,7 +4135,35 @@
           <a:bodyPr/>
           <a:lstStyle/>
           <a:p>
-            <a:endParaRPr lang="en-US"/>
+            <a:r>
+              <a:rPr lang="hu-HU" dirty="0" smtClean="0">
+                <a:latin typeface="Arial" panose="020B0604020202020204" pitchFamily="34" charset="0"/>
+                <a:cs typeface="Arial" panose="020B0604020202020204" pitchFamily="34" charset="0"/>
+              </a:rPr>
+              <a:t>Eleinte a munka nehezen indult el, voltak nehézségek illetve akadályok</a:t>
+            </a:r>
+          </a:p>
+          <a:p>
+            <a:r>
+              <a:rPr lang="hu-HU" dirty="0" smtClean="0">
+                <a:latin typeface="Arial" panose="020B0604020202020204" pitchFamily="34" charset="0"/>
+                <a:cs typeface="Arial" panose="020B0604020202020204" pitchFamily="34" charset="0"/>
+              </a:rPr>
+              <a:t>Nekem kiosztott feladatokat sikerült elvégeznem szerintem</a:t>
+            </a:r>
+          </a:p>
+          <a:p>
+            <a:r>
+              <a:rPr lang="hu-HU" dirty="0" smtClean="0">
+                <a:latin typeface="Arial" panose="020B0604020202020204" pitchFamily="34" charset="0"/>
+                <a:cs typeface="Arial" panose="020B0604020202020204" pitchFamily="34" charset="0"/>
+              </a:rPr>
+              <a:t>Az én feladatom a Főoldal illetve a Blog megvalósítása</a:t>
+            </a:r>
+            <a:endParaRPr lang="en-US" dirty="0">
+              <a:latin typeface="Arial" panose="020B0604020202020204" pitchFamily="34" charset="0"/>
+              <a:cs typeface="Arial" panose="020B0604020202020204" pitchFamily="34" charset="0"/>
+            </a:endParaRPr>
           </a:p>
         </p:txBody>
       </p:sp>

--- a/PPT/tztpvb_barkacs.pptx
+++ b/PPT/tztpvb_barkacs.pptx
@@ -6,21 +6,20 @@
   </p:sldMasterIdLst>
   <p:sldIdLst>
     <p:sldId id="256" r:id="rId2"/>
-    <p:sldId id="257" r:id="rId3"/>
-    <p:sldId id="263" r:id="rId4"/>
-    <p:sldId id="261" r:id="rId5"/>
-    <p:sldId id="258" r:id="rId6"/>
-    <p:sldId id="265" r:id="rId7"/>
-    <p:sldId id="266" r:id="rId8"/>
-    <p:sldId id="264" r:id="rId9"/>
-    <p:sldId id="267" r:id="rId10"/>
-    <p:sldId id="271" r:id="rId11"/>
-    <p:sldId id="262" r:id="rId12"/>
-    <p:sldId id="259" r:id="rId13"/>
-    <p:sldId id="269" r:id="rId14"/>
-    <p:sldId id="270" r:id="rId15"/>
-    <p:sldId id="268" r:id="rId16"/>
-    <p:sldId id="272" r:id="rId17"/>
+    <p:sldId id="263" r:id="rId3"/>
+    <p:sldId id="261" r:id="rId4"/>
+    <p:sldId id="258" r:id="rId5"/>
+    <p:sldId id="265" r:id="rId6"/>
+    <p:sldId id="266" r:id="rId7"/>
+    <p:sldId id="264" r:id="rId8"/>
+    <p:sldId id="267" r:id="rId9"/>
+    <p:sldId id="271" r:id="rId10"/>
+    <p:sldId id="262" r:id="rId11"/>
+    <p:sldId id="259" r:id="rId12"/>
+    <p:sldId id="269" r:id="rId13"/>
+    <p:sldId id="270" r:id="rId14"/>
+    <p:sldId id="268" r:id="rId15"/>
+    <p:sldId id="272" r:id="rId16"/>
   </p:sldIdLst>
   <p:sldSz cx="12192000" cy="6858000"/>
   <p:notesSz cx="6858000" cy="9144000"/>
@@ -256,7 +255,7 @@
           <a:p>
             <a:fld id="{71E632DD-E401-4CE4-A4E1-B4FCB673BE30}" type="datetimeFigureOut">
               <a:rPr lang="hu-HU" smtClean="0"/>
-              <a:t>2023.02.02.</a:t>
+              <a:t>2023. 02. 05.</a:t>
             </a:fld>
             <a:endParaRPr lang="hu-HU"/>
           </a:p>
@@ -424,7 +423,7 @@
           <a:p>
             <a:fld id="{71E632DD-E401-4CE4-A4E1-B4FCB673BE30}" type="datetimeFigureOut">
               <a:rPr lang="hu-HU" smtClean="0"/>
-              <a:t>2023.02.02.</a:t>
+              <a:t>2023. 02. 05.</a:t>
             </a:fld>
             <a:endParaRPr lang="hu-HU"/>
           </a:p>
@@ -602,7 +601,7 @@
           <a:p>
             <a:fld id="{71E632DD-E401-4CE4-A4E1-B4FCB673BE30}" type="datetimeFigureOut">
               <a:rPr lang="hu-HU" smtClean="0"/>
-              <a:t>2023.02.02.</a:t>
+              <a:t>2023. 02. 05.</a:t>
             </a:fld>
             <a:endParaRPr lang="hu-HU"/>
           </a:p>
@@ -770,7 +769,7 @@
           <a:p>
             <a:fld id="{71E632DD-E401-4CE4-A4E1-B4FCB673BE30}" type="datetimeFigureOut">
               <a:rPr lang="hu-HU" smtClean="0"/>
-              <a:t>2023.02.02.</a:t>
+              <a:t>2023. 02. 05.</a:t>
             </a:fld>
             <a:endParaRPr lang="hu-HU"/>
           </a:p>
@@ -1015,7 +1014,7 @@
           <a:p>
             <a:fld id="{71E632DD-E401-4CE4-A4E1-B4FCB673BE30}" type="datetimeFigureOut">
               <a:rPr lang="hu-HU" smtClean="0"/>
-              <a:t>2023.02.02.</a:t>
+              <a:t>2023. 02. 05.</a:t>
             </a:fld>
             <a:endParaRPr lang="hu-HU"/>
           </a:p>
@@ -1244,7 +1243,7 @@
           <a:p>
             <a:fld id="{71E632DD-E401-4CE4-A4E1-B4FCB673BE30}" type="datetimeFigureOut">
               <a:rPr lang="hu-HU" smtClean="0"/>
-              <a:t>2023.02.02.</a:t>
+              <a:t>2023. 02. 05.</a:t>
             </a:fld>
             <a:endParaRPr lang="hu-HU"/>
           </a:p>
@@ -1608,7 +1607,7 @@
           <a:p>
             <a:fld id="{71E632DD-E401-4CE4-A4E1-B4FCB673BE30}" type="datetimeFigureOut">
               <a:rPr lang="hu-HU" smtClean="0"/>
-              <a:t>2023.02.02.</a:t>
+              <a:t>2023. 02. 05.</a:t>
             </a:fld>
             <a:endParaRPr lang="hu-HU"/>
           </a:p>
@@ -1725,7 +1724,7 @@
           <a:p>
             <a:fld id="{71E632DD-E401-4CE4-A4E1-B4FCB673BE30}" type="datetimeFigureOut">
               <a:rPr lang="hu-HU" smtClean="0"/>
-              <a:t>2023.02.02.</a:t>
+              <a:t>2023. 02. 05.</a:t>
             </a:fld>
             <a:endParaRPr lang="hu-HU"/>
           </a:p>
@@ -1820,7 +1819,7 @@
           <a:p>
             <a:fld id="{71E632DD-E401-4CE4-A4E1-B4FCB673BE30}" type="datetimeFigureOut">
               <a:rPr lang="hu-HU" smtClean="0"/>
-              <a:t>2023.02.02.</a:t>
+              <a:t>2023. 02. 05.</a:t>
             </a:fld>
             <a:endParaRPr lang="hu-HU"/>
           </a:p>
@@ -2095,7 +2094,7 @@
           <a:p>
             <a:fld id="{71E632DD-E401-4CE4-A4E1-B4FCB673BE30}" type="datetimeFigureOut">
               <a:rPr lang="hu-HU" smtClean="0"/>
-              <a:t>2023.02.02.</a:t>
+              <a:t>2023. 02. 05.</a:t>
             </a:fld>
             <a:endParaRPr lang="hu-HU"/>
           </a:p>
@@ -2347,7 +2346,7 @@
           <a:p>
             <a:fld id="{71E632DD-E401-4CE4-A4E1-B4FCB673BE30}" type="datetimeFigureOut">
               <a:rPr lang="hu-HU" smtClean="0"/>
-              <a:t>2023.02.02.</a:t>
+              <a:t>2023. 02. 05.</a:t>
             </a:fld>
             <a:endParaRPr lang="hu-HU"/>
           </a:p>
@@ -2558,7 +2557,7 @@
           <a:p>
             <a:fld id="{71E632DD-E401-4CE4-A4E1-B4FCB673BE30}" type="datetimeFigureOut">
               <a:rPr lang="hu-HU" smtClean="0"/>
-              <a:t>2023.02.02.</a:t>
+              <a:t>2023. 02. 05.</a:t>
             </a:fld>
             <a:endParaRPr lang="hu-HU"/>
           </a:p>
@@ -3067,221 +3066,36 @@
             <a:spLocks noGrp="1"/>
           </p:cNvSpPr>
           <p:nvPr>
-            <p:ph type="title"/>
-          </p:nvPr>
-        </p:nvSpPr>
-        <p:spPr/>
-        <p:txBody>
-          <a:bodyPr/>
-          <a:lstStyle/>
-          <a:p>
-            <a:r>
-              <a:rPr lang="en-US" dirty="0" err="1">
-                <a:latin typeface="Arial" panose="020B0604020202020204" pitchFamily="34" charset="0"/>
-                <a:cs typeface="Arial" panose="020B0604020202020204" pitchFamily="34" charset="0"/>
-              </a:rPr>
-              <a:t>Oldal</a:t>
-            </a:r>
-            <a:r>
-              <a:rPr lang="en-US" dirty="0">
-                <a:latin typeface="Arial" panose="020B0604020202020204" pitchFamily="34" charset="0"/>
-                <a:cs typeface="Arial" panose="020B0604020202020204" pitchFamily="34" charset="0"/>
-              </a:rPr>
-              <a:t> design</a:t>
-            </a:r>
-            <a:endParaRPr lang="hu-HU" dirty="0">
-              <a:latin typeface="Arial" panose="020B0604020202020204" pitchFamily="34" charset="0"/>
-              <a:cs typeface="Arial" panose="020B0604020202020204" pitchFamily="34" charset="0"/>
-            </a:endParaRPr>
-          </a:p>
-        </p:txBody>
-      </p:sp>
-      <p:sp>
-        <p:nvSpPr>
-          <p:cNvPr id="3" name="Tartalom helye 2"/>
-          <p:cNvSpPr>
-            <a:spLocks noGrp="1"/>
-          </p:cNvSpPr>
-          <p:nvPr>
-            <p:ph idx="1"/>
-          </p:nvPr>
-        </p:nvSpPr>
-        <p:spPr/>
-        <p:txBody>
-          <a:bodyPr/>
-          <a:lstStyle/>
-          <a:p>
-            <a:pPr marL="0" indent="0" algn="ctr">
-              <a:buNone/>
-            </a:pPr>
-            <a:r>
-              <a:rPr lang="en-US" dirty="0" err="1">
-                <a:latin typeface="Arial" panose="020B0604020202020204" pitchFamily="34" charset="0"/>
-                <a:cs typeface="Arial" panose="020B0604020202020204" pitchFamily="34" charset="0"/>
-              </a:rPr>
-              <a:t>Ezután</a:t>
-            </a:r>
-            <a:r>
-              <a:rPr lang="en-US" dirty="0">
-                <a:latin typeface="Arial" panose="020B0604020202020204" pitchFamily="34" charset="0"/>
-                <a:cs typeface="Arial" panose="020B0604020202020204" pitchFamily="34" charset="0"/>
-              </a:rPr>
-              <a:t> Figma-ban </a:t>
-            </a:r>
-            <a:r>
-              <a:rPr lang="en-US" dirty="0" err="1">
-                <a:latin typeface="Arial" panose="020B0604020202020204" pitchFamily="34" charset="0"/>
-                <a:cs typeface="Arial" panose="020B0604020202020204" pitchFamily="34" charset="0"/>
-              </a:rPr>
-              <a:t>készítettük</a:t>
-            </a:r>
-            <a:r>
-              <a:rPr lang="en-US" dirty="0">
-                <a:latin typeface="Arial" panose="020B0604020202020204" pitchFamily="34" charset="0"/>
-                <a:cs typeface="Arial" panose="020B0604020202020204" pitchFamily="34" charset="0"/>
-              </a:rPr>
-              <a:t> </a:t>
-            </a:r>
-            <a:r>
-              <a:rPr lang="en-US" dirty="0" err="1">
-                <a:latin typeface="Arial" panose="020B0604020202020204" pitchFamily="34" charset="0"/>
-                <a:cs typeface="Arial" panose="020B0604020202020204" pitchFamily="34" charset="0"/>
-              </a:rPr>
-              <a:t>az</a:t>
-            </a:r>
-            <a:r>
-              <a:rPr lang="en-US" dirty="0">
-                <a:latin typeface="Arial" panose="020B0604020202020204" pitchFamily="34" charset="0"/>
-                <a:cs typeface="Arial" panose="020B0604020202020204" pitchFamily="34" charset="0"/>
-              </a:rPr>
-              <a:t> </a:t>
-            </a:r>
-            <a:r>
-              <a:rPr lang="en-US" dirty="0" err="1">
-                <a:latin typeface="Arial" panose="020B0604020202020204" pitchFamily="34" charset="0"/>
-                <a:cs typeface="Arial" panose="020B0604020202020204" pitchFamily="34" charset="0"/>
-              </a:rPr>
-              <a:t>oldal</a:t>
-            </a:r>
-            <a:r>
-              <a:rPr lang="en-US" dirty="0">
-                <a:latin typeface="Arial" panose="020B0604020202020204" pitchFamily="34" charset="0"/>
-                <a:cs typeface="Arial" panose="020B0604020202020204" pitchFamily="34" charset="0"/>
-              </a:rPr>
-              <a:t> </a:t>
-            </a:r>
-            <a:r>
-              <a:rPr lang="en-US" dirty="0" err="1">
-                <a:latin typeface="Arial" panose="020B0604020202020204" pitchFamily="34" charset="0"/>
-                <a:cs typeface="Arial" panose="020B0604020202020204" pitchFamily="34" charset="0"/>
-              </a:rPr>
-              <a:t>sablonjait</a:t>
-            </a:r>
-            <a:endParaRPr lang="hu-HU" dirty="0">
-              <a:latin typeface="Arial" panose="020B0604020202020204" pitchFamily="34" charset="0"/>
-              <a:cs typeface="Arial" panose="020B0604020202020204" pitchFamily="34" charset="0"/>
-            </a:endParaRPr>
-          </a:p>
-        </p:txBody>
-      </p:sp>
-      <p:pic>
-        <p:nvPicPr>
-          <p:cNvPr id="5122" name="Picture 2">
-            <a:extLst>
-              <a:ext uri="{FF2B5EF4-FFF2-40B4-BE49-F238E27FC236}">
-                <a16:creationId xmlns:a16="http://schemas.microsoft.com/office/drawing/2014/main" id="{9CAB2859-865D-01A7-C7C6-B81BC4749BD5}"/>
-              </a:ext>
-            </a:extLst>
-          </p:cNvPr>
-          <p:cNvPicPr>
-            <a:picLocks noChangeAspect="1" noChangeArrowheads="1"/>
-          </p:cNvPicPr>
-          <p:nvPr/>
-        </p:nvPicPr>
-        <p:blipFill>
-          <a:blip r:embed="rId2">
-            <a:extLst>
-              <a:ext uri="{28A0092B-C50C-407E-A947-70E740481C1C}">
-                <a14:useLocalDpi xmlns:a14="http://schemas.microsoft.com/office/drawing/2010/main" val="0"/>
-              </a:ext>
-            </a:extLst>
-          </a:blip>
-          <a:srcRect/>
-          <a:stretch>
-            <a:fillRect/>
-          </a:stretch>
-        </p:blipFill>
-        <p:spPr bwMode="auto">
+            <p:ph type="ctrTitle"/>
+          </p:nvPr>
+        </p:nvSpPr>
+        <p:spPr>
           <a:xfrm>
-            <a:off x="1603664" y="2316159"/>
-            <a:ext cx="4021966" cy="4351339"/>
+            <a:off x="1524000" y="1490663"/>
+            <a:ext cx="9144000" cy="2387600"/>
           </a:xfrm>
-          <a:prstGeom prst="rect">
-            <a:avLst/>
-          </a:prstGeom>
-          <a:noFill/>
-          <a:extLst>
-            <a:ext uri="{909E8E84-426E-40DD-AFC4-6F175D3DCCD1}">
-              <a14:hiddenFill xmlns:a14="http://schemas.microsoft.com/office/drawing/2010/main">
-                <a:solidFill>
-                  <a:srgbClr val="FFFFFF"/>
-                </a:solidFill>
-              </a14:hiddenFill>
-            </a:ext>
-          </a:extLst>
         </p:spPr>
-      </p:pic>
-      <p:pic>
-        <p:nvPicPr>
-          <p:cNvPr id="5124" name="Picture 4">
-            <a:extLst>
-              <a:ext uri="{FF2B5EF4-FFF2-40B4-BE49-F238E27FC236}">
-                <a16:creationId xmlns:a16="http://schemas.microsoft.com/office/drawing/2014/main" id="{FDE36526-2381-06CB-6842-11AA78AA8A93}"/>
-              </a:ext>
-            </a:extLst>
-          </p:cNvPr>
-          <p:cNvPicPr>
-            <a:picLocks noChangeAspect="1" noChangeArrowheads="1"/>
-          </p:cNvPicPr>
-          <p:nvPr/>
-        </p:nvPicPr>
-        <p:blipFill>
-          <a:blip r:embed="rId3">
-            <a:extLst>
-              <a:ext uri="{28A0092B-C50C-407E-A947-70E740481C1C}">
-                <a14:useLocalDpi xmlns:a14="http://schemas.microsoft.com/office/drawing/2010/main" val="0"/>
-              </a:ext>
-            </a:extLst>
-          </a:blip>
-          <a:srcRect/>
-          <a:stretch>
-            <a:fillRect/>
-          </a:stretch>
-        </p:blipFill>
-        <p:spPr bwMode="auto">
-          <a:xfrm>
-            <a:off x="6566371" y="2316159"/>
-            <a:ext cx="4120679" cy="4351340"/>
-          </a:xfrm>
-          <a:prstGeom prst="rect">
-            <a:avLst/>
-          </a:prstGeom>
-          <a:noFill/>
-          <a:extLst>
-            <a:ext uri="{909E8E84-426E-40DD-AFC4-6F175D3DCCD1}">
-              <a14:hiddenFill xmlns:a14="http://schemas.microsoft.com/office/drawing/2010/main">
-                <a:solidFill>
-                  <a:srgbClr val="FFFFFF"/>
-                </a:solidFill>
-              </a14:hiddenFill>
-            </a:ext>
-          </a:extLst>
-        </p:spPr>
-      </p:pic>
+        <p:txBody>
+          <a:bodyPr>
+            <a:normAutofit/>
+          </a:bodyPr>
+          <a:lstStyle/>
+          <a:p>
+            <a:r>
+              <a:rPr lang="hu-HU" sz="7200" dirty="0">
+                <a:latin typeface="Arial" panose="020B0604020202020204" pitchFamily="34" charset="0"/>
+                <a:ea typeface="Arial Unicode MS" panose="020B0604020202020204" pitchFamily="34" charset="-128"/>
+                <a:cs typeface="Arial" panose="020B0604020202020204" pitchFamily="34" charset="0"/>
+              </a:rPr>
+              <a:t>Megvalósítás</a:t>
+            </a:r>
+          </a:p>
+        </p:txBody>
+      </p:sp>
     </p:spTree>
     <p:extLst>
       <p:ext uri="{BB962C8B-B14F-4D97-AF65-F5344CB8AC3E}">
-        <p14:creationId xmlns:p14="http://schemas.microsoft.com/office/powerpoint/2010/main" val="2232490883"/>
+        <p14:creationId xmlns:p14="http://schemas.microsoft.com/office/powerpoint/2010/main" val="101238564"/>
       </p:ext>
     </p:extLst>
   </p:cSld>
@@ -3315,36 +3129,185 @@
             <a:spLocks noGrp="1"/>
           </p:cNvSpPr>
           <p:nvPr>
-            <p:ph type="ctrTitle"/>
-          </p:nvPr>
-        </p:nvSpPr>
-        <p:spPr>
-          <a:xfrm>
-            <a:off x="1524000" y="1490663"/>
-            <a:ext cx="9144000" cy="2387600"/>
-          </a:xfrm>
-        </p:spPr>
-        <p:txBody>
-          <a:bodyPr>
-            <a:normAutofit/>
-          </a:bodyPr>
-          <a:lstStyle/>
-          <a:p>
-            <a:r>
-              <a:rPr lang="hu-HU" sz="7200" dirty="0">
-                <a:latin typeface="Arial" panose="020B0604020202020204" pitchFamily="34" charset="0"/>
-                <a:ea typeface="Arial Unicode MS" panose="020B0604020202020204" pitchFamily="34" charset="-128"/>
-                <a:cs typeface="Arial" panose="020B0604020202020204" pitchFamily="34" charset="0"/>
-              </a:rPr>
-              <a:t>Megvalósítás</a:t>
-            </a:r>
+            <p:ph type="title"/>
+          </p:nvPr>
+        </p:nvSpPr>
+        <p:spPr/>
+        <p:txBody>
+          <a:bodyPr/>
+          <a:lstStyle/>
+          <a:p>
+            <a:r>
+              <a:rPr lang="en-US" dirty="0">
+                <a:latin typeface="Arial" panose="020B0604020202020204" pitchFamily="34" charset="0"/>
+                <a:cs typeface="Arial" panose="020B0604020202020204" pitchFamily="34" charset="0"/>
+              </a:rPr>
+              <a:t>Az </a:t>
+            </a:r>
+            <a:r>
+              <a:rPr lang="en-US" dirty="0" err="1">
+                <a:latin typeface="Arial" panose="020B0604020202020204" pitchFamily="34" charset="0"/>
+                <a:cs typeface="Arial" panose="020B0604020202020204" pitchFamily="34" charset="0"/>
+              </a:rPr>
+              <a:t>oldalak</a:t>
+            </a:r>
+            <a:endParaRPr lang="hu-HU" dirty="0">
+              <a:latin typeface="Arial" panose="020B0604020202020204" pitchFamily="34" charset="0"/>
+              <a:cs typeface="Arial" panose="020B0604020202020204" pitchFamily="34" charset="0"/>
+            </a:endParaRPr>
+          </a:p>
+        </p:txBody>
+      </p:sp>
+      <p:sp>
+        <p:nvSpPr>
+          <p:cNvPr id="3" name="Tartalom helye 2"/>
+          <p:cNvSpPr>
+            <a:spLocks noGrp="1"/>
+          </p:cNvSpPr>
+          <p:nvPr>
+            <p:ph idx="1"/>
+          </p:nvPr>
+        </p:nvSpPr>
+        <p:spPr/>
+        <p:txBody>
+          <a:bodyPr/>
+          <a:lstStyle/>
+          <a:p>
+            <a:r>
+              <a:rPr lang="en-US" dirty="0" err="1">
+                <a:latin typeface="Arial" panose="020B0604020202020204" pitchFamily="34" charset="0"/>
+                <a:cs typeface="Arial" panose="020B0604020202020204" pitchFamily="34" charset="0"/>
+              </a:rPr>
+              <a:t>Terdik</a:t>
+            </a:r>
+            <a:r>
+              <a:rPr lang="en-US" dirty="0">
+                <a:latin typeface="Arial" panose="020B0604020202020204" pitchFamily="34" charset="0"/>
+                <a:cs typeface="Arial" panose="020B0604020202020204" pitchFamily="34" charset="0"/>
+              </a:rPr>
+              <a:t> </a:t>
+            </a:r>
+            <a:r>
+              <a:rPr lang="en-US" dirty="0" err="1">
+                <a:latin typeface="Arial" panose="020B0604020202020204" pitchFamily="34" charset="0"/>
+                <a:cs typeface="Arial" panose="020B0604020202020204" pitchFamily="34" charset="0"/>
+              </a:rPr>
+              <a:t>Zalán</a:t>
+            </a:r>
+            <a:r>
+              <a:rPr lang="en-US" dirty="0">
+                <a:latin typeface="Arial" panose="020B0604020202020204" pitchFamily="34" charset="0"/>
+                <a:cs typeface="Arial" panose="020B0604020202020204" pitchFamily="34" charset="0"/>
+              </a:rPr>
+              <a:t>: </a:t>
+            </a:r>
+            <a:r>
+              <a:rPr lang="en-US" dirty="0" err="1">
+                <a:latin typeface="Arial" panose="020B0604020202020204" pitchFamily="34" charset="0"/>
+                <a:cs typeface="Arial" panose="020B0604020202020204" pitchFamily="34" charset="0"/>
+              </a:rPr>
+              <a:t>Rólunk</a:t>
+            </a:r>
+            <a:r>
+              <a:rPr lang="en-US" dirty="0">
+                <a:latin typeface="Arial" panose="020B0604020202020204" pitchFamily="34" charset="0"/>
+                <a:cs typeface="Arial" panose="020B0604020202020204" pitchFamily="34" charset="0"/>
+              </a:rPr>
+              <a:t>, </a:t>
+            </a:r>
+            <a:r>
+              <a:rPr lang="en-US" dirty="0" err="1">
+                <a:latin typeface="Arial" panose="020B0604020202020204" pitchFamily="34" charset="0"/>
+                <a:cs typeface="Arial" panose="020B0604020202020204" pitchFamily="34" charset="0"/>
+              </a:rPr>
+              <a:t>Faanyagok</a:t>
+            </a:r>
+            <a:endParaRPr lang="en-US" dirty="0">
+              <a:latin typeface="Arial" panose="020B0604020202020204" pitchFamily="34" charset="0"/>
+              <a:cs typeface="Arial" panose="020B0604020202020204" pitchFamily="34" charset="0"/>
+            </a:endParaRPr>
+          </a:p>
+          <a:p>
+            <a:r>
+              <a:rPr lang="en-US" dirty="0" err="1">
+                <a:latin typeface="Arial" panose="020B0604020202020204" pitchFamily="34" charset="0"/>
+                <a:cs typeface="Arial" panose="020B0604020202020204" pitchFamily="34" charset="0"/>
+              </a:rPr>
+              <a:t>Török</a:t>
+            </a:r>
+            <a:r>
+              <a:rPr lang="en-US" dirty="0">
+                <a:latin typeface="Arial" panose="020B0604020202020204" pitchFamily="34" charset="0"/>
+                <a:cs typeface="Arial" panose="020B0604020202020204" pitchFamily="34" charset="0"/>
+              </a:rPr>
+              <a:t> </a:t>
+            </a:r>
+            <a:r>
+              <a:rPr lang="en-US" dirty="0" err="1">
+                <a:latin typeface="Arial" panose="020B0604020202020204" pitchFamily="34" charset="0"/>
+                <a:cs typeface="Arial" panose="020B0604020202020204" pitchFamily="34" charset="0"/>
+              </a:rPr>
+              <a:t>Péter</a:t>
+            </a:r>
+            <a:r>
+              <a:rPr lang="en-US" dirty="0">
+                <a:latin typeface="Arial" panose="020B0604020202020204" pitchFamily="34" charset="0"/>
+                <a:cs typeface="Arial" panose="020B0604020202020204" pitchFamily="34" charset="0"/>
+              </a:rPr>
+              <a:t>: Blog, </a:t>
+            </a:r>
+            <a:r>
+              <a:rPr lang="en-US" dirty="0" err="1">
+                <a:latin typeface="Arial" panose="020B0604020202020204" pitchFamily="34" charset="0"/>
+                <a:cs typeface="Arial" panose="020B0604020202020204" pitchFamily="34" charset="0"/>
+              </a:rPr>
+              <a:t>Főoldal</a:t>
+            </a:r>
+            <a:endParaRPr lang="en-US" dirty="0">
+              <a:latin typeface="Arial" panose="020B0604020202020204" pitchFamily="34" charset="0"/>
+              <a:cs typeface="Arial" panose="020B0604020202020204" pitchFamily="34" charset="0"/>
+            </a:endParaRPr>
+          </a:p>
+          <a:p>
+            <a:r>
+              <a:rPr lang="en-US" dirty="0">
+                <a:latin typeface="Arial" panose="020B0604020202020204" pitchFamily="34" charset="0"/>
+                <a:cs typeface="Arial" panose="020B0604020202020204" pitchFamily="34" charset="0"/>
+              </a:rPr>
+              <a:t>Vér Bence: </a:t>
+            </a:r>
+            <a:r>
+              <a:rPr lang="en-US" dirty="0" err="1">
+                <a:latin typeface="Arial" panose="020B0604020202020204" pitchFamily="34" charset="0"/>
+                <a:cs typeface="Arial" panose="020B0604020202020204" pitchFamily="34" charset="0"/>
+              </a:rPr>
+              <a:t>Szerszámkatalógus</a:t>
+            </a:r>
+            <a:r>
+              <a:rPr lang="en-US" dirty="0">
+                <a:latin typeface="Arial" panose="020B0604020202020204" pitchFamily="34" charset="0"/>
+                <a:cs typeface="Arial" panose="020B0604020202020204" pitchFamily="34" charset="0"/>
+              </a:rPr>
+              <a:t>, </a:t>
+            </a:r>
+            <a:r>
+              <a:rPr lang="en-US" dirty="0" err="1">
+                <a:latin typeface="Arial" panose="020B0604020202020204" pitchFamily="34" charset="0"/>
+                <a:cs typeface="Arial" panose="020B0604020202020204" pitchFamily="34" charset="0"/>
+              </a:rPr>
+              <a:t>Festékek</a:t>
+            </a:r>
+            <a:endParaRPr lang="hu-HU" dirty="0">
+              <a:latin typeface="Arial" panose="020B0604020202020204" pitchFamily="34" charset="0"/>
+              <a:cs typeface="Arial" panose="020B0604020202020204" pitchFamily="34" charset="0"/>
+            </a:endParaRPr>
           </a:p>
         </p:txBody>
       </p:sp>
     </p:spTree>
     <p:extLst>
       <p:ext uri="{BB962C8B-B14F-4D97-AF65-F5344CB8AC3E}">
-        <p14:creationId xmlns:p14="http://schemas.microsoft.com/office/powerpoint/2010/main" val="101238564"/>
+        <p14:creationId xmlns:p14="http://schemas.microsoft.com/office/powerpoint/2010/main" val="2893485710"/>
       </p:ext>
     </p:extLst>
   </p:cSld>
@@ -3373,7 +3336,13 @@
       </p:grpSpPr>
       <p:sp>
         <p:nvSpPr>
-          <p:cNvPr id="2" name="Cím 1"/>
+          <p:cNvPr id="2" name="Title 1">
+            <a:extLst>
+              <a:ext uri="{FF2B5EF4-FFF2-40B4-BE49-F238E27FC236}">
+                <a16:creationId xmlns:a16="http://schemas.microsoft.com/office/drawing/2014/main" id="{43F47DFC-B619-7D01-D3D0-53FB72AF8E8C}"/>
+              </a:ext>
+            </a:extLst>
+          </p:cNvPr>
           <p:cNvSpPr>
             <a:spLocks noGrp="1"/>
           </p:cNvSpPr>
@@ -3387,42 +3356,6 @@
           <a:lstStyle/>
           <a:p>
             <a:r>
-              <a:rPr lang="en-US" dirty="0">
-                <a:latin typeface="Arial" panose="020B0604020202020204" pitchFamily="34" charset="0"/>
-                <a:cs typeface="Arial" panose="020B0604020202020204" pitchFamily="34" charset="0"/>
-              </a:rPr>
-              <a:t>Az </a:t>
-            </a:r>
-            <a:r>
-              <a:rPr lang="en-US" dirty="0" err="1">
-                <a:latin typeface="Arial" panose="020B0604020202020204" pitchFamily="34" charset="0"/>
-                <a:cs typeface="Arial" panose="020B0604020202020204" pitchFamily="34" charset="0"/>
-              </a:rPr>
-              <a:t>oldalak</a:t>
-            </a:r>
-            <a:endParaRPr lang="hu-HU" dirty="0">
-              <a:latin typeface="Arial" panose="020B0604020202020204" pitchFamily="34" charset="0"/>
-              <a:cs typeface="Arial" panose="020B0604020202020204" pitchFamily="34" charset="0"/>
-            </a:endParaRPr>
-          </a:p>
-        </p:txBody>
-      </p:sp>
-      <p:sp>
-        <p:nvSpPr>
-          <p:cNvPr id="3" name="Tartalom helye 2"/>
-          <p:cNvSpPr>
-            <a:spLocks noGrp="1"/>
-          </p:cNvSpPr>
-          <p:nvPr>
-            <p:ph idx="1"/>
-          </p:nvPr>
-        </p:nvSpPr>
-        <p:spPr/>
-        <p:txBody>
-          <a:bodyPr/>
-          <a:lstStyle/>
-          <a:p>
-            <a:r>
               <a:rPr lang="en-US" dirty="0" err="1">
                 <a:latin typeface="Arial" panose="020B0604020202020204" pitchFamily="34" charset="0"/>
                 <a:cs typeface="Arial" panose="020B0604020202020204" pitchFamily="34" charset="0"/>
@@ -3442,47 +3375,48 @@
                 <a:cs typeface="Arial" panose="020B0604020202020204" pitchFamily="34" charset="0"/>
               </a:rPr>
               <a:t>Zalán</a:t>
-            </a:r>
-            <a:r>
-              <a:rPr lang="en-US" dirty="0">
-                <a:latin typeface="Arial" panose="020B0604020202020204" pitchFamily="34" charset="0"/>
-                <a:cs typeface="Arial" panose="020B0604020202020204" pitchFamily="34" charset="0"/>
-              </a:rPr>
-              <a:t>: </a:t>
-            </a:r>
-            <a:r>
-              <a:rPr lang="en-US" dirty="0" err="1">
-                <a:latin typeface="Arial" panose="020B0604020202020204" pitchFamily="34" charset="0"/>
-                <a:cs typeface="Arial" panose="020B0604020202020204" pitchFamily="34" charset="0"/>
-              </a:rPr>
-              <a:t>Rólunk</a:t>
-            </a:r>
-            <a:r>
-              <a:rPr lang="en-US" dirty="0">
-                <a:latin typeface="Arial" panose="020B0604020202020204" pitchFamily="34" charset="0"/>
-                <a:cs typeface="Arial" panose="020B0604020202020204" pitchFamily="34" charset="0"/>
-              </a:rPr>
-              <a:t>, </a:t>
-            </a:r>
-            <a:r>
-              <a:rPr lang="en-US" dirty="0" err="1">
-                <a:latin typeface="Arial" panose="020B0604020202020204" pitchFamily="34" charset="0"/>
-                <a:cs typeface="Arial" panose="020B0604020202020204" pitchFamily="34" charset="0"/>
-              </a:rPr>
-              <a:t>Faanyagok</a:t>
             </a:r>
             <a:endParaRPr lang="en-US" dirty="0">
               <a:latin typeface="Arial" panose="020B0604020202020204" pitchFamily="34" charset="0"/>
               <a:cs typeface="Arial" panose="020B0604020202020204" pitchFamily="34" charset="0"/>
             </a:endParaRPr>
           </a:p>
-          <a:p>
-            <a:r>
-              <a:rPr lang="en-US" dirty="0" err="1">
-                <a:latin typeface="Arial" panose="020B0604020202020204" pitchFamily="34" charset="0"/>
-                <a:cs typeface="Arial" panose="020B0604020202020204" pitchFamily="34" charset="0"/>
-              </a:rPr>
-              <a:t>Török</a:t>
+        </p:txBody>
+      </p:sp>
+      <p:sp>
+        <p:nvSpPr>
+          <p:cNvPr id="3" name="Content Placeholder 2">
+            <a:extLst>
+              <a:ext uri="{FF2B5EF4-FFF2-40B4-BE49-F238E27FC236}">
+                <a16:creationId xmlns:a16="http://schemas.microsoft.com/office/drawing/2014/main" id="{ADB4DFEB-D797-23EC-0BCF-B306E1A6C09B}"/>
+              </a:ext>
+            </a:extLst>
+          </p:cNvPr>
+          <p:cNvSpPr>
+            <a:spLocks noGrp="1"/>
+          </p:cNvSpPr>
+          <p:nvPr>
+            <p:ph idx="1"/>
+          </p:nvPr>
+        </p:nvSpPr>
+        <p:spPr/>
+        <p:txBody>
+          <a:bodyPr/>
+          <a:lstStyle/>
+          <a:p>
+            <a:r>
+              <a:rPr lang="en-US" dirty="0">
+                <a:latin typeface="Arial" panose="020B0604020202020204" pitchFamily="34" charset="0"/>
+                <a:cs typeface="Arial" panose="020B0604020202020204" pitchFamily="34" charset="0"/>
+              </a:rPr>
+              <a:t>Az </a:t>
+            </a:r>
+            <a:r>
+              <a:rPr lang="en-US" dirty="0" err="1">
+                <a:latin typeface="Arial" panose="020B0604020202020204" pitchFamily="34" charset="0"/>
+                <a:cs typeface="Arial" panose="020B0604020202020204" pitchFamily="34" charset="0"/>
+              </a:rPr>
+              <a:t>elején</a:t>
             </a:r>
             <a:r>
               <a:rPr lang="en-US" dirty="0">
@@ -3496,67 +3430,366 @@
                 <a:latin typeface="Arial" panose="020B0604020202020204" pitchFamily="34" charset="0"/>
                 <a:cs typeface="Arial" panose="020B0604020202020204" pitchFamily="34" charset="0"/>
               </a:rPr>
-              <a:t>Péter</a:t>
-            </a:r>
-            <a:r>
-              <a:rPr lang="en-US" dirty="0">
-                <a:latin typeface="Arial" panose="020B0604020202020204" pitchFamily="34" charset="0"/>
-                <a:cs typeface="Arial" panose="020B0604020202020204" pitchFamily="34" charset="0"/>
-              </a:rPr>
-              <a:t>: Blog, </a:t>
-            </a:r>
-            <a:r>
-              <a:rPr lang="en-US" dirty="0" err="1">
-                <a:latin typeface="Arial" panose="020B0604020202020204" pitchFamily="34" charset="0"/>
-                <a:cs typeface="Arial" panose="020B0604020202020204" pitchFamily="34" charset="0"/>
-              </a:rPr>
-              <a:t>Főoldal</a:t>
+              <a:t>nehéz</a:t>
+            </a:r>
+            <a:r>
+              <a:rPr lang="en-US" dirty="0">
+                <a:latin typeface="Arial" panose="020B0604020202020204" pitchFamily="34" charset="0"/>
+                <a:cs typeface="Arial" panose="020B0604020202020204" pitchFamily="34" charset="0"/>
+              </a:rPr>
+              <a:t> volt a </a:t>
+            </a:r>
+            <a:r>
+              <a:rPr lang="en-US" dirty="0" err="1">
+                <a:latin typeface="Arial" panose="020B0604020202020204" pitchFamily="34" charset="0"/>
+                <a:cs typeface="Arial" panose="020B0604020202020204" pitchFamily="34" charset="0"/>
+              </a:rPr>
+              <a:t>közös</a:t>
+            </a:r>
+            <a:r>
+              <a:rPr lang="en-US" dirty="0">
+                <a:latin typeface="Arial" panose="020B0604020202020204" pitchFamily="34" charset="0"/>
+                <a:cs typeface="Arial" panose="020B0604020202020204" pitchFamily="34" charset="0"/>
+              </a:rPr>
+              <a:t> </a:t>
+            </a:r>
+            <a:r>
+              <a:rPr lang="en-US" dirty="0" err="1">
+                <a:latin typeface="Arial" panose="020B0604020202020204" pitchFamily="34" charset="0"/>
+                <a:cs typeface="Arial" panose="020B0604020202020204" pitchFamily="34" charset="0"/>
+              </a:rPr>
+              <a:t>munka</a:t>
+            </a:r>
+            <a:r>
+              <a:rPr lang="en-US" dirty="0">
+                <a:latin typeface="Arial" panose="020B0604020202020204" pitchFamily="34" charset="0"/>
+                <a:cs typeface="Arial" panose="020B0604020202020204" pitchFamily="34" charset="0"/>
+              </a:rPr>
+              <a:t>, de </a:t>
+            </a:r>
+            <a:r>
+              <a:rPr lang="en-US" dirty="0" err="1">
+                <a:latin typeface="Arial" panose="020B0604020202020204" pitchFamily="34" charset="0"/>
+                <a:cs typeface="Arial" panose="020B0604020202020204" pitchFamily="34" charset="0"/>
+              </a:rPr>
+              <a:t>utána</a:t>
+            </a:r>
+            <a:r>
+              <a:rPr lang="en-US" dirty="0">
+                <a:latin typeface="Arial" panose="020B0604020202020204" pitchFamily="34" charset="0"/>
+                <a:cs typeface="Arial" panose="020B0604020202020204" pitchFamily="34" charset="0"/>
+              </a:rPr>
+              <a:t> </a:t>
+            </a:r>
+            <a:r>
+              <a:rPr lang="en-US" dirty="0" err="1">
+                <a:latin typeface="Arial" panose="020B0604020202020204" pitchFamily="34" charset="0"/>
+                <a:cs typeface="Arial" panose="020B0604020202020204" pitchFamily="34" charset="0"/>
+              </a:rPr>
+              <a:t>már</a:t>
+            </a:r>
+            <a:r>
+              <a:rPr lang="en-US" dirty="0">
+                <a:latin typeface="Arial" panose="020B0604020202020204" pitchFamily="34" charset="0"/>
+                <a:cs typeface="Arial" panose="020B0604020202020204" pitchFamily="34" charset="0"/>
+              </a:rPr>
+              <a:t> </a:t>
+            </a:r>
+            <a:r>
+              <a:rPr lang="en-US" dirty="0" err="1">
+                <a:latin typeface="Arial" panose="020B0604020202020204" pitchFamily="34" charset="0"/>
+                <a:cs typeface="Arial" panose="020B0604020202020204" pitchFamily="34" charset="0"/>
+              </a:rPr>
+              <a:t>ossze</a:t>
+            </a:r>
+            <a:r>
+              <a:rPr lang="en-US" dirty="0">
+                <a:latin typeface="Arial" panose="020B0604020202020204" pitchFamily="34" charset="0"/>
+                <a:cs typeface="Arial" panose="020B0604020202020204" pitchFamily="34" charset="0"/>
+              </a:rPr>
+              <a:t> </a:t>
+            </a:r>
+            <a:r>
+              <a:rPr lang="en-US" dirty="0" err="1">
+                <a:latin typeface="Arial" panose="020B0604020202020204" pitchFamily="34" charset="0"/>
+                <a:cs typeface="Arial" panose="020B0604020202020204" pitchFamily="34" charset="0"/>
+              </a:rPr>
+              <a:t>szoktunk</a:t>
+            </a:r>
+            <a:r>
+              <a:rPr lang="en-US" dirty="0">
+                <a:latin typeface="Arial" panose="020B0604020202020204" pitchFamily="34" charset="0"/>
+                <a:cs typeface="Arial" panose="020B0604020202020204" pitchFamily="34" charset="0"/>
+              </a:rPr>
+              <a:t> </a:t>
+            </a:r>
+            <a:r>
+              <a:rPr lang="en-US" dirty="0" err="1">
+                <a:latin typeface="Arial" panose="020B0604020202020204" pitchFamily="34" charset="0"/>
+                <a:cs typeface="Arial" panose="020B0604020202020204" pitchFamily="34" charset="0"/>
+              </a:rPr>
+              <a:t>és</a:t>
+            </a:r>
+            <a:r>
+              <a:rPr lang="en-US" dirty="0">
+                <a:latin typeface="Arial" panose="020B0604020202020204" pitchFamily="34" charset="0"/>
+                <a:cs typeface="Arial" panose="020B0604020202020204" pitchFamily="34" charset="0"/>
+              </a:rPr>
+              <a:t> </a:t>
+            </a:r>
+            <a:r>
+              <a:rPr lang="en-US" dirty="0" err="1">
+                <a:latin typeface="Arial" panose="020B0604020202020204" pitchFamily="34" charset="0"/>
+                <a:cs typeface="Arial" panose="020B0604020202020204" pitchFamily="34" charset="0"/>
+              </a:rPr>
+              <a:t>ertettük</a:t>
+            </a:r>
+            <a:r>
+              <a:rPr lang="en-US" dirty="0">
+                <a:latin typeface="Arial" panose="020B0604020202020204" pitchFamily="34" charset="0"/>
+                <a:cs typeface="Arial" panose="020B0604020202020204" pitchFamily="34" charset="0"/>
+              </a:rPr>
+              <a:t> </a:t>
+            </a:r>
+            <a:r>
+              <a:rPr lang="en-US" dirty="0" err="1">
+                <a:latin typeface="Arial" panose="020B0604020202020204" pitchFamily="34" charset="0"/>
+                <a:cs typeface="Arial" panose="020B0604020202020204" pitchFamily="34" charset="0"/>
+              </a:rPr>
+              <a:t>egymást</a:t>
+            </a:r>
+            <a:r>
+              <a:rPr lang="en-US" dirty="0">
+                <a:latin typeface="Arial" panose="020B0604020202020204" pitchFamily="34" charset="0"/>
+                <a:cs typeface="Arial" panose="020B0604020202020204" pitchFamily="34" charset="0"/>
+              </a:rPr>
+              <a:t>.</a:t>
+            </a:r>
+          </a:p>
+          <a:p>
+            <a:r>
+              <a:rPr lang="en-US" dirty="0">
+                <a:latin typeface="Arial" panose="020B0604020202020204" pitchFamily="34" charset="0"/>
+                <a:cs typeface="Arial" panose="020B0604020202020204" pitchFamily="34" charset="0"/>
+              </a:rPr>
+              <a:t>A </a:t>
+            </a:r>
+            <a:r>
+              <a:rPr lang="en-US" dirty="0" err="1">
+                <a:latin typeface="Arial" panose="020B0604020202020204" pitchFamily="34" charset="0"/>
+                <a:cs typeface="Arial" panose="020B0604020202020204" pitchFamily="34" charset="0"/>
+              </a:rPr>
+              <a:t>feladatomat</a:t>
+            </a:r>
+            <a:r>
+              <a:rPr lang="en-US" dirty="0">
+                <a:latin typeface="Arial" panose="020B0604020202020204" pitchFamily="34" charset="0"/>
+                <a:cs typeface="Arial" panose="020B0604020202020204" pitchFamily="34" charset="0"/>
+              </a:rPr>
+              <a:t> </a:t>
+            </a:r>
+            <a:r>
+              <a:rPr lang="en-US" dirty="0" err="1">
+                <a:latin typeface="Arial" panose="020B0604020202020204" pitchFamily="34" charset="0"/>
+                <a:cs typeface="Arial" panose="020B0604020202020204" pitchFamily="34" charset="0"/>
+              </a:rPr>
+              <a:t>viszonylag</a:t>
+            </a:r>
+            <a:r>
+              <a:rPr lang="en-US" dirty="0">
+                <a:latin typeface="Arial" panose="020B0604020202020204" pitchFamily="34" charset="0"/>
+                <a:cs typeface="Arial" panose="020B0604020202020204" pitchFamily="34" charset="0"/>
+              </a:rPr>
+              <a:t> </a:t>
+            </a:r>
+            <a:r>
+              <a:rPr lang="en-US" dirty="0" err="1">
+                <a:latin typeface="Arial" panose="020B0604020202020204" pitchFamily="34" charset="0"/>
+                <a:cs typeface="Arial" panose="020B0604020202020204" pitchFamily="34" charset="0"/>
+              </a:rPr>
+              <a:t>sikeresen</a:t>
+            </a:r>
+            <a:r>
+              <a:rPr lang="en-US" dirty="0">
+                <a:latin typeface="Arial" panose="020B0604020202020204" pitchFamily="34" charset="0"/>
+                <a:cs typeface="Arial" panose="020B0604020202020204" pitchFamily="34" charset="0"/>
+              </a:rPr>
+              <a:t> </a:t>
+            </a:r>
+            <a:r>
+              <a:rPr lang="en-US" dirty="0" err="1">
+                <a:latin typeface="Arial" panose="020B0604020202020204" pitchFamily="34" charset="0"/>
+                <a:cs typeface="Arial" panose="020B0604020202020204" pitchFamily="34" charset="0"/>
+              </a:rPr>
+              <a:t>elvégeztem</a:t>
+            </a:r>
+            <a:r>
+              <a:rPr lang="en-US" dirty="0">
+                <a:latin typeface="Arial" panose="020B0604020202020204" pitchFamily="34" charset="0"/>
+                <a:cs typeface="Arial" panose="020B0604020202020204" pitchFamily="34" charset="0"/>
+              </a:rPr>
+              <a:t>, </a:t>
+            </a:r>
+            <a:r>
+              <a:rPr lang="en-US" dirty="0" err="1">
+                <a:latin typeface="Arial" panose="020B0604020202020204" pitchFamily="34" charset="0"/>
+                <a:cs typeface="Arial" panose="020B0604020202020204" pitchFamily="34" charset="0"/>
+              </a:rPr>
+              <a:t>néha</a:t>
+            </a:r>
+            <a:r>
+              <a:rPr lang="en-US" dirty="0">
+                <a:latin typeface="Arial" panose="020B0604020202020204" pitchFamily="34" charset="0"/>
+                <a:cs typeface="Arial" panose="020B0604020202020204" pitchFamily="34" charset="0"/>
+              </a:rPr>
+              <a:t> </a:t>
+            </a:r>
+            <a:r>
+              <a:rPr lang="en-US" dirty="0" err="1">
+                <a:latin typeface="Arial" panose="020B0604020202020204" pitchFamily="34" charset="0"/>
+                <a:cs typeface="Arial" panose="020B0604020202020204" pitchFamily="34" charset="0"/>
+              </a:rPr>
+              <a:t>sok</a:t>
+            </a:r>
+            <a:r>
+              <a:rPr lang="en-US" dirty="0">
+                <a:latin typeface="Arial" panose="020B0604020202020204" pitchFamily="34" charset="0"/>
+                <a:cs typeface="Arial" panose="020B0604020202020204" pitchFamily="34" charset="0"/>
+              </a:rPr>
+              <a:t> </a:t>
+            </a:r>
+            <a:r>
+              <a:rPr lang="en-US" dirty="0" err="1">
+                <a:latin typeface="Arial" panose="020B0604020202020204" pitchFamily="34" charset="0"/>
+                <a:cs typeface="Arial" panose="020B0604020202020204" pitchFamily="34" charset="0"/>
+              </a:rPr>
+              <a:t>nehezséggel</a:t>
+            </a:r>
+            <a:r>
+              <a:rPr lang="en-US" dirty="0">
+                <a:latin typeface="Arial" panose="020B0604020202020204" pitchFamily="34" charset="0"/>
+                <a:cs typeface="Arial" panose="020B0604020202020204" pitchFamily="34" charset="0"/>
+              </a:rPr>
+              <a:t>. </a:t>
+            </a:r>
+          </a:p>
+          <a:p>
+            <a:r>
+              <a:rPr lang="en-US" dirty="0" err="1">
+                <a:latin typeface="Arial" panose="020B0604020202020204" pitchFamily="34" charset="0"/>
+                <a:cs typeface="Arial" panose="020B0604020202020204" pitchFamily="34" charset="0"/>
+              </a:rPr>
+              <a:t>Összeségében</a:t>
+            </a:r>
+            <a:r>
+              <a:rPr lang="en-US" dirty="0">
+                <a:latin typeface="Arial" panose="020B0604020202020204" pitchFamily="34" charset="0"/>
+                <a:cs typeface="Arial" panose="020B0604020202020204" pitchFamily="34" charset="0"/>
+              </a:rPr>
+              <a:t> a </a:t>
+            </a:r>
+            <a:r>
+              <a:rPr lang="en-US" dirty="0" err="1">
+                <a:latin typeface="Arial" panose="020B0604020202020204" pitchFamily="34" charset="0"/>
+                <a:cs typeface="Arial" panose="020B0604020202020204" pitchFamily="34" charset="0"/>
+              </a:rPr>
+              <a:t>csapatmunka</a:t>
+            </a:r>
+            <a:r>
+              <a:rPr lang="en-US" dirty="0">
+                <a:latin typeface="Arial" panose="020B0604020202020204" pitchFamily="34" charset="0"/>
+                <a:cs typeface="Arial" panose="020B0604020202020204" pitchFamily="34" charset="0"/>
+              </a:rPr>
+              <a:t> </a:t>
+            </a:r>
+            <a:r>
+              <a:rPr lang="en-US" dirty="0" err="1">
+                <a:latin typeface="Arial" panose="020B0604020202020204" pitchFamily="34" charset="0"/>
+                <a:cs typeface="Arial" panose="020B0604020202020204" pitchFamily="34" charset="0"/>
+              </a:rPr>
+              <a:t>jól</a:t>
+            </a:r>
+            <a:r>
+              <a:rPr lang="en-US" dirty="0">
+                <a:latin typeface="Arial" panose="020B0604020202020204" pitchFamily="34" charset="0"/>
+                <a:cs typeface="Arial" panose="020B0604020202020204" pitchFamily="34" charset="0"/>
+              </a:rPr>
+              <a:t> </a:t>
+            </a:r>
+            <a:r>
+              <a:rPr lang="en-US" dirty="0" err="1">
+                <a:latin typeface="Arial" panose="020B0604020202020204" pitchFamily="34" charset="0"/>
+                <a:cs typeface="Arial" panose="020B0604020202020204" pitchFamily="34" charset="0"/>
+              </a:rPr>
+              <a:t>ment</a:t>
+            </a:r>
+            <a:r>
+              <a:rPr lang="en-US" dirty="0">
+                <a:latin typeface="Arial" panose="020B0604020202020204" pitchFamily="34" charset="0"/>
+                <a:cs typeface="Arial" panose="020B0604020202020204" pitchFamily="34" charset="0"/>
+              </a:rPr>
+              <a:t>. a </a:t>
+            </a:r>
+            <a:r>
+              <a:rPr lang="en-US" dirty="0" err="1">
+                <a:latin typeface="Arial" panose="020B0604020202020204" pitchFamily="34" charset="0"/>
+                <a:cs typeface="Arial" panose="020B0604020202020204" pitchFamily="34" charset="0"/>
+              </a:rPr>
+              <a:t>végere</a:t>
+            </a:r>
+            <a:r>
+              <a:rPr lang="en-US" dirty="0">
+                <a:latin typeface="Arial" panose="020B0604020202020204" pitchFamily="34" charset="0"/>
+                <a:cs typeface="Arial" panose="020B0604020202020204" pitchFamily="34" charset="0"/>
+              </a:rPr>
+              <a:t> </a:t>
+            </a:r>
+            <a:r>
+              <a:rPr lang="en-US" dirty="0" err="1">
+                <a:latin typeface="Arial" panose="020B0604020202020204" pitchFamily="34" charset="0"/>
+                <a:cs typeface="Arial" panose="020B0604020202020204" pitchFamily="34" charset="0"/>
+              </a:rPr>
+              <a:t>nagyon</a:t>
+            </a:r>
+            <a:r>
+              <a:rPr lang="en-US" dirty="0">
+                <a:latin typeface="Arial" panose="020B0604020202020204" pitchFamily="34" charset="0"/>
+                <a:cs typeface="Arial" panose="020B0604020202020204" pitchFamily="34" charset="0"/>
+              </a:rPr>
+              <a:t> </a:t>
+            </a:r>
+            <a:r>
+              <a:rPr lang="en-US" dirty="0" err="1">
+                <a:latin typeface="Arial" panose="020B0604020202020204" pitchFamily="34" charset="0"/>
+                <a:cs typeface="Arial" panose="020B0604020202020204" pitchFamily="34" charset="0"/>
+              </a:rPr>
+              <a:t>össze</a:t>
+            </a:r>
+            <a:r>
+              <a:rPr lang="en-US" dirty="0">
+                <a:latin typeface="Arial" panose="020B0604020202020204" pitchFamily="34" charset="0"/>
+                <a:cs typeface="Arial" panose="020B0604020202020204" pitchFamily="34" charset="0"/>
+              </a:rPr>
+              <a:t> </a:t>
+            </a:r>
+            <a:r>
+              <a:rPr lang="en-US" dirty="0" err="1">
+                <a:latin typeface="Arial" panose="020B0604020202020204" pitchFamily="34" charset="0"/>
+                <a:cs typeface="Arial" panose="020B0604020202020204" pitchFamily="34" charset="0"/>
+              </a:rPr>
+              <a:t>hangolódtunk</a:t>
             </a:r>
             <a:endParaRPr lang="en-US" dirty="0">
               <a:latin typeface="Arial" panose="020B0604020202020204" pitchFamily="34" charset="0"/>
               <a:cs typeface="Arial" panose="020B0604020202020204" pitchFamily="34" charset="0"/>
             </a:endParaRPr>
           </a:p>
-          <a:p>
-            <a:r>
-              <a:rPr lang="en-US" dirty="0">
-                <a:latin typeface="Arial" panose="020B0604020202020204" pitchFamily="34" charset="0"/>
-                <a:cs typeface="Arial" panose="020B0604020202020204" pitchFamily="34" charset="0"/>
-              </a:rPr>
-              <a:t>Vér Bence: </a:t>
-            </a:r>
-            <a:r>
-              <a:rPr lang="en-US" dirty="0" err="1">
-                <a:latin typeface="Arial" panose="020B0604020202020204" pitchFamily="34" charset="0"/>
-                <a:cs typeface="Arial" panose="020B0604020202020204" pitchFamily="34" charset="0"/>
-              </a:rPr>
-              <a:t>Szerszámkatalógus</a:t>
-            </a:r>
-            <a:r>
-              <a:rPr lang="en-US" dirty="0">
-                <a:latin typeface="Arial" panose="020B0604020202020204" pitchFamily="34" charset="0"/>
-                <a:cs typeface="Arial" panose="020B0604020202020204" pitchFamily="34" charset="0"/>
-              </a:rPr>
-              <a:t>, </a:t>
-            </a:r>
-            <a:r>
-              <a:rPr lang="en-US" dirty="0" err="1">
-                <a:latin typeface="Arial" panose="020B0604020202020204" pitchFamily="34" charset="0"/>
-                <a:cs typeface="Arial" panose="020B0604020202020204" pitchFamily="34" charset="0"/>
-              </a:rPr>
-              <a:t>Festékek</a:t>
-            </a:r>
-            <a:endParaRPr lang="hu-HU" dirty="0">
-              <a:latin typeface="Arial" panose="020B0604020202020204" pitchFamily="34" charset="0"/>
-              <a:cs typeface="Arial" panose="020B0604020202020204" pitchFamily="34" charset="0"/>
-            </a:endParaRPr>
-          </a:p>
         </p:txBody>
       </p:sp>
     </p:spTree>
     <p:extLst>
       <p:ext uri="{BB962C8B-B14F-4D97-AF65-F5344CB8AC3E}">
-        <p14:creationId xmlns:p14="http://schemas.microsoft.com/office/powerpoint/2010/main" val="2893485710"/>
+        <p14:creationId xmlns:p14="http://schemas.microsoft.com/office/powerpoint/2010/main" val="1037935441"/>
       </p:ext>
     </p:extLst>
   </p:cSld>
@@ -3588,7 +3821,7 @@
           <p:cNvPr id="2" name="Title 1">
             <a:extLst>
               <a:ext uri="{FF2B5EF4-FFF2-40B4-BE49-F238E27FC236}">
-                <a16:creationId xmlns:a16="http://schemas.microsoft.com/office/drawing/2014/main" id="{43F47DFC-B619-7D01-D3D0-53FB72AF8E8C}"/>
+                <a16:creationId xmlns:a16="http://schemas.microsoft.com/office/drawing/2014/main" id="{EC5B04F0-763D-039E-C2E8-A315B4DE6926}"/>
               </a:ext>
             </a:extLst>
           </p:cNvPr>
@@ -3609,7 +3842,7 @@
                 <a:latin typeface="Arial" panose="020B0604020202020204" pitchFamily="34" charset="0"/>
                 <a:cs typeface="Arial" panose="020B0604020202020204" pitchFamily="34" charset="0"/>
               </a:rPr>
-              <a:t>Terdik</a:t>
+              <a:t>Török</a:t>
             </a:r>
             <a:r>
               <a:rPr lang="en-US" dirty="0">
@@ -3623,7 +3856,7 @@
                 <a:latin typeface="Arial" panose="020B0604020202020204" pitchFamily="34" charset="0"/>
                 <a:cs typeface="Arial" panose="020B0604020202020204" pitchFamily="34" charset="0"/>
               </a:rPr>
-              <a:t>Zalán</a:t>
+              <a:t>Péter</a:t>
             </a:r>
             <a:endParaRPr lang="en-US" dirty="0">
               <a:latin typeface="Arial" panose="020B0604020202020204" pitchFamily="34" charset="0"/>
@@ -3637,7 +3870,7 @@
           <p:cNvPr id="3" name="Content Placeholder 2">
             <a:extLst>
               <a:ext uri="{FF2B5EF4-FFF2-40B4-BE49-F238E27FC236}">
-                <a16:creationId xmlns:a16="http://schemas.microsoft.com/office/drawing/2014/main" id="{ADB4DFEB-D797-23EC-0BCF-B306E1A6C09B}"/>
+                <a16:creationId xmlns:a16="http://schemas.microsoft.com/office/drawing/2014/main" id="{E49BB02E-E330-60F3-DB9A-6423564E0BE3}"/>
               </a:ext>
             </a:extLst>
           </p:cNvPr>
@@ -3654,379 +3887,29 @@
           <a:lstStyle/>
           <a:p>
             <a:r>
-              <a:rPr lang="en-US" dirty="0">
-                <a:latin typeface="Arial" panose="020B0604020202020204" pitchFamily="34" charset="0"/>
-                <a:cs typeface="Arial" panose="020B0604020202020204" pitchFamily="34" charset="0"/>
-              </a:rPr>
-              <a:t>Az </a:t>
-            </a:r>
-            <a:r>
-              <a:rPr lang="en-US" dirty="0" err="1">
-                <a:latin typeface="Arial" panose="020B0604020202020204" pitchFamily="34" charset="0"/>
-                <a:cs typeface="Arial" panose="020B0604020202020204" pitchFamily="34" charset="0"/>
-              </a:rPr>
-              <a:t>elején</a:t>
-            </a:r>
-            <a:r>
-              <a:rPr lang="en-US" dirty="0">
-                <a:latin typeface="Arial" panose="020B0604020202020204" pitchFamily="34" charset="0"/>
-                <a:cs typeface="Arial" panose="020B0604020202020204" pitchFamily="34" charset="0"/>
-              </a:rPr>
-              <a:t> </a:t>
-            </a:r>
-            <a:r>
-              <a:rPr lang="en-US" dirty="0" err="1">
-                <a:latin typeface="Arial" panose="020B0604020202020204" pitchFamily="34" charset="0"/>
-                <a:cs typeface="Arial" panose="020B0604020202020204" pitchFamily="34" charset="0"/>
-              </a:rPr>
-              <a:t>nehéz</a:t>
-            </a:r>
-            <a:r>
-              <a:rPr lang="en-US" dirty="0">
-                <a:latin typeface="Arial" panose="020B0604020202020204" pitchFamily="34" charset="0"/>
-                <a:cs typeface="Arial" panose="020B0604020202020204" pitchFamily="34" charset="0"/>
-              </a:rPr>
-              <a:t> volt a </a:t>
-            </a:r>
-            <a:r>
-              <a:rPr lang="en-US" dirty="0" err="1">
-                <a:latin typeface="Arial" panose="020B0604020202020204" pitchFamily="34" charset="0"/>
-                <a:cs typeface="Arial" panose="020B0604020202020204" pitchFamily="34" charset="0"/>
-              </a:rPr>
-              <a:t>közös</a:t>
-            </a:r>
-            <a:r>
-              <a:rPr lang="en-US" dirty="0">
-                <a:latin typeface="Arial" panose="020B0604020202020204" pitchFamily="34" charset="0"/>
-                <a:cs typeface="Arial" panose="020B0604020202020204" pitchFamily="34" charset="0"/>
-              </a:rPr>
-              <a:t> </a:t>
-            </a:r>
-            <a:r>
-              <a:rPr lang="en-US" dirty="0" err="1">
-                <a:latin typeface="Arial" panose="020B0604020202020204" pitchFamily="34" charset="0"/>
-                <a:cs typeface="Arial" panose="020B0604020202020204" pitchFamily="34" charset="0"/>
-              </a:rPr>
-              <a:t>munka</a:t>
-            </a:r>
-            <a:r>
-              <a:rPr lang="en-US" dirty="0">
-                <a:latin typeface="Arial" panose="020B0604020202020204" pitchFamily="34" charset="0"/>
-                <a:cs typeface="Arial" panose="020B0604020202020204" pitchFamily="34" charset="0"/>
-              </a:rPr>
-              <a:t>, de </a:t>
-            </a:r>
-            <a:r>
-              <a:rPr lang="en-US" dirty="0" err="1">
-                <a:latin typeface="Arial" panose="020B0604020202020204" pitchFamily="34" charset="0"/>
-                <a:cs typeface="Arial" panose="020B0604020202020204" pitchFamily="34" charset="0"/>
-              </a:rPr>
-              <a:t>utána</a:t>
-            </a:r>
-            <a:r>
-              <a:rPr lang="en-US" dirty="0">
-                <a:latin typeface="Arial" panose="020B0604020202020204" pitchFamily="34" charset="0"/>
-                <a:cs typeface="Arial" panose="020B0604020202020204" pitchFamily="34" charset="0"/>
-              </a:rPr>
-              <a:t> </a:t>
-            </a:r>
-            <a:r>
-              <a:rPr lang="en-US" dirty="0" err="1">
-                <a:latin typeface="Arial" panose="020B0604020202020204" pitchFamily="34" charset="0"/>
-                <a:cs typeface="Arial" panose="020B0604020202020204" pitchFamily="34" charset="0"/>
-              </a:rPr>
-              <a:t>már</a:t>
-            </a:r>
-            <a:r>
-              <a:rPr lang="en-US" dirty="0">
-                <a:latin typeface="Arial" panose="020B0604020202020204" pitchFamily="34" charset="0"/>
-                <a:cs typeface="Arial" panose="020B0604020202020204" pitchFamily="34" charset="0"/>
-              </a:rPr>
-              <a:t> </a:t>
-            </a:r>
-            <a:r>
-              <a:rPr lang="en-US" dirty="0" err="1">
-                <a:latin typeface="Arial" panose="020B0604020202020204" pitchFamily="34" charset="0"/>
-                <a:cs typeface="Arial" panose="020B0604020202020204" pitchFamily="34" charset="0"/>
-              </a:rPr>
-              <a:t>ossze</a:t>
-            </a:r>
-            <a:r>
-              <a:rPr lang="en-US" dirty="0">
-                <a:latin typeface="Arial" panose="020B0604020202020204" pitchFamily="34" charset="0"/>
-                <a:cs typeface="Arial" panose="020B0604020202020204" pitchFamily="34" charset="0"/>
-              </a:rPr>
-              <a:t> </a:t>
-            </a:r>
-            <a:r>
-              <a:rPr lang="en-US" dirty="0" err="1">
-                <a:latin typeface="Arial" panose="020B0604020202020204" pitchFamily="34" charset="0"/>
-                <a:cs typeface="Arial" panose="020B0604020202020204" pitchFamily="34" charset="0"/>
-              </a:rPr>
-              <a:t>szoktunk</a:t>
-            </a:r>
-            <a:r>
-              <a:rPr lang="en-US" dirty="0">
-                <a:latin typeface="Arial" panose="020B0604020202020204" pitchFamily="34" charset="0"/>
-                <a:cs typeface="Arial" panose="020B0604020202020204" pitchFamily="34" charset="0"/>
-              </a:rPr>
-              <a:t> </a:t>
-            </a:r>
-            <a:r>
-              <a:rPr lang="en-US" dirty="0" err="1">
-                <a:latin typeface="Arial" panose="020B0604020202020204" pitchFamily="34" charset="0"/>
-                <a:cs typeface="Arial" panose="020B0604020202020204" pitchFamily="34" charset="0"/>
-              </a:rPr>
-              <a:t>és</a:t>
-            </a:r>
-            <a:r>
-              <a:rPr lang="en-US" dirty="0">
-                <a:latin typeface="Arial" panose="020B0604020202020204" pitchFamily="34" charset="0"/>
-                <a:cs typeface="Arial" panose="020B0604020202020204" pitchFamily="34" charset="0"/>
-              </a:rPr>
-              <a:t> </a:t>
-            </a:r>
-            <a:r>
-              <a:rPr lang="en-US" dirty="0" err="1">
-                <a:latin typeface="Arial" panose="020B0604020202020204" pitchFamily="34" charset="0"/>
-                <a:cs typeface="Arial" panose="020B0604020202020204" pitchFamily="34" charset="0"/>
-              </a:rPr>
-              <a:t>ertettük</a:t>
-            </a:r>
-            <a:r>
-              <a:rPr lang="en-US" dirty="0">
-                <a:latin typeface="Arial" panose="020B0604020202020204" pitchFamily="34" charset="0"/>
-                <a:cs typeface="Arial" panose="020B0604020202020204" pitchFamily="34" charset="0"/>
-              </a:rPr>
-              <a:t> </a:t>
-            </a:r>
-            <a:r>
-              <a:rPr lang="en-US" dirty="0" err="1">
-                <a:latin typeface="Arial" panose="020B0604020202020204" pitchFamily="34" charset="0"/>
-                <a:cs typeface="Arial" panose="020B0604020202020204" pitchFamily="34" charset="0"/>
-              </a:rPr>
-              <a:t>egymást</a:t>
-            </a:r>
-            <a:r>
-              <a:rPr lang="en-US" dirty="0">
-                <a:latin typeface="Arial" panose="020B0604020202020204" pitchFamily="34" charset="0"/>
-                <a:cs typeface="Arial" panose="020B0604020202020204" pitchFamily="34" charset="0"/>
-              </a:rPr>
-              <a:t>.</a:t>
-            </a:r>
-          </a:p>
-          <a:p>
-            <a:r>
-              <a:rPr lang="en-US" dirty="0">
-                <a:latin typeface="Arial" panose="020B0604020202020204" pitchFamily="34" charset="0"/>
-                <a:cs typeface="Arial" panose="020B0604020202020204" pitchFamily="34" charset="0"/>
-              </a:rPr>
-              <a:t>A </a:t>
-            </a:r>
-            <a:r>
-              <a:rPr lang="en-US" dirty="0" err="1">
-                <a:latin typeface="Arial" panose="020B0604020202020204" pitchFamily="34" charset="0"/>
-                <a:cs typeface="Arial" panose="020B0604020202020204" pitchFamily="34" charset="0"/>
-              </a:rPr>
-              <a:t>feladatomat</a:t>
-            </a:r>
-            <a:r>
-              <a:rPr lang="en-US" dirty="0">
-                <a:latin typeface="Arial" panose="020B0604020202020204" pitchFamily="34" charset="0"/>
-                <a:cs typeface="Arial" panose="020B0604020202020204" pitchFamily="34" charset="0"/>
-              </a:rPr>
-              <a:t> </a:t>
-            </a:r>
-            <a:r>
-              <a:rPr lang="en-US" dirty="0" err="1">
-                <a:latin typeface="Arial" panose="020B0604020202020204" pitchFamily="34" charset="0"/>
-                <a:cs typeface="Arial" panose="020B0604020202020204" pitchFamily="34" charset="0"/>
-              </a:rPr>
-              <a:t>viszonylag</a:t>
-            </a:r>
-            <a:r>
-              <a:rPr lang="en-US" dirty="0">
-                <a:latin typeface="Arial" panose="020B0604020202020204" pitchFamily="34" charset="0"/>
-                <a:cs typeface="Arial" panose="020B0604020202020204" pitchFamily="34" charset="0"/>
-              </a:rPr>
-              <a:t> </a:t>
-            </a:r>
-            <a:r>
-              <a:rPr lang="en-US" dirty="0" err="1">
-                <a:latin typeface="Arial" panose="020B0604020202020204" pitchFamily="34" charset="0"/>
-                <a:cs typeface="Arial" panose="020B0604020202020204" pitchFamily="34" charset="0"/>
-              </a:rPr>
-              <a:t>sikeresen</a:t>
-            </a:r>
-            <a:r>
-              <a:rPr lang="en-US" dirty="0">
-                <a:latin typeface="Arial" panose="020B0604020202020204" pitchFamily="34" charset="0"/>
-                <a:cs typeface="Arial" panose="020B0604020202020204" pitchFamily="34" charset="0"/>
-              </a:rPr>
-              <a:t> </a:t>
-            </a:r>
-            <a:r>
-              <a:rPr lang="en-US" dirty="0" err="1">
-                <a:latin typeface="Arial" panose="020B0604020202020204" pitchFamily="34" charset="0"/>
-                <a:cs typeface="Arial" panose="020B0604020202020204" pitchFamily="34" charset="0"/>
-              </a:rPr>
-              <a:t>elvégeztem</a:t>
-            </a:r>
-            <a:r>
-              <a:rPr lang="en-US" dirty="0">
-                <a:latin typeface="Arial" panose="020B0604020202020204" pitchFamily="34" charset="0"/>
-                <a:cs typeface="Arial" panose="020B0604020202020204" pitchFamily="34" charset="0"/>
-              </a:rPr>
-              <a:t>, </a:t>
-            </a:r>
-            <a:r>
-              <a:rPr lang="en-US" dirty="0" err="1">
-                <a:latin typeface="Arial" panose="020B0604020202020204" pitchFamily="34" charset="0"/>
-                <a:cs typeface="Arial" panose="020B0604020202020204" pitchFamily="34" charset="0"/>
-              </a:rPr>
-              <a:t>néha</a:t>
-            </a:r>
-            <a:r>
-              <a:rPr lang="en-US" dirty="0">
-                <a:latin typeface="Arial" panose="020B0604020202020204" pitchFamily="34" charset="0"/>
-                <a:cs typeface="Arial" panose="020B0604020202020204" pitchFamily="34" charset="0"/>
-              </a:rPr>
-              <a:t> </a:t>
-            </a:r>
-            <a:r>
-              <a:rPr lang="en-US" dirty="0" err="1">
-                <a:latin typeface="Arial" panose="020B0604020202020204" pitchFamily="34" charset="0"/>
-                <a:cs typeface="Arial" panose="020B0604020202020204" pitchFamily="34" charset="0"/>
-              </a:rPr>
-              <a:t>sok</a:t>
-            </a:r>
-            <a:r>
-              <a:rPr lang="en-US" dirty="0">
-                <a:latin typeface="Arial" panose="020B0604020202020204" pitchFamily="34" charset="0"/>
-                <a:cs typeface="Arial" panose="020B0604020202020204" pitchFamily="34" charset="0"/>
-              </a:rPr>
-              <a:t> </a:t>
-            </a:r>
-            <a:r>
-              <a:rPr lang="en-US" dirty="0" err="1">
-                <a:latin typeface="Arial" panose="020B0604020202020204" pitchFamily="34" charset="0"/>
-                <a:cs typeface="Arial" panose="020B0604020202020204" pitchFamily="34" charset="0"/>
-              </a:rPr>
-              <a:t>nehezséggel</a:t>
-            </a:r>
-            <a:r>
-              <a:rPr lang="en-US" dirty="0">
-                <a:latin typeface="Arial" panose="020B0604020202020204" pitchFamily="34" charset="0"/>
-                <a:cs typeface="Arial" panose="020B0604020202020204" pitchFamily="34" charset="0"/>
-              </a:rPr>
-              <a:t>. </a:t>
-            </a:r>
-          </a:p>
-          <a:p>
-            <a:r>
-              <a:rPr lang="en-US" dirty="0" err="1">
-                <a:latin typeface="Arial" panose="020B0604020202020204" pitchFamily="34" charset="0"/>
-                <a:cs typeface="Arial" panose="020B0604020202020204" pitchFamily="34" charset="0"/>
-              </a:rPr>
-              <a:t>Összeségében</a:t>
-            </a:r>
-            <a:r>
-              <a:rPr lang="en-US" dirty="0">
-                <a:latin typeface="Arial" panose="020B0604020202020204" pitchFamily="34" charset="0"/>
-                <a:cs typeface="Arial" panose="020B0604020202020204" pitchFamily="34" charset="0"/>
-              </a:rPr>
-              <a:t> a </a:t>
-            </a:r>
-            <a:r>
-              <a:rPr lang="en-US" dirty="0" err="1">
-                <a:latin typeface="Arial" panose="020B0604020202020204" pitchFamily="34" charset="0"/>
-                <a:cs typeface="Arial" panose="020B0604020202020204" pitchFamily="34" charset="0"/>
-              </a:rPr>
-              <a:t>csapatmunka</a:t>
-            </a:r>
-            <a:r>
-              <a:rPr lang="en-US" dirty="0">
-                <a:latin typeface="Arial" panose="020B0604020202020204" pitchFamily="34" charset="0"/>
-                <a:cs typeface="Arial" panose="020B0604020202020204" pitchFamily="34" charset="0"/>
-              </a:rPr>
-              <a:t> </a:t>
-            </a:r>
-            <a:r>
-              <a:rPr lang="en-US" dirty="0" err="1">
-                <a:latin typeface="Arial" panose="020B0604020202020204" pitchFamily="34" charset="0"/>
-                <a:cs typeface="Arial" panose="020B0604020202020204" pitchFamily="34" charset="0"/>
-              </a:rPr>
-              <a:t>jól</a:t>
-            </a:r>
-            <a:r>
-              <a:rPr lang="en-US" dirty="0">
-                <a:latin typeface="Arial" panose="020B0604020202020204" pitchFamily="34" charset="0"/>
-                <a:cs typeface="Arial" panose="020B0604020202020204" pitchFamily="34" charset="0"/>
-              </a:rPr>
-              <a:t> </a:t>
-            </a:r>
-            <a:r>
-              <a:rPr lang="en-US" dirty="0" err="1">
-                <a:latin typeface="Arial" panose="020B0604020202020204" pitchFamily="34" charset="0"/>
-                <a:cs typeface="Arial" panose="020B0604020202020204" pitchFamily="34" charset="0"/>
-              </a:rPr>
-              <a:t>ment</a:t>
-            </a:r>
-            <a:r>
-              <a:rPr lang="en-US" dirty="0">
-                <a:latin typeface="Arial" panose="020B0604020202020204" pitchFamily="34" charset="0"/>
-                <a:cs typeface="Arial" panose="020B0604020202020204" pitchFamily="34" charset="0"/>
-              </a:rPr>
-              <a:t>. a </a:t>
-            </a:r>
-            <a:r>
-              <a:rPr lang="en-US" dirty="0" err="1">
-                <a:latin typeface="Arial" panose="020B0604020202020204" pitchFamily="34" charset="0"/>
-                <a:cs typeface="Arial" panose="020B0604020202020204" pitchFamily="34" charset="0"/>
-              </a:rPr>
-              <a:t>végere</a:t>
-            </a:r>
-            <a:r>
-              <a:rPr lang="en-US" dirty="0">
-                <a:latin typeface="Arial" panose="020B0604020202020204" pitchFamily="34" charset="0"/>
-                <a:cs typeface="Arial" panose="020B0604020202020204" pitchFamily="34" charset="0"/>
-              </a:rPr>
-              <a:t> </a:t>
-            </a:r>
-            <a:r>
-              <a:rPr lang="en-US" dirty="0" err="1">
-                <a:latin typeface="Arial" panose="020B0604020202020204" pitchFamily="34" charset="0"/>
-                <a:cs typeface="Arial" panose="020B0604020202020204" pitchFamily="34" charset="0"/>
-              </a:rPr>
-              <a:t>nagyon</a:t>
-            </a:r>
-            <a:r>
-              <a:rPr lang="en-US" dirty="0">
-                <a:latin typeface="Arial" panose="020B0604020202020204" pitchFamily="34" charset="0"/>
-                <a:cs typeface="Arial" panose="020B0604020202020204" pitchFamily="34" charset="0"/>
-              </a:rPr>
-              <a:t> </a:t>
-            </a:r>
-            <a:r>
-              <a:rPr lang="en-US" dirty="0" err="1">
-                <a:latin typeface="Arial" panose="020B0604020202020204" pitchFamily="34" charset="0"/>
-                <a:cs typeface="Arial" panose="020B0604020202020204" pitchFamily="34" charset="0"/>
-              </a:rPr>
-              <a:t>össze</a:t>
-            </a:r>
-            <a:r>
-              <a:rPr lang="en-US" dirty="0">
-                <a:latin typeface="Arial" panose="020B0604020202020204" pitchFamily="34" charset="0"/>
-                <a:cs typeface="Arial" panose="020B0604020202020204" pitchFamily="34" charset="0"/>
-              </a:rPr>
-              <a:t> </a:t>
-            </a:r>
-            <a:r>
-              <a:rPr lang="en-US" dirty="0" err="1">
-                <a:latin typeface="Arial" panose="020B0604020202020204" pitchFamily="34" charset="0"/>
-                <a:cs typeface="Arial" panose="020B0604020202020204" pitchFamily="34" charset="0"/>
-              </a:rPr>
-              <a:t>hangolódtunk</a:t>
+              <a:rPr lang="hu-HU" dirty="0">
+                <a:latin typeface="Arial" panose="020B0604020202020204" pitchFamily="34" charset="0"/>
+                <a:cs typeface="Arial" panose="020B0604020202020204" pitchFamily="34" charset="0"/>
+              </a:rPr>
+              <a:t>Eleinte a munka nehezen indult el, voltak nehézségek illetve akadályok</a:t>
+            </a:r>
+          </a:p>
+          <a:p>
+            <a:r>
+              <a:rPr lang="hu-HU" dirty="0">
+                <a:latin typeface="Arial" panose="020B0604020202020204" pitchFamily="34" charset="0"/>
+                <a:cs typeface="Arial" panose="020B0604020202020204" pitchFamily="34" charset="0"/>
+              </a:rPr>
+              <a:t>Nekem kiosztott feladatokat sikerült elvégeznem szerintem</a:t>
+            </a:r>
+          </a:p>
+          <a:p>
+            <a:r>
+              <a:rPr lang="hu-HU" dirty="0">
+                <a:latin typeface="Arial" panose="020B0604020202020204" pitchFamily="34" charset="0"/>
+                <a:cs typeface="Arial" panose="020B0604020202020204" pitchFamily="34" charset="0"/>
+              </a:rPr>
+              <a:t>Az én feladatom a Főoldal illetve a Blog megvalósítása</a:t>
             </a:r>
             <a:endParaRPr lang="en-US" dirty="0">
               <a:latin typeface="Arial" panose="020B0604020202020204" pitchFamily="34" charset="0"/>
@@ -4038,7 +3921,7 @@
     </p:spTree>
     <p:extLst>
       <p:ext uri="{BB962C8B-B14F-4D97-AF65-F5344CB8AC3E}">
-        <p14:creationId xmlns:p14="http://schemas.microsoft.com/office/powerpoint/2010/main" val="1037935441"/>
+        <p14:creationId xmlns:p14="http://schemas.microsoft.com/office/powerpoint/2010/main" val="3874125964"/>
       </p:ext>
     </p:extLst>
   </p:cSld>
@@ -4070,138 +3953,6 @@
           <p:cNvPr id="2" name="Title 1">
             <a:extLst>
               <a:ext uri="{FF2B5EF4-FFF2-40B4-BE49-F238E27FC236}">
-                <a16:creationId xmlns:a16="http://schemas.microsoft.com/office/drawing/2014/main" id="{EC5B04F0-763D-039E-C2E8-A315B4DE6926}"/>
-              </a:ext>
-            </a:extLst>
-          </p:cNvPr>
-          <p:cNvSpPr>
-            <a:spLocks noGrp="1"/>
-          </p:cNvSpPr>
-          <p:nvPr>
-            <p:ph type="title"/>
-          </p:nvPr>
-        </p:nvSpPr>
-        <p:spPr/>
-        <p:txBody>
-          <a:bodyPr/>
-          <a:lstStyle/>
-          <a:p>
-            <a:r>
-              <a:rPr lang="en-US" dirty="0" err="1">
-                <a:latin typeface="Arial" panose="020B0604020202020204" pitchFamily="34" charset="0"/>
-                <a:cs typeface="Arial" panose="020B0604020202020204" pitchFamily="34" charset="0"/>
-              </a:rPr>
-              <a:t>Török</a:t>
-            </a:r>
-            <a:r>
-              <a:rPr lang="en-US" dirty="0">
-                <a:latin typeface="Arial" panose="020B0604020202020204" pitchFamily="34" charset="0"/>
-                <a:cs typeface="Arial" panose="020B0604020202020204" pitchFamily="34" charset="0"/>
-              </a:rPr>
-              <a:t> </a:t>
-            </a:r>
-            <a:r>
-              <a:rPr lang="en-US" dirty="0" err="1">
-                <a:latin typeface="Arial" panose="020B0604020202020204" pitchFamily="34" charset="0"/>
-                <a:cs typeface="Arial" panose="020B0604020202020204" pitchFamily="34" charset="0"/>
-              </a:rPr>
-              <a:t>Péter</a:t>
-            </a:r>
-            <a:endParaRPr lang="en-US" dirty="0">
-              <a:latin typeface="Arial" panose="020B0604020202020204" pitchFamily="34" charset="0"/>
-              <a:cs typeface="Arial" panose="020B0604020202020204" pitchFamily="34" charset="0"/>
-            </a:endParaRPr>
-          </a:p>
-        </p:txBody>
-      </p:sp>
-      <p:sp>
-        <p:nvSpPr>
-          <p:cNvPr id="3" name="Content Placeholder 2">
-            <a:extLst>
-              <a:ext uri="{FF2B5EF4-FFF2-40B4-BE49-F238E27FC236}">
-                <a16:creationId xmlns:a16="http://schemas.microsoft.com/office/drawing/2014/main" id="{E49BB02E-E330-60F3-DB9A-6423564E0BE3}"/>
-              </a:ext>
-            </a:extLst>
-          </p:cNvPr>
-          <p:cNvSpPr>
-            <a:spLocks noGrp="1"/>
-          </p:cNvSpPr>
-          <p:nvPr>
-            <p:ph idx="1"/>
-          </p:nvPr>
-        </p:nvSpPr>
-        <p:spPr/>
-        <p:txBody>
-          <a:bodyPr/>
-          <a:lstStyle/>
-          <a:p>
-            <a:r>
-              <a:rPr lang="hu-HU" dirty="0" smtClean="0">
-                <a:latin typeface="Arial" panose="020B0604020202020204" pitchFamily="34" charset="0"/>
-                <a:cs typeface="Arial" panose="020B0604020202020204" pitchFamily="34" charset="0"/>
-              </a:rPr>
-              <a:t>Eleinte a munka nehezen indult el, voltak nehézségek illetve akadályok</a:t>
-            </a:r>
-          </a:p>
-          <a:p>
-            <a:r>
-              <a:rPr lang="hu-HU" dirty="0" smtClean="0">
-                <a:latin typeface="Arial" panose="020B0604020202020204" pitchFamily="34" charset="0"/>
-                <a:cs typeface="Arial" panose="020B0604020202020204" pitchFamily="34" charset="0"/>
-              </a:rPr>
-              <a:t>Nekem kiosztott feladatokat sikerült elvégeznem szerintem</a:t>
-            </a:r>
-          </a:p>
-          <a:p>
-            <a:r>
-              <a:rPr lang="hu-HU" dirty="0" smtClean="0">
-                <a:latin typeface="Arial" panose="020B0604020202020204" pitchFamily="34" charset="0"/>
-                <a:cs typeface="Arial" panose="020B0604020202020204" pitchFamily="34" charset="0"/>
-              </a:rPr>
-              <a:t>Az én feladatom a Főoldal illetve a Blog megvalósítása</a:t>
-            </a:r>
-            <a:endParaRPr lang="en-US" dirty="0">
-              <a:latin typeface="Arial" panose="020B0604020202020204" pitchFamily="34" charset="0"/>
-              <a:cs typeface="Arial" panose="020B0604020202020204" pitchFamily="34" charset="0"/>
-            </a:endParaRPr>
-          </a:p>
-        </p:txBody>
-      </p:sp>
-    </p:spTree>
-    <p:extLst>
-      <p:ext uri="{BB962C8B-B14F-4D97-AF65-F5344CB8AC3E}">
-        <p14:creationId xmlns:p14="http://schemas.microsoft.com/office/powerpoint/2010/main" val="3874125964"/>
-      </p:ext>
-    </p:extLst>
-  </p:cSld>
-  <p:clrMapOvr>
-    <a:masterClrMapping/>
-  </p:clrMapOvr>
-</p:sld>
-</file>
-
-<file path=ppt/slides/slide15.xml><?xml version="1.0" encoding="utf-8"?>
-<p:sld xmlns:a="http://schemas.openxmlformats.org/drawingml/2006/main" xmlns:r="http://schemas.openxmlformats.org/officeDocument/2006/relationships" xmlns:p="http://schemas.openxmlformats.org/presentationml/2006/main">
-  <p:cSld>
-    <p:spTree>
-      <p:nvGrpSpPr>
-        <p:cNvPr id="1" name=""/>
-        <p:cNvGrpSpPr/>
-        <p:nvPr/>
-      </p:nvGrpSpPr>
-      <p:grpSpPr>
-        <a:xfrm>
-          <a:off x="0" y="0"/>
-          <a:ext cx="0" cy="0"/>
-          <a:chOff x="0" y="0"/>
-          <a:chExt cx="0" cy="0"/>
-        </a:xfrm>
-      </p:grpSpPr>
-      <p:sp>
-        <p:nvSpPr>
-          <p:cNvPr id="2" name="Title 1">
-            <a:extLst>
-              <a:ext uri="{FF2B5EF4-FFF2-40B4-BE49-F238E27FC236}">
                 <a16:creationId xmlns:a16="http://schemas.microsoft.com/office/drawing/2014/main" id="{713AE4D2-94C1-5010-B749-8FAAF4BE032C}"/>
               </a:ext>
             </a:extLst>
@@ -4434,7 +4185,7 @@
 </p:sld>
 </file>
 
-<file path=ppt/slides/slide16.xml><?xml version="1.0" encoding="utf-8"?>
+<file path=ppt/slides/slide15.xml><?xml version="1.0" encoding="utf-8"?>
 <p:sld xmlns:a="http://schemas.openxmlformats.org/drawingml/2006/main" xmlns:r="http://schemas.openxmlformats.org/officeDocument/2006/relationships" xmlns:p="http://schemas.openxmlformats.org/presentationml/2006/main">
   <p:cSld>
     <p:spTree>
@@ -4559,36 +4310,11 @@
           <a:lstStyle/>
           <a:p>
             <a:r>
-              <a:rPr lang="hu-HU" dirty="0" err="1"/>
-              <a:t>Projektleiras</a:t>
-            </a:r>
-            <a:r>
-              <a:rPr lang="hu-HU" dirty="0"/>
-              <a:t>, </a:t>
-            </a:r>
-            <a:r>
-              <a:rPr lang="hu-HU" dirty="0" err="1"/>
-              <a:t>fejlesztokornyezet</a:t>
-            </a:r>
-            <a:r>
-              <a:rPr lang="hu-HU" dirty="0"/>
-              <a:t>, </a:t>
-            </a:r>
-            <a:r>
-              <a:rPr lang="hu-HU" dirty="0" err="1"/>
-              <a:t>sajat</a:t>
-            </a:r>
-            <a:r>
-              <a:rPr lang="hu-HU" dirty="0"/>
-              <a:t> </a:t>
-            </a:r>
-            <a:r>
-              <a:rPr lang="hu-HU" dirty="0" err="1"/>
-              <a:t>reszrol</a:t>
-            </a:r>
-            <a:r>
-              <a:rPr lang="hu-HU" dirty="0"/>
-              <a:t> beszelni</a:t>
+              <a:rPr lang="hu-HU" dirty="0">
+                <a:latin typeface="Arial" panose="020B0604020202020204" pitchFamily="34" charset="0"/>
+                <a:cs typeface="Arial" panose="020B0604020202020204" pitchFamily="34" charset="0"/>
+              </a:rPr>
+              <a:t>Mi volt a feladat?</a:t>
             </a:r>
           </a:p>
         </p:txBody>
@@ -4608,125 +4334,24 @@
           <a:bodyPr/>
           <a:lstStyle/>
           <a:p>
-            <a:endParaRPr lang="hu-HU"/>
-          </a:p>
-        </p:txBody>
-      </p:sp>
-    </p:spTree>
-    <p:extLst>
-      <p:ext uri="{BB962C8B-B14F-4D97-AF65-F5344CB8AC3E}">
-        <p14:creationId xmlns:p14="http://schemas.microsoft.com/office/powerpoint/2010/main" val="625251262"/>
-      </p:ext>
-    </p:extLst>
-  </p:cSld>
-  <p:clrMapOvr>
-    <a:masterClrMapping/>
-  </p:clrMapOvr>
-</p:sld>
-</file>
-
-<file path=ppt/slides/slide3.xml><?xml version="1.0" encoding="utf-8"?>
-<p:sld xmlns:a="http://schemas.openxmlformats.org/drawingml/2006/main" xmlns:r="http://schemas.openxmlformats.org/officeDocument/2006/relationships" xmlns:p="http://schemas.openxmlformats.org/presentationml/2006/main">
-  <p:cSld>
-    <p:spTree>
-      <p:nvGrpSpPr>
-        <p:cNvPr id="1" name=""/>
-        <p:cNvGrpSpPr/>
-        <p:nvPr/>
-      </p:nvGrpSpPr>
-      <p:grpSpPr>
-        <a:xfrm>
-          <a:off x="0" y="0"/>
-          <a:ext cx="0" cy="0"/>
-          <a:chOff x="0" y="0"/>
-          <a:chExt cx="0" cy="0"/>
-        </a:xfrm>
-      </p:grpSpPr>
-      <p:sp>
-        <p:nvSpPr>
-          <p:cNvPr id="2" name="Cím 1"/>
-          <p:cNvSpPr>
-            <a:spLocks noGrp="1"/>
-          </p:cNvSpPr>
-          <p:nvPr>
-            <p:ph type="title"/>
-          </p:nvPr>
-        </p:nvSpPr>
-        <p:spPr/>
-        <p:txBody>
-          <a:bodyPr/>
-          <a:lstStyle/>
-          <a:p>
             <a:r>
               <a:rPr lang="hu-HU" dirty="0">
                 <a:latin typeface="Arial" panose="020B0604020202020204" pitchFamily="34" charset="0"/>
                 <a:cs typeface="Arial" panose="020B0604020202020204" pitchFamily="34" charset="0"/>
               </a:rPr>
-              <a:t>Mi volt a feladat?</a:t>
-            </a:r>
-          </a:p>
-        </p:txBody>
-      </p:sp>
-      <p:sp>
-        <p:nvSpPr>
-          <p:cNvPr id="3" name="Tartalom helye 2"/>
-          <p:cNvSpPr>
-            <a:spLocks noGrp="1"/>
-          </p:cNvSpPr>
-          <p:nvPr>
-            <p:ph idx="1"/>
-          </p:nvPr>
-        </p:nvSpPr>
-        <p:spPr/>
-        <p:txBody>
-          <a:bodyPr/>
-          <a:lstStyle/>
-          <a:p>
-            <a:r>
-              <a:rPr lang="hu-HU" dirty="0">
-                <a:latin typeface="Arial" panose="020B0604020202020204" pitchFamily="34" charset="0"/>
-                <a:cs typeface="Arial" panose="020B0604020202020204" pitchFamily="34" charset="0"/>
-              </a:rPr>
-              <a:t>Egy </a:t>
-            </a:r>
-            <a:r>
-              <a:rPr lang="hu-HU" dirty="0" err="1">
-                <a:latin typeface="Arial" panose="020B0604020202020204" pitchFamily="34" charset="0"/>
-                <a:cs typeface="Arial" panose="020B0604020202020204" pitchFamily="34" charset="0"/>
-              </a:rPr>
-              <a:t>barkácsárúház</a:t>
-            </a:r>
-            <a:r>
-              <a:rPr lang="hu-HU" dirty="0">
-                <a:latin typeface="Arial" panose="020B0604020202020204" pitchFamily="34" charset="0"/>
-                <a:cs typeface="Arial" panose="020B0604020202020204" pitchFamily="34" charset="0"/>
-              </a:rPr>
-              <a:t> oldal felújítása/modernizálása</a:t>
-            </a:r>
-          </a:p>
-          <a:p>
-            <a:pPr lvl="1"/>
-            <a:r>
-              <a:rPr lang="hu-HU" dirty="0">
-                <a:latin typeface="Arial" panose="020B0604020202020204" pitchFamily="34" charset="0"/>
-                <a:cs typeface="Arial" panose="020B0604020202020204" pitchFamily="34" charset="0"/>
-              </a:rPr>
-              <a:t>Ez </a:t>
-            </a:r>
-            <a:r>
-              <a:rPr lang="hu-HU" dirty="0" err="1">
-                <a:latin typeface="Arial" panose="020B0604020202020204" pitchFamily="34" charset="0"/>
-                <a:cs typeface="Arial" panose="020B0604020202020204" pitchFamily="34" charset="0"/>
-              </a:rPr>
-              <a:t>Bootstrappel</a:t>
-            </a:r>
-            <a:r>
-              <a:rPr lang="hu-HU" dirty="0">
-                <a:latin typeface="Arial" panose="020B0604020202020204" pitchFamily="34" charset="0"/>
-                <a:cs typeface="Arial" panose="020B0604020202020204" pitchFamily="34" charset="0"/>
-              </a:rPr>
-              <a:t> valósult meg </a:t>
-            </a:r>
+              <a:t>Egy barkácsárúház oldal felújítása/modernizálás</a:t>
+            </a:r>
+            <a:r>
+              <a:rPr lang="en-US" dirty="0">
+                <a:latin typeface="Arial" panose="020B0604020202020204" pitchFamily="34" charset="0"/>
+                <a:cs typeface="Arial" panose="020B0604020202020204" pitchFamily="34" charset="0"/>
+              </a:rPr>
+              <a:t>a</a:t>
+            </a:r>
+            <a:endParaRPr lang="hu-HU" dirty="0">
+              <a:latin typeface="Arial" panose="020B0604020202020204" pitchFamily="34" charset="0"/>
+              <a:cs typeface="Arial" panose="020B0604020202020204" pitchFamily="34" charset="0"/>
+            </a:endParaRPr>
           </a:p>
         </p:txBody>
       </p:sp>
@@ -4831,7 +4456,7 @@
 </p:sld>
 </file>
 
-<file path=ppt/slides/slide4.xml><?xml version="1.0" encoding="utf-8"?>
+<file path=ppt/slides/slide3.xml><?xml version="1.0" encoding="utf-8"?>
 <p:sld xmlns:a="http://schemas.openxmlformats.org/drawingml/2006/main" xmlns:r="http://schemas.openxmlformats.org/officeDocument/2006/relationships" xmlns:p="http://schemas.openxmlformats.org/presentationml/2006/main">
   <p:cSld>
     <p:spTree>
@@ -4894,7 +4519,7 @@
 </p:sld>
 </file>
 
-<file path=ppt/slides/slide5.xml><?xml version="1.0" encoding="utf-8"?>
+<file path=ppt/slides/slide4.xml><?xml version="1.0" encoding="utf-8"?>
 <p:sld xmlns:a="http://schemas.openxmlformats.org/drawingml/2006/main" xmlns:r="http://schemas.openxmlformats.org/officeDocument/2006/relationships" xmlns:p="http://schemas.openxmlformats.org/presentationml/2006/main">
   <p:cSld>
     <p:spTree>
@@ -5067,7 +4692,7 @@
 </p:sld>
 </file>
 
-<file path=ppt/slides/slide6.xml><?xml version="1.0" encoding="utf-8"?>
+<file path=ppt/slides/slide5.xml><?xml version="1.0" encoding="utf-8"?>
 <p:sld xmlns:a="http://schemas.openxmlformats.org/drawingml/2006/main" xmlns:r="http://schemas.openxmlformats.org/officeDocument/2006/relationships" xmlns:p="http://schemas.openxmlformats.org/presentationml/2006/main">
   <p:cSld>
     <p:spTree>
@@ -5244,7 +4869,7 @@
 </p:sld>
 </file>
 
-<file path=ppt/slides/slide7.xml><?xml version="1.0" encoding="utf-8"?>
+<file path=ppt/slides/slide6.xml><?xml version="1.0" encoding="utf-8"?>
 <p:sld xmlns:a="http://schemas.openxmlformats.org/drawingml/2006/main" xmlns:r="http://schemas.openxmlformats.org/officeDocument/2006/relationships" xmlns:p="http://schemas.openxmlformats.org/presentationml/2006/main">
   <p:cSld>
     <p:spTree>
@@ -5515,7 +5140,7 @@
 </p:sld>
 </file>
 
-<file path=ppt/slides/slide8.xml><?xml version="1.0" encoding="utf-8"?>
+<file path=ppt/slides/slide7.xml><?xml version="1.0" encoding="utf-8"?>
 <p:sld xmlns:a="http://schemas.openxmlformats.org/drawingml/2006/main" xmlns:r="http://schemas.openxmlformats.org/officeDocument/2006/relationships" xmlns:p="http://schemas.openxmlformats.org/presentationml/2006/main">
   <p:cSld>
     <p:spTree>
@@ -5763,7 +5388,7 @@
 </p:sld>
 </file>
 
-<file path=ppt/slides/slide9.xml><?xml version="1.0" encoding="utf-8"?>
+<file path=ppt/slides/slide8.xml><?xml version="1.0" encoding="utf-8"?>
 <p:sld xmlns:a="http://schemas.openxmlformats.org/drawingml/2006/main" xmlns:r="http://schemas.openxmlformats.org/officeDocument/2006/relationships" xmlns:p="http://schemas.openxmlformats.org/presentationml/2006/main">
   <p:cSld>
     <p:spTree>
@@ -5955,6 +5580,254 @@
     <p:extLst>
       <p:ext uri="{BB962C8B-B14F-4D97-AF65-F5344CB8AC3E}">
         <p14:creationId xmlns:p14="http://schemas.microsoft.com/office/powerpoint/2010/main" val="1795959441"/>
+      </p:ext>
+    </p:extLst>
+  </p:cSld>
+  <p:clrMapOvr>
+    <a:masterClrMapping/>
+  </p:clrMapOvr>
+</p:sld>
+</file>
+
+<file path=ppt/slides/slide9.xml><?xml version="1.0" encoding="utf-8"?>
+<p:sld xmlns:a="http://schemas.openxmlformats.org/drawingml/2006/main" xmlns:r="http://schemas.openxmlformats.org/officeDocument/2006/relationships" xmlns:p="http://schemas.openxmlformats.org/presentationml/2006/main">
+  <p:cSld>
+    <p:spTree>
+      <p:nvGrpSpPr>
+        <p:cNvPr id="1" name=""/>
+        <p:cNvGrpSpPr/>
+        <p:nvPr/>
+      </p:nvGrpSpPr>
+      <p:grpSpPr>
+        <a:xfrm>
+          <a:off x="0" y="0"/>
+          <a:ext cx="0" cy="0"/>
+          <a:chOff x="0" y="0"/>
+          <a:chExt cx="0" cy="0"/>
+        </a:xfrm>
+      </p:grpSpPr>
+      <p:sp>
+        <p:nvSpPr>
+          <p:cNvPr id="2" name="Cím 1"/>
+          <p:cNvSpPr>
+            <a:spLocks noGrp="1"/>
+          </p:cNvSpPr>
+          <p:nvPr>
+            <p:ph type="title"/>
+          </p:nvPr>
+        </p:nvSpPr>
+        <p:spPr/>
+        <p:txBody>
+          <a:bodyPr/>
+          <a:lstStyle/>
+          <a:p>
+            <a:r>
+              <a:rPr lang="en-US" dirty="0" err="1">
+                <a:latin typeface="Arial" panose="020B0604020202020204" pitchFamily="34" charset="0"/>
+                <a:cs typeface="Arial" panose="020B0604020202020204" pitchFamily="34" charset="0"/>
+              </a:rPr>
+              <a:t>Oldal</a:t>
+            </a:r>
+            <a:r>
+              <a:rPr lang="en-US" dirty="0">
+                <a:latin typeface="Arial" panose="020B0604020202020204" pitchFamily="34" charset="0"/>
+                <a:cs typeface="Arial" panose="020B0604020202020204" pitchFamily="34" charset="0"/>
+              </a:rPr>
+              <a:t> design</a:t>
+            </a:r>
+            <a:endParaRPr lang="hu-HU" dirty="0">
+              <a:latin typeface="Arial" panose="020B0604020202020204" pitchFamily="34" charset="0"/>
+              <a:cs typeface="Arial" panose="020B0604020202020204" pitchFamily="34" charset="0"/>
+            </a:endParaRPr>
+          </a:p>
+        </p:txBody>
+      </p:sp>
+      <p:sp>
+        <p:nvSpPr>
+          <p:cNvPr id="3" name="Tartalom helye 2"/>
+          <p:cNvSpPr>
+            <a:spLocks noGrp="1"/>
+          </p:cNvSpPr>
+          <p:nvPr>
+            <p:ph idx="1"/>
+          </p:nvPr>
+        </p:nvSpPr>
+        <p:spPr/>
+        <p:txBody>
+          <a:bodyPr/>
+          <a:lstStyle/>
+          <a:p>
+            <a:pPr marL="0" indent="0" algn="ctr">
+              <a:buNone/>
+            </a:pPr>
+            <a:r>
+              <a:rPr lang="en-US" dirty="0" err="1">
+                <a:latin typeface="Arial" panose="020B0604020202020204" pitchFamily="34" charset="0"/>
+                <a:cs typeface="Arial" panose="020B0604020202020204" pitchFamily="34" charset="0"/>
+              </a:rPr>
+              <a:t>Ezután</a:t>
+            </a:r>
+            <a:r>
+              <a:rPr lang="en-US" dirty="0">
+                <a:latin typeface="Arial" panose="020B0604020202020204" pitchFamily="34" charset="0"/>
+                <a:cs typeface="Arial" panose="020B0604020202020204" pitchFamily="34" charset="0"/>
+              </a:rPr>
+              <a:t> Figma-ban </a:t>
+            </a:r>
+            <a:r>
+              <a:rPr lang="en-US" dirty="0" err="1">
+                <a:latin typeface="Arial" panose="020B0604020202020204" pitchFamily="34" charset="0"/>
+                <a:cs typeface="Arial" panose="020B0604020202020204" pitchFamily="34" charset="0"/>
+              </a:rPr>
+              <a:t>készítettük</a:t>
+            </a:r>
+            <a:r>
+              <a:rPr lang="en-US" dirty="0">
+                <a:latin typeface="Arial" panose="020B0604020202020204" pitchFamily="34" charset="0"/>
+                <a:cs typeface="Arial" panose="020B0604020202020204" pitchFamily="34" charset="0"/>
+              </a:rPr>
+              <a:t> </a:t>
+            </a:r>
+            <a:r>
+              <a:rPr lang="en-US" dirty="0" err="1">
+                <a:latin typeface="Arial" panose="020B0604020202020204" pitchFamily="34" charset="0"/>
+                <a:cs typeface="Arial" panose="020B0604020202020204" pitchFamily="34" charset="0"/>
+              </a:rPr>
+              <a:t>az</a:t>
+            </a:r>
+            <a:r>
+              <a:rPr lang="en-US" dirty="0">
+                <a:latin typeface="Arial" panose="020B0604020202020204" pitchFamily="34" charset="0"/>
+                <a:cs typeface="Arial" panose="020B0604020202020204" pitchFamily="34" charset="0"/>
+              </a:rPr>
+              <a:t> </a:t>
+            </a:r>
+            <a:r>
+              <a:rPr lang="en-US" dirty="0" err="1">
+                <a:latin typeface="Arial" panose="020B0604020202020204" pitchFamily="34" charset="0"/>
+                <a:cs typeface="Arial" panose="020B0604020202020204" pitchFamily="34" charset="0"/>
+              </a:rPr>
+              <a:t>oldal</a:t>
+            </a:r>
+            <a:r>
+              <a:rPr lang="en-US" dirty="0">
+                <a:latin typeface="Arial" panose="020B0604020202020204" pitchFamily="34" charset="0"/>
+                <a:cs typeface="Arial" panose="020B0604020202020204" pitchFamily="34" charset="0"/>
+              </a:rPr>
+              <a:t> </a:t>
+            </a:r>
+            <a:r>
+              <a:rPr lang="en-US" dirty="0" err="1">
+                <a:latin typeface="Arial" panose="020B0604020202020204" pitchFamily="34" charset="0"/>
+                <a:cs typeface="Arial" panose="020B0604020202020204" pitchFamily="34" charset="0"/>
+              </a:rPr>
+              <a:t>sablonjait</a:t>
+            </a:r>
+            <a:endParaRPr lang="hu-HU" dirty="0">
+              <a:latin typeface="Arial" panose="020B0604020202020204" pitchFamily="34" charset="0"/>
+              <a:cs typeface="Arial" panose="020B0604020202020204" pitchFamily="34" charset="0"/>
+            </a:endParaRPr>
+          </a:p>
+        </p:txBody>
+      </p:sp>
+      <p:pic>
+        <p:nvPicPr>
+          <p:cNvPr id="5122" name="Picture 2">
+            <a:extLst>
+              <a:ext uri="{FF2B5EF4-FFF2-40B4-BE49-F238E27FC236}">
+                <a16:creationId xmlns:a16="http://schemas.microsoft.com/office/drawing/2014/main" id="{9CAB2859-865D-01A7-C7C6-B81BC4749BD5}"/>
+              </a:ext>
+            </a:extLst>
+          </p:cNvPr>
+          <p:cNvPicPr>
+            <a:picLocks noChangeAspect="1" noChangeArrowheads="1"/>
+          </p:cNvPicPr>
+          <p:nvPr/>
+        </p:nvPicPr>
+        <p:blipFill>
+          <a:blip r:embed="rId2">
+            <a:extLst>
+              <a:ext uri="{28A0092B-C50C-407E-A947-70E740481C1C}">
+                <a14:useLocalDpi xmlns:a14="http://schemas.microsoft.com/office/drawing/2010/main" val="0"/>
+              </a:ext>
+            </a:extLst>
+          </a:blip>
+          <a:srcRect/>
+          <a:stretch>
+            <a:fillRect/>
+          </a:stretch>
+        </p:blipFill>
+        <p:spPr bwMode="auto">
+          <a:xfrm>
+            <a:off x="1603664" y="2316159"/>
+            <a:ext cx="4021966" cy="4351339"/>
+          </a:xfrm>
+          <a:prstGeom prst="rect">
+            <a:avLst/>
+          </a:prstGeom>
+          <a:noFill/>
+          <a:extLst>
+            <a:ext uri="{909E8E84-426E-40DD-AFC4-6F175D3DCCD1}">
+              <a14:hiddenFill xmlns:a14="http://schemas.microsoft.com/office/drawing/2010/main">
+                <a:solidFill>
+                  <a:srgbClr val="FFFFFF"/>
+                </a:solidFill>
+              </a14:hiddenFill>
+            </a:ext>
+          </a:extLst>
+        </p:spPr>
+      </p:pic>
+      <p:pic>
+        <p:nvPicPr>
+          <p:cNvPr id="5124" name="Picture 4">
+            <a:extLst>
+              <a:ext uri="{FF2B5EF4-FFF2-40B4-BE49-F238E27FC236}">
+                <a16:creationId xmlns:a16="http://schemas.microsoft.com/office/drawing/2014/main" id="{FDE36526-2381-06CB-6842-11AA78AA8A93}"/>
+              </a:ext>
+            </a:extLst>
+          </p:cNvPr>
+          <p:cNvPicPr>
+            <a:picLocks noChangeAspect="1" noChangeArrowheads="1"/>
+          </p:cNvPicPr>
+          <p:nvPr/>
+        </p:nvPicPr>
+        <p:blipFill>
+          <a:blip r:embed="rId3">
+            <a:extLst>
+              <a:ext uri="{28A0092B-C50C-407E-A947-70E740481C1C}">
+                <a14:useLocalDpi xmlns:a14="http://schemas.microsoft.com/office/drawing/2010/main" val="0"/>
+              </a:ext>
+            </a:extLst>
+          </a:blip>
+          <a:srcRect/>
+          <a:stretch>
+            <a:fillRect/>
+          </a:stretch>
+        </p:blipFill>
+        <p:spPr bwMode="auto">
+          <a:xfrm>
+            <a:off x="6566371" y="2316159"/>
+            <a:ext cx="4120679" cy="4351340"/>
+          </a:xfrm>
+          <a:prstGeom prst="rect">
+            <a:avLst/>
+          </a:prstGeom>
+          <a:noFill/>
+          <a:extLst>
+            <a:ext uri="{909E8E84-426E-40DD-AFC4-6F175D3DCCD1}">
+              <a14:hiddenFill xmlns:a14="http://schemas.microsoft.com/office/drawing/2010/main">
+                <a:solidFill>
+                  <a:srgbClr val="FFFFFF"/>
+                </a:solidFill>
+              </a14:hiddenFill>
+            </a:ext>
+          </a:extLst>
+        </p:spPr>
+      </p:pic>
+    </p:spTree>
+    <p:extLst>
+      <p:ext uri="{BB962C8B-B14F-4D97-AF65-F5344CB8AC3E}">
+        <p14:creationId xmlns:p14="http://schemas.microsoft.com/office/powerpoint/2010/main" val="2232490883"/>
       </p:ext>
     </p:extLst>
   </p:cSld>

--- a/PPT/tztpvb_barkacs.pptx
+++ b/PPT/tztpvb_barkacs.pptx
@@ -9,17 +9,30 @@
     <p:sldId id="263" r:id="rId3"/>
     <p:sldId id="261" r:id="rId4"/>
     <p:sldId id="258" r:id="rId5"/>
-    <p:sldId id="265" r:id="rId6"/>
-    <p:sldId id="266" r:id="rId7"/>
-    <p:sldId id="264" r:id="rId8"/>
-    <p:sldId id="267" r:id="rId9"/>
-    <p:sldId id="271" r:id="rId10"/>
-    <p:sldId id="262" r:id="rId11"/>
-    <p:sldId id="259" r:id="rId12"/>
-    <p:sldId id="269" r:id="rId13"/>
-    <p:sldId id="270" r:id="rId14"/>
-    <p:sldId id="268" r:id="rId15"/>
-    <p:sldId id="272" r:id="rId16"/>
+    <p:sldId id="273" r:id="rId6"/>
+    <p:sldId id="265" r:id="rId7"/>
+    <p:sldId id="274" r:id="rId8"/>
+    <p:sldId id="282" r:id="rId9"/>
+    <p:sldId id="266" r:id="rId10"/>
+    <p:sldId id="275" r:id="rId11"/>
+    <p:sldId id="264" r:id="rId12"/>
+    <p:sldId id="276" r:id="rId13"/>
+    <p:sldId id="277" r:id="rId14"/>
+    <p:sldId id="267" r:id="rId15"/>
+    <p:sldId id="278" r:id="rId16"/>
+    <p:sldId id="279" r:id="rId17"/>
+    <p:sldId id="284" r:id="rId18"/>
+    <p:sldId id="283" r:id="rId19"/>
+    <p:sldId id="285" r:id="rId20"/>
+    <p:sldId id="271" r:id="rId21"/>
+    <p:sldId id="280" r:id="rId22"/>
+    <p:sldId id="281" r:id="rId23"/>
+    <p:sldId id="262" r:id="rId24"/>
+    <p:sldId id="259" r:id="rId25"/>
+    <p:sldId id="269" r:id="rId26"/>
+    <p:sldId id="270" r:id="rId27"/>
+    <p:sldId id="268" r:id="rId28"/>
+    <p:sldId id="272" r:id="rId29"/>
   </p:sldIdLst>
   <p:sldSz cx="12192000" cy="6858000"/>
   <p:notesSz cx="6858000" cy="9144000"/>
@@ -3066,36 +3079,150 @@
             <a:spLocks noGrp="1"/>
           </p:cNvSpPr>
           <p:nvPr>
-            <p:ph type="ctrTitle"/>
-          </p:nvPr>
-        </p:nvSpPr>
-        <p:spPr>
+            <p:ph type="title"/>
+          </p:nvPr>
+        </p:nvSpPr>
+        <p:spPr/>
+        <p:txBody>
+          <a:bodyPr/>
+          <a:lstStyle/>
+          <a:p>
+            <a:r>
+              <a:rPr lang="hu-HU" dirty="0">
+                <a:latin typeface="Arial" panose="020B0604020202020204" pitchFamily="34" charset="0"/>
+                <a:cs typeface="Arial" panose="020B0604020202020204" pitchFamily="34" charset="0"/>
+              </a:rPr>
+              <a:t>Oldal design</a:t>
+            </a:r>
+          </a:p>
+        </p:txBody>
+      </p:sp>
+      <p:sp>
+        <p:nvSpPr>
+          <p:cNvPr id="3" name="Tartalom helye 2"/>
+          <p:cNvSpPr>
+            <a:spLocks noGrp="1"/>
+          </p:cNvSpPr>
+          <p:nvPr>
+            <p:ph idx="1"/>
+          </p:nvPr>
+        </p:nvSpPr>
+        <p:spPr/>
+        <p:txBody>
+          <a:bodyPr/>
+          <a:lstStyle/>
+          <a:p>
+            <a:pPr marL="0" indent="0" algn="ctr">
+              <a:buNone/>
+            </a:pPr>
+            <a:r>
+              <a:rPr lang="hu-HU" dirty="0">
+                <a:latin typeface="Arial" panose="020B0604020202020204" pitchFamily="34" charset="0"/>
+                <a:cs typeface="Arial" panose="020B0604020202020204" pitchFamily="34" charset="0"/>
+              </a:rPr>
+              <a:t>Mindenki csinált először egy drótvázat </a:t>
+            </a:r>
+          </a:p>
+        </p:txBody>
+      </p:sp>
+      <p:pic>
+        <p:nvPicPr>
+          <p:cNvPr id="1026" name="Picture 2">
+            <a:extLst>
+              <a:ext uri="{FF2B5EF4-FFF2-40B4-BE49-F238E27FC236}">
+                <a16:creationId xmlns:a16="http://schemas.microsoft.com/office/drawing/2014/main" id="{680E31F6-B986-ABA2-81C2-41E867CCA920}"/>
+              </a:ext>
+            </a:extLst>
+          </p:cNvPr>
+          <p:cNvPicPr>
+            <a:picLocks noChangeAspect="1" noChangeArrowheads="1"/>
+          </p:cNvPicPr>
+          <p:nvPr/>
+        </p:nvPicPr>
+        <p:blipFill>
+          <a:blip r:embed="rId2">
+            <a:extLst>
+              <a:ext uri="{28A0092B-C50C-407E-A947-70E740481C1C}">
+                <a14:useLocalDpi xmlns:a14="http://schemas.microsoft.com/office/drawing/2010/main" val="0"/>
+              </a:ext>
+            </a:extLst>
+          </a:blip>
+          <a:srcRect/>
+          <a:stretch>
+            <a:fillRect/>
+          </a:stretch>
+        </p:blipFill>
+        <p:spPr bwMode="auto">
           <a:xfrm>
-            <a:off x="1524000" y="1490663"/>
-            <a:ext cx="9144000" cy="2387600"/>
+            <a:off x="3111249" y="2378475"/>
+            <a:ext cx="2107176" cy="4351338"/>
           </a:xfrm>
+          <a:prstGeom prst="rect">
+            <a:avLst/>
+          </a:prstGeom>
+          <a:noFill/>
+          <a:extLst>
+            <a:ext uri="{909E8E84-426E-40DD-AFC4-6F175D3DCCD1}">
+              <a14:hiddenFill xmlns:a14="http://schemas.microsoft.com/office/drawing/2010/main">
+                <a:solidFill>
+                  <a:srgbClr val="FFFFFF"/>
+                </a:solidFill>
+              </a14:hiddenFill>
+            </a:ext>
+          </a:extLst>
         </p:spPr>
-        <p:txBody>
-          <a:bodyPr>
-            <a:normAutofit/>
-          </a:bodyPr>
-          <a:lstStyle/>
-          <a:p>
-            <a:r>
-              <a:rPr lang="hu-HU" sz="7200" dirty="0">
-                <a:latin typeface="Arial" panose="020B0604020202020204" pitchFamily="34" charset="0"/>
-                <a:ea typeface="Arial Unicode MS" panose="020B0604020202020204" pitchFamily="34" charset="-128"/>
-                <a:cs typeface="Arial" panose="020B0604020202020204" pitchFamily="34" charset="0"/>
-              </a:rPr>
-              <a:t>Megvalósítás</a:t>
-            </a:r>
-          </a:p>
-        </p:txBody>
-      </p:sp>
+      </p:pic>
+      <p:pic>
+        <p:nvPicPr>
+          <p:cNvPr id="1028" name="Picture 4">
+            <a:extLst>
+              <a:ext uri="{FF2B5EF4-FFF2-40B4-BE49-F238E27FC236}">
+                <a16:creationId xmlns:a16="http://schemas.microsoft.com/office/drawing/2014/main" id="{7BC17B78-8008-16D6-DD51-969E84D19E3E}"/>
+              </a:ext>
+            </a:extLst>
+          </p:cNvPr>
+          <p:cNvPicPr>
+            <a:picLocks noChangeAspect="1" noChangeArrowheads="1"/>
+          </p:cNvPicPr>
+          <p:nvPr/>
+        </p:nvPicPr>
+        <p:blipFill>
+          <a:blip r:embed="rId3">
+            <a:extLst>
+              <a:ext uri="{28A0092B-C50C-407E-A947-70E740481C1C}">
+                <a14:useLocalDpi xmlns:a14="http://schemas.microsoft.com/office/drawing/2010/main" val="0"/>
+              </a:ext>
+            </a:extLst>
+          </a:blip>
+          <a:srcRect/>
+          <a:stretch>
+            <a:fillRect/>
+          </a:stretch>
+        </p:blipFill>
+        <p:spPr bwMode="auto">
+          <a:xfrm>
+            <a:off x="6973577" y="2378475"/>
+            <a:ext cx="2112919" cy="4363198"/>
+          </a:xfrm>
+          <a:prstGeom prst="rect">
+            <a:avLst/>
+          </a:prstGeom>
+          <a:noFill/>
+          <a:extLst>
+            <a:ext uri="{909E8E84-426E-40DD-AFC4-6F175D3DCCD1}">
+              <a14:hiddenFill xmlns:a14="http://schemas.microsoft.com/office/drawing/2010/main">
+                <a:solidFill>
+                  <a:srgbClr val="FFFFFF"/>
+                </a:solidFill>
+              </a14:hiddenFill>
+            </a:ext>
+          </a:extLst>
+        </p:spPr>
+      </p:pic>
     </p:spTree>
     <p:extLst>
       <p:ext uri="{BB962C8B-B14F-4D97-AF65-F5344CB8AC3E}">
-        <p14:creationId xmlns:p14="http://schemas.microsoft.com/office/powerpoint/2010/main" val="101238564"/>
+        <p14:creationId xmlns:p14="http://schemas.microsoft.com/office/powerpoint/2010/main" val="3919344614"/>
       </p:ext>
     </p:extLst>
   </p:cSld>
@@ -3138,18 +3265,18 @@
           <a:lstStyle/>
           <a:p>
             <a:r>
-              <a:rPr lang="en-US" dirty="0">
-                <a:latin typeface="Arial" panose="020B0604020202020204" pitchFamily="34" charset="0"/>
-                <a:cs typeface="Arial" panose="020B0604020202020204" pitchFamily="34" charset="0"/>
-              </a:rPr>
-              <a:t>Az </a:t>
-            </a:r>
-            <a:r>
-              <a:rPr lang="en-US" dirty="0" err="1">
-                <a:latin typeface="Arial" panose="020B0604020202020204" pitchFamily="34" charset="0"/>
-                <a:cs typeface="Arial" panose="020B0604020202020204" pitchFamily="34" charset="0"/>
-              </a:rPr>
-              <a:t>oldalak</a:t>
+              <a:rPr lang="en-US" dirty="0" err="1">
+                <a:latin typeface="Arial" panose="020B0604020202020204" pitchFamily="34" charset="0"/>
+                <a:cs typeface="Arial" panose="020B0604020202020204" pitchFamily="34" charset="0"/>
+              </a:rPr>
+              <a:t>Oldal</a:t>
+            </a:r>
+            <a:r>
+              <a:rPr lang="en-US" dirty="0">
+                <a:latin typeface="Arial" panose="020B0604020202020204" pitchFamily="34" charset="0"/>
+                <a:cs typeface="Arial" panose="020B0604020202020204" pitchFamily="34" charset="0"/>
+              </a:rPr>
+              <a:t> design</a:t>
             </a:r>
             <a:endParaRPr lang="hu-HU" dirty="0">
               <a:latin typeface="Arial" panose="020B0604020202020204" pitchFamily="34" charset="0"/>
@@ -3173,12 +3300,29 @@
           <a:bodyPr/>
           <a:lstStyle/>
           <a:p>
-            <a:r>
-              <a:rPr lang="en-US" dirty="0" err="1">
-                <a:latin typeface="Arial" panose="020B0604020202020204" pitchFamily="34" charset="0"/>
-                <a:cs typeface="Arial" panose="020B0604020202020204" pitchFamily="34" charset="0"/>
-              </a:rPr>
-              <a:t>Terdik</a:t>
+            <a:pPr marL="0" indent="0" algn="ctr">
+              <a:buNone/>
+            </a:pPr>
+            <a:r>
+              <a:rPr lang="en-US" dirty="0" err="1">
+                <a:latin typeface="Arial" panose="020B0604020202020204" pitchFamily="34" charset="0"/>
+                <a:cs typeface="Arial" panose="020B0604020202020204" pitchFamily="34" charset="0"/>
+              </a:rPr>
+              <a:t>Ezután</a:t>
+            </a:r>
+            <a:r>
+              <a:rPr lang="en-US" dirty="0">
+                <a:latin typeface="Arial" panose="020B0604020202020204" pitchFamily="34" charset="0"/>
+                <a:cs typeface="Arial" panose="020B0604020202020204" pitchFamily="34" charset="0"/>
+              </a:rPr>
+              <a:t> Figma-ban </a:t>
+            </a:r>
+            <a:r>
+              <a:rPr lang="en-US" dirty="0" err="1">
+                <a:latin typeface="Arial" panose="020B0604020202020204" pitchFamily="34" charset="0"/>
+                <a:cs typeface="Arial" panose="020B0604020202020204" pitchFamily="34" charset="0"/>
+              </a:rPr>
+              <a:t>készítettük</a:t>
             </a:r>
             <a:r>
               <a:rPr lang="en-US" dirty="0">
@@ -3192,48 +3336,7 @@
                 <a:latin typeface="Arial" panose="020B0604020202020204" pitchFamily="34" charset="0"/>
                 <a:cs typeface="Arial" panose="020B0604020202020204" pitchFamily="34" charset="0"/>
               </a:rPr>
-              <a:t>Zalán</a:t>
-            </a:r>
-            <a:r>
-              <a:rPr lang="en-US" dirty="0">
-                <a:latin typeface="Arial" panose="020B0604020202020204" pitchFamily="34" charset="0"/>
-                <a:cs typeface="Arial" panose="020B0604020202020204" pitchFamily="34" charset="0"/>
-              </a:rPr>
-              <a:t>: </a:t>
-            </a:r>
-            <a:r>
-              <a:rPr lang="en-US" dirty="0" err="1">
-                <a:latin typeface="Arial" panose="020B0604020202020204" pitchFamily="34" charset="0"/>
-                <a:cs typeface="Arial" panose="020B0604020202020204" pitchFamily="34" charset="0"/>
-              </a:rPr>
-              <a:t>Rólunk</a:t>
-            </a:r>
-            <a:r>
-              <a:rPr lang="en-US" dirty="0">
-                <a:latin typeface="Arial" panose="020B0604020202020204" pitchFamily="34" charset="0"/>
-                <a:cs typeface="Arial" panose="020B0604020202020204" pitchFamily="34" charset="0"/>
-              </a:rPr>
-              <a:t>, </a:t>
-            </a:r>
-            <a:r>
-              <a:rPr lang="en-US" dirty="0" err="1">
-                <a:latin typeface="Arial" panose="020B0604020202020204" pitchFamily="34" charset="0"/>
-                <a:cs typeface="Arial" panose="020B0604020202020204" pitchFamily="34" charset="0"/>
-              </a:rPr>
-              <a:t>Faanyagok</a:t>
-            </a:r>
-            <a:endParaRPr lang="en-US" dirty="0">
-              <a:latin typeface="Arial" panose="020B0604020202020204" pitchFamily="34" charset="0"/>
-              <a:cs typeface="Arial" panose="020B0604020202020204" pitchFamily="34" charset="0"/>
-            </a:endParaRPr>
-          </a:p>
-          <a:p>
-            <a:r>
-              <a:rPr lang="en-US" dirty="0" err="1">
-                <a:latin typeface="Arial" panose="020B0604020202020204" pitchFamily="34" charset="0"/>
-                <a:cs typeface="Arial" panose="020B0604020202020204" pitchFamily="34" charset="0"/>
-              </a:rPr>
-              <a:t>Török</a:t>
+              <a:t>az</a:t>
             </a:r>
             <a:r>
               <a:rPr lang="en-US" dirty="0">
@@ -3247,55 +3350,21 @@
                 <a:latin typeface="Arial" panose="020B0604020202020204" pitchFamily="34" charset="0"/>
                 <a:cs typeface="Arial" panose="020B0604020202020204" pitchFamily="34" charset="0"/>
               </a:rPr>
-              <a:t>Péter</a:t>
-            </a:r>
-            <a:r>
-              <a:rPr lang="en-US" dirty="0">
-                <a:latin typeface="Arial" panose="020B0604020202020204" pitchFamily="34" charset="0"/>
-                <a:cs typeface="Arial" panose="020B0604020202020204" pitchFamily="34" charset="0"/>
-              </a:rPr>
-              <a:t>: Blog, </a:t>
-            </a:r>
-            <a:r>
-              <a:rPr lang="en-US" dirty="0" err="1">
-                <a:latin typeface="Arial" panose="020B0604020202020204" pitchFamily="34" charset="0"/>
-                <a:cs typeface="Arial" panose="020B0604020202020204" pitchFamily="34" charset="0"/>
-              </a:rPr>
-              <a:t>Főoldal</a:t>
-            </a:r>
-            <a:endParaRPr lang="en-US" dirty="0">
-              <a:latin typeface="Arial" panose="020B0604020202020204" pitchFamily="34" charset="0"/>
-              <a:cs typeface="Arial" panose="020B0604020202020204" pitchFamily="34" charset="0"/>
-            </a:endParaRPr>
-          </a:p>
-          <a:p>
-            <a:r>
-              <a:rPr lang="en-US" dirty="0">
-                <a:latin typeface="Arial" panose="020B0604020202020204" pitchFamily="34" charset="0"/>
-                <a:cs typeface="Arial" panose="020B0604020202020204" pitchFamily="34" charset="0"/>
-              </a:rPr>
-              <a:t>Vér Bence: </a:t>
-            </a:r>
-            <a:r>
-              <a:rPr lang="en-US" dirty="0" err="1">
-                <a:latin typeface="Arial" panose="020B0604020202020204" pitchFamily="34" charset="0"/>
-                <a:cs typeface="Arial" panose="020B0604020202020204" pitchFamily="34" charset="0"/>
-              </a:rPr>
-              <a:t>Szerszámkatalógus</a:t>
-            </a:r>
-            <a:r>
-              <a:rPr lang="en-US" dirty="0">
-                <a:latin typeface="Arial" panose="020B0604020202020204" pitchFamily="34" charset="0"/>
-                <a:cs typeface="Arial" panose="020B0604020202020204" pitchFamily="34" charset="0"/>
-              </a:rPr>
-              <a:t>, </a:t>
-            </a:r>
-            <a:r>
-              <a:rPr lang="en-US" dirty="0" err="1">
-                <a:latin typeface="Arial" panose="020B0604020202020204" pitchFamily="34" charset="0"/>
-                <a:cs typeface="Arial" panose="020B0604020202020204" pitchFamily="34" charset="0"/>
-              </a:rPr>
-              <a:t>Festékek</a:t>
+              <a:t>oldal</a:t>
+            </a:r>
+            <a:r>
+              <a:rPr lang="en-US" dirty="0">
+                <a:latin typeface="Arial" panose="020B0604020202020204" pitchFamily="34" charset="0"/>
+                <a:cs typeface="Arial" panose="020B0604020202020204" pitchFamily="34" charset="0"/>
+              </a:rPr>
+              <a:t> </a:t>
+            </a:r>
+            <a:r>
+              <a:rPr lang="en-US" dirty="0" err="1">
+                <a:latin typeface="Arial" panose="020B0604020202020204" pitchFamily="34" charset="0"/>
+                <a:cs typeface="Arial" panose="020B0604020202020204" pitchFamily="34" charset="0"/>
+              </a:rPr>
+              <a:t>sablonjait</a:t>
             </a:r>
             <a:endParaRPr lang="hu-HU" dirty="0">
               <a:latin typeface="Arial" panose="020B0604020202020204" pitchFamily="34" charset="0"/>
@@ -3304,10 +3373,104 @@
           </a:p>
         </p:txBody>
       </p:sp>
+      <p:pic>
+        <p:nvPicPr>
+          <p:cNvPr id="3074" name="Picture 2">
+            <a:extLst>
+              <a:ext uri="{FF2B5EF4-FFF2-40B4-BE49-F238E27FC236}">
+                <a16:creationId xmlns:a16="http://schemas.microsoft.com/office/drawing/2014/main" id="{14C37571-D67C-0B74-3318-212D8A2A8AFE}"/>
+              </a:ext>
+            </a:extLst>
+          </p:cNvPr>
+          <p:cNvPicPr>
+            <a:picLocks noChangeAspect="1" noChangeArrowheads="1"/>
+          </p:cNvPicPr>
+          <p:nvPr/>
+        </p:nvPicPr>
+        <p:blipFill>
+          <a:blip r:embed="rId2">
+            <a:extLst>
+              <a:ext uri="{28A0092B-C50C-407E-A947-70E740481C1C}">
+                <a14:useLocalDpi xmlns:a14="http://schemas.microsoft.com/office/drawing/2010/main" val="0"/>
+              </a:ext>
+            </a:extLst>
+          </a:blip>
+          <a:srcRect/>
+          <a:stretch>
+            <a:fillRect/>
+          </a:stretch>
+        </p:blipFill>
+        <p:spPr bwMode="auto">
+          <a:xfrm>
+            <a:off x="537896" y="2640647"/>
+            <a:ext cx="5303689" cy="3852225"/>
+          </a:xfrm>
+          <a:prstGeom prst="rect">
+            <a:avLst/>
+          </a:prstGeom>
+          <a:noFill/>
+          <a:extLst>
+            <a:ext uri="{909E8E84-426E-40DD-AFC4-6F175D3DCCD1}">
+              <a14:hiddenFill xmlns:a14="http://schemas.microsoft.com/office/drawing/2010/main">
+                <a:solidFill>
+                  <a:srgbClr val="FFFFFF"/>
+                </a:solidFill>
+              </a14:hiddenFill>
+            </a:ext>
+          </a:extLst>
+        </p:spPr>
+      </p:pic>
+      <p:pic>
+        <p:nvPicPr>
+          <p:cNvPr id="3078" name="Picture 6">
+            <a:extLst>
+              <a:ext uri="{FF2B5EF4-FFF2-40B4-BE49-F238E27FC236}">
+                <a16:creationId xmlns:a16="http://schemas.microsoft.com/office/drawing/2014/main" id="{846E828F-9F98-B7D5-DF28-A9AB303F5BEA}"/>
+              </a:ext>
+            </a:extLst>
+          </p:cNvPr>
+          <p:cNvPicPr>
+            <a:picLocks noChangeAspect="1" noChangeArrowheads="1"/>
+          </p:cNvPicPr>
+          <p:nvPr/>
+        </p:nvPicPr>
+        <p:blipFill>
+          <a:blip r:embed="rId3">
+            <a:extLst>
+              <a:ext uri="{28A0092B-C50C-407E-A947-70E740481C1C}">
+                <a14:useLocalDpi xmlns:a14="http://schemas.microsoft.com/office/drawing/2010/main" val="0"/>
+              </a:ext>
+            </a:extLst>
+          </a:blip>
+          <a:srcRect/>
+          <a:stretch>
+            <a:fillRect/>
+          </a:stretch>
+        </p:blipFill>
+        <p:spPr bwMode="auto">
+          <a:xfrm>
+            <a:off x="6141889" y="2640646"/>
+            <a:ext cx="5329602" cy="3852225"/>
+          </a:xfrm>
+          <a:prstGeom prst="rect">
+            <a:avLst/>
+          </a:prstGeom>
+          <a:noFill/>
+          <a:extLst>
+            <a:ext uri="{909E8E84-426E-40DD-AFC4-6F175D3DCCD1}">
+              <a14:hiddenFill xmlns:a14="http://schemas.microsoft.com/office/drawing/2010/main">
+                <a:solidFill>
+                  <a:srgbClr val="FFFFFF"/>
+                </a:solidFill>
+              </a14:hiddenFill>
+            </a:ext>
+          </a:extLst>
+        </p:spPr>
+      </p:pic>
     </p:spTree>
     <p:extLst>
       <p:ext uri="{BB962C8B-B14F-4D97-AF65-F5344CB8AC3E}">
-        <p14:creationId xmlns:p14="http://schemas.microsoft.com/office/powerpoint/2010/main" val="2893485710"/>
+        <p14:creationId xmlns:p14="http://schemas.microsoft.com/office/powerpoint/2010/main" val="1207112714"/>
       </p:ext>
     </p:extLst>
   </p:cSld>
@@ -3336,460 +3499,226 @@
       </p:grpSpPr>
       <p:sp>
         <p:nvSpPr>
-          <p:cNvPr id="2" name="Title 1">
+          <p:cNvPr id="2" name="Cím 1"/>
+          <p:cNvSpPr>
+            <a:spLocks noGrp="1"/>
+          </p:cNvSpPr>
+          <p:nvPr>
+            <p:ph type="title"/>
+          </p:nvPr>
+        </p:nvSpPr>
+        <p:spPr/>
+        <p:txBody>
+          <a:bodyPr/>
+          <a:lstStyle/>
+          <a:p>
+            <a:r>
+              <a:rPr lang="en-US" dirty="0" err="1">
+                <a:latin typeface="Arial" panose="020B0604020202020204" pitchFamily="34" charset="0"/>
+                <a:cs typeface="Arial" panose="020B0604020202020204" pitchFamily="34" charset="0"/>
+              </a:rPr>
+              <a:t>Oldal</a:t>
+            </a:r>
+            <a:r>
+              <a:rPr lang="en-US" dirty="0">
+                <a:latin typeface="Arial" panose="020B0604020202020204" pitchFamily="34" charset="0"/>
+                <a:cs typeface="Arial" panose="020B0604020202020204" pitchFamily="34" charset="0"/>
+              </a:rPr>
+              <a:t> design</a:t>
+            </a:r>
+            <a:endParaRPr lang="hu-HU" dirty="0">
+              <a:latin typeface="Arial" panose="020B0604020202020204" pitchFamily="34" charset="0"/>
+              <a:cs typeface="Arial" panose="020B0604020202020204" pitchFamily="34" charset="0"/>
+            </a:endParaRPr>
+          </a:p>
+        </p:txBody>
+      </p:sp>
+      <p:sp>
+        <p:nvSpPr>
+          <p:cNvPr id="3" name="Tartalom helye 2"/>
+          <p:cNvSpPr>
+            <a:spLocks noGrp="1"/>
+          </p:cNvSpPr>
+          <p:nvPr>
+            <p:ph idx="1"/>
+          </p:nvPr>
+        </p:nvSpPr>
+        <p:spPr/>
+        <p:txBody>
+          <a:bodyPr/>
+          <a:lstStyle/>
+          <a:p>
+            <a:pPr marL="0" indent="0" algn="ctr">
+              <a:buNone/>
+            </a:pPr>
+            <a:r>
+              <a:rPr lang="en-US" dirty="0" err="1">
+                <a:latin typeface="Arial" panose="020B0604020202020204" pitchFamily="34" charset="0"/>
+                <a:cs typeface="Arial" panose="020B0604020202020204" pitchFamily="34" charset="0"/>
+              </a:rPr>
+              <a:t>Ezután</a:t>
+            </a:r>
+            <a:r>
+              <a:rPr lang="en-US" dirty="0">
+                <a:latin typeface="Arial" panose="020B0604020202020204" pitchFamily="34" charset="0"/>
+                <a:cs typeface="Arial" panose="020B0604020202020204" pitchFamily="34" charset="0"/>
+              </a:rPr>
+              <a:t> Figma-ban </a:t>
+            </a:r>
+            <a:r>
+              <a:rPr lang="en-US" dirty="0" err="1">
+                <a:latin typeface="Arial" panose="020B0604020202020204" pitchFamily="34" charset="0"/>
+                <a:cs typeface="Arial" panose="020B0604020202020204" pitchFamily="34" charset="0"/>
+              </a:rPr>
+              <a:t>készítettük</a:t>
+            </a:r>
+            <a:r>
+              <a:rPr lang="en-US" dirty="0">
+                <a:latin typeface="Arial" panose="020B0604020202020204" pitchFamily="34" charset="0"/>
+                <a:cs typeface="Arial" panose="020B0604020202020204" pitchFamily="34" charset="0"/>
+              </a:rPr>
+              <a:t> </a:t>
+            </a:r>
+            <a:r>
+              <a:rPr lang="en-US" dirty="0" err="1">
+                <a:latin typeface="Arial" panose="020B0604020202020204" pitchFamily="34" charset="0"/>
+                <a:cs typeface="Arial" panose="020B0604020202020204" pitchFamily="34" charset="0"/>
+              </a:rPr>
+              <a:t>az</a:t>
+            </a:r>
+            <a:r>
+              <a:rPr lang="en-US" dirty="0">
+                <a:latin typeface="Arial" panose="020B0604020202020204" pitchFamily="34" charset="0"/>
+                <a:cs typeface="Arial" panose="020B0604020202020204" pitchFamily="34" charset="0"/>
+              </a:rPr>
+              <a:t> </a:t>
+            </a:r>
+            <a:r>
+              <a:rPr lang="en-US" dirty="0" err="1">
+                <a:latin typeface="Arial" panose="020B0604020202020204" pitchFamily="34" charset="0"/>
+                <a:cs typeface="Arial" panose="020B0604020202020204" pitchFamily="34" charset="0"/>
+              </a:rPr>
+              <a:t>oldal</a:t>
+            </a:r>
+            <a:r>
+              <a:rPr lang="en-US" dirty="0">
+                <a:latin typeface="Arial" panose="020B0604020202020204" pitchFamily="34" charset="0"/>
+                <a:cs typeface="Arial" panose="020B0604020202020204" pitchFamily="34" charset="0"/>
+              </a:rPr>
+              <a:t> </a:t>
+            </a:r>
+            <a:r>
+              <a:rPr lang="en-US" dirty="0" err="1">
+                <a:latin typeface="Arial" panose="020B0604020202020204" pitchFamily="34" charset="0"/>
+                <a:cs typeface="Arial" panose="020B0604020202020204" pitchFamily="34" charset="0"/>
+              </a:rPr>
+              <a:t>sablonjait</a:t>
+            </a:r>
+            <a:endParaRPr lang="hu-HU" dirty="0">
+              <a:latin typeface="Arial" panose="020B0604020202020204" pitchFamily="34" charset="0"/>
+              <a:cs typeface="Arial" panose="020B0604020202020204" pitchFamily="34" charset="0"/>
+            </a:endParaRPr>
+          </a:p>
+        </p:txBody>
+      </p:sp>
+      <p:pic>
+        <p:nvPicPr>
+          <p:cNvPr id="5122" name="Picture 2">
             <a:extLst>
               <a:ext uri="{FF2B5EF4-FFF2-40B4-BE49-F238E27FC236}">
-                <a16:creationId xmlns:a16="http://schemas.microsoft.com/office/drawing/2014/main" id="{43F47DFC-B619-7D01-D3D0-53FB72AF8E8C}"/>
+                <a16:creationId xmlns:a16="http://schemas.microsoft.com/office/drawing/2014/main" id="{11ADEA7E-15EF-C1DE-A9B8-EC0553F26C28}"/>
               </a:ext>
             </a:extLst>
           </p:cNvPr>
-          <p:cNvSpPr>
-            <a:spLocks noGrp="1"/>
-          </p:cNvSpPr>
-          <p:nvPr>
-            <p:ph type="title"/>
-          </p:nvPr>
-        </p:nvSpPr>
-        <p:spPr/>
-        <p:txBody>
-          <a:bodyPr/>
-          <a:lstStyle/>
-          <a:p>
-            <a:r>
-              <a:rPr lang="en-US" dirty="0" err="1">
-                <a:latin typeface="Arial" panose="020B0604020202020204" pitchFamily="34" charset="0"/>
-                <a:cs typeface="Arial" panose="020B0604020202020204" pitchFamily="34" charset="0"/>
-              </a:rPr>
-              <a:t>Terdik</a:t>
-            </a:r>
-            <a:r>
-              <a:rPr lang="en-US" dirty="0">
-                <a:latin typeface="Arial" panose="020B0604020202020204" pitchFamily="34" charset="0"/>
-                <a:cs typeface="Arial" panose="020B0604020202020204" pitchFamily="34" charset="0"/>
-              </a:rPr>
-              <a:t> </a:t>
-            </a:r>
-            <a:r>
-              <a:rPr lang="en-US" dirty="0" err="1">
-                <a:latin typeface="Arial" panose="020B0604020202020204" pitchFamily="34" charset="0"/>
-                <a:cs typeface="Arial" panose="020B0604020202020204" pitchFamily="34" charset="0"/>
-              </a:rPr>
-              <a:t>Zalán</a:t>
-            </a:r>
-            <a:endParaRPr lang="en-US" dirty="0">
-              <a:latin typeface="Arial" panose="020B0604020202020204" pitchFamily="34" charset="0"/>
-              <a:cs typeface="Arial" panose="020B0604020202020204" pitchFamily="34" charset="0"/>
-            </a:endParaRPr>
-          </a:p>
-        </p:txBody>
-      </p:sp>
-      <p:sp>
-        <p:nvSpPr>
-          <p:cNvPr id="3" name="Content Placeholder 2">
+          <p:cNvPicPr>
+            <a:picLocks noChangeAspect="1" noChangeArrowheads="1"/>
+          </p:cNvPicPr>
+          <p:nvPr/>
+        </p:nvPicPr>
+        <p:blipFill>
+          <a:blip r:embed="rId2">
+            <a:extLst>
+              <a:ext uri="{28A0092B-C50C-407E-A947-70E740481C1C}">
+                <a14:useLocalDpi xmlns:a14="http://schemas.microsoft.com/office/drawing/2010/main" val="0"/>
+              </a:ext>
+            </a:extLst>
+          </a:blip>
+          <a:srcRect/>
+          <a:stretch>
+            <a:fillRect/>
+          </a:stretch>
+        </p:blipFill>
+        <p:spPr bwMode="auto">
+          <a:xfrm>
+            <a:off x="569675" y="2649628"/>
+            <a:ext cx="5284194" cy="3817505"/>
+          </a:xfrm>
+          <a:prstGeom prst="rect">
+            <a:avLst/>
+          </a:prstGeom>
+          <a:noFill/>
+          <a:extLst>
+            <a:ext uri="{909E8E84-426E-40DD-AFC4-6F175D3DCCD1}">
+              <a14:hiddenFill xmlns:a14="http://schemas.microsoft.com/office/drawing/2010/main">
+                <a:solidFill>
+                  <a:srgbClr val="FFFFFF"/>
+                </a:solidFill>
+              </a14:hiddenFill>
+            </a:ext>
+          </a:extLst>
+        </p:spPr>
+      </p:pic>
+      <p:pic>
+        <p:nvPicPr>
+          <p:cNvPr id="5124" name="Picture 4">
             <a:extLst>
               <a:ext uri="{FF2B5EF4-FFF2-40B4-BE49-F238E27FC236}">
-                <a16:creationId xmlns:a16="http://schemas.microsoft.com/office/drawing/2014/main" id="{ADB4DFEB-D797-23EC-0BCF-B306E1A6C09B}"/>
+                <a16:creationId xmlns:a16="http://schemas.microsoft.com/office/drawing/2014/main" id="{A6756DB6-084F-92BA-82C3-A2B75F91AB7F}"/>
               </a:ext>
             </a:extLst>
           </p:cNvPr>
-          <p:cNvSpPr>
-            <a:spLocks noGrp="1"/>
-          </p:cNvSpPr>
-          <p:nvPr>
-            <p:ph idx="1"/>
-          </p:nvPr>
-        </p:nvSpPr>
-        <p:spPr/>
-        <p:txBody>
-          <a:bodyPr/>
-          <a:lstStyle/>
-          <a:p>
-            <a:r>
-              <a:rPr lang="en-US" dirty="0">
-                <a:latin typeface="Arial" panose="020B0604020202020204" pitchFamily="34" charset="0"/>
-                <a:cs typeface="Arial" panose="020B0604020202020204" pitchFamily="34" charset="0"/>
-              </a:rPr>
-              <a:t>Az </a:t>
-            </a:r>
-            <a:r>
-              <a:rPr lang="en-US" dirty="0" err="1">
-                <a:latin typeface="Arial" panose="020B0604020202020204" pitchFamily="34" charset="0"/>
-                <a:cs typeface="Arial" panose="020B0604020202020204" pitchFamily="34" charset="0"/>
-              </a:rPr>
-              <a:t>elején</a:t>
-            </a:r>
-            <a:r>
-              <a:rPr lang="en-US" dirty="0">
-                <a:latin typeface="Arial" panose="020B0604020202020204" pitchFamily="34" charset="0"/>
-                <a:cs typeface="Arial" panose="020B0604020202020204" pitchFamily="34" charset="0"/>
-              </a:rPr>
-              <a:t> </a:t>
-            </a:r>
-            <a:r>
-              <a:rPr lang="en-US" dirty="0" err="1">
-                <a:latin typeface="Arial" panose="020B0604020202020204" pitchFamily="34" charset="0"/>
-                <a:cs typeface="Arial" panose="020B0604020202020204" pitchFamily="34" charset="0"/>
-              </a:rPr>
-              <a:t>nehéz</a:t>
-            </a:r>
-            <a:r>
-              <a:rPr lang="en-US" dirty="0">
-                <a:latin typeface="Arial" panose="020B0604020202020204" pitchFamily="34" charset="0"/>
-                <a:cs typeface="Arial" panose="020B0604020202020204" pitchFamily="34" charset="0"/>
-              </a:rPr>
-              <a:t> volt a </a:t>
-            </a:r>
-            <a:r>
-              <a:rPr lang="en-US" dirty="0" err="1">
-                <a:latin typeface="Arial" panose="020B0604020202020204" pitchFamily="34" charset="0"/>
-                <a:cs typeface="Arial" panose="020B0604020202020204" pitchFamily="34" charset="0"/>
-              </a:rPr>
-              <a:t>közös</a:t>
-            </a:r>
-            <a:r>
-              <a:rPr lang="en-US" dirty="0">
-                <a:latin typeface="Arial" panose="020B0604020202020204" pitchFamily="34" charset="0"/>
-                <a:cs typeface="Arial" panose="020B0604020202020204" pitchFamily="34" charset="0"/>
-              </a:rPr>
-              <a:t> </a:t>
-            </a:r>
-            <a:r>
-              <a:rPr lang="en-US" dirty="0" err="1">
-                <a:latin typeface="Arial" panose="020B0604020202020204" pitchFamily="34" charset="0"/>
-                <a:cs typeface="Arial" panose="020B0604020202020204" pitchFamily="34" charset="0"/>
-              </a:rPr>
-              <a:t>munka</a:t>
-            </a:r>
-            <a:r>
-              <a:rPr lang="en-US" dirty="0">
-                <a:latin typeface="Arial" panose="020B0604020202020204" pitchFamily="34" charset="0"/>
-                <a:cs typeface="Arial" panose="020B0604020202020204" pitchFamily="34" charset="0"/>
-              </a:rPr>
-              <a:t>, de </a:t>
-            </a:r>
-            <a:r>
-              <a:rPr lang="en-US" dirty="0" err="1">
-                <a:latin typeface="Arial" panose="020B0604020202020204" pitchFamily="34" charset="0"/>
-                <a:cs typeface="Arial" panose="020B0604020202020204" pitchFamily="34" charset="0"/>
-              </a:rPr>
-              <a:t>utána</a:t>
-            </a:r>
-            <a:r>
-              <a:rPr lang="en-US" dirty="0">
-                <a:latin typeface="Arial" panose="020B0604020202020204" pitchFamily="34" charset="0"/>
-                <a:cs typeface="Arial" panose="020B0604020202020204" pitchFamily="34" charset="0"/>
-              </a:rPr>
-              <a:t> </a:t>
-            </a:r>
-            <a:r>
-              <a:rPr lang="en-US" dirty="0" err="1">
-                <a:latin typeface="Arial" panose="020B0604020202020204" pitchFamily="34" charset="0"/>
-                <a:cs typeface="Arial" panose="020B0604020202020204" pitchFamily="34" charset="0"/>
-              </a:rPr>
-              <a:t>már</a:t>
-            </a:r>
-            <a:r>
-              <a:rPr lang="en-US" dirty="0">
-                <a:latin typeface="Arial" panose="020B0604020202020204" pitchFamily="34" charset="0"/>
-                <a:cs typeface="Arial" panose="020B0604020202020204" pitchFamily="34" charset="0"/>
-              </a:rPr>
-              <a:t> </a:t>
-            </a:r>
-            <a:r>
-              <a:rPr lang="en-US" dirty="0" err="1">
-                <a:latin typeface="Arial" panose="020B0604020202020204" pitchFamily="34" charset="0"/>
-                <a:cs typeface="Arial" panose="020B0604020202020204" pitchFamily="34" charset="0"/>
-              </a:rPr>
-              <a:t>ossze</a:t>
-            </a:r>
-            <a:r>
-              <a:rPr lang="en-US" dirty="0">
-                <a:latin typeface="Arial" panose="020B0604020202020204" pitchFamily="34" charset="0"/>
-                <a:cs typeface="Arial" panose="020B0604020202020204" pitchFamily="34" charset="0"/>
-              </a:rPr>
-              <a:t> </a:t>
-            </a:r>
-            <a:r>
-              <a:rPr lang="en-US" dirty="0" err="1">
-                <a:latin typeface="Arial" panose="020B0604020202020204" pitchFamily="34" charset="0"/>
-                <a:cs typeface="Arial" panose="020B0604020202020204" pitchFamily="34" charset="0"/>
-              </a:rPr>
-              <a:t>szoktunk</a:t>
-            </a:r>
-            <a:r>
-              <a:rPr lang="en-US" dirty="0">
-                <a:latin typeface="Arial" panose="020B0604020202020204" pitchFamily="34" charset="0"/>
-                <a:cs typeface="Arial" panose="020B0604020202020204" pitchFamily="34" charset="0"/>
-              </a:rPr>
-              <a:t> </a:t>
-            </a:r>
-            <a:r>
-              <a:rPr lang="en-US" dirty="0" err="1">
-                <a:latin typeface="Arial" panose="020B0604020202020204" pitchFamily="34" charset="0"/>
-                <a:cs typeface="Arial" panose="020B0604020202020204" pitchFamily="34" charset="0"/>
-              </a:rPr>
-              <a:t>és</a:t>
-            </a:r>
-            <a:r>
-              <a:rPr lang="en-US" dirty="0">
-                <a:latin typeface="Arial" panose="020B0604020202020204" pitchFamily="34" charset="0"/>
-                <a:cs typeface="Arial" panose="020B0604020202020204" pitchFamily="34" charset="0"/>
-              </a:rPr>
-              <a:t> </a:t>
-            </a:r>
-            <a:r>
-              <a:rPr lang="en-US" dirty="0" err="1">
-                <a:latin typeface="Arial" panose="020B0604020202020204" pitchFamily="34" charset="0"/>
-                <a:cs typeface="Arial" panose="020B0604020202020204" pitchFamily="34" charset="0"/>
-              </a:rPr>
-              <a:t>ertettük</a:t>
-            </a:r>
-            <a:r>
-              <a:rPr lang="en-US" dirty="0">
-                <a:latin typeface="Arial" panose="020B0604020202020204" pitchFamily="34" charset="0"/>
-                <a:cs typeface="Arial" panose="020B0604020202020204" pitchFamily="34" charset="0"/>
-              </a:rPr>
-              <a:t> </a:t>
-            </a:r>
-            <a:r>
-              <a:rPr lang="en-US" dirty="0" err="1">
-                <a:latin typeface="Arial" panose="020B0604020202020204" pitchFamily="34" charset="0"/>
-                <a:cs typeface="Arial" panose="020B0604020202020204" pitchFamily="34" charset="0"/>
-              </a:rPr>
-              <a:t>egymást</a:t>
-            </a:r>
-            <a:r>
-              <a:rPr lang="en-US" dirty="0">
-                <a:latin typeface="Arial" panose="020B0604020202020204" pitchFamily="34" charset="0"/>
-                <a:cs typeface="Arial" panose="020B0604020202020204" pitchFamily="34" charset="0"/>
-              </a:rPr>
-              <a:t>.</a:t>
-            </a:r>
-          </a:p>
-          <a:p>
-            <a:r>
-              <a:rPr lang="en-US" dirty="0">
-                <a:latin typeface="Arial" panose="020B0604020202020204" pitchFamily="34" charset="0"/>
-                <a:cs typeface="Arial" panose="020B0604020202020204" pitchFamily="34" charset="0"/>
-              </a:rPr>
-              <a:t>A </a:t>
-            </a:r>
-            <a:r>
-              <a:rPr lang="en-US" dirty="0" err="1">
-                <a:latin typeface="Arial" panose="020B0604020202020204" pitchFamily="34" charset="0"/>
-                <a:cs typeface="Arial" panose="020B0604020202020204" pitchFamily="34" charset="0"/>
-              </a:rPr>
-              <a:t>feladatomat</a:t>
-            </a:r>
-            <a:r>
-              <a:rPr lang="en-US" dirty="0">
-                <a:latin typeface="Arial" panose="020B0604020202020204" pitchFamily="34" charset="0"/>
-                <a:cs typeface="Arial" panose="020B0604020202020204" pitchFamily="34" charset="0"/>
-              </a:rPr>
-              <a:t> </a:t>
-            </a:r>
-            <a:r>
-              <a:rPr lang="en-US" dirty="0" err="1">
-                <a:latin typeface="Arial" panose="020B0604020202020204" pitchFamily="34" charset="0"/>
-                <a:cs typeface="Arial" panose="020B0604020202020204" pitchFamily="34" charset="0"/>
-              </a:rPr>
-              <a:t>viszonylag</a:t>
-            </a:r>
-            <a:r>
-              <a:rPr lang="en-US" dirty="0">
-                <a:latin typeface="Arial" panose="020B0604020202020204" pitchFamily="34" charset="0"/>
-                <a:cs typeface="Arial" panose="020B0604020202020204" pitchFamily="34" charset="0"/>
-              </a:rPr>
-              <a:t> </a:t>
-            </a:r>
-            <a:r>
-              <a:rPr lang="en-US" dirty="0" err="1">
-                <a:latin typeface="Arial" panose="020B0604020202020204" pitchFamily="34" charset="0"/>
-                <a:cs typeface="Arial" panose="020B0604020202020204" pitchFamily="34" charset="0"/>
-              </a:rPr>
-              <a:t>sikeresen</a:t>
-            </a:r>
-            <a:r>
-              <a:rPr lang="en-US" dirty="0">
-                <a:latin typeface="Arial" panose="020B0604020202020204" pitchFamily="34" charset="0"/>
-                <a:cs typeface="Arial" panose="020B0604020202020204" pitchFamily="34" charset="0"/>
-              </a:rPr>
-              <a:t> </a:t>
-            </a:r>
-            <a:r>
-              <a:rPr lang="en-US" dirty="0" err="1">
-                <a:latin typeface="Arial" panose="020B0604020202020204" pitchFamily="34" charset="0"/>
-                <a:cs typeface="Arial" panose="020B0604020202020204" pitchFamily="34" charset="0"/>
-              </a:rPr>
-              <a:t>elvégeztem</a:t>
-            </a:r>
-            <a:r>
-              <a:rPr lang="en-US" dirty="0">
-                <a:latin typeface="Arial" panose="020B0604020202020204" pitchFamily="34" charset="0"/>
-                <a:cs typeface="Arial" panose="020B0604020202020204" pitchFamily="34" charset="0"/>
-              </a:rPr>
-              <a:t>, </a:t>
-            </a:r>
-            <a:r>
-              <a:rPr lang="en-US" dirty="0" err="1">
-                <a:latin typeface="Arial" panose="020B0604020202020204" pitchFamily="34" charset="0"/>
-                <a:cs typeface="Arial" panose="020B0604020202020204" pitchFamily="34" charset="0"/>
-              </a:rPr>
-              <a:t>néha</a:t>
-            </a:r>
-            <a:r>
-              <a:rPr lang="en-US" dirty="0">
-                <a:latin typeface="Arial" panose="020B0604020202020204" pitchFamily="34" charset="0"/>
-                <a:cs typeface="Arial" panose="020B0604020202020204" pitchFamily="34" charset="0"/>
-              </a:rPr>
-              <a:t> </a:t>
-            </a:r>
-            <a:r>
-              <a:rPr lang="en-US" dirty="0" err="1">
-                <a:latin typeface="Arial" panose="020B0604020202020204" pitchFamily="34" charset="0"/>
-                <a:cs typeface="Arial" panose="020B0604020202020204" pitchFamily="34" charset="0"/>
-              </a:rPr>
-              <a:t>sok</a:t>
-            </a:r>
-            <a:r>
-              <a:rPr lang="en-US" dirty="0">
-                <a:latin typeface="Arial" panose="020B0604020202020204" pitchFamily="34" charset="0"/>
-                <a:cs typeface="Arial" panose="020B0604020202020204" pitchFamily="34" charset="0"/>
-              </a:rPr>
-              <a:t> </a:t>
-            </a:r>
-            <a:r>
-              <a:rPr lang="en-US" dirty="0" err="1">
-                <a:latin typeface="Arial" panose="020B0604020202020204" pitchFamily="34" charset="0"/>
-                <a:cs typeface="Arial" panose="020B0604020202020204" pitchFamily="34" charset="0"/>
-              </a:rPr>
-              <a:t>nehezséggel</a:t>
-            </a:r>
-            <a:r>
-              <a:rPr lang="en-US" dirty="0">
-                <a:latin typeface="Arial" panose="020B0604020202020204" pitchFamily="34" charset="0"/>
-                <a:cs typeface="Arial" panose="020B0604020202020204" pitchFamily="34" charset="0"/>
-              </a:rPr>
-              <a:t>. </a:t>
-            </a:r>
-          </a:p>
-          <a:p>
-            <a:r>
-              <a:rPr lang="en-US" dirty="0" err="1">
-                <a:latin typeface="Arial" panose="020B0604020202020204" pitchFamily="34" charset="0"/>
-                <a:cs typeface="Arial" panose="020B0604020202020204" pitchFamily="34" charset="0"/>
-              </a:rPr>
-              <a:t>Összeségében</a:t>
-            </a:r>
-            <a:r>
-              <a:rPr lang="en-US" dirty="0">
-                <a:latin typeface="Arial" panose="020B0604020202020204" pitchFamily="34" charset="0"/>
-                <a:cs typeface="Arial" panose="020B0604020202020204" pitchFamily="34" charset="0"/>
-              </a:rPr>
-              <a:t> a </a:t>
-            </a:r>
-            <a:r>
-              <a:rPr lang="en-US" dirty="0" err="1">
-                <a:latin typeface="Arial" panose="020B0604020202020204" pitchFamily="34" charset="0"/>
-                <a:cs typeface="Arial" panose="020B0604020202020204" pitchFamily="34" charset="0"/>
-              </a:rPr>
-              <a:t>csapatmunka</a:t>
-            </a:r>
-            <a:r>
-              <a:rPr lang="en-US" dirty="0">
-                <a:latin typeface="Arial" panose="020B0604020202020204" pitchFamily="34" charset="0"/>
-                <a:cs typeface="Arial" panose="020B0604020202020204" pitchFamily="34" charset="0"/>
-              </a:rPr>
-              <a:t> </a:t>
-            </a:r>
-            <a:r>
-              <a:rPr lang="en-US" dirty="0" err="1">
-                <a:latin typeface="Arial" panose="020B0604020202020204" pitchFamily="34" charset="0"/>
-                <a:cs typeface="Arial" panose="020B0604020202020204" pitchFamily="34" charset="0"/>
-              </a:rPr>
-              <a:t>jól</a:t>
-            </a:r>
-            <a:r>
-              <a:rPr lang="en-US" dirty="0">
-                <a:latin typeface="Arial" panose="020B0604020202020204" pitchFamily="34" charset="0"/>
-                <a:cs typeface="Arial" panose="020B0604020202020204" pitchFamily="34" charset="0"/>
-              </a:rPr>
-              <a:t> </a:t>
-            </a:r>
-            <a:r>
-              <a:rPr lang="en-US" dirty="0" err="1">
-                <a:latin typeface="Arial" panose="020B0604020202020204" pitchFamily="34" charset="0"/>
-                <a:cs typeface="Arial" panose="020B0604020202020204" pitchFamily="34" charset="0"/>
-              </a:rPr>
-              <a:t>ment</a:t>
-            </a:r>
-            <a:r>
-              <a:rPr lang="en-US" dirty="0">
-                <a:latin typeface="Arial" panose="020B0604020202020204" pitchFamily="34" charset="0"/>
-                <a:cs typeface="Arial" panose="020B0604020202020204" pitchFamily="34" charset="0"/>
-              </a:rPr>
-              <a:t>. a </a:t>
-            </a:r>
-            <a:r>
-              <a:rPr lang="en-US" dirty="0" err="1">
-                <a:latin typeface="Arial" panose="020B0604020202020204" pitchFamily="34" charset="0"/>
-                <a:cs typeface="Arial" panose="020B0604020202020204" pitchFamily="34" charset="0"/>
-              </a:rPr>
-              <a:t>végere</a:t>
-            </a:r>
-            <a:r>
-              <a:rPr lang="en-US" dirty="0">
-                <a:latin typeface="Arial" panose="020B0604020202020204" pitchFamily="34" charset="0"/>
-                <a:cs typeface="Arial" panose="020B0604020202020204" pitchFamily="34" charset="0"/>
-              </a:rPr>
-              <a:t> </a:t>
-            </a:r>
-            <a:r>
-              <a:rPr lang="en-US" dirty="0" err="1">
-                <a:latin typeface="Arial" panose="020B0604020202020204" pitchFamily="34" charset="0"/>
-                <a:cs typeface="Arial" panose="020B0604020202020204" pitchFamily="34" charset="0"/>
-              </a:rPr>
-              <a:t>nagyon</a:t>
-            </a:r>
-            <a:r>
-              <a:rPr lang="en-US" dirty="0">
-                <a:latin typeface="Arial" panose="020B0604020202020204" pitchFamily="34" charset="0"/>
-                <a:cs typeface="Arial" panose="020B0604020202020204" pitchFamily="34" charset="0"/>
-              </a:rPr>
-              <a:t> </a:t>
-            </a:r>
-            <a:r>
-              <a:rPr lang="en-US" dirty="0" err="1">
-                <a:latin typeface="Arial" panose="020B0604020202020204" pitchFamily="34" charset="0"/>
-                <a:cs typeface="Arial" panose="020B0604020202020204" pitchFamily="34" charset="0"/>
-              </a:rPr>
-              <a:t>össze</a:t>
-            </a:r>
-            <a:r>
-              <a:rPr lang="en-US" dirty="0">
-                <a:latin typeface="Arial" panose="020B0604020202020204" pitchFamily="34" charset="0"/>
-                <a:cs typeface="Arial" panose="020B0604020202020204" pitchFamily="34" charset="0"/>
-              </a:rPr>
-              <a:t> </a:t>
-            </a:r>
-            <a:r>
-              <a:rPr lang="en-US" dirty="0" err="1">
-                <a:latin typeface="Arial" panose="020B0604020202020204" pitchFamily="34" charset="0"/>
-                <a:cs typeface="Arial" panose="020B0604020202020204" pitchFamily="34" charset="0"/>
-              </a:rPr>
-              <a:t>hangolódtunk</a:t>
-            </a:r>
-            <a:endParaRPr lang="en-US" dirty="0">
-              <a:latin typeface="Arial" panose="020B0604020202020204" pitchFamily="34" charset="0"/>
-              <a:cs typeface="Arial" panose="020B0604020202020204" pitchFamily="34" charset="0"/>
-            </a:endParaRPr>
-          </a:p>
-        </p:txBody>
-      </p:sp>
+          <p:cNvPicPr>
+            <a:picLocks noChangeAspect="1" noChangeArrowheads="1"/>
+          </p:cNvPicPr>
+          <p:nvPr/>
+        </p:nvPicPr>
+        <p:blipFill>
+          <a:blip r:embed="rId3">
+            <a:extLst>
+              <a:ext uri="{28A0092B-C50C-407E-A947-70E740481C1C}">
+                <a14:useLocalDpi xmlns:a14="http://schemas.microsoft.com/office/drawing/2010/main" val="0"/>
+              </a:ext>
+            </a:extLst>
+          </a:blip>
+          <a:srcRect/>
+          <a:stretch>
+            <a:fillRect/>
+          </a:stretch>
+        </p:blipFill>
+        <p:spPr bwMode="auto">
+          <a:xfrm>
+            <a:off x="6122394" y="2649627"/>
+            <a:ext cx="5289971" cy="3817505"/>
+          </a:xfrm>
+          <a:prstGeom prst="rect">
+            <a:avLst/>
+          </a:prstGeom>
+          <a:noFill/>
+          <a:extLst>
+            <a:ext uri="{909E8E84-426E-40DD-AFC4-6F175D3DCCD1}">
+              <a14:hiddenFill xmlns:a14="http://schemas.microsoft.com/office/drawing/2010/main">
+                <a:solidFill>
+                  <a:srgbClr val="FFFFFF"/>
+                </a:solidFill>
+              </a14:hiddenFill>
+            </a:ext>
+          </a:extLst>
+        </p:spPr>
+      </p:pic>
     </p:spTree>
     <p:extLst>
       <p:ext uri="{BB962C8B-B14F-4D97-AF65-F5344CB8AC3E}">
-        <p14:creationId xmlns:p14="http://schemas.microsoft.com/office/powerpoint/2010/main" val="1037935441"/>
+        <p14:creationId xmlns:p14="http://schemas.microsoft.com/office/powerpoint/2010/main" val="1176625545"/>
       </p:ext>
     </p:extLst>
   </p:cSld>
@@ -3818,110 +3747,226 @@
       </p:grpSpPr>
       <p:sp>
         <p:nvSpPr>
-          <p:cNvPr id="2" name="Title 1">
+          <p:cNvPr id="2" name="Cím 1"/>
+          <p:cNvSpPr>
+            <a:spLocks noGrp="1"/>
+          </p:cNvSpPr>
+          <p:nvPr>
+            <p:ph type="title"/>
+          </p:nvPr>
+        </p:nvSpPr>
+        <p:spPr/>
+        <p:txBody>
+          <a:bodyPr/>
+          <a:lstStyle/>
+          <a:p>
+            <a:r>
+              <a:rPr lang="en-US" dirty="0" err="1">
+                <a:latin typeface="Arial" panose="020B0604020202020204" pitchFamily="34" charset="0"/>
+                <a:cs typeface="Arial" panose="020B0604020202020204" pitchFamily="34" charset="0"/>
+              </a:rPr>
+              <a:t>Oldal</a:t>
+            </a:r>
+            <a:r>
+              <a:rPr lang="en-US" dirty="0">
+                <a:latin typeface="Arial" panose="020B0604020202020204" pitchFamily="34" charset="0"/>
+                <a:cs typeface="Arial" panose="020B0604020202020204" pitchFamily="34" charset="0"/>
+              </a:rPr>
+              <a:t> design</a:t>
+            </a:r>
+            <a:endParaRPr lang="hu-HU" dirty="0">
+              <a:latin typeface="Arial" panose="020B0604020202020204" pitchFamily="34" charset="0"/>
+              <a:cs typeface="Arial" panose="020B0604020202020204" pitchFamily="34" charset="0"/>
+            </a:endParaRPr>
+          </a:p>
+        </p:txBody>
+      </p:sp>
+      <p:sp>
+        <p:nvSpPr>
+          <p:cNvPr id="3" name="Tartalom helye 2"/>
+          <p:cNvSpPr>
+            <a:spLocks noGrp="1"/>
+          </p:cNvSpPr>
+          <p:nvPr>
+            <p:ph idx="1"/>
+          </p:nvPr>
+        </p:nvSpPr>
+        <p:spPr/>
+        <p:txBody>
+          <a:bodyPr/>
+          <a:lstStyle/>
+          <a:p>
+            <a:pPr marL="0" indent="0" algn="ctr">
+              <a:buNone/>
+            </a:pPr>
+            <a:r>
+              <a:rPr lang="en-US" dirty="0" err="1">
+                <a:latin typeface="Arial" panose="020B0604020202020204" pitchFamily="34" charset="0"/>
+                <a:cs typeface="Arial" panose="020B0604020202020204" pitchFamily="34" charset="0"/>
+              </a:rPr>
+              <a:t>Ezután</a:t>
+            </a:r>
+            <a:r>
+              <a:rPr lang="en-US" dirty="0">
+                <a:latin typeface="Arial" panose="020B0604020202020204" pitchFamily="34" charset="0"/>
+                <a:cs typeface="Arial" panose="020B0604020202020204" pitchFamily="34" charset="0"/>
+              </a:rPr>
+              <a:t> Figma-ban </a:t>
+            </a:r>
+            <a:r>
+              <a:rPr lang="en-US" dirty="0" err="1">
+                <a:latin typeface="Arial" panose="020B0604020202020204" pitchFamily="34" charset="0"/>
+                <a:cs typeface="Arial" panose="020B0604020202020204" pitchFamily="34" charset="0"/>
+              </a:rPr>
+              <a:t>készítettük</a:t>
+            </a:r>
+            <a:r>
+              <a:rPr lang="en-US" dirty="0">
+                <a:latin typeface="Arial" panose="020B0604020202020204" pitchFamily="34" charset="0"/>
+                <a:cs typeface="Arial" panose="020B0604020202020204" pitchFamily="34" charset="0"/>
+              </a:rPr>
+              <a:t> </a:t>
+            </a:r>
+            <a:r>
+              <a:rPr lang="en-US" dirty="0" err="1">
+                <a:latin typeface="Arial" panose="020B0604020202020204" pitchFamily="34" charset="0"/>
+                <a:cs typeface="Arial" panose="020B0604020202020204" pitchFamily="34" charset="0"/>
+              </a:rPr>
+              <a:t>az</a:t>
+            </a:r>
+            <a:r>
+              <a:rPr lang="en-US" dirty="0">
+                <a:latin typeface="Arial" panose="020B0604020202020204" pitchFamily="34" charset="0"/>
+                <a:cs typeface="Arial" panose="020B0604020202020204" pitchFamily="34" charset="0"/>
+              </a:rPr>
+              <a:t> </a:t>
+            </a:r>
+            <a:r>
+              <a:rPr lang="en-US" dirty="0" err="1">
+                <a:latin typeface="Arial" panose="020B0604020202020204" pitchFamily="34" charset="0"/>
+                <a:cs typeface="Arial" panose="020B0604020202020204" pitchFamily="34" charset="0"/>
+              </a:rPr>
+              <a:t>oldal</a:t>
+            </a:r>
+            <a:r>
+              <a:rPr lang="en-US" dirty="0">
+                <a:latin typeface="Arial" panose="020B0604020202020204" pitchFamily="34" charset="0"/>
+                <a:cs typeface="Arial" panose="020B0604020202020204" pitchFamily="34" charset="0"/>
+              </a:rPr>
+              <a:t> </a:t>
+            </a:r>
+            <a:r>
+              <a:rPr lang="en-US" dirty="0" err="1">
+                <a:latin typeface="Arial" panose="020B0604020202020204" pitchFamily="34" charset="0"/>
+                <a:cs typeface="Arial" panose="020B0604020202020204" pitchFamily="34" charset="0"/>
+              </a:rPr>
+              <a:t>sablonjait</a:t>
+            </a:r>
+            <a:endParaRPr lang="hu-HU" dirty="0">
+              <a:latin typeface="Arial" panose="020B0604020202020204" pitchFamily="34" charset="0"/>
+              <a:cs typeface="Arial" panose="020B0604020202020204" pitchFamily="34" charset="0"/>
+            </a:endParaRPr>
+          </a:p>
+        </p:txBody>
+      </p:sp>
+      <p:pic>
+        <p:nvPicPr>
+          <p:cNvPr id="6146" name="Picture 2">
             <a:extLst>
               <a:ext uri="{FF2B5EF4-FFF2-40B4-BE49-F238E27FC236}">
-                <a16:creationId xmlns:a16="http://schemas.microsoft.com/office/drawing/2014/main" id="{EC5B04F0-763D-039E-C2E8-A315B4DE6926}"/>
+                <a16:creationId xmlns:a16="http://schemas.microsoft.com/office/drawing/2014/main" id="{DB3FF0F4-C459-BD46-23EC-682406C822C0}"/>
               </a:ext>
             </a:extLst>
           </p:cNvPr>
-          <p:cNvSpPr>
-            <a:spLocks noGrp="1"/>
-          </p:cNvSpPr>
-          <p:nvPr>
-            <p:ph type="title"/>
-          </p:nvPr>
-        </p:nvSpPr>
-        <p:spPr/>
-        <p:txBody>
-          <a:bodyPr/>
-          <a:lstStyle/>
-          <a:p>
-            <a:r>
-              <a:rPr lang="en-US" dirty="0" err="1">
-                <a:latin typeface="Arial" panose="020B0604020202020204" pitchFamily="34" charset="0"/>
-                <a:cs typeface="Arial" panose="020B0604020202020204" pitchFamily="34" charset="0"/>
-              </a:rPr>
-              <a:t>Török</a:t>
-            </a:r>
-            <a:r>
-              <a:rPr lang="en-US" dirty="0">
-                <a:latin typeface="Arial" panose="020B0604020202020204" pitchFamily="34" charset="0"/>
-                <a:cs typeface="Arial" panose="020B0604020202020204" pitchFamily="34" charset="0"/>
-              </a:rPr>
-              <a:t> </a:t>
-            </a:r>
-            <a:r>
-              <a:rPr lang="en-US" dirty="0" err="1">
-                <a:latin typeface="Arial" panose="020B0604020202020204" pitchFamily="34" charset="0"/>
-                <a:cs typeface="Arial" panose="020B0604020202020204" pitchFamily="34" charset="0"/>
-              </a:rPr>
-              <a:t>Péter</a:t>
-            </a:r>
-            <a:endParaRPr lang="en-US" dirty="0">
-              <a:latin typeface="Arial" panose="020B0604020202020204" pitchFamily="34" charset="0"/>
-              <a:cs typeface="Arial" panose="020B0604020202020204" pitchFamily="34" charset="0"/>
-            </a:endParaRPr>
-          </a:p>
-        </p:txBody>
-      </p:sp>
-      <p:sp>
-        <p:nvSpPr>
-          <p:cNvPr id="3" name="Content Placeholder 2">
+          <p:cNvPicPr>
+            <a:picLocks noChangeAspect="1" noChangeArrowheads="1"/>
+          </p:cNvPicPr>
+          <p:nvPr/>
+        </p:nvPicPr>
+        <p:blipFill>
+          <a:blip r:embed="rId2">
+            <a:extLst>
+              <a:ext uri="{28A0092B-C50C-407E-A947-70E740481C1C}">
+                <a14:useLocalDpi xmlns:a14="http://schemas.microsoft.com/office/drawing/2010/main" val="0"/>
+              </a:ext>
+            </a:extLst>
+          </a:blip>
+          <a:srcRect/>
+          <a:stretch>
+            <a:fillRect/>
+          </a:stretch>
+        </p:blipFill>
+        <p:spPr bwMode="auto">
+          <a:xfrm>
+            <a:off x="571232" y="2654998"/>
+            <a:ext cx="5214270" cy="3769510"/>
+          </a:xfrm>
+          <a:prstGeom prst="rect">
+            <a:avLst/>
+          </a:prstGeom>
+          <a:noFill/>
+          <a:extLst>
+            <a:ext uri="{909E8E84-426E-40DD-AFC4-6F175D3DCCD1}">
+              <a14:hiddenFill xmlns:a14="http://schemas.microsoft.com/office/drawing/2010/main">
+                <a:solidFill>
+                  <a:srgbClr val="FFFFFF"/>
+                </a:solidFill>
+              </a14:hiddenFill>
+            </a:ext>
+          </a:extLst>
+        </p:spPr>
+      </p:pic>
+      <p:pic>
+        <p:nvPicPr>
+          <p:cNvPr id="6148" name="Picture 4">
             <a:extLst>
               <a:ext uri="{FF2B5EF4-FFF2-40B4-BE49-F238E27FC236}">
-                <a16:creationId xmlns:a16="http://schemas.microsoft.com/office/drawing/2014/main" id="{E49BB02E-E330-60F3-DB9A-6423564E0BE3}"/>
+                <a16:creationId xmlns:a16="http://schemas.microsoft.com/office/drawing/2014/main" id="{1D695863-DE48-CBB7-7FED-E074E567CE69}"/>
               </a:ext>
             </a:extLst>
           </p:cNvPr>
-          <p:cNvSpPr>
-            <a:spLocks noGrp="1"/>
-          </p:cNvSpPr>
-          <p:nvPr>
-            <p:ph idx="1"/>
-          </p:nvPr>
-        </p:nvSpPr>
-        <p:spPr/>
-        <p:txBody>
-          <a:bodyPr/>
-          <a:lstStyle/>
-          <a:p>
-            <a:r>
-              <a:rPr lang="hu-HU" dirty="0">
-                <a:latin typeface="Arial" panose="020B0604020202020204" pitchFamily="34" charset="0"/>
-                <a:cs typeface="Arial" panose="020B0604020202020204" pitchFamily="34" charset="0"/>
-              </a:rPr>
-              <a:t>Eleinte a munka nehezen indult el, voltak nehézségek illetve akadályok</a:t>
-            </a:r>
-          </a:p>
-          <a:p>
-            <a:r>
-              <a:rPr lang="hu-HU" dirty="0">
-                <a:latin typeface="Arial" panose="020B0604020202020204" pitchFamily="34" charset="0"/>
-                <a:cs typeface="Arial" panose="020B0604020202020204" pitchFamily="34" charset="0"/>
-              </a:rPr>
-              <a:t>Nekem kiosztott feladatokat sikerült elvégeznem szerintem</a:t>
-            </a:r>
-          </a:p>
-          <a:p>
-            <a:r>
-              <a:rPr lang="hu-HU" dirty="0">
-                <a:latin typeface="Arial" panose="020B0604020202020204" pitchFamily="34" charset="0"/>
-                <a:cs typeface="Arial" panose="020B0604020202020204" pitchFamily="34" charset="0"/>
-              </a:rPr>
-              <a:t>Az én feladatom a Főoldal illetve a Blog megvalósítása</a:t>
-            </a:r>
-            <a:endParaRPr lang="en-US" dirty="0">
-              <a:latin typeface="Arial" panose="020B0604020202020204" pitchFamily="34" charset="0"/>
-              <a:cs typeface="Arial" panose="020B0604020202020204" pitchFamily="34" charset="0"/>
-            </a:endParaRPr>
-          </a:p>
-        </p:txBody>
-      </p:sp>
+          <p:cNvPicPr>
+            <a:picLocks noChangeAspect="1" noChangeArrowheads="1"/>
+          </p:cNvPicPr>
+          <p:nvPr/>
+        </p:nvPicPr>
+        <p:blipFill>
+          <a:blip r:embed="rId3">
+            <a:extLst>
+              <a:ext uri="{28A0092B-C50C-407E-A947-70E740481C1C}">
+                <a14:useLocalDpi xmlns:a14="http://schemas.microsoft.com/office/drawing/2010/main" val="0"/>
+              </a:ext>
+            </a:extLst>
+          </a:blip>
+          <a:srcRect/>
+          <a:stretch>
+            <a:fillRect/>
+          </a:stretch>
+        </p:blipFill>
+        <p:spPr bwMode="auto">
+          <a:xfrm>
+            <a:off x="6052470" y="2654998"/>
+            <a:ext cx="5185605" cy="3769510"/>
+          </a:xfrm>
+          <a:prstGeom prst="rect">
+            <a:avLst/>
+          </a:prstGeom>
+          <a:noFill/>
+          <a:extLst>
+            <a:ext uri="{909E8E84-426E-40DD-AFC4-6F175D3DCCD1}">
+              <a14:hiddenFill xmlns:a14="http://schemas.microsoft.com/office/drawing/2010/main">
+                <a:solidFill>
+                  <a:srgbClr val="FFFFFF"/>
+                </a:solidFill>
+              </a14:hiddenFill>
+            </a:ext>
+          </a:extLst>
+        </p:spPr>
+      </p:pic>
     </p:spTree>
     <p:extLst>
       <p:ext uri="{BB962C8B-B14F-4D97-AF65-F5344CB8AC3E}">
-        <p14:creationId xmlns:p14="http://schemas.microsoft.com/office/powerpoint/2010/main" val="3874125964"/>
+        <p14:creationId xmlns:p14="http://schemas.microsoft.com/office/powerpoint/2010/main" val="2104121527"/>
       </p:ext>
     </p:extLst>
   </p:cSld>
@@ -3950,232 +3995,179 @@
       </p:grpSpPr>
       <p:sp>
         <p:nvSpPr>
-          <p:cNvPr id="2" name="Title 1">
+          <p:cNvPr id="2" name="Cím 1"/>
+          <p:cNvSpPr>
+            <a:spLocks noGrp="1"/>
+          </p:cNvSpPr>
+          <p:nvPr>
+            <p:ph type="title"/>
+          </p:nvPr>
+        </p:nvSpPr>
+        <p:spPr/>
+        <p:txBody>
+          <a:bodyPr/>
+          <a:lstStyle/>
+          <a:p>
+            <a:r>
+              <a:rPr lang="en-US" dirty="0" err="1">
+                <a:latin typeface="Arial" panose="020B0604020202020204" pitchFamily="34" charset="0"/>
+                <a:cs typeface="Arial" panose="020B0604020202020204" pitchFamily="34" charset="0"/>
+              </a:rPr>
+              <a:t>Oldal</a:t>
+            </a:r>
+            <a:r>
+              <a:rPr lang="en-US" dirty="0">
+                <a:latin typeface="Arial" panose="020B0604020202020204" pitchFamily="34" charset="0"/>
+                <a:cs typeface="Arial" panose="020B0604020202020204" pitchFamily="34" charset="0"/>
+              </a:rPr>
+              <a:t> design</a:t>
+            </a:r>
+            <a:endParaRPr lang="hu-HU" dirty="0">
+              <a:latin typeface="Arial" panose="020B0604020202020204" pitchFamily="34" charset="0"/>
+              <a:cs typeface="Arial" panose="020B0604020202020204" pitchFamily="34" charset="0"/>
+            </a:endParaRPr>
+          </a:p>
+        </p:txBody>
+      </p:sp>
+      <p:sp>
+        <p:nvSpPr>
+          <p:cNvPr id="3" name="Tartalom helye 2"/>
+          <p:cNvSpPr>
+            <a:spLocks noGrp="1"/>
+          </p:cNvSpPr>
+          <p:nvPr>
+            <p:ph idx="1"/>
+          </p:nvPr>
+        </p:nvSpPr>
+        <p:spPr/>
+        <p:txBody>
+          <a:bodyPr/>
+          <a:lstStyle/>
+          <a:p>
+            <a:pPr marL="0" indent="0" algn="ctr">
+              <a:buNone/>
+            </a:pPr>
+            <a:r>
+              <a:rPr lang="en-US" dirty="0" err="1">
+                <a:latin typeface="Arial" panose="020B0604020202020204" pitchFamily="34" charset="0"/>
+                <a:cs typeface="Arial" panose="020B0604020202020204" pitchFamily="34" charset="0"/>
+              </a:rPr>
+              <a:t>Ezután</a:t>
+            </a:r>
+            <a:r>
+              <a:rPr lang="en-US" dirty="0">
+                <a:latin typeface="Arial" panose="020B0604020202020204" pitchFamily="34" charset="0"/>
+                <a:cs typeface="Arial" panose="020B0604020202020204" pitchFamily="34" charset="0"/>
+              </a:rPr>
+              <a:t> Figma-ban </a:t>
+            </a:r>
+            <a:r>
+              <a:rPr lang="en-US" dirty="0" err="1">
+                <a:latin typeface="Arial" panose="020B0604020202020204" pitchFamily="34" charset="0"/>
+                <a:cs typeface="Arial" panose="020B0604020202020204" pitchFamily="34" charset="0"/>
+              </a:rPr>
+              <a:t>készítettük</a:t>
+            </a:r>
+            <a:r>
+              <a:rPr lang="en-US" dirty="0">
+                <a:latin typeface="Arial" panose="020B0604020202020204" pitchFamily="34" charset="0"/>
+                <a:cs typeface="Arial" panose="020B0604020202020204" pitchFamily="34" charset="0"/>
+              </a:rPr>
+              <a:t> </a:t>
+            </a:r>
+            <a:r>
+              <a:rPr lang="en-US" dirty="0" err="1">
+                <a:latin typeface="Arial" panose="020B0604020202020204" pitchFamily="34" charset="0"/>
+                <a:cs typeface="Arial" panose="020B0604020202020204" pitchFamily="34" charset="0"/>
+              </a:rPr>
+              <a:t>az</a:t>
+            </a:r>
+            <a:r>
+              <a:rPr lang="en-US" dirty="0">
+                <a:latin typeface="Arial" panose="020B0604020202020204" pitchFamily="34" charset="0"/>
+                <a:cs typeface="Arial" panose="020B0604020202020204" pitchFamily="34" charset="0"/>
+              </a:rPr>
+              <a:t> </a:t>
+            </a:r>
+            <a:r>
+              <a:rPr lang="en-US" dirty="0" err="1">
+                <a:latin typeface="Arial" panose="020B0604020202020204" pitchFamily="34" charset="0"/>
+                <a:cs typeface="Arial" panose="020B0604020202020204" pitchFamily="34" charset="0"/>
+              </a:rPr>
+              <a:t>oldal</a:t>
+            </a:r>
+            <a:r>
+              <a:rPr lang="en-US" dirty="0">
+                <a:latin typeface="Arial" panose="020B0604020202020204" pitchFamily="34" charset="0"/>
+                <a:cs typeface="Arial" panose="020B0604020202020204" pitchFamily="34" charset="0"/>
+              </a:rPr>
+              <a:t> </a:t>
+            </a:r>
+            <a:r>
+              <a:rPr lang="en-US" dirty="0" err="1">
+                <a:latin typeface="Arial" panose="020B0604020202020204" pitchFamily="34" charset="0"/>
+                <a:cs typeface="Arial" panose="020B0604020202020204" pitchFamily="34" charset="0"/>
+              </a:rPr>
+              <a:t>sablonjait</a:t>
+            </a:r>
+            <a:endParaRPr lang="hu-HU" dirty="0">
+              <a:latin typeface="Arial" panose="020B0604020202020204" pitchFamily="34" charset="0"/>
+              <a:cs typeface="Arial" panose="020B0604020202020204" pitchFamily="34" charset="0"/>
+            </a:endParaRPr>
+          </a:p>
+        </p:txBody>
+      </p:sp>
+      <p:pic>
+        <p:nvPicPr>
+          <p:cNvPr id="7170" name="Picture 2">
             <a:extLst>
               <a:ext uri="{FF2B5EF4-FFF2-40B4-BE49-F238E27FC236}">
-                <a16:creationId xmlns:a16="http://schemas.microsoft.com/office/drawing/2014/main" id="{713AE4D2-94C1-5010-B749-8FAAF4BE032C}"/>
+                <a16:creationId xmlns:a16="http://schemas.microsoft.com/office/drawing/2014/main" id="{5EA65AE5-C8AF-A96D-69C8-637EA47EA1D8}"/>
               </a:ext>
             </a:extLst>
           </p:cNvPr>
-          <p:cNvSpPr>
-            <a:spLocks noGrp="1"/>
-          </p:cNvSpPr>
-          <p:nvPr>
-            <p:ph type="title"/>
-          </p:nvPr>
-        </p:nvSpPr>
-        <p:spPr/>
-        <p:txBody>
-          <a:bodyPr/>
-          <a:lstStyle/>
-          <a:p>
-            <a:r>
-              <a:rPr lang="en-US" dirty="0">
-                <a:latin typeface="Arial" panose="020B0604020202020204" pitchFamily="34" charset="0"/>
-                <a:cs typeface="Arial" panose="020B0604020202020204" pitchFamily="34" charset="0"/>
-              </a:rPr>
-              <a:t>Vér Bence</a:t>
-            </a:r>
-          </a:p>
-        </p:txBody>
-      </p:sp>
-      <p:sp>
-        <p:nvSpPr>
-          <p:cNvPr id="3" name="Content Placeholder 2">
+          <p:cNvPicPr>
+            <a:picLocks noChangeAspect="1" noChangeArrowheads="1"/>
+          </p:cNvPicPr>
+          <p:nvPr/>
+        </p:nvPicPr>
+        <p:blipFill>
+          <a:blip r:embed="rId2">
             <a:extLst>
-              <a:ext uri="{FF2B5EF4-FFF2-40B4-BE49-F238E27FC236}">
-                <a16:creationId xmlns:a16="http://schemas.microsoft.com/office/drawing/2014/main" id="{CC8DBA58-CC8E-9B23-1A23-B919CBE84712}"/>
+              <a:ext uri="{28A0092B-C50C-407E-A947-70E740481C1C}">
+                <a14:useLocalDpi xmlns:a14="http://schemas.microsoft.com/office/drawing/2010/main" val="0"/>
               </a:ext>
             </a:extLst>
-          </p:cNvPr>
-          <p:cNvSpPr>
-            <a:spLocks noGrp="1"/>
-          </p:cNvSpPr>
-          <p:nvPr>
-            <p:ph idx="1"/>
-          </p:nvPr>
-        </p:nvSpPr>
-        <p:spPr/>
-        <p:txBody>
-          <a:bodyPr/>
-          <a:lstStyle/>
-          <a:p>
-            <a:r>
-              <a:rPr lang="en-US" dirty="0">
-                <a:latin typeface="Arial" panose="020B0604020202020204" pitchFamily="34" charset="0"/>
-                <a:cs typeface="Arial" panose="020B0604020202020204" pitchFamily="34" charset="0"/>
-              </a:rPr>
-              <a:t>A </a:t>
-            </a:r>
-            <a:r>
-              <a:rPr lang="en-US" dirty="0" err="1">
-                <a:latin typeface="Arial" panose="020B0604020202020204" pitchFamily="34" charset="0"/>
-                <a:cs typeface="Arial" panose="020B0604020202020204" pitchFamily="34" charset="0"/>
-              </a:rPr>
-              <a:t>szerszámkatalógus</a:t>
-            </a:r>
-            <a:r>
-              <a:rPr lang="en-US" dirty="0">
-                <a:latin typeface="Arial" panose="020B0604020202020204" pitchFamily="34" charset="0"/>
-                <a:cs typeface="Arial" panose="020B0604020202020204" pitchFamily="34" charset="0"/>
-              </a:rPr>
-              <a:t> </a:t>
-            </a:r>
-            <a:r>
-              <a:rPr lang="en-US" dirty="0" err="1">
-                <a:latin typeface="Arial" panose="020B0604020202020204" pitchFamily="34" charset="0"/>
-                <a:cs typeface="Arial" panose="020B0604020202020204" pitchFamily="34" charset="0"/>
-              </a:rPr>
-              <a:t>és</a:t>
-            </a:r>
-            <a:r>
-              <a:rPr lang="en-US" dirty="0">
-                <a:latin typeface="Arial" panose="020B0604020202020204" pitchFamily="34" charset="0"/>
-                <a:cs typeface="Arial" panose="020B0604020202020204" pitchFamily="34" charset="0"/>
-              </a:rPr>
-              <a:t> </a:t>
-            </a:r>
-            <a:r>
-              <a:rPr lang="en-US" dirty="0" err="1">
-                <a:latin typeface="Arial" panose="020B0604020202020204" pitchFamily="34" charset="0"/>
-                <a:cs typeface="Arial" panose="020B0604020202020204" pitchFamily="34" charset="0"/>
-              </a:rPr>
-              <a:t>festék</a:t>
-            </a:r>
-            <a:r>
-              <a:rPr lang="en-US" dirty="0">
-                <a:latin typeface="Arial" panose="020B0604020202020204" pitchFamily="34" charset="0"/>
-                <a:cs typeface="Arial" panose="020B0604020202020204" pitchFamily="34" charset="0"/>
-              </a:rPr>
-              <a:t> </a:t>
-            </a:r>
-            <a:r>
-              <a:rPr lang="en-US" dirty="0" err="1">
-                <a:latin typeface="Arial" panose="020B0604020202020204" pitchFamily="34" charset="0"/>
-                <a:cs typeface="Arial" panose="020B0604020202020204" pitchFamily="34" charset="0"/>
-              </a:rPr>
-              <a:t>oldalakért</a:t>
-            </a:r>
-            <a:r>
-              <a:rPr lang="en-US" dirty="0">
-                <a:latin typeface="Arial" panose="020B0604020202020204" pitchFamily="34" charset="0"/>
-                <a:cs typeface="Arial" panose="020B0604020202020204" pitchFamily="34" charset="0"/>
-              </a:rPr>
-              <a:t> </a:t>
-            </a:r>
-            <a:r>
-              <a:rPr lang="en-US" dirty="0" err="1">
-                <a:latin typeface="Arial" panose="020B0604020202020204" pitchFamily="34" charset="0"/>
-                <a:cs typeface="Arial" panose="020B0604020202020204" pitchFamily="34" charset="0"/>
-              </a:rPr>
-              <a:t>felelős</a:t>
-            </a:r>
-            <a:endParaRPr lang="en-US" dirty="0">
-              <a:latin typeface="Arial" panose="020B0604020202020204" pitchFamily="34" charset="0"/>
-              <a:cs typeface="Arial" panose="020B0604020202020204" pitchFamily="34" charset="0"/>
-            </a:endParaRPr>
-          </a:p>
-          <a:p>
-            <a:r>
-              <a:rPr lang="en-US" dirty="0">
-                <a:latin typeface="Arial" panose="020B0604020202020204" pitchFamily="34" charset="0"/>
-                <a:cs typeface="Arial" panose="020B0604020202020204" pitchFamily="34" charset="0"/>
-              </a:rPr>
-              <a:t>Az </a:t>
-            </a:r>
-            <a:r>
-              <a:rPr lang="en-US" dirty="0" err="1">
-                <a:latin typeface="Arial" panose="020B0604020202020204" pitchFamily="34" charset="0"/>
-                <a:cs typeface="Arial" panose="020B0604020202020204" pitchFamily="34" charset="0"/>
-              </a:rPr>
-              <a:t>elején</a:t>
-            </a:r>
-            <a:r>
-              <a:rPr lang="en-US" dirty="0">
-                <a:latin typeface="Arial" panose="020B0604020202020204" pitchFamily="34" charset="0"/>
-                <a:cs typeface="Arial" panose="020B0604020202020204" pitchFamily="34" charset="0"/>
-              </a:rPr>
-              <a:t> </a:t>
-            </a:r>
-            <a:r>
-              <a:rPr lang="en-US" dirty="0" err="1">
-                <a:latin typeface="Arial" panose="020B0604020202020204" pitchFamily="34" charset="0"/>
-                <a:cs typeface="Arial" panose="020B0604020202020204" pitchFamily="34" charset="0"/>
-              </a:rPr>
-              <a:t>voltak</a:t>
-            </a:r>
-            <a:r>
-              <a:rPr lang="en-US" dirty="0">
-                <a:latin typeface="Arial" panose="020B0604020202020204" pitchFamily="34" charset="0"/>
-                <a:cs typeface="Arial" panose="020B0604020202020204" pitchFamily="34" charset="0"/>
-              </a:rPr>
-              <a:t> </a:t>
-            </a:r>
-            <a:r>
-              <a:rPr lang="en-US" dirty="0" err="1">
-                <a:latin typeface="Arial" panose="020B0604020202020204" pitchFamily="34" charset="0"/>
-                <a:cs typeface="Arial" panose="020B0604020202020204" pitchFamily="34" charset="0"/>
-              </a:rPr>
-              <a:t>nagyobb</a:t>
-            </a:r>
-            <a:r>
-              <a:rPr lang="en-US" dirty="0">
-                <a:latin typeface="Arial" panose="020B0604020202020204" pitchFamily="34" charset="0"/>
-                <a:cs typeface="Arial" panose="020B0604020202020204" pitchFamily="34" charset="0"/>
-              </a:rPr>
-              <a:t> </a:t>
-            </a:r>
-            <a:r>
-              <a:rPr lang="en-US" dirty="0" err="1">
-                <a:latin typeface="Arial" panose="020B0604020202020204" pitchFamily="34" charset="0"/>
-                <a:cs typeface="Arial" panose="020B0604020202020204" pitchFamily="34" charset="0"/>
-              </a:rPr>
-              <a:t>problémák</a:t>
-            </a:r>
-            <a:endParaRPr lang="en-US" dirty="0">
-              <a:latin typeface="Arial" panose="020B0604020202020204" pitchFamily="34" charset="0"/>
-              <a:cs typeface="Arial" panose="020B0604020202020204" pitchFamily="34" charset="0"/>
-            </a:endParaRPr>
-          </a:p>
-          <a:p>
-            <a:r>
-              <a:rPr lang="en-US" dirty="0" err="1">
-                <a:latin typeface="Arial" panose="020B0604020202020204" pitchFamily="34" charset="0"/>
-                <a:cs typeface="Arial" panose="020B0604020202020204" pitchFamily="34" charset="0"/>
-              </a:rPr>
-              <a:t>Jó</a:t>
-            </a:r>
-            <a:r>
-              <a:rPr lang="en-US" dirty="0">
-                <a:latin typeface="Arial" panose="020B0604020202020204" pitchFamily="34" charset="0"/>
-                <a:cs typeface="Arial" panose="020B0604020202020204" pitchFamily="34" charset="0"/>
-              </a:rPr>
-              <a:t> </a:t>
-            </a:r>
-            <a:r>
-              <a:rPr lang="en-US" dirty="0" err="1">
-                <a:latin typeface="Arial" panose="020B0604020202020204" pitchFamily="34" charset="0"/>
-                <a:cs typeface="Arial" panose="020B0604020202020204" pitchFamily="34" charset="0"/>
-              </a:rPr>
-              <a:t>fejlesztőkörnyezet</a:t>
-            </a:r>
-            <a:endParaRPr lang="en-US" dirty="0">
-              <a:latin typeface="Arial" panose="020B0604020202020204" pitchFamily="34" charset="0"/>
-              <a:cs typeface="Arial" panose="020B0604020202020204" pitchFamily="34" charset="0"/>
-            </a:endParaRPr>
-          </a:p>
-          <a:p>
-            <a:endParaRPr lang="en-US" dirty="0">
-              <a:latin typeface="Arial" panose="020B0604020202020204" pitchFamily="34" charset="0"/>
-              <a:cs typeface="Arial" panose="020B0604020202020204" pitchFamily="34" charset="0"/>
-            </a:endParaRPr>
-          </a:p>
-        </p:txBody>
-      </p:sp>
+          </a:blip>
+          <a:srcRect/>
+          <a:stretch>
+            <a:fillRect/>
+          </a:stretch>
+        </p:blipFill>
+        <p:spPr bwMode="auto">
+          <a:xfrm>
+            <a:off x="838200" y="2467865"/>
+            <a:ext cx="10515600" cy="3943350"/>
+          </a:xfrm>
+          <a:prstGeom prst="rect">
+            <a:avLst/>
+          </a:prstGeom>
+          <a:noFill/>
+          <a:extLst>
+            <a:ext uri="{909E8E84-426E-40DD-AFC4-6F175D3DCCD1}">
+              <a14:hiddenFill xmlns:a14="http://schemas.microsoft.com/office/drawing/2010/main">
+                <a:solidFill>
+                  <a:srgbClr val="FFFFFF"/>
+                </a:solidFill>
+              </a14:hiddenFill>
+            </a:ext>
+          </a:extLst>
+        </p:spPr>
+      </p:pic>
     </p:spTree>
     <p:extLst>
       <p:ext uri="{BB962C8B-B14F-4D97-AF65-F5344CB8AC3E}">
-        <p14:creationId xmlns:p14="http://schemas.microsoft.com/office/powerpoint/2010/main" val="3456065911"/>
+        <p14:creationId xmlns:p14="http://schemas.microsoft.com/office/powerpoint/2010/main" val="1795959441"/>
       </p:ext>
     </p:extLst>
   </p:cSld>
@@ -4209,65 +4201,978 @@
             <a:spLocks noGrp="1"/>
           </p:cNvSpPr>
           <p:nvPr>
-            <p:ph type="ctrTitle"/>
-          </p:nvPr>
-        </p:nvSpPr>
-        <p:spPr>
-          <a:xfrm>
-            <a:off x="1524000" y="1490663"/>
-            <a:ext cx="9144000" cy="2387600"/>
-          </a:xfrm>
-        </p:spPr>
-        <p:txBody>
-          <a:bodyPr>
-            <a:normAutofit/>
-          </a:bodyPr>
-          <a:lstStyle/>
-          <a:p>
-            <a:r>
-              <a:rPr lang="en-US" sz="6600" dirty="0" err="1">
-                <a:latin typeface="Arial" panose="020B0604020202020204" pitchFamily="34" charset="0"/>
-                <a:ea typeface="Arial Unicode MS" panose="020B0604020202020204" pitchFamily="34" charset="-128"/>
-                <a:cs typeface="Arial" panose="020B0604020202020204" pitchFamily="34" charset="0"/>
-              </a:rPr>
-              <a:t>Köszönjük</a:t>
-            </a:r>
-            <a:r>
-              <a:rPr lang="en-US" sz="6600" dirty="0">
-                <a:latin typeface="Arial" panose="020B0604020202020204" pitchFamily="34" charset="0"/>
-                <a:ea typeface="Arial Unicode MS" panose="020B0604020202020204" pitchFamily="34" charset="-128"/>
-                <a:cs typeface="Arial" panose="020B0604020202020204" pitchFamily="34" charset="0"/>
-              </a:rPr>
-              <a:t> a </a:t>
-            </a:r>
-            <a:r>
-              <a:rPr lang="en-US" sz="6600" dirty="0" err="1">
-                <a:latin typeface="Arial" panose="020B0604020202020204" pitchFamily="34" charset="0"/>
-                <a:ea typeface="Arial Unicode MS" panose="020B0604020202020204" pitchFamily="34" charset="-128"/>
-                <a:cs typeface="Arial" panose="020B0604020202020204" pitchFamily="34" charset="0"/>
-              </a:rPr>
-              <a:t>figyelmet</a:t>
-            </a:r>
-            <a:r>
-              <a:rPr lang="en-US" sz="6600" dirty="0">
-                <a:latin typeface="Arial" panose="020B0604020202020204" pitchFamily="34" charset="0"/>
-                <a:ea typeface="Arial Unicode MS" panose="020B0604020202020204" pitchFamily="34" charset="-128"/>
-                <a:cs typeface="Arial" panose="020B0604020202020204" pitchFamily="34" charset="0"/>
-              </a:rPr>
-              <a:t>!</a:t>
-            </a:r>
-            <a:endParaRPr lang="hu-HU" sz="6600" dirty="0">
+            <p:ph type="title"/>
+          </p:nvPr>
+        </p:nvSpPr>
+        <p:spPr/>
+        <p:txBody>
+          <a:bodyPr/>
+          <a:lstStyle/>
+          <a:p>
+            <a:r>
+              <a:rPr lang="en-US" dirty="0" err="1">
+                <a:latin typeface="Arial" panose="020B0604020202020204" pitchFamily="34" charset="0"/>
+                <a:cs typeface="Arial" panose="020B0604020202020204" pitchFamily="34" charset="0"/>
+              </a:rPr>
+              <a:t>Oldal</a:t>
+            </a:r>
+            <a:r>
+              <a:rPr lang="en-US" dirty="0">
+                <a:latin typeface="Arial" panose="020B0604020202020204" pitchFamily="34" charset="0"/>
+                <a:cs typeface="Arial" panose="020B0604020202020204" pitchFamily="34" charset="0"/>
+              </a:rPr>
+              <a:t> design</a:t>
+            </a:r>
+            <a:endParaRPr lang="hu-HU" dirty="0">
               <a:latin typeface="Arial" panose="020B0604020202020204" pitchFamily="34" charset="0"/>
-              <a:ea typeface="Arial Unicode MS" panose="020B0604020202020204" pitchFamily="34" charset="-128"/>
               <a:cs typeface="Arial" panose="020B0604020202020204" pitchFamily="34" charset="0"/>
             </a:endParaRPr>
           </a:p>
         </p:txBody>
       </p:sp>
+      <p:sp>
+        <p:nvSpPr>
+          <p:cNvPr id="3" name="Tartalom helye 2"/>
+          <p:cNvSpPr>
+            <a:spLocks noGrp="1"/>
+          </p:cNvSpPr>
+          <p:nvPr>
+            <p:ph idx="1"/>
+          </p:nvPr>
+        </p:nvSpPr>
+        <p:spPr/>
+        <p:txBody>
+          <a:bodyPr/>
+          <a:lstStyle/>
+          <a:p>
+            <a:pPr marL="0" indent="0" algn="ctr">
+              <a:buNone/>
+            </a:pPr>
+            <a:r>
+              <a:rPr lang="en-US" dirty="0" err="1">
+                <a:latin typeface="Arial" panose="020B0604020202020204" pitchFamily="34" charset="0"/>
+                <a:cs typeface="Arial" panose="020B0604020202020204" pitchFamily="34" charset="0"/>
+              </a:rPr>
+              <a:t>Ezután</a:t>
+            </a:r>
+            <a:r>
+              <a:rPr lang="en-US" dirty="0">
+                <a:latin typeface="Arial" panose="020B0604020202020204" pitchFamily="34" charset="0"/>
+                <a:cs typeface="Arial" panose="020B0604020202020204" pitchFamily="34" charset="0"/>
+              </a:rPr>
+              <a:t> Figma-ban </a:t>
+            </a:r>
+            <a:r>
+              <a:rPr lang="en-US" dirty="0" err="1">
+                <a:latin typeface="Arial" panose="020B0604020202020204" pitchFamily="34" charset="0"/>
+                <a:cs typeface="Arial" panose="020B0604020202020204" pitchFamily="34" charset="0"/>
+              </a:rPr>
+              <a:t>készítettük</a:t>
+            </a:r>
+            <a:r>
+              <a:rPr lang="en-US" dirty="0">
+                <a:latin typeface="Arial" panose="020B0604020202020204" pitchFamily="34" charset="0"/>
+                <a:cs typeface="Arial" panose="020B0604020202020204" pitchFamily="34" charset="0"/>
+              </a:rPr>
+              <a:t> </a:t>
+            </a:r>
+            <a:r>
+              <a:rPr lang="en-US" dirty="0" err="1">
+                <a:latin typeface="Arial" panose="020B0604020202020204" pitchFamily="34" charset="0"/>
+                <a:cs typeface="Arial" panose="020B0604020202020204" pitchFamily="34" charset="0"/>
+              </a:rPr>
+              <a:t>az</a:t>
+            </a:r>
+            <a:r>
+              <a:rPr lang="en-US" dirty="0">
+                <a:latin typeface="Arial" panose="020B0604020202020204" pitchFamily="34" charset="0"/>
+                <a:cs typeface="Arial" panose="020B0604020202020204" pitchFamily="34" charset="0"/>
+              </a:rPr>
+              <a:t> </a:t>
+            </a:r>
+            <a:r>
+              <a:rPr lang="en-US" dirty="0" err="1">
+                <a:latin typeface="Arial" panose="020B0604020202020204" pitchFamily="34" charset="0"/>
+                <a:cs typeface="Arial" panose="020B0604020202020204" pitchFamily="34" charset="0"/>
+              </a:rPr>
+              <a:t>oldal</a:t>
+            </a:r>
+            <a:r>
+              <a:rPr lang="en-US" dirty="0">
+                <a:latin typeface="Arial" panose="020B0604020202020204" pitchFamily="34" charset="0"/>
+                <a:cs typeface="Arial" panose="020B0604020202020204" pitchFamily="34" charset="0"/>
+              </a:rPr>
+              <a:t> </a:t>
+            </a:r>
+            <a:r>
+              <a:rPr lang="en-US" dirty="0" err="1">
+                <a:latin typeface="Arial" panose="020B0604020202020204" pitchFamily="34" charset="0"/>
+                <a:cs typeface="Arial" panose="020B0604020202020204" pitchFamily="34" charset="0"/>
+              </a:rPr>
+              <a:t>sablonjait</a:t>
+            </a:r>
+            <a:endParaRPr lang="hu-HU" dirty="0">
+              <a:latin typeface="Arial" panose="020B0604020202020204" pitchFamily="34" charset="0"/>
+              <a:cs typeface="Arial" panose="020B0604020202020204" pitchFamily="34" charset="0"/>
+            </a:endParaRPr>
+          </a:p>
+        </p:txBody>
+      </p:sp>
+      <p:pic>
+        <p:nvPicPr>
+          <p:cNvPr id="8194" name="Picture 2">
+            <a:extLst>
+              <a:ext uri="{FF2B5EF4-FFF2-40B4-BE49-F238E27FC236}">
+                <a16:creationId xmlns:a16="http://schemas.microsoft.com/office/drawing/2014/main" id="{8CEAB429-5FB8-234B-8EC1-151EFA8F353C}"/>
+              </a:ext>
+            </a:extLst>
+          </p:cNvPr>
+          <p:cNvPicPr>
+            <a:picLocks noChangeAspect="1" noChangeArrowheads="1"/>
+          </p:cNvPicPr>
+          <p:nvPr/>
+        </p:nvPicPr>
+        <p:blipFill>
+          <a:blip r:embed="rId2">
+            <a:extLst>
+              <a:ext uri="{28A0092B-C50C-407E-A947-70E740481C1C}">
+                <a14:useLocalDpi xmlns:a14="http://schemas.microsoft.com/office/drawing/2010/main" val="0"/>
+              </a:ext>
+            </a:extLst>
+          </a:blip>
+          <a:srcRect/>
+          <a:stretch>
+            <a:fillRect/>
+          </a:stretch>
+        </p:blipFill>
+        <p:spPr bwMode="auto">
+          <a:xfrm>
+            <a:off x="838200" y="2444053"/>
+            <a:ext cx="10515600" cy="4010804"/>
+          </a:xfrm>
+          <a:prstGeom prst="rect">
+            <a:avLst/>
+          </a:prstGeom>
+          <a:noFill/>
+          <a:extLst>
+            <a:ext uri="{909E8E84-426E-40DD-AFC4-6F175D3DCCD1}">
+              <a14:hiddenFill xmlns:a14="http://schemas.microsoft.com/office/drawing/2010/main">
+                <a:solidFill>
+                  <a:srgbClr val="FFFFFF"/>
+                </a:solidFill>
+              </a14:hiddenFill>
+            </a:ext>
+          </a:extLst>
+        </p:spPr>
+      </p:pic>
     </p:spTree>
     <p:extLst>
       <p:ext uri="{BB962C8B-B14F-4D97-AF65-F5344CB8AC3E}">
-        <p14:creationId xmlns:p14="http://schemas.microsoft.com/office/powerpoint/2010/main" val="3260255604"/>
+        <p14:creationId xmlns:p14="http://schemas.microsoft.com/office/powerpoint/2010/main" val="2239979608"/>
+      </p:ext>
+    </p:extLst>
+  </p:cSld>
+  <p:clrMapOvr>
+    <a:masterClrMapping/>
+  </p:clrMapOvr>
+</p:sld>
+</file>
+
+<file path=ppt/slides/slide16.xml><?xml version="1.0" encoding="utf-8"?>
+<p:sld xmlns:a="http://schemas.openxmlformats.org/drawingml/2006/main" xmlns:r="http://schemas.openxmlformats.org/officeDocument/2006/relationships" xmlns:p="http://schemas.openxmlformats.org/presentationml/2006/main">
+  <p:cSld>
+    <p:spTree>
+      <p:nvGrpSpPr>
+        <p:cNvPr id="1" name=""/>
+        <p:cNvGrpSpPr/>
+        <p:nvPr/>
+      </p:nvGrpSpPr>
+      <p:grpSpPr>
+        <a:xfrm>
+          <a:off x="0" y="0"/>
+          <a:ext cx="0" cy="0"/>
+          <a:chOff x="0" y="0"/>
+          <a:chExt cx="0" cy="0"/>
+        </a:xfrm>
+      </p:grpSpPr>
+      <p:sp>
+        <p:nvSpPr>
+          <p:cNvPr id="2" name="Cím 1"/>
+          <p:cNvSpPr>
+            <a:spLocks noGrp="1"/>
+          </p:cNvSpPr>
+          <p:nvPr>
+            <p:ph type="title"/>
+          </p:nvPr>
+        </p:nvSpPr>
+        <p:spPr/>
+        <p:txBody>
+          <a:bodyPr/>
+          <a:lstStyle/>
+          <a:p>
+            <a:r>
+              <a:rPr lang="en-US" dirty="0" err="1">
+                <a:latin typeface="Arial" panose="020B0604020202020204" pitchFamily="34" charset="0"/>
+                <a:cs typeface="Arial" panose="020B0604020202020204" pitchFamily="34" charset="0"/>
+              </a:rPr>
+              <a:t>Oldal</a:t>
+            </a:r>
+            <a:r>
+              <a:rPr lang="en-US" dirty="0">
+                <a:latin typeface="Arial" panose="020B0604020202020204" pitchFamily="34" charset="0"/>
+                <a:cs typeface="Arial" panose="020B0604020202020204" pitchFamily="34" charset="0"/>
+              </a:rPr>
+              <a:t> design</a:t>
+            </a:r>
+            <a:endParaRPr lang="hu-HU" dirty="0">
+              <a:latin typeface="Arial" panose="020B0604020202020204" pitchFamily="34" charset="0"/>
+              <a:cs typeface="Arial" panose="020B0604020202020204" pitchFamily="34" charset="0"/>
+            </a:endParaRPr>
+          </a:p>
+        </p:txBody>
+      </p:sp>
+      <p:sp>
+        <p:nvSpPr>
+          <p:cNvPr id="3" name="Tartalom helye 2"/>
+          <p:cNvSpPr>
+            <a:spLocks noGrp="1"/>
+          </p:cNvSpPr>
+          <p:nvPr>
+            <p:ph idx="1"/>
+          </p:nvPr>
+        </p:nvSpPr>
+        <p:spPr/>
+        <p:txBody>
+          <a:bodyPr/>
+          <a:lstStyle/>
+          <a:p>
+            <a:pPr marL="0" indent="0" algn="ctr">
+              <a:buNone/>
+            </a:pPr>
+            <a:r>
+              <a:rPr lang="en-US" dirty="0" err="1">
+                <a:latin typeface="Arial" panose="020B0604020202020204" pitchFamily="34" charset="0"/>
+                <a:cs typeface="Arial" panose="020B0604020202020204" pitchFamily="34" charset="0"/>
+              </a:rPr>
+              <a:t>Ezután</a:t>
+            </a:r>
+            <a:r>
+              <a:rPr lang="en-US" dirty="0">
+                <a:latin typeface="Arial" panose="020B0604020202020204" pitchFamily="34" charset="0"/>
+                <a:cs typeface="Arial" panose="020B0604020202020204" pitchFamily="34" charset="0"/>
+              </a:rPr>
+              <a:t> Figma-ban </a:t>
+            </a:r>
+            <a:r>
+              <a:rPr lang="en-US" dirty="0" err="1">
+                <a:latin typeface="Arial" panose="020B0604020202020204" pitchFamily="34" charset="0"/>
+                <a:cs typeface="Arial" panose="020B0604020202020204" pitchFamily="34" charset="0"/>
+              </a:rPr>
+              <a:t>készítettük</a:t>
+            </a:r>
+            <a:r>
+              <a:rPr lang="en-US" dirty="0">
+                <a:latin typeface="Arial" panose="020B0604020202020204" pitchFamily="34" charset="0"/>
+                <a:cs typeface="Arial" panose="020B0604020202020204" pitchFamily="34" charset="0"/>
+              </a:rPr>
+              <a:t> </a:t>
+            </a:r>
+            <a:r>
+              <a:rPr lang="en-US" dirty="0" err="1">
+                <a:latin typeface="Arial" panose="020B0604020202020204" pitchFamily="34" charset="0"/>
+                <a:cs typeface="Arial" panose="020B0604020202020204" pitchFamily="34" charset="0"/>
+              </a:rPr>
+              <a:t>az</a:t>
+            </a:r>
+            <a:r>
+              <a:rPr lang="en-US" dirty="0">
+                <a:latin typeface="Arial" panose="020B0604020202020204" pitchFamily="34" charset="0"/>
+                <a:cs typeface="Arial" panose="020B0604020202020204" pitchFamily="34" charset="0"/>
+              </a:rPr>
+              <a:t> </a:t>
+            </a:r>
+            <a:r>
+              <a:rPr lang="en-US" dirty="0" err="1">
+                <a:latin typeface="Arial" panose="020B0604020202020204" pitchFamily="34" charset="0"/>
+                <a:cs typeface="Arial" panose="020B0604020202020204" pitchFamily="34" charset="0"/>
+              </a:rPr>
+              <a:t>oldal</a:t>
+            </a:r>
+            <a:r>
+              <a:rPr lang="en-US" dirty="0">
+                <a:latin typeface="Arial" panose="020B0604020202020204" pitchFamily="34" charset="0"/>
+                <a:cs typeface="Arial" panose="020B0604020202020204" pitchFamily="34" charset="0"/>
+              </a:rPr>
+              <a:t> </a:t>
+            </a:r>
+            <a:r>
+              <a:rPr lang="en-US" dirty="0" err="1">
+                <a:latin typeface="Arial" panose="020B0604020202020204" pitchFamily="34" charset="0"/>
+                <a:cs typeface="Arial" panose="020B0604020202020204" pitchFamily="34" charset="0"/>
+              </a:rPr>
+              <a:t>sablonjait</a:t>
+            </a:r>
+            <a:endParaRPr lang="hu-HU" dirty="0">
+              <a:latin typeface="Arial" panose="020B0604020202020204" pitchFamily="34" charset="0"/>
+              <a:cs typeface="Arial" panose="020B0604020202020204" pitchFamily="34" charset="0"/>
+            </a:endParaRPr>
+          </a:p>
+        </p:txBody>
+      </p:sp>
+      <p:pic>
+        <p:nvPicPr>
+          <p:cNvPr id="9218" name="Picture 2">
+            <a:extLst>
+              <a:ext uri="{FF2B5EF4-FFF2-40B4-BE49-F238E27FC236}">
+                <a16:creationId xmlns:a16="http://schemas.microsoft.com/office/drawing/2014/main" id="{8A1C9DB6-482A-216E-BD89-C8B72CD852F2}"/>
+              </a:ext>
+            </a:extLst>
+          </p:cNvPr>
+          <p:cNvPicPr>
+            <a:picLocks noChangeAspect="1" noChangeArrowheads="1"/>
+          </p:cNvPicPr>
+          <p:nvPr/>
+        </p:nvPicPr>
+        <p:blipFill>
+          <a:blip r:embed="rId2">
+            <a:extLst>
+              <a:ext uri="{28A0092B-C50C-407E-A947-70E740481C1C}">
+                <a14:useLocalDpi xmlns:a14="http://schemas.microsoft.com/office/drawing/2010/main" val="0"/>
+              </a:ext>
+            </a:extLst>
+          </a:blip>
+          <a:srcRect/>
+          <a:stretch>
+            <a:fillRect/>
+          </a:stretch>
+        </p:blipFill>
+        <p:spPr bwMode="auto">
+          <a:xfrm>
+            <a:off x="838199" y="2451620"/>
+            <a:ext cx="10515599" cy="4045585"/>
+          </a:xfrm>
+          <a:prstGeom prst="rect">
+            <a:avLst/>
+          </a:prstGeom>
+          <a:noFill/>
+          <a:extLst>
+            <a:ext uri="{909E8E84-426E-40DD-AFC4-6F175D3DCCD1}">
+              <a14:hiddenFill xmlns:a14="http://schemas.microsoft.com/office/drawing/2010/main">
+                <a:solidFill>
+                  <a:srgbClr val="FFFFFF"/>
+                </a:solidFill>
+              </a14:hiddenFill>
+            </a:ext>
+          </a:extLst>
+        </p:spPr>
+      </p:pic>
+    </p:spTree>
+    <p:extLst>
+      <p:ext uri="{BB962C8B-B14F-4D97-AF65-F5344CB8AC3E}">
+        <p14:creationId xmlns:p14="http://schemas.microsoft.com/office/powerpoint/2010/main" val="3446666955"/>
+      </p:ext>
+    </p:extLst>
+  </p:cSld>
+  <p:clrMapOvr>
+    <a:masterClrMapping/>
+  </p:clrMapOvr>
+</p:sld>
+</file>
+
+<file path=ppt/slides/slide17.xml><?xml version="1.0" encoding="utf-8"?>
+<p:sld xmlns:a="http://schemas.openxmlformats.org/drawingml/2006/main" xmlns:r="http://schemas.openxmlformats.org/officeDocument/2006/relationships" xmlns:p="http://schemas.openxmlformats.org/presentationml/2006/main">
+  <p:cSld>
+    <p:spTree>
+      <p:nvGrpSpPr>
+        <p:cNvPr id="1" name=""/>
+        <p:cNvGrpSpPr/>
+        <p:nvPr/>
+      </p:nvGrpSpPr>
+      <p:grpSpPr>
+        <a:xfrm>
+          <a:off x="0" y="0"/>
+          <a:ext cx="0" cy="0"/>
+          <a:chOff x="0" y="0"/>
+          <a:chExt cx="0" cy="0"/>
+        </a:xfrm>
+      </p:grpSpPr>
+      <p:sp>
+        <p:nvSpPr>
+          <p:cNvPr id="2" name="Cím 1"/>
+          <p:cNvSpPr>
+            <a:spLocks noGrp="1"/>
+          </p:cNvSpPr>
+          <p:nvPr>
+            <p:ph type="title"/>
+          </p:nvPr>
+        </p:nvSpPr>
+        <p:spPr/>
+        <p:txBody>
+          <a:bodyPr/>
+          <a:lstStyle/>
+          <a:p>
+            <a:r>
+              <a:rPr lang="en-US" dirty="0" err="1">
+                <a:latin typeface="Arial" panose="020B0604020202020204" pitchFamily="34" charset="0"/>
+                <a:cs typeface="Arial" panose="020B0604020202020204" pitchFamily="34" charset="0"/>
+              </a:rPr>
+              <a:t>Oldal</a:t>
+            </a:r>
+            <a:r>
+              <a:rPr lang="en-US" dirty="0">
+                <a:latin typeface="Arial" panose="020B0604020202020204" pitchFamily="34" charset="0"/>
+                <a:cs typeface="Arial" panose="020B0604020202020204" pitchFamily="34" charset="0"/>
+              </a:rPr>
+              <a:t> design</a:t>
+            </a:r>
+            <a:endParaRPr lang="hu-HU" dirty="0">
+              <a:latin typeface="Arial" panose="020B0604020202020204" pitchFamily="34" charset="0"/>
+              <a:cs typeface="Arial" panose="020B0604020202020204" pitchFamily="34" charset="0"/>
+            </a:endParaRPr>
+          </a:p>
+        </p:txBody>
+      </p:sp>
+      <p:sp>
+        <p:nvSpPr>
+          <p:cNvPr id="3" name="Tartalom helye 2"/>
+          <p:cNvSpPr>
+            <a:spLocks noGrp="1"/>
+          </p:cNvSpPr>
+          <p:nvPr>
+            <p:ph idx="1"/>
+          </p:nvPr>
+        </p:nvSpPr>
+        <p:spPr/>
+        <p:txBody>
+          <a:bodyPr/>
+          <a:lstStyle/>
+          <a:p>
+            <a:pPr marL="0" indent="0" algn="ctr">
+              <a:buNone/>
+            </a:pPr>
+            <a:r>
+              <a:rPr lang="en-US" dirty="0" err="1">
+                <a:latin typeface="Arial" panose="020B0604020202020204" pitchFamily="34" charset="0"/>
+                <a:cs typeface="Arial" panose="020B0604020202020204" pitchFamily="34" charset="0"/>
+              </a:rPr>
+              <a:t>Ezután</a:t>
+            </a:r>
+            <a:r>
+              <a:rPr lang="en-US" dirty="0">
+                <a:latin typeface="Arial" panose="020B0604020202020204" pitchFamily="34" charset="0"/>
+                <a:cs typeface="Arial" panose="020B0604020202020204" pitchFamily="34" charset="0"/>
+              </a:rPr>
+              <a:t> Figma-ban </a:t>
+            </a:r>
+            <a:r>
+              <a:rPr lang="en-US" dirty="0" err="1">
+                <a:latin typeface="Arial" panose="020B0604020202020204" pitchFamily="34" charset="0"/>
+                <a:cs typeface="Arial" panose="020B0604020202020204" pitchFamily="34" charset="0"/>
+              </a:rPr>
+              <a:t>készítettük</a:t>
+            </a:r>
+            <a:r>
+              <a:rPr lang="en-US" dirty="0">
+                <a:latin typeface="Arial" panose="020B0604020202020204" pitchFamily="34" charset="0"/>
+                <a:cs typeface="Arial" panose="020B0604020202020204" pitchFamily="34" charset="0"/>
+              </a:rPr>
+              <a:t> </a:t>
+            </a:r>
+            <a:r>
+              <a:rPr lang="en-US" dirty="0" err="1">
+                <a:latin typeface="Arial" panose="020B0604020202020204" pitchFamily="34" charset="0"/>
+                <a:cs typeface="Arial" panose="020B0604020202020204" pitchFamily="34" charset="0"/>
+              </a:rPr>
+              <a:t>az</a:t>
+            </a:r>
+            <a:r>
+              <a:rPr lang="en-US" dirty="0">
+                <a:latin typeface="Arial" panose="020B0604020202020204" pitchFamily="34" charset="0"/>
+                <a:cs typeface="Arial" panose="020B0604020202020204" pitchFamily="34" charset="0"/>
+              </a:rPr>
+              <a:t> </a:t>
+            </a:r>
+            <a:r>
+              <a:rPr lang="en-US" dirty="0" err="1">
+                <a:latin typeface="Arial" panose="020B0604020202020204" pitchFamily="34" charset="0"/>
+                <a:cs typeface="Arial" panose="020B0604020202020204" pitchFamily="34" charset="0"/>
+              </a:rPr>
+              <a:t>oldal</a:t>
+            </a:r>
+            <a:r>
+              <a:rPr lang="en-US" dirty="0">
+                <a:latin typeface="Arial" panose="020B0604020202020204" pitchFamily="34" charset="0"/>
+                <a:cs typeface="Arial" panose="020B0604020202020204" pitchFamily="34" charset="0"/>
+              </a:rPr>
+              <a:t> </a:t>
+            </a:r>
+            <a:r>
+              <a:rPr lang="en-US" dirty="0" err="1">
+                <a:latin typeface="Arial" panose="020B0604020202020204" pitchFamily="34" charset="0"/>
+                <a:cs typeface="Arial" panose="020B0604020202020204" pitchFamily="34" charset="0"/>
+              </a:rPr>
+              <a:t>sablonjait</a:t>
+            </a:r>
+            <a:endParaRPr lang="hu-HU" dirty="0">
+              <a:latin typeface="Arial" panose="020B0604020202020204" pitchFamily="34" charset="0"/>
+              <a:cs typeface="Arial" panose="020B0604020202020204" pitchFamily="34" charset="0"/>
+            </a:endParaRPr>
+          </a:p>
+        </p:txBody>
+      </p:sp>
+      <p:pic>
+        <p:nvPicPr>
+          <p:cNvPr id="10242" name="Picture 2">
+            <a:extLst>
+              <a:ext uri="{FF2B5EF4-FFF2-40B4-BE49-F238E27FC236}">
+                <a16:creationId xmlns:a16="http://schemas.microsoft.com/office/drawing/2014/main" id="{E3FB2C60-5E71-99A9-250E-707D26892799}"/>
+              </a:ext>
+            </a:extLst>
+          </p:cNvPr>
+          <p:cNvPicPr>
+            <a:picLocks noChangeAspect="1" noChangeArrowheads="1"/>
+          </p:cNvPicPr>
+          <p:nvPr/>
+        </p:nvPicPr>
+        <p:blipFill>
+          <a:blip r:embed="rId2">
+            <a:extLst>
+              <a:ext uri="{28A0092B-C50C-407E-A947-70E740481C1C}">
+                <a14:useLocalDpi xmlns:a14="http://schemas.microsoft.com/office/drawing/2010/main" val="0"/>
+              </a:ext>
+            </a:extLst>
+          </a:blip>
+          <a:srcRect/>
+          <a:stretch>
+            <a:fillRect/>
+          </a:stretch>
+        </p:blipFill>
+        <p:spPr bwMode="auto">
+          <a:xfrm>
+            <a:off x="838199" y="2420107"/>
+            <a:ext cx="10515599" cy="4129087"/>
+          </a:xfrm>
+          <a:prstGeom prst="rect">
+            <a:avLst/>
+          </a:prstGeom>
+          <a:noFill/>
+          <a:extLst>
+            <a:ext uri="{909E8E84-426E-40DD-AFC4-6F175D3DCCD1}">
+              <a14:hiddenFill xmlns:a14="http://schemas.microsoft.com/office/drawing/2010/main">
+                <a:solidFill>
+                  <a:srgbClr val="FFFFFF"/>
+                </a:solidFill>
+              </a14:hiddenFill>
+            </a:ext>
+          </a:extLst>
+        </p:spPr>
+      </p:pic>
+    </p:spTree>
+    <p:extLst>
+      <p:ext uri="{BB962C8B-B14F-4D97-AF65-F5344CB8AC3E}">
+        <p14:creationId xmlns:p14="http://schemas.microsoft.com/office/powerpoint/2010/main" val="3668584391"/>
+      </p:ext>
+    </p:extLst>
+  </p:cSld>
+  <p:clrMapOvr>
+    <a:masterClrMapping/>
+  </p:clrMapOvr>
+</p:sld>
+</file>
+
+<file path=ppt/slides/slide18.xml><?xml version="1.0" encoding="utf-8"?>
+<p:sld xmlns:a="http://schemas.openxmlformats.org/drawingml/2006/main" xmlns:r="http://schemas.openxmlformats.org/officeDocument/2006/relationships" xmlns:p="http://schemas.openxmlformats.org/presentationml/2006/main">
+  <p:cSld>
+    <p:spTree>
+      <p:nvGrpSpPr>
+        <p:cNvPr id="1" name=""/>
+        <p:cNvGrpSpPr/>
+        <p:nvPr/>
+      </p:nvGrpSpPr>
+      <p:grpSpPr>
+        <a:xfrm>
+          <a:off x="0" y="0"/>
+          <a:ext cx="0" cy="0"/>
+          <a:chOff x="0" y="0"/>
+          <a:chExt cx="0" cy="0"/>
+        </a:xfrm>
+      </p:grpSpPr>
+      <p:sp>
+        <p:nvSpPr>
+          <p:cNvPr id="2" name="Cím 1"/>
+          <p:cNvSpPr>
+            <a:spLocks noGrp="1"/>
+          </p:cNvSpPr>
+          <p:nvPr>
+            <p:ph type="title"/>
+          </p:nvPr>
+        </p:nvSpPr>
+        <p:spPr/>
+        <p:txBody>
+          <a:bodyPr/>
+          <a:lstStyle/>
+          <a:p>
+            <a:r>
+              <a:rPr lang="en-US" dirty="0" err="1">
+                <a:latin typeface="Arial" panose="020B0604020202020204" pitchFamily="34" charset="0"/>
+                <a:cs typeface="Arial" panose="020B0604020202020204" pitchFamily="34" charset="0"/>
+              </a:rPr>
+              <a:t>Oldal</a:t>
+            </a:r>
+            <a:r>
+              <a:rPr lang="en-US" dirty="0">
+                <a:latin typeface="Arial" panose="020B0604020202020204" pitchFamily="34" charset="0"/>
+                <a:cs typeface="Arial" panose="020B0604020202020204" pitchFamily="34" charset="0"/>
+              </a:rPr>
+              <a:t> design</a:t>
+            </a:r>
+            <a:endParaRPr lang="hu-HU" dirty="0">
+              <a:latin typeface="Arial" panose="020B0604020202020204" pitchFamily="34" charset="0"/>
+              <a:cs typeface="Arial" panose="020B0604020202020204" pitchFamily="34" charset="0"/>
+            </a:endParaRPr>
+          </a:p>
+        </p:txBody>
+      </p:sp>
+      <p:sp>
+        <p:nvSpPr>
+          <p:cNvPr id="3" name="Tartalom helye 2"/>
+          <p:cNvSpPr>
+            <a:spLocks noGrp="1"/>
+          </p:cNvSpPr>
+          <p:nvPr>
+            <p:ph idx="1"/>
+          </p:nvPr>
+        </p:nvSpPr>
+        <p:spPr/>
+        <p:txBody>
+          <a:bodyPr/>
+          <a:lstStyle/>
+          <a:p>
+            <a:pPr marL="0" indent="0" algn="ctr">
+              <a:buNone/>
+            </a:pPr>
+            <a:r>
+              <a:rPr lang="en-US" dirty="0" err="1">
+                <a:latin typeface="Arial" panose="020B0604020202020204" pitchFamily="34" charset="0"/>
+                <a:cs typeface="Arial" panose="020B0604020202020204" pitchFamily="34" charset="0"/>
+              </a:rPr>
+              <a:t>Ezután</a:t>
+            </a:r>
+            <a:r>
+              <a:rPr lang="en-US" dirty="0">
+                <a:latin typeface="Arial" panose="020B0604020202020204" pitchFamily="34" charset="0"/>
+                <a:cs typeface="Arial" panose="020B0604020202020204" pitchFamily="34" charset="0"/>
+              </a:rPr>
+              <a:t> Figma-ban </a:t>
+            </a:r>
+            <a:r>
+              <a:rPr lang="en-US" dirty="0" err="1">
+                <a:latin typeface="Arial" panose="020B0604020202020204" pitchFamily="34" charset="0"/>
+                <a:cs typeface="Arial" panose="020B0604020202020204" pitchFamily="34" charset="0"/>
+              </a:rPr>
+              <a:t>készítettük</a:t>
+            </a:r>
+            <a:r>
+              <a:rPr lang="en-US" dirty="0">
+                <a:latin typeface="Arial" panose="020B0604020202020204" pitchFamily="34" charset="0"/>
+                <a:cs typeface="Arial" panose="020B0604020202020204" pitchFamily="34" charset="0"/>
+              </a:rPr>
+              <a:t> </a:t>
+            </a:r>
+            <a:r>
+              <a:rPr lang="en-US" dirty="0" err="1">
+                <a:latin typeface="Arial" panose="020B0604020202020204" pitchFamily="34" charset="0"/>
+                <a:cs typeface="Arial" panose="020B0604020202020204" pitchFamily="34" charset="0"/>
+              </a:rPr>
+              <a:t>az</a:t>
+            </a:r>
+            <a:r>
+              <a:rPr lang="en-US" dirty="0">
+                <a:latin typeface="Arial" panose="020B0604020202020204" pitchFamily="34" charset="0"/>
+                <a:cs typeface="Arial" panose="020B0604020202020204" pitchFamily="34" charset="0"/>
+              </a:rPr>
+              <a:t> </a:t>
+            </a:r>
+            <a:r>
+              <a:rPr lang="en-US" dirty="0" err="1">
+                <a:latin typeface="Arial" panose="020B0604020202020204" pitchFamily="34" charset="0"/>
+                <a:cs typeface="Arial" panose="020B0604020202020204" pitchFamily="34" charset="0"/>
+              </a:rPr>
+              <a:t>oldal</a:t>
+            </a:r>
+            <a:r>
+              <a:rPr lang="en-US" dirty="0">
+                <a:latin typeface="Arial" panose="020B0604020202020204" pitchFamily="34" charset="0"/>
+                <a:cs typeface="Arial" panose="020B0604020202020204" pitchFamily="34" charset="0"/>
+              </a:rPr>
+              <a:t> </a:t>
+            </a:r>
+            <a:r>
+              <a:rPr lang="en-US" dirty="0" err="1">
+                <a:latin typeface="Arial" panose="020B0604020202020204" pitchFamily="34" charset="0"/>
+                <a:cs typeface="Arial" panose="020B0604020202020204" pitchFamily="34" charset="0"/>
+              </a:rPr>
+              <a:t>sablonjait</a:t>
+            </a:r>
+            <a:endParaRPr lang="hu-HU" dirty="0">
+              <a:latin typeface="Arial" panose="020B0604020202020204" pitchFamily="34" charset="0"/>
+              <a:cs typeface="Arial" panose="020B0604020202020204" pitchFamily="34" charset="0"/>
+            </a:endParaRPr>
+          </a:p>
+        </p:txBody>
+      </p:sp>
+      <p:pic>
+        <p:nvPicPr>
+          <p:cNvPr id="11266" name="Picture 2">
+            <a:extLst>
+              <a:ext uri="{FF2B5EF4-FFF2-40B4-BE49-F238E27FC236}">
+                <a16:creationId xmlns:a16="http://schemas.microsoft.com/office/drawing/2014/main" id="{6EC42AC5-F3A5-B17E-7A85-D591733B9FC9}"/>
+              </a:ext>
+            </a:extLst>
+          </p:cNvPr>
+          <p:cNvPicPr>
+            <a:picLocks noChangeAspect="1" noChangeArrowheads="1"/>
+          </p:cNvPicPr>
+          <p:nvPr/>
+        </p:nvPicPr>
+        <p:blipFill>
+          <a:blip r:embed="rId2">
+            <a:extLst>
+              <a:ext uri="{28A0092B-C50C-407E-A947-70E740481C1C}">
+                <a14:useLocalDpi xmlns:a14="http://schemas.microsoft.com/office/drawing/2010/main" val="0"/>
+              </a:ext>
+            </a:extLst>
+          </a:blip>
+          <a:srcRect/>
+          <a:stretch>
+            <a:fillRect/>
+          </a:stretch>
+        </p:blipFill>
+        <p:spPr bwMode="auto">
+          <a:xfrm>
+            <a:off x="838200" y="2423178"/>
+            <a:ext cx="10515600" cy="4007336"/>
+          </a:xfrm>
+          <a:prstGeom prst="rect">
+            <a:avLst/>
+          </a:prstGeom>
+          <a:noFill/>
+          <a:extLst>
+            <a:ext uri="{909E8E84-426E-40DD-AFC4-6F175D3DCCD1}">
+              <a14:hiddenFill xmlns:a14="http://schemas.microsoft.com/office/drawing/2010/main">
+                <a:solidFill>
+                  <a:srgbClr val="FFFFFF"/>
+                </a:solidFill>
+              </a14:hiddenFill>
+            </a:ext>
+          </a:extLst>
+        </p:spPr>
+      </p:pic>
+    </p:spTree>
+    <p:extLst>
+      <p:ext uri="{BB962C8B-B14F-4D97-AF65-F5344CB8AC3E}">
+        <p14:creationId xmlns:p14="http://schemas.microsoft.com/office/powerpoint/2010/main" val="3969128090"/>
+      </p:ext>
+    </p:extLst>
+  </p:cSld>
+  <p:clrMapOvr>
+    <a:masterClrMapping/>
+  </p:clrMapOvr>
+</p:sld>
+</file>
+
+<file path=ppt/slides/slide19.xml><?xml version="1.0" encoding="utf-8"?>
+<p:sld xmlns:a="http://schemas.openxmlformats.org/drawingml/2006/main" xmlns:r="http://schemas.openxmlformats.org/officeDocument/2006/relationships" xmlns:p="http://schemas.openxmlformats.org/presentationml/2006/main">
+  <p:cSld>
+    <p:spTree>
+      <p:nvGrpSpPr>
+        <p:cNvPr id="1" name=""/>
+        <p:cNvGrpSpPr/>
+        <p:nvPr/>
+      </p:nvGrpSpPr>
+      <p:grpSpPr>
+        <a:xfrm>
+          <a:off x="0" y="0"/>
+          <a:ext cx="0" cy="0"/>
+          <a:chOff x="0" y="0"/>
+          <a:chExt cx="0" cy="0"/>
+        </a:xfrm>
+      </p:grpSpPr>
+      <p:sp>
+        <p:nvSpPr>
+          <p:cNvPr id="2" name="Cím 1"/>
+          <p:cNvSpPr>
+            <a:spLocks noGrp="1"/>
+          </p:cNvSpPr>
+          <p:nvPr>
+            <p:ph type="title"/>
+          </p:nvPr>
+        </p:nvSpPr>
+        <p:spPr/>
+        <p:txBody>
+          <a:bodyPr/>
+          <a:lstStyle/>
+          <a:p>
+            <a:r>
+              <a:rPr lang="en-US" dirty="0" err="1">
+                <a:latin typeface="Arial" panose="020B0604020202020204" pitchFamily="34" charset="0"/>
+                <a:cs typeface="Arial" panose="020B0604020202020204" pitchFamily="34" charset="0"/>
+              </a:rPr>
+              <a:t>Oldal</a:t>
+            </a:r>
+            <a:r>
+              <a:rPr lang="en-US" dirty="0">
+                <a:latin typeface="Arial" panose="020B0604020202020204" pitchFamily="34" charset="0"/>
+                <a:cs typeface="Arial" panose="020B0604020202020204" pitchFamily="34" charset="0"/>
+              </a:rPr>
+              <a:t> design</a:t>
+            </a:r>
+            <a:endParaRPr lang="hu-HU" dirty="0">
+              <a:latin typeface="Arial" panose="020B0604020202020204" pitchFamily="34" charset="0"/>
+              <a:cs typeface="Arial" panose="020B0604020202020204" pitchFamily="34" charset="0"/>
+            </a:endParaRPr>
+          </a:p>
+        </p:txBody>
+      </p:sp>
+      <p:sp>
+        <p:nvSpPr>
+          <p:cNvPr id="3" name="Tartalom helye 2"/>
+          <p:cNvSpPr>
+            <a:spLocks noGrp="1"/>
+          </p:cNvSpPr>
+          <p:nvPr>
+            <p:ph idx="1"/>
+          </p:nvPr>
+        </p:nvSpPr>
+        <p:spPr/>
+        <p:txBody>
+          <a:bodyPr/>
+          <a:lstStyle/>
+          <a:p>
+            <a:pPr marL="0" indent="0" algn="ctr">
+              <a:buNone/>
+            </a:pPr>
+            <a:r>
+              <a:rPr lang="en-US" dirty="0" err="1">
+                <a:latin typeface="Arial" panose="020B0604020202020204" pitchFamily="34" charset="0"/>
+                <a:cs typeface="Arial" panose="020B0604020202020204" pitchFamily="34" charset="0"/>
+              </a:rPr>
+              <a:t>Ezután</a:t>
+            </a:r>
+            <a:r>
+              <a:rPr lang="en-US" dirty="0">
+                <a:latin typeface="Arial" panose="020B0604020202020204" pitchFamily="34" charset="0"/>
+                <a:cs typeface="Arial" panose="020B0604020202020204" pitchFamily="34" charset="0"/>
+              </a:rPr>
+              <a:t> Figma-ban </a:t>
+            </a:r>
+            <a:r>
+              <a:rPr lang="en-US" dirty="0" err="1">
+                <a:latin typeface="Arial" panose="020B0604020202020204" pitchFamily="34" charset="0"/>
+                <a:cs typeface="Arial" panose="020B0604020202020204" pitchFamily="34" charset="0"/>
+              </a:rPr>
+              <a:t>készítettük</a:t>
+            </a:r>
+            <a:r>
+              <a:rPr lang="en-US" dirty="0">
+                <a:latin typeface="Arial" panose="020B0604020202020204" pitchFamily="34" charset="0"/>
+                <a:cs typeface="Arial" panose="020B0604020202020204" pitchFamily="34" charset="0"/>
+              </a:rPr>
+              <a:t> </a:t>
+            </a:r>
+            <a:r>
+              <a:rPr lang="en-US" dirty="0" err="1">
+                <a:latin typeface="Arial" panose="020B0604020202020204" pitchFamily="34" charset="0"/>
+                <a:cs typeface="Arial" panose="020B0604020202020204" pitchFamily="34" charset="0"/>
+              </a:rPr>
+              <a:t>az</a:t>
+            </a:r>
+            <a:r>
+              <a:rPr lang="en-US" dirty="0">
+                <a:latin typeface="Arial" panose="020B0604020202020204" pitchFamily="34" charset="0"/>
+                <a:cs typeface="Arial" panose="020B0604020202020204" pitchFamily="34" charset="0"/>
+              </a:rPr>
+              <a:t> </a:t>
+            </a:r>
+            <a:r>
+              <a:rPr lang="en-US" dirty="0" err="1">
+                <a:latin typeface="Arial" panose="020B0604020202020204" pitchFamily="34" charset="0"/>
+                <a:cs typeface="Arial" panose="020B0604020202020204" pitchFamily="34" charset="0"/>
+              </a:rPr>
+              <a:t>oldal</a:t>
+            </a:r>
+            <a:r>
+              <a:rPr lang="en-US" dirty="0">
+                <a:latin typeface="Arial" panose="020B0604020202020204" pitchFamily="34" charset="0"/>
+                <a:cs typeface="Arial" panose="020B0604020202020204" pitchFamily="34" charset="0"/>
+              </a:rPr>
+              <a:t> </a:t>
+            </a:r>
+            <a:r>
+              <a:rPr lang="en-US" dirty="0" err="1">
+                <a:latin typeface="Arial" panose="020B0604020202020204" pitchFamily="34" charset="0"/>
+                <a:cs typeface="Arial" panose="020B0604020202020204" pitchFamily="34" charset="0"/>
+              </a:rPr>
+              <a:t>sablonjait</a:t>
+            </a:r>
+            <a:endParaRPr lang="hu-HU" dirty="0">
+              <a:latin typeface="Arial" panose="020B0604020202020204" pitchFamily="34" charset="0"/>
+              <a:cs typeface="Arial" panose="020B0604020202020204" pitchFamily="34" charset="0"/>
+            </a:endParaRPr>
+          </a:p>
+        </p:txBody>
+      </p:sp>
+      <p:pic>
+        <p:nvPicPr>
+          <p:cNvPr id="12292" name="Picture 4">
+            <a:extLst>
+              <a:ext uri="{FF2B5EF4-FFF2-40B4-BE49-F238E27FC236}">
+                <a16:creationId xmlns:a16="http://schemas.microsoft.com/office/drawing/2014/main" id="{A467BFD2-39D1-188C-6D7E-00FA8E6AB18E}"/>
+              </a:ext>
+            </a:extLst>
+          </p:cNvPr>
+          <p:cNvPicPr>
+            <a:picLocks noChangeAspect="1" noChangeArrowheads="1"/>
+          </p:cNvPicPr>
+          <p:nvPr/>
+        </p:nvPicPr>
+        <p:blipFill>
+          <a:blip r:embed="rId2">
+            <a:extLst>
+              <a:ext uri="{28A0092B-C50C-407E-A947-70E740481C1C}">
+                <a14:useLocalDpi xmlns:a14="http://schemas.microsoft.com/office/drawing/2010/main" val="0"/>
+              </a:ext>
+            </a:extLst>
+          </a:blip>
+          <a:srcRect/>
+          <a:stretch>
+            <a:fillRect/>
+          </a:stretch>
+        </p:blipFill>
+        <p:spPr bwMode="auto">
+          <a:xfrm>
+            <a:off x="838200" y="2461145"/>
+            <a:ext cx="10515600" cy="4021961"/>
+          </a:xfrm>
+          <a:prstGeom prst="rect">
+            <a:avLst/>
+          </a:prstGeom>
+          <a:noFill/>
+          <a:extLst>
+            <a:ext uri="{909E8E84-426E-40DD-AFC4-6F175D3DCCD1}">
+              <a14:hiddenFill xmlns:a14="http://schemas.microsoft.com/office/drawing/2010/main">
+                <a:solidFill>
+                  <a:srgbClr val="FFFFFF"/>
+                </a:solidFill>
+              </a14:hiddenFill>
+            </a:ext>
+          </a:extLst>
+        </p:spPr>
+      </p:pic>
+    </p:spTree>
+    <p:extLst>
+      <p:ext uri="{BB962C8B-B14F-4D97-AF65-F5344CB8AC3E}">
+        <p14:creationId xmlns:p14="http://schemas.microsoft.com/office/powerpoint/2010/main" val="1983861211"/>
       </p:ext>
     </p:extLst>
   </p:cSld>
@@ -4447,6 +5352,1985 @@
     <p:extLst>
       <p:ext uri="{BB962C8B-B14F-4D97-AF65-F5344CB8AC3E}">
         <p14:creationId xmlns:p14="http://schemas.microsoft.com/office/powerpoint/2010/main" val="548299355"/>
+      </p:ext>
+    </p:extLst>
+  </p:cSld>
+  <p:clrMapOvr>
+    <a:masterClrMapping/>
+  </p:clrMapOvr>
+</p:sld>
+</file>
+
+<file path=ppt/slides/slide20.xml><?xml version="1.0" encoding="utf-8"?>
+<p:sld xmlns:a="http://schemas.openxmlformats.org/drawingml/2006/main" xmlns:r="http://schemas.openxmlformats.org/officeDocument/2006/relationships" xmlns:p="http://schemas.openxmlformats.org/presentationml/2006/main">
+  <p:cSld>
+    <p:spTree>
+      <p:nvGrpSpPr>
+        <p:cNvPr id="1" name=""/>
+        <p:cNvGrpSpPr/>
+        <p:nvPr/>
+      </p:nvGrpSpPr>
+      <p:grpSpPr>
+        <a:xfrm>
+          <a:off x="0" y="0"/>
+          <a:ext cx="0" cy="0"/>
+          <a:chOff x="0" y="0"/>
+          <a:chExt cx="0" cy="0"/>
+        </a:xfrm>
+      </p:grpSpPr>
+      <p:sp>
+        <p:nvSpPr>
+          <p:cNvPr id="2" name="Cím 1"/>
+          <p:cNvSpPr>
+            <a:spLocks noGrp="1"/>
+          </p:cNvSpPr>
+          <p:nvPr>
+            <p:ph type="title"/>
+          </p:nvPr>
+        </p:nvSpPr>
+        <p:spPr/>
+        <p:txBody>
+          <a:bodyPr/>
+          <a:lstStyle/>
+          <a:p>
+            <a:r>
+              <a:rPr lang="en-US" dirty="0" err="1">
+                <a:latin typeface="Arial" panose="020B0604020202020204" pitchFamily="34" charset="0"/>
+                <a:cs typeface="Arial" panose="020B0604020202020204" pitchFamily="34" charset="0"/>
+              </a:rPr>
+              <a:t>Oldal</a:t>
+            </a:r>
+            <a:r>
+              <a:rPr lang="en-US" dirty="0">
+                <a:latin typeface="Arial" panose="020B0604020202020204" pitchFamily="34" charset="0"/>
+                <a:cs typeface="Arial" panose="020B0604020202020204" pitchFamily="34" charset="0"/>
+              </a:rPr>
+              <a:t> design</a:t>
+            </a:r>
+            <a:endParaRPr lang="hu-HU" dirty="0">
+              <a:latin typeface="Arial" panose="020B0604020202020204" pitchFamily="34" charset="0"/>
+              <a:cs typeface="Arial" panose="020B0604020202020204" pitchFamily="34" charset="0"/>
+            </a:endParaRPr>
+          </a:p>
+        </p:txBody>
+      </p:sp>
+      <p:sp>
+        <p:nvSpPr>
+          <p:cNvPr id="3" name="Tartalom helye 2"/>
+          <p:cNvSpPr>
+            <a:spLocks noGrp="1"/>
+          </p:cNvSpPr>
+          <p:nvPr>
+            <p:ph idx="1"/>
+          </p:nvPr>
+        </p:nvSpPr>
+        <p:spPr/>
+        <p:txBody>
+          <a:bodyPr/>
+          <a:lstStyle/>
+          <a:p>
+            <a:pPr marL="0" indent="0" algn="ctr">
+              <a:buNone/>
+            </a:pPr>
+            <a:r>
+              <a:rPr lang="en-US" dirty="0" err="1">
+                <a:latin typeface="Arial" panose="020B0604020202020204" pitchFamily="34" charset="0"/>
+                <a:cs typeface="Arial" panose="020B0604020202020204" pitchFamily="34" charset="0"/>
+              </a:rPr>
+              <a:t>Ezután</a:t>
+            </a:r>
+            <a:r>
+              <a:rPr lang="en-US" dirty="0">
+                <a:latin typeface="Arial" panose="020B0604020202020204" pitchFamily="34" charset="0"/>
+                <a:cs typeface="Arial" panose="020B0604020202020204" pitchFamily="34" charset="0"/>
+              </a:rPr>
+              <a:t> Figma-ban </a:t>
+            </a:r>
+            <a:r>
+              <a:rPr lang="en-US" dirty="0" err="1">
+                <a:latin typeface="Arial" panose="020B0604020202020204" pitchFamily="34" charset="0"/>
+                <a:cs typeface="Arial" panose="020B0604020202020204" pitchFamily="34" charset="0"/>
+              </a:rPr>
+              <a:t>készítettük</a:t>
+            </a:r>
+            <a:r>
+              <a:rPr lang="en-US" dirty="0">
+                <a:latin typeface="Arial" panose="020B0604020202020204" pitchFamily="34" charset="0"/>
+                <a:cs typeface="Arial" panose="020B0604020202020204" pitchFamily="34" charset="0"/>
+              </a:rPr>
+              <a:t> </a:t>
+            </a:r>
+            <a:r>
+              <a:rPr lang="en-US" dirty="0" err="1">
+                <a:latin typeface="Arial" panose="020B0604020202020204" pitchFamily="34" charset="0"/>
+                <a:cs typeface="Arial" panose="020B0604020202020204" pitchFamily="34" charset="0"/>
+              </a:rPr>
+              <a:t>az</a:t>
+            </a:r>
+            <a:r>
+              <a:rPr lang="en-US" dirty="0">
+                <a:latin typeface="Arial" panose="020B0604020202020204" pitchFamily="34" charset="0"/>
+                <a:cs typeface="Arial" panose="020B0604020202020204" pitchFamily="34" charset="0"/>
+              </a:rPr>
+              <a:t> </a:t>
+            </a:r>
+            <a:r>
+              <a:rPr lang="en-US" dirty="0" err="1">
+                <a:latin typeface="Arial" panose="020B0604020202020204" pitchFamily="34" charset="0"/>
+                <a:cs typeface="Arial" panose="020B0604020202020204" pitchFamily="34" charset="0"/>
+              </a:rPr>
+              <a:t>oldal</a:t>
+            </a:r>
+            <a:r>
+              <a:rPr lang="en-US" dirty="0">
+                <a:latin typeface="Arial" panose="020B0604020202020204" pitchFamily="34" charset="0"/>
+                <a:cs typeface="Arial" panose="020B0604020202020204" pitchFamily="34" charset="0"/>
+              </a:rPr>
+              <a:t> </a:t>
+            </a:r>
+            <a:r>
+              <a:rPr lang="en-US" dirty="0" err="1">
+                <a:latin typeface="Arial" panose="020B0604020202020204" pitchFamily="34" charset="0"/>
+                <a:cs typeface="Arial" panose="020B0604020202020204" pitchFamily="34" charset="0"/>
+              </a:rPr>
+              <a:t>sablonjait</a:t>
+            </a:r>
+            <a:endParaRPr lang="hu-HU" dirty="0">
+              <a:latin typeface="Arial" panose="020B0604020202020204" pitchFamily="34" charset="0"/>
+              <a:cs typeface="Arial" panose="020B0604020202020204" pitchFamily="34" charset="0"/>
+            </a:endParaRPr>
+          </a:p>
+        </p:txBody>
+      </p:sp>
+      <p:pic>
+        <p:nvPicPr>
+          <p:cNvPr id="5122" name="Picture 2">
+            <a:extLst>
+              <a:ext uri="{FF2B5EF4-FFF2-40B4-BE49-F238E27FC236}">
+                <a16:creationId xmlns:a16="http://schemas.microsoft.com/office/drawing/2014/main" id="{9CAB2859-865D-01A7-C7C6-B81BC4749BD5}"/>
+              </a:ext>
+            </a:extLst>
+          </p:cNvPr>
+          <p:cNvPicPr>
+            <a:picLocks noChangeAspect="1" noChangeArrowheads="1"/>
+          </p:cNvPicPr>
+          <p:nvPr/>
+        </p:nvPicPr>
+        <p:blipFill>
+          <a:blip r:embed="rId2">
+            <a:extLst>
+              <a:ext uri="{28A0092B-C50C-407E-A947-70E740481C1C}">
+                <a14:useLocalDpi xmlns:a14="http://schemas.microsoft.com/office/drawing/2010/main" val="0"/>
+              </a:ext>
+            </a:extLst>
+          </a:blip>
+          <a:srcRect/>
+          <a:stretch>
+            <a:fillRect/>
+          </a:stretch>
+        </p:blipFill>
+        <p:spPr bwMode="auto">
+          <a:xfrm>
+            <a:off x="1603664" y="2316159"/>
+            <a:ext cx="4021966" cy="4351339"/>
+          </a:xfrm>
+          <a:prstGeom prst="rect">
+            <a:avLst/>
+          </a:prstGeom>
+          <a:noFill/>
+          <a:extLst>
+            <a:ext uri="{909E8E84-426E-40DD-AFC4-6F175D3DCCD1}">
+              <a14:hiddenFill xmlns:a14="http://schemas.microsoft.com/office/drawing/2010/main">
+                <a:solidFill>
+                  <a:srgbClr val="FFFFFF"/>
+                </a:solidFill>
+              </a14:hiddenFill>
+            </a:ext>
+          </a:extLst>
+        </p:spPr>
+      </p:pic>
+      <p:pic>
+        <p:nvPicPr>
+          <p:cNvPr id="5124" name="Picture 4">
+            <a:extLst>
+              <a:ext uri="{FF2B5EF4-FFF2-40B4-BE49-F238E27FC236}">
+                <a16:creationId xmlns:a16="http://schemas.microsoft.com/office/drawing/2014/main" id="{FDE36526-2381-06CB-6842-11AA78AA8A93}"/>
+              </a:ext>
+            </a:extLst>
+          </p:cNvPr>
+          <p:cNvPicPr>
+            <a:picLocks noChangeAspect="1" noChangeArrowheads="1"/>
+          </p:cNvPicPr>
+          <p:nvPr/>
+        </p:nvPicPr>
+        <p:blipFill>
+          <a:blip r:embed="rId3">
+            <a:extLst>
+              <a:ext uri="{28A0092B-C50C-407E-A947-70E740481C1C}">
+                <a14:useLocalDpi xmlns:a14="http://schemas.microsoft.com/office/drawing/2010/main" val="0"/>
+              </a:ext>
+            </a:extLst>
+          </a:blip>
+          <a:srcRect/>
+          <a:stretch>
+            <a:fillRect/>
+          </a:stretch>
+        </p:blipFill>
+        <p:spPr bwMode="auto">
+          <a:xfrm>
+            <a:off x="6566371" y="2316159"/>
+            <a:ext cx="4120679" cy="4351340"/>
+          </a:xfrm>
+          <a:prstGeom prst="rect">
+            <a:avLst/>
+          </a:prstGeom>
+          <a:noFill/>
+          <a:extLst>
+            <a:ext uri="{909E8E84-426E-40DD-AFC4-6F175D3DCCD1}">
+              <a14:hiddenFill xmlns:a14="http://schemas.microsoft.com/office/drawing/2010/main">
+                <a:solidFill>
+                  <a:srgbClr val="FFFFFF"/>
+                </a:solidFill>
+              </a14:hiddenFill>
+            </a:ext>
+          </a:extLst>
+        </p:spPr>
+      </p:pic>
+    </p:spTree>
+    <p:extLst>
+      <p:ext uri="{BB962C8B-B14F-4D97-AF65-F5344CB8AC3E}">
+        <p14:creationId xmlns:p14="http://schemas.microsoft.com/office/powerpoint/2010/main" val="2232490883"/>
+      </p:ext>
+    </p:extLst>
+  </p:cSld>
+  <p:clrMapOvr>
+    <a:masterClrMapping/>
+  </p:clrMapOvr>
+</p:sld>
+</file>
+
+<file path=ppt/slides/slide21.xml><?xml version="1.0" encoding="utf-8"?>
+<p:sld xmlns:a="http://schemas.openxmlformats.org/drawingml/2006/main" xmlns:r="http://schemas.openxmlformats.org/officeDocument/2006/relationships" xmlns:p="http://schemas.openxmlformats.org/presentationml/2006/main">
+  <p:cSld>
+    <p:spTree>
+      <p:nvGrpSpPr>
+        <p:cNvPr id="1" name=""/>
+        <p:cNvGrpSpPr/>
+        <p:nvPr/>
+      </p:nvGrpSpPr>
+      <p:grpSpPr>
+        <a:xfrm>
+          <a:off x="0" y="0"/>
+          <a:ext cx="0" cy="0"/>
+          <a:chOff x="0" y="0"/>
+          <a:chExt cx="0" cy="0"/>
+        </a:xfrm>
+      </p:grpSpPr>
+      <p:sp>
+        <p:nvSpPr>
+          <p:cNvPr id="2" name="Cím 1"/>
+          <p:cNvSpPr>
+            <a:spLocks noGrp="1"/>
+          </p:cNvSpPr>
+          <p:nvPr>
+            <p:ph type="title"/>
+          </p:nvPr>
+        </p:nvSpPr>
+        <p:spPr/>
+        <p:txBody>
+          <a:bodyPr/>
+          <a:lstStyle/>
+          <a:p>
+            <a:r>
+              <a:rPr lang="en-US" dirty="0" err="1">
+                <a:latin typeface="Arial" panose="020B0604020202020204" pitchFamily="34" charset="0"/>
+                <a:cs typeface="Arial" panose="020B0604020202020204" pitchFamily="34" charset="0"/>
+              </a:rPr>
+              <a:t>Oldal</a:t>
+            </a:r>
+            <a:r>
+              <a:rPr lang="en-US" dirty="0">
+                <a:latin typeface="Arial" panose="020B0604020202020204" pitchFamily="34" charset="0"/>
+                <a:cs typeface="Arial" panose="020B0604020202020204" pitchFamily="34" charset="0"/>
+              </a:rPr>
+              <a:t> design</a:t>
+            </a:r>
+            <a:endParaRPr lang="hu-HU" dirty="0">
+              <a:latin typeface="Arial" panose="020B0604020202020204" pitchFamily="34" charset="0"/>
+              <a:cs typeface="Arial" panose="020B0604020202020204" pitchFamily="34" charset="0"/>
+            </a:endParaRPr>
+          </a:p>
+        </p:txBody>
+      </p:sp>
+      <p:sp>
+        <p:nvSpPr>
+          <p:cNvPr id="3" name="Tartalom helye 2"/>
+          <p:cNvSpPr>
+            <a:spLocks noGrp="1"/>
+          </p:cNvSpPr>
+          <p:nvPr>
+            <p:ph idx="1"/>
+          </p:nvPr>
+        </p:nvSpPr>
+        <p:spPr/>
+        <p:txBody>
+          <a:bodyPr/>
+          <a:lstStyle/>
+          <a:p>
+            <a:pPr marL="0" indent="0" algn="ctr">
+              <a:buNone/>
+            </a:pPr>
+            <a:r>
+              <a:rPr lang="en-US" dirty="0" err="1">
+                <a:latin typeface="Arial" panose="020B0604020202020204" pitchFamily="34" charset="0"/>
+                <a:cs typeface="Arial" panose="020B0604020202020204" pitchFamily="34" charset="0"/>
+              </a:rPr>
+              <a:t>Ezután</a:t>
+            </a:r>
+            <a:r>
+              <a:rPr lang="en-US" dirty="0">
+                <a:latin typeface="Arial" panose="020B0604020202020204" pitchFamily="34" charset="0"/>
+                <a:cs typeface="Arial" panose="020B0604020202020204" pitchFamily="34" charset="0"/>
+              </a:rPr>
+              <a:t> Figma-ban </a:t>
+            </a:r>
+            <a:r>
+              <a:rPr lang="en-US" dirty="0" err="1">
+                <a:latin typeface="Arial" panose="020B0604020202020204" pitchFamily="34" charset="0"/>
+                <a:cs typeface="Arial" panose="020B0604020202020204" pitchFamily="34" charset="0"/>
+              </a:rPr>
+              <a:t>készítettük</a:t>
+            </a:r>
+            <a:r>
+              <a:rPr lang="en-US" dirty="0">
+                <a:latin typeface="Arial" panose="020B0604020202020204" pitchFamily="34" charset="0"/>
+                <a:cs typeface="Arial" panose="020B0604020202020204" pitchFamily="34" charset="0"/>
+              </a:rPr>
+              <a:t> </a:t>
+            </a:r>
+            <a:r>
+              <a:rPr lang="en-US" dirty="0" err="1">
+                <a:latin typeface="Arial" panose="020B0604020202020204" pitchFamily="34" charset="0"/>
+                <a:cs typeface="Arial" panose="020B0604020202020204" pitchFamily="34" charset="0"/>
+              </a:rPr>
+              <a:t>az</a:t>
+            </a:r>
+            <a:r>
+              <a:rPr lang="en-US" dirty="0">
+                <a:latin typeface="Arial" panose="020B0604020202020204" pitchFamily="34" charset="0"/>
+                <a:cs typeface="Arial" panose="020B0604020202020204" pitchFamily="34" charset="0"/>
+              </a:rPr>
+              <a:t> </a:t>
+            </a:r>
+            <a:r>
+              <a:rPr lang="en-US" dirty="0" err="1">
+                <a:latin typeface="Arial" panose="020B0604020202020204" pitchFamily="34" charset="0"/>
+                <a:cs typeface="Arial" panose="020B0604020202020204" pitchFamily="34" charset="0"/>
+              </a:rPr>
+              <a:t>oldal</a:t>
+            </a:r>
+            <a:r>
+              <a:rPr lang="en-US" dirty="0">
+                <a:latin typeface="Arial" panose="020B0604020202020204" pitchFamily="34" charset="0"/>
+                <a:cs typeface="Arial" panose="020B0604020202020204" pitchFamily="34" charset="0"/>
+              </a:rPr>
+              <a:t> </a:t>
+            </a:r>
+            <a:r>
+              <a:rPr lang="en-US" dirty="0" err="1">
+                <a:latin typeface="Arial" panose="020B0604020202020204" pitchFamily="34" charset="0"/>
+                <a:cs typeface="Arial" panose="020B0604020202020204" pitchFamily="34" charset="0"/>
+              </a:rPr>
+              <a:t>sablonjait</a:t>
+            </a:r>
+            <a:endParaRPr lang="hu-HU" dirty="0">
+              <a:latin typeface="Arial" panose="020B0604020202020204" pitchFamily="34" charset="0"/>
+              <a:cs typeface="Arial" panose="020B0604020202020204" pitchFamily="34" charset="0"/>
+            </a:endParaRPr>
+          </a:p>
+        </p:txBody>
+      </p:sp>
+      <p:pic>
+        <p:nvPicPr>
+          <p:cNvPr id="13314" name="Picture 2">
+            <a:extLst>
+              <a:ext uri="{FF2B5EF4-FFF2-40B4-BE49-F238E27FC236}">
+                <a16:creationId xmlns:a16="http://schemas.microsoft.com/office/drawing/2014/main" id="{234B6466-E4ED-1938-B4CF-76FFD33E778D}"/>
+              </a:ext>
+            </a:extLst>
+          </p:cNvPr>
+          <p:cNvPicPr>
+            <a:picLocks noChangeAspect="1" noChangeArrowheads="1"/>
+          </p:cNvPicPr>
+          <p:nvPr/>
+        </p:nvPicPr>
+        <p:blipFill>
+          <a:blip r:embed="rId2">
+            <a:extLst>
+              <a:ext uri="{28A0092B-C50C-407E-A947-70E740481C1C}">
+                <a14:useLocalDpi xmlns:a14="http://schemas.microsoft.com/office/drawing/2010/main" val="0"/>
+              </a:ext>
+            </a:extLst>
+          </a:blip>
+          <a:srcRect/>
+          <a:stretch>
+            <a:fillRect/>
+          </a:stretch>
+        </p:blipFill>
+        <p:spPr bwMode="auto">
+          <a:xfrm>
+            <a:off x="1625184" y="2344175"/>
+            <a:ext cx="4063421" cy="4245218"/>
+          </a:xfrm>
+          <a:prstGeom prst="rect">
+            <a:avLst/>
+          </a:prstGeom>
+          <a:noFill/>
+          <a:extLst>
+            <a:ext uri="{909E8E84-426E-40DD-AFC4-6F175D3DCCD1}">
+              <a14:hiddenFill xmlns:a14="http://schemas.microsoft.com/office/drawing/2010/main">
+                <a:solidFill>
+                  <a:srgbClr val="FFFFFF"/>
+                </a:solidFill>
+              </a14:hiddenFill>
+            </a:ext>
+          </a:extLst>
+        </p:spPr>
+      </p:pic>
+      <p:pic>
+        <p:nvPicPr>
+          <p:cNvPr id="13316" name="Picture 4">
+            <a:extLst>
+              <a:ext uri="{FF2B5EF4-FFF2-40B4-BE49-F238E27FC236}">
+                <a16:creationId xmlns:a16="http://schemas.microsoft.com/office/drawing/2014/main" id="{8085DAD7-3B36-83E4-4CA5-0F7E55D88106}"/>
+              </a:ext>
+            </a:extLst>
+          </p:cNvPr>
+          <p:cNvPicPr>
+            <a:picLocks noChangeAspect="1" noChangeArrowheads="1"/>
+          </p:cNvPicPr>
+          <p:nvPr/>
+        </p:nvPicPr>
+        <p:blipFill>
+          <a:blip r:embed="rId3">
+            <a:extLst>
+              <a:ext uri="{28A0092B-C50C-407E-A947-70E740481C1C}">
+                <a14:useLocalDpi xmlns:a14="http://schemas.microsoft.com/office/drawing/2010/main" val="0"/>
+              </a:ext>
+            </a:extLst>
+          </a:blip>
+          <a:srcRect/>
+          <a:stretch>
+            <a:fillRect/>
+          </a:stretch>
+        </p:blipFill>
+        <p:spPr bwMode="auto">
+          <a:xfrm>
+            <a:off x="6516169" y="2344175"/>
+            <a:ext cx="4050646" cy="4245218"/>
+          </a:xfrm>
+          <a:prstGeom prst="rect">
+            <a:avLst/>
+          </a:prstGeom>
+          <a:noFill/>
+          <a:extLst>
+            <a:ext uri="{909E8E84-426E-40DD-AFC4-6F175D3DCCD1}">
+              <a14:hiddenFill xmlns:a14="http://schemas.microsoft.com/office/drawing/2010/main">
+                <a:solidFill>
+                  <a:srgbClr val="FFFFFF"/>
+                </a:solidFill>
+              </a14:hiddenFill>
+            </a:ext>
+          </a:extLst>
+        </p:spPr>
+      </p:pic>
+    </p:spTree>
+    <p:extLst>
+      <p:ext uri="{BB962C8B-B14F-4D97-AF65-F5344CB8AC3E}">
+        <p14:creationId xmlns:p14="http://schemas.microsoft.com/office/powerpoint/2010/main" val="565403032"/>
+      </p:ext>
+    </p:extLst>
+  </p:cSld>
+  <p:clrMapOvr>
+    <a:masterClrMapping/>
+  </p:clrMapOvr>
+</p:sld>
+</file>
+
+<file path=ppt/slides/slide22.xml><?xml version="1.0" encoding="utf-8"?>
+<p:sld xmlns:a="http://schemas.openxmlformats.org/drawingml/2006/main" xmlns:r="http://schemas.openxmlformats.org/officeDocument/2006/relationships" xmlns:p="http://schemas.openxmlformats.org/presentationml/2006/main">
+  <p:cSld>
+    <p:spTree>
+      <p:nvGrpSpPr>
+        <p:cNvPr id="1" name=""/>
+        <p:cNvGrpSpPr/>
+        <p:nvPr/>
+      </p:nvGrpSpPr>
+      <p:grpSpPr>
+        <a:xfrm>
+          <a:off x="0" y="0"/>
+          <a:ext cx="0" cy="0"/>
+          <a:chOff x="0" y="0"/>
+          <a:chExt cx="0" cy="0"/>
+        </a:xfrm>
+      </p:grpSpPr>
+      <p:sp>
+        <p:nvSpPr>
+          <p:cNvPr id="2" name="Cím 1"/>
+          <p:cNvSpPr>
+            <a:spLocks noGrp="1"/>
+          </p:cNvSpPr>
+          <p:nvPr>
+            <p:ph type="title"/>
+          </p:nvPr>
+        </p:nvSpPr>
+        <p:spPr/>
+        <p:txBody>
+          <a:bodyPr/>
+          <a:lstStyle/>
+          <a:p>
+            <a:r>
+              <a:rPr lang="en-US" dirty="0" err="1">
+                <a:latin typeface="Arial" panose="020B0604020202020204" pitchFamily="34" charset="0"/>
+                <a:cs typeface="Arial" panose="020B0604020202020204" pitchFamily="34" charset="0"/>
+              </a:rPr>
+              <a:t>Oldal</a:t>
+            </a:r>
+            <a:r>
+              <a:rPr lang="en-US" dirty="0">
+                <a:latin typeface="Arial" panose="020B0604020202020204" pitchFamily="34" charset="0"/>
+                <a:cs typeface="Arial" panose="020B0604020202020204" pitchFamily="34" charset="0"/>
+              </a:rPr>
+              <a:t> design</a:t>
+            </a:r>
+            <a:endParaRPr lang="hu-HU" dirty="0">
+              <a:latin typeface="Arial" panose="020B0604020202020204" pitchFamily="34" charset="0"/>
+              <a:cs typeface="Arial" panose="020B0604020202020204" pitchFamily="34" charset="0"/>
+            </a:endParaRPr>
+          </a:p>
+        </p:txBody>
+      </p:sp>
+      <p:sp>
+        <p:nvSpPr>
+          <p:cNvPr id="3" name="Tartalom helye 2"/>
+          <p:cNvSpPr>
+            <a:spLocks noGrp="1"/>
+          </p:cNvSpPr>
+          <p:nvPr>
+            <p:ph idx="1"/>
+          </p:nvPr>
+        </p:nvSpPr>
+        <p:spPr/>
+        <p:txBody>
+          <a:bodyPr/>
+          <a:lstStyle/>
+          <a:p>
+            <a:pPr marL="0" indent="0" algn="ctr">
+              <a:buNone/>
+            </a:pPr>
+            <a:r>
+              <a:rPr lang="en-US" dirty="0" err="1">
+                <a:latin typeface="Arial" panose="020B0604020202020204" pitchFamily="34" charset="0"/>
+                <a:cs typeface="Arial" panose="020B0604020202020204" pitchFamily="34" charset="0"/>
+              </a:rPr>
+              <a:t>Ezután</a:t>
+            </a:r>
+            <a:r>
+              <a:rPr lang="en-US" dirty="0">
+                <a:latin typeface="Arial" panose="020B0604020202020204" pitchFamily="34" charset="0"/>
+                <a:cs typeface="Arial" panose="020B0604020202020204" pitchFamily="34" charset="0"/>
+              </a:rPr>
+              <a:t> Figma-ban </a:t>
+            </a:r>
+            <a:r>
+              <a:rPr lang="en-US" dirty="0" err="1">
+                <a:latin typeface="Arial" panose="020B0604020202020204" pitchFamily="34" charset="0"/>
+                <a:cs typeface="Arial" panose="020B0604020202020204" pitchFamily="34" charset="0"/>
+              </a:rPr>
+              <a:t>készítettük</a:t>
+            </a:r>
+            <a:r>
+              <a:rPr lang="en-US" dirty="0">
+                <a:latin typeface="Arial" panose="020B0604020202020204" pitchFamily="34" charset="0"/>
+                <a:cs typeface="Arial" panose="020B0604020202020204" pitchFamily="34" charset="0"/>
+              </a:rPr>
+              <a:t> </a:t>
+            </a:r>
+            <a:r>
+              <a:rPr lang="en-US" dirty="0" err="1">
+                <a:latin typeface="Arial" panose="020B0604020202020204" pitchFamily="34" charset="0"/>
+                <a:cs typeface="Arial" panose="020B0604020202020204" pitchFamily="34" charset="0"/>
+              </a:rPr>
+              <a:t>az</a:t>
+            </a:r>
+            <a:r>
+              <a:rPr lang="en-US" dirty="0">
+                <a:latin typeface="Arial" panose="020B0604020202020204" pitchFamily="34" charset="0"/>
+                <a:cs typeface="Arial" panose="020B0604020202020204" pitchFamily="34" charset="0"/>
+              </a:rPr>
+              <a:t> </a:t>
+            </a:r>
+            <a:r>
+              <a:rPr lang="en-US" dirty="0" err="1">
+                <a:latin typeface="Arial" panose="020B0604020202020204" pitchFamily="34" charset="0"/>
+                <a:cs typeface="Arial" panose="020B0604020202020204" pitchFamily="34" charset="0"/>
+              </a:rPr>
+              <a:t>oldal</a:t>
+            </a:r>
+            <a:r>
+              <a:rPr lang="en-US" dirty="0">
+                <a:latin typeface="Arial" panose="020B0604020202020204" pitchFamily="34" charset="0"/>
+                <a:cs typeface="Arial" panose="020B0604020202020204" pitchFamily="34" charset="0"/>
+              </a:rPr>
+              <a:t> </a:t>
+            </a:r>
+            <a:r>
+              <a:rPr lang="en-US" dirty="0" err="1">
+                <a:latin typeface="Arial" panose="020B0604020202020204" pitchFamily="34" charset="0"/>
+                <a:cs typeface="Arial" panose="020B0604020202020204" pitchFamily="34" charset="0"/>
+              </a:rPr>
+              <a:t>sablonjait</a:t>
+            </a:r>
+            <a:endParaRPr lang="hu-HU" dirty="0">
+              <a:latin typeface="Arial" panose="020B0604020202020204" pitchFamily="34" charset="0"/>
+              <a:cs typeface="Arial" panose="020B0604020202020204" pitchFamily="34" charset="0"/>
+            </a:endParaRPr>
+          </a:p>
+        </p:txBody>
+      </p:sp>
+      <p:pic>
+        <p:nvPicPr>
+          <p:cNvPr id="14338" name="Picture 2">
+            <a:extLst>
+              <a:ext uri="{FF2B5EF4-FFF2-40B4-BE49-F238E27FC236}">
+                <a16:creationId xmlns:a16="http://schemas.microsoft.com/office/drawing/2014/main" id="{41A1D13D-9882-F180-8F74-81B606C0DB48}"/>
+              </a:ext>
+            </a:extLst>
+          </p:cNvPr>
+          <p:cNvPicPr>
+            <a:picLocks noChangeAspect="1" noChangeArrowheads="1"/>
+          </p:cNvPicPr>
+          <p:nvPr/>
+        </p:nvPicPr>
+        <p:blipFill>
+          <a:blip r:embed="rId2">
+            <a:extLst>
+              <a:ext uri="{28A0092B-C50C-407E-A947-70E740481C1C}">
+                <a14:useLocalDpi xmlns:a14="http://schemas.microsoft.com/office/drawing/2010/main" val="0"/>
+              </a:ext>
+            </a:extLst>
+          </a:blip>
+          <a:srcRect/>
+          <a:stretch>
+            <a:fillRect/>
+          </a:stretch>
+        </p:blipFill>
+        <p:spPr bwMode="auto">
+          <a:xfrm>
+            <a:off x="1589371" y="2343471"/>
+            <a:ext cx="3999432" cy="4289361"/>
+          </a:xfrm>
+          <a:prstGeom prst="rect">
+            <a:avLst/>
+          </a:prstGeom>
+          <a:noFill/>
+          <a:extLst>
+            <a:ext uri="{909E8E84-426E-40DD-AFC4-6F175D3DCCD1}">
+              <a14:hiddenFill xmlns:a14="http://schemas.microsoft.com/office/drawing/2010/main">
+                <a:solidFill>
+                  <a:srgbClr val="FFFFFF"/>
+                </a:solidFill>
+              </a14:hiddenFill>
+            </a:ext>
+          </a:extLst>
+        </p:spPr>
+      </p:pic>
+      <p:pic>
+        <p:nvPicPr>
+          <p:cNvPr id="14340" name="Picture 4">
+            <a:extLst>
+              <a:ext uri="{FF2B5EF4-FFF2-40B4-BE49-F238E27FC236}">
+                <a16:creationId xmlns:a16="http://schemas.microsoft.com/office/drawing/2014/main" id="{CCEDD0B6-5D52-7579-60B4-D13C18869601}"/>
+              </a:ext>
+            </a:extLst>
+          </p:cNvPr>
+          <p:cNvPicPr>
+            <a:picLocks noChangeAspect="1" noChangeArrowheads="1"/>
+          </p:cNvPicPr>
+          <p:nvPr/>
+        </p:nvPicPr>
+        <p:blipFill>
+          <a:blip r:embed="rId3">
+            <a:extLst>
+              <a:ext uri="{28A0092B-C50C-407E-A947-70E740481C1C}">
+                <a14:useLocalDpi xmlns:a14="http://schemas.microsoft.com/office/drawing/2010/main" val="0"/>
+              </a:ext>
+            </a:extLst>
+          </a:blip>
+          <a:srcRect/>
+          <a:stretch>
+            <a:fillRect/>
+          </a:stretch>
+        </p:blipFill>
+        <p:spPr bwMode="auto">
+          <a:xfrm>
+            <a:off x="6534686" y="2343470"/>
+            <a:ext cx="4067943" cy="4289361"/>
+          </a:xfrm>
+          <a:prstGeom prst="rect">
+            <a:avLst/>
+          </a:prstGeom>
+          <a:noFill/>
+          <a:extLst>
+            <a:ext uri="{909E8E84-426E-40DD-AFC4-6F175D3DCCD1}">
+              <a14:hiddenFill xmlns:a14="http://schemas.microsoft.com/office/drawing/2010/main">
+                <a:solidFill>
+                  <a:srgbClr val="FFFFFF"/>
+                </a:solidFill>
+              </a14:hiddenFill>
+            </a:ext>
+          </a:extLst>
+        </p:spPr>
+      </p:pic>
+    </p:spTree>
+    <p:extLst>
+      <p:ext uri="{BB962C8B-B14F-4D97-AF65-F5344CB8AC3E}">
+        <p14:creationId xmlns:p14="http://schemas.microsoft.com/office/powerpoint/2010/main" val="2912803487"/>
+      </p:ext>
+    </p:extLst>
+  </p:cSld>
+  <p:clrMapOvr>
+    <a:masterClrMapping/>
+  </p:clrMapOvr>
+</p:sld>
+</file>
+
+<file path=ppt/slides/slide23.xml><?xml version="1.0" encoding="utf-8"?>
+<p:sld xmlns:a="http://schemas.openxmlformats.org/drawingml/2006/main" xmlns:r="http://schemas.openxmlformats.org/officeDocument/2006/relationships" xmlns:p="http://schemas.openxmlformats.org/presentationml/2006/main">
+  <p:cSld>
+    <p:spTree>
+      <p:nvGrpSpPr>
+        <p:cNvPr id="1" name=""/>
+        <p:cNvGrpSpPr/>
+        <p:nvPr/>
+      </p:nvGrpSpPr>
+      <p:grpSpPr>
+        <a:xfrm>
+          <a:off x="0" y="0"/>
+          <a:ext cx="0" cy="0"/>
+          <a:chOff x="0" y="0"/>
+          <a:chExt cx="0" cy="0"/>
+        </a:xfrm>
+      </p:grpSpPr>
+      <p:sp>
+        <p:nvSpPr>
+          <p:cNvPr id="2" name="Cím 1"/>
+          <p:cNvSpPr>
+            <a:spLocks noGrp="1"/>
+          </p:cNvSpPr>
+          <p:nvPr>
+            <p:ph type="ctrTitle"/>
+          </p:nvPr>
+        </p:nvSpPr>
+        <p:spPr>
+          <a:xfrm>
+            <a:off x="1524000" y="1490663"/>
+            <a:ext cx="9144000" cy="2387600"/>
+          </a:xfrm>
+        </p:spPr>
+        <p:txBody>
+          <a:bodyPr>
+            <a:normAutofit/>
+          </a:bodyPr>
+          <a:lstStyle/>
+          <a:p>
+            <a:r>
+              <a:rPr lang="hu-HU" sz="7200" dirty="0">
+                <a:latin typeface="Arial" panose="020B0604020202020204" pitchFamily="34" charset="0"/>
+                <a:ea typeface="Arial Unicode MS" panose="020B0604020202020204" pitchFamily="34" charset="-128"/>
+                <a:cs typeface="Arial" panose="020B0604020202020204" pitchFamily="34" charset="0"/>
+              </a:rPr>
+              <a:t>Megvalósítás</a:t>
+            </a:r>
+          </a:p>
+        </p:txBody>
+      </p:sp>
+    </p:spTree>
+    <p:extLst>
+      <p:ext uri="{BB962C8B-B14F-4D97-AF65-F5344CB8AC3E}">
+        <p14:creationId xmlns:p14="http://schemas.microsoft.com/office/powerpoint/2010/main" val="101238564"/>
+      </p:ext>
+    </p:extLst>
+  </p:cSld>
+  <p:clrMapOvr>
+    <a:masterClrMapping/>
+  </p:clrMapOvr>
+</p:sld>
+</file>
+
+<file path=ppt/slides/slide24.xml><?xml version="1.0" encoding="utf-8"?>
+<p:sld xmlns:a="http://schemas.openxmlformats.org/drawingml/2006/main" xmlns:r="http://schemas.openxmlformats.org/officeDocument/2006/relationships" xmlns:p="http://schemas.openxmlformats.org/presentationml/2006/main">
+  <p:cSld>
+    <p:spTree>
+      <p:nvGrpSpPr>
+        <p:cNvPr id="1" name=""/>
+        <p:cNvGrpSpPr/>
+        <p:nvPr/>
+      </p:nvGrpSpPr>
+      <p:grpSpPr>
+        <a:xfrm>
+          <a:off x="0" y="0"/>
+          <a:ext cx="0" cy="0"/>
+          <a:chOff x="0" y="0"/>
+          <a:chExt cx="0" cy="0"/>
+        </a:xfrm>
+      </p:grpSpPr>
+      <p:sp>
+        <p:nvSpPr>
+          <p:cNvPr id="2" name="Cím 1"/>
+          <p:cNvSpPr>
+            <a:spLocks noGrp="1"/>
+          </p:cNvSpPr>
+          <p:nvPr>
+            <p:ph type="title"/>
+          </p:nvPr>
+        </p:nvSpPr>
+        <p:spPr/>
+        <p:txBody>
+          <a:bodyPr/>
+          <a:lstStyle/>
+          <a:p>
+            <a:r>
+              <a:rPr lang="en-US" dirty="0">
+                <a:latin typeface="Arial" panose="020B0604020202020204" pitchFamily="34" charset="0"/>
+                <a:cs typeface="Arial" panose="020B0604020202020204" pitchFamily="34" charset="0"/>
+              </a:rPr>
+              <a:t>Az </a:t>
+            </a:r>
+            <a:r>
+              <a:rPr lang="en-US" dirty="0" err="1">
+                <a:latin typeface="Arial" panose="020B0604020202020204" pitchFamily="34" charset="0"/>
+                <a:cs typeface="Arial" panose="020B0604020202020204" pitchFamily="34" charset="0"/>
+              </a:rPr>
+              <a:t>oldalak</a:t>
+            </a:r>
+            <a:endParaRPr lang="hu-HU" dirty="0">
+              <a:latin typeface="Arial" panose="020B0604020202020204" pitchFamily="34" charset="0"/>
+              <a:cs typeface="Arial" panose="020B0604020202020204" pitchFamily="34" charset="0"/>
+            </a:endParaRPr>
+          </a:p>
+        </p:txBody>
+      </p:sp>
+      <p:sp>
+        <p:nvSpPr>
+          <p:cNvPr id="3" name="Tartalom helye 2"/>
+          <p:cNvSpPr>
+            <a:spLocks noGrp="1"/>
+          </p:cNvSpPr>
+          <p:nvPr>
+            <p:ph idx="1"/>
+          </p:nvPr>
+        </p:nvSpPr>
+        <p:spPr/>
+        <p:txBody>
+          <a:bodyPr/>
+          <a:lstStyle/>
+          <a:p>
+            <a:r>
+              <a:rPr lang="en-US" dirty="0" err="1">
+                <a:latin typeface="Arial" panose="020B0604020202020204" pitchFamily="34" charset="0"/>
+                <a:cs typeface="Arial" panose="020B0604020202020204" pitchFamily="34" charset="0"/>
+              </a:rPr>
+              <a:t>Terdik</a:t>
+            </a:r>
+            <a:r>
+              <a:rPr lang="en-US" dirty="0">
+                <a:latin typeface="Arial" panose="020B0604020202020204" pitchFamily="34" charset="0"/>
+                <a:cs typeface="Arial" panose="020B0604020202020204" pitchFamily="34" charset="0"/>
+              </a:rPr>
+              <a:t> </a:t>
+            </a:r>
+            <a:r>
+              <a:rPr lang="en-US" dirty="0" err="1">
+                <a:latin typeface="Arial" panose="020B0604020202020204" pitchFamily="34" charset="0"/>
+                <a:cs typeface="Arial" panose="020B0604020202020204" pitchFamily="34" charset="0"/>
+              </a:rPr>
+              <a:t>Zalán</a:t>
+            </a:r>
+            <a:r>
+              <a:rPr lang="en-US" dirty="0">
+                <a:latin typeface="Arial" panose="020B0604020202020204" pitchFamily="34" charset="0"/>
+                <a:cs typeface="Arial" panose="020B0604020202020204" pitchFamily="34" charset="0"/>
+              </a:rPr>
+              <a:t>: </a:t>
+            </a:r>
+            <a:r>
+              <a:rPr lang="en-US" dirty="0" err="1">
+                <a:latin typeface="Arial" panose="020B0604020202020204" pitchFamily="34" charset="0"/>
+                <a:cs typeface="Arial" panose="020B0604020202020204" pitchFamily="34" charset="0"/>
+              </a:rPr>
+              <a:t>Rólunk</a:t>
+            </a:r>
+            <a:r>
+              <a:rPr lang="en-US" dirty="0">
+                <a:latin typeface="Arial" panose="020B0604020202020204" pitchFamily="34" charset="0"/>
+                <a:cs typeface="Arial" panose="020B0604020202020204" pitchFamily="34" charset="0"/>
+              </a:rPr>
+              <a:t>, </a:t>
+            </a:r>
+            <a:r>
+              <a:rPr lang="en-US" dirty="0" err="1">
+                <a:latin typeface="Arial" panose="020B0604020202020204" pitchFamily="34" charset="0"/>
+                <a:cs typeface="Arial" panose="020B0604020202020204" pitchFamily="34" charset="0"/>
+              </a:rPr>
+              <a:t>Faanyagok</a:t>
+            </a:r>
+            <a:endParaRPr lang="en-US" dirty="0">
+              <a:latin typeface="Arial" panose="020B0604020202020204" pitchFamily="34" charset="0"/>
+              <a:cs typeface="Arial" panose="020B0604020202020204" pitchFamily="34" charset="0"/>
+            </a:endParaRPr>
+          </a:p>
+          <a:p>
+            <a:r>
+              <a:rPr lang="en-US" dirty="0" err="1">
+                <a:latin typeface="Arial" panose="020B0604020202020204" pitchFamily="34" charset="0"/>
+                <a:cs typeface="Arial" panose="020B0604020202020204" pitchFamily="34" charset="0"/>
+              </a:rPr>
+              <a:t>Török</a:t>
+            </a:r>
+            <a:r>
+              <a:rPr lang="en-US" dirty="0">
+                <a:latin typeface="Arial" panose="020B0604020202020204" pitchFamily="34" charset="0"/>
+                <a:cs typeface="Arial" panose="020B0604020202020204" pitchFamily="34" charset="0"/>
+              </a:rPr>
+              <a:t> </a:t>
+            </a:r>
+            <a:r>
+              <a:rPr lang="en-US" dirty="0" err="1">
+                <a:latin typeface="Arial" panose="020B0604020202020204" pitchFamily="34" charset="0"/>
+                <a:cs typeface="Arial" panose="020B0604020202020204" pitchFamily="34" charset="0"/>
+              </a:rPr>
+              <a:t>Péter</a:t>
+            </a:r>
+            <a:r>
+              <a:rPr lang="en-US" dirty="0">
+                <a:latin typeface="Arial" panose="020B0604020202020204" pitchFamily="34" charset="0"/>
+                <a:cs typeface="Arial" panose="020B0604020202020204" pitchFamily="34" charset="0"/>
+              </a:rPr>
+              <a:t>: Blog, </a:t>
+            </a:r>
+            <a:r>
+              <a:rPr lang="en-US" dirty="0" err="1">
+                <a:latin typeface="Arial" panose="020B0604020202020204" pitchFamily="34" charset="0"/>
+                <a:cs typeface="Arial" panose="020B0604020202020204" pitchFamily="34" charset="0"/>
+              </a:rPr>
+              <a:t>Főoldal</a:t>
+            </a:r>
+            <a:endParaRPr lang="en-US" dirty="0">
+              <a:latin typeface="Arial" panose="020B0604020202020204" pitchFamily="34" charset="0"/>
+              <a:cs typeface="Arial" panose="020B0604020202020204" pitchFamily="34" charset="0"/>
+            </a:endParaRPr>
+          </a:p>
+          <a:p>
+            <a:r>
+              <a:rPr lang="en-US" dirty="0">
+                <a:latin typeface="Arial" panose="020B0604020202020204" pitchFamily="34" charset="0"/>
+                <a:cs typeface="Arial" panose="020B0604020202020204" pitchFamily="34" charset="0"/>
+              </a:rPr>
+              <a:t>Vér Bence: </a:t>
+            </a:r>
+            <a:r>
+              <a:rPr lang="en-US" dirty="0" err="1">
+                <a:latin typeface="Arial" panose="020B0604020202020204" pitchFamily="34" charset="0"/>
+                <a:cs typeface="Arial" panose="020B0604020202020204" pitchFamily="34" charset="0"/>
+              </a:rPr>
+              <a:t>Szerszámkatalógus</a:t>
+            </a:r>
+            <a:r>
+              <a:rPr lang="en-US" dirty="0">
+                <a:latin typeface="Arial" panose="020B0604020202020204" pitchFamily="34" charset="0"/>
+                <a:cs typeface="Arial" panose="020B0604020202020204" pitchFamily="34" charset="0"/>
+              </a:rPr>
+              <a:t>, </a:t>
+            </a:r>
+            <a:r>
+              <a:rPr lang="en-US" dirty="0" err="1">
+                <a:latin typeface="Arial" panose="020B0604020202020204" pitchFamily="34" charset="0"/>
+                <a:cs typeface="Arial" panose="020B0604020202020204" pitchFamily="34" charset="0"/>
+              </a:rPr>
+              <a:t>Festékek</a:t>
+            </a:r>
+            <a:endParaRPr lang="hu-HU" dirty="0">
+              <a:latin typeface="Arial" panose="020B0604020202020204" pitchFamily="34" charset="0"/>
+              <a:cs typeface="Arial" panose="020B0604020202020204" pitchFamily="34" charset="0"/>
+            </a:endParaRPr>
+          </a:p>
+        </p:txBody>
+      </p:sp>
+    </p:spTree>
+    <p:extLst>
+      <p:ext uri="{BB962C8B-B14F-4D97-AF65-F5344CB8AC3E}">
+        <p14:creationId xmlns:p14="http://schemas.microsoft.com/office/powerpoint/2010/main" val="2893485710"/>
+      </p:ext>
+    </p:extLst>
+  </p:cSld>
+  <p:clrMapOvr>
+    <a:masterClrMapping/>
+  </p:clrMapOvr>
+</p:sld>
+</file>
+
+<file path=ppt/slides/slide25.xml><?xml version="1.0" encoding="utf-8"?>
+<p:sld xmlns:a="http://schemas.openxmlformats.org/drawingml/2006/main" xmlns:r="http://schemas.openxmlformats.org/officeDocument/2006/relationships" xmlns:p="http://schemas.openxmlformats.org/presentationml/2006/main">
+  <p:cSld>
+    <p:spTree>
+      <p:nvGrpSpPr>
+        <p:cNvPr id="1" name=""/>
+        <p:cNvGrpSpPr/>
+        <p:nvPr/>
+      </p:nvGrpSpPr>
+      <p:grpSpPr>
+        <a:xfrm>
+          <a:off x="0" y="0"/>
+          <a:ext cx="0" cy="0"/>
+          <a:chOff x="0" y="0"/>
+          <a:chExt cx="0" cy="0"/>
+        </a:xfrm>
+      </p:grpSpPr>
+      <p:sp>
+        <p:nvSpPr>
+          <p:cNvPr id="2" name="Title 1">
+            <a:extLst>
+              <a:ext uri="{FF2B5EF4-FFF2-40B4-BE49-F238E27FC236}">
+                <a16:creationId xmlns:a16="http://schemas.microsoft.com/office/drawing/2014/main" id="{43F47DFC-B619-7D01-D3D0-53FB72AF8E8C}"/>
+              </a:ext>
+            </a:extLst>
+          </p:cNvPr>
+          <p:cNvSpPr>
+            <a:spLocks noGrp="1"/>
+          </p:cNvSpPr>
+          <p:nvPr>
+            <p:ph type="title"/>
+          </p:nvPr>
+        </p:nvSpPr>
+        <p:spPr/>
+        <p:txBody>
+          <a:bodyPr/>
+          <a:lstStyle/>
+          <a:p>
+            <a:r>
+              <a:rPr lang="en-US" dirty="0" err="1">
+                <a:latin typeface="Arial" panose="020B0604020202020204" pitchFamily="34" charset="0"/>
+                <a:cs typeface="Arial" panose="020B0604020202020204" pitchFamily="34" charset="0"/>
+              </a:rPr>
+              <a:t>Terdik</a:t>
+            </a:r>
+            <a:r>
+              <a:rPr lang="en-US" dirty="0">
+                <a:latin typeface="Arial" panose="020B0604020202020204" pitchFamily="34" charset="0"/>
+                <a:cs typeface="Arial" panose="020B0604020202020204" pitchFamily="34" charset="0"/>
+              </a:rPr>
+              <a:t> </a:t>
+            </a:r>
+            <a:r>
+              <a:rPr lang="en-US" dirty="0" err="1">
+                <a:latin typeface="Arial" panose="020B0604020202020204" pitchFamily="34" charset="0"/>
+                <a:cs typeface="Arial" panose="020B0604020202020204" pitchFamily="34" charset="0"/>
+              </a:rPr>
+              <a:t>Zalán</a:t>
+            </a:r>
+            <a:endParaRPr lang="en-US" dirty="0">
+              <a:latin typeface="Arial" panose="020B0604020202020204" pitchFamily="34" charset="0"/>
+              <a:cs typeface="Arial" panose="020B0604020202020204" pitchFamily="34" charset="0"/>
+            </a:endParaRPr>
+          </a:p>
+        </p:txBody>
+      </p:sp>
+      <p:sp>
+        <p:nvSpPr>
+          <p:cNvPr id="3" name="Content Placeholder 2">
+            <a:extLst>
+              <a:ext uri="{FF2B5EF4-FFF2-40B4-BE49-F238E27FC236}">
+                <a16:creationId xmlns:a16="http://schemas.microsoft.com/office/drawing/2014/main" id="{ADB4DFEB-D797-23EC-0BCF-B306E1A6C09B}"/>
+              </a:ext>
+            </a:extLst>
+          </p:cNvPr>
+          <p:cNvSpPr>
+            <a:spLocks noGrp="1"/>
+          </p:cNvSpPr>
+          <p:nvPr>
+            <p:ph idx="1"/>
+          </p:nvPr>
+        </p:nvSpPr>
+        <p:spPr/>
+        <p:txBody>
+          <a:bodyPr/>
+          <a:lstStyle/>
+          <a:p>
+            <a:r>
+              <a:rPr lang="en-US" dirty="0">
+                <a:latin typeface="Arial" panose="020B0604020202020204" pitchFamily="34" charset="0"/>
+                <a:cs typeface="Arial" panose="020B0604020202020204" pitchFamily="34" charset="0"/>
+              </a:rPr>
+              <a:t>Az </a:t>
+            </a:r>
+            <a:r>
+              <a:rPr lang="en-US" dirty="0" err="1">
+                <a:latin typeface="Arial" panose="020B0604020202020204" pitchFamily="34" charset="0"/>
+                <a:cs typeface="Arial" panose="020B0604020202020204" pitchFamily="34" charset="0"/>
+              </a:rPr>
+              <a:t>elején</a:t>
+            </a:r>
+            <a:r>
+              <a:rPr lang="en-US" dirty="0">
+                <a:latin typeface="Arial" panose="020B0604020202020204" pitchFamily="34" charset="0"/>
+                <a:cs typeface="Arial" panose="020B0604020202020204" pitchFamily="34" charset="0"/>
+              </a:rPr>
+              <a:t> </a:t>
+            </a:r>
+            <a:r>
+              <a:rPr lang="en-US" dirty="0" err="1">
+                <a:latin typeface="Arial" panose="020B0604020202020204" pitchFamily="34" charset="0"/>
+                <a:cs typeface="Arial" panose="020B0604020202020204" pitchFamily="34" charset="0"/>
+              </a:rPr>
+              <a:t>nehéz</a:t>
+            </a:r>
+            <a:r>
+              <a:rPr lang="en-US" dirty="0">
+                <a:latin typeface="Arial" panose="020B0604020202020204" pitchFamily="34" charset="0"/>
+                <a:cs typeface="Arial" panose="020B0604020202020204" pitchFamily="34" charset="0"/>
+              </a:rPr>
+              <a:t> volt a </a:t>
+            </a:r>
+            <a:r>
+              <a:rPr lang="en-US" dirty="0" err="1">
+                <a:latin typeface="Arial" panose="020B0604020202020204" pitchFamily="34" charset="0"/>
+                <a:cs typeface="Arial" panose="020B0604020202020204" pitchFamily="34" charset="0"/>
+              </a:rPr>
+              <a:t>közös</a:t>
+            </a:r>
+            <a:r>
+              <a:rPr lang="en-US" dirty="0">
+                <a:latin typeface="Arial" panose="020B0604020202020204" pitchFamily="34" charset="0"/>
+                <a:cs typeface="Arial" panose="020B0604020202020204" pitchFamily="34" charset="0"/>
+              </a:rPr>
+              <a:t> </a:t>
+            </a:r>
+            <a:r>
+              <a:rPr lang="en-US" dirty="0" err="1">
+                <a:latin typeface="Arial" panose="020B0604020202020204" pitchFamily="34" charset="0"/>
+                <a:cs typeface="Arial" panose="020B0604020202020204" pitchFamily="34" charset="0"/>
+              </a:rPr>
+              <a:t>munka</a:t>
+            </a:r>
+            <a:r>
+              <a:rPr lang="en-US" dirty="0">
+                <a:latin typeface="Arial" panose="020B0604020202020204" pitchFamily="34" charset="0"/>
+                <a:cs typeface="Arial" panose="020B0604020202020204" pitchFamily="34" charset="0"/>
+              </a:rPr>
+              <a:t>, de </a:t>
+            </a:r>
+            <a:r>
+              <a:rPr lang="en-US" dirty="0" err="1">
+                <a:latin typeface="Arial" panose="020B0604020202020204" pitchFamily="34" charset="0"/>
+                <a:cs typeface="Arial" panose="020B0604020202020204" pitchFamily="34" charset="0"/>
+              </a:rPr>
+              <a:t>utána</a:t>
+            </a:r>
+            <a:r>
+              <a:rPr lang="en-US" dirty="0">
+                <a:latin typeface="Arial" panose="020B0604020202020204" pitchFamily="34" charset="0"/>
+                <a:cs typeface="Arial" panose="020B0604020202020204" pitchFamily="34" charset="0"/>
+              </a:rPr>
+              <a:t> </a:t>
+            </a:r>
+            <a:r>
+              <a:rPr lang="en-US" dirty="0" err="1">
+                <a:latin typeface="Arial" panose="020B0604020202020204" pitchFamily="34" charset="0"/>
+                <a:cs typeface="Arial" panose="020B0604020202020204" pitchFamily="34" charset="0"/>
+              </a:rPr>
+              <a:t>már</a:t>
+            </a:r>
+            <a:r>
+              <a:rPr lang="en-US" dirty="0">
+                <a:latin typeface="Arial" panose="020B0604020202020204" pitchFamily="34" charset="0"/>
+                <a:cs typeface="Arial" panose="020B0604020202020204" pitchFamily="34" charset="0"/>
+              </a:rPr>
+              <a:t> </a:t>
+            </a:r>
+            <a:r>
+              <a:rPr lang="en-US" dirty="0" err="1">
+                <a:latin typeface="Arial" panose="020B0604020202020204" pitchFamily="34" charset="0"/>
+                <a:cs typeface="Arial" panose="020B0604020202020204" pitchFamily="34" charset="0"/>
+              </a:rPr>
+              <a:t>össze</a:t>
+            </a:r>
+            <a:r>
+              <a:rPr lang="en-US" dirty="0">
+                <a:latin typeface="Arial" panose="020B0604020202020204" pitchFamily="34" charset="0"/>
+                <a:cs typeface="Arial" panose="020B0604020202020204" pitchFamily="34" charset="0"/>
+              </a:rPr>
+              <a:t> </a:t>
+            </a:r>
+            <a:r>
+              <a:rPr lang="en-US" dirty="0" err="1">
+                <a:latin typeface="Arial" panose="020B0604020202020204" pitchFamily="34" charset="0"/>
+                <a:cs typeface="Arial" panose="020B0604020202020204" pitchFamily="34" charset="0"/>
+              </a:rPr>
+              <a:t>szoktunk</a:t>
+            </a:r>
+            <a:r>
+              <a:rPr lang="en-US" dirty="0">
+                <a:latin typeface="Arial" panose="020B0604020202020204" pitchFamily="34" charset="0"/>
+                <a:cs typeface="Arial" panose="020B0604020202020204" pitchFamily="34" charset="0"/>
+              </a:rPr>
+              <a:t> </a:t>
+            </a:r>
+            <a:r>
+              <a:rPr lang="en-US" dirty="0" err="1">
+                <a:latin typeface="Arial" panose="020B0604020202020204" pitchFamily="34" charset="0"/>
+                <a:cs typeface="Arial" panose="020B0604020202020204" pitchFamily="34" charset="0"/>
+              </a:rPr>
+              <a:t>és</a:t>
+            </a:r>
+            <a:r>
+              <a:rPr lang="en-US" dirty="0">
+                <a:latin typeface="Arial" panose="020B0604020202020204" pitchFamily="34" charset="0"/>
+                <a:cs typeface="Arial" panose="020B0604020202020204" pitchFamily="34" charset="0"/>
+              </a:rPr>
+              <a:t> </a:t>
+            </a:r>
+            <a:r>
+              <a:rPr lang="en-US" dirty="0" err="1">
+                <a:latin typeface="Arial" panose="020B0604020202020204" pitchFamily="34" charset="0"/>
+                <a:cs typeface="Arial" panose="020B0604020202020204" pitchFamily="34" charset="0"/>
+              </a:rPr>
+              <a:t>értettük</a:t>
+            </a:r>
+            <a:r>
+              <a:rPr lang="en-US" dirty="0">
+                <a:latin typeface="Arial" panose="020B0604020202020204" pitchFamily="34" charset="0"/>
+                <a:cs typeface="Arial" panose="020B0604020202020204" pitchFamily="34" charset="0"/>
+              </a:rPr>
+              <a:t> </a:t>
+            </a:r>
+            <a:r>
+              <a:rPr lang="en-US" dirty="0" err="1">
+                <a:latin typeface="Arial" panose="020B0604020202020204" pitchFamily="34" charset="0"/>
+                <a:cs typeface="Arial" panose="020B0604020202020204" pitchFamily="34" charset="0"/>
+              </a:rPr>
+              <a:t>egymást</a:t>
+            </a:r>
+            <a:r>
+              <a:rPr lang="en-US" dirty="0">
+                <a:latin typeface="Arial" panose="020B0604020202020204" pitchFamily="34" charset="0"/>
+                <a:cs typeface="Arial" panose="020B0604020202020204" pitchFamily="34" charset="0"/>
+              </a:rPr>
+              <a:t>.</a:t>
+            </a:r>
+          </a:p>
+          <a:p>
+            <a:r>
+              <a:rPr lang="en-US" dirty="0">
+                <a:latin typeface="Arial" panose="020B0604020202020204" pitchFamily="34" charset="0"/>
+                <a:cs typeface="Arial" panose="020B0604020202020204" pitchFamily="34" charset="0"/>
+              </a:rPr>
+              <a:t>A </a:t>
+            </a:r>
+            <a:r>
+              <a:rPr lang="en-US" dirty="0" err="1">
+                <a:latin typeface="Arial" panose="020B0604020202020204" pitchFamily="34" charset="0"/>
+                <a:cs typeface="Arial" panose="020B0604020202020204" pitchFamily="34" charset="0"/>
+              </a:rPr>
+              <a:t>feladatomat</a:t>
+            </a:r>
+            <a:r>
+              <a:rPr lang="en-US" dirty="0">
+                <a:latin typeface="Arial" panose="020B0604020202020204" pitchFamily="34" charset="0"/>
+                <a:cs typeface="Arial" panose="020B0604020202020204" pitchFamily="34" charset="0"/>
+              </a:rPr>
+              <a:t> </a:t>
+            </a:r>
+            <a:r>
+              <a:rPr lang="en-US" dirty="0" err="1">
+                <a:latin typeface="Arial" panose="020B0604020202020204" pitchFamily="34" charset="0"/>
+                <a:cs typeface="Arial" panose="020B0604020202020204" pitchFamily="34" charset="0"/>
+              </a:rPr>
+              <a:t>viszonylag</a:t>
+            </a:r>
+            <a:r>
+              <a:rPr lang="en-US" dirty="0">
+                <a:latin typeface="Arial" panose="020B0604020202020204" pitchFamily="34" charset="0"/>
+                <a:cs typeface="Arial" panose="020B0604020202020204" pitchFamily="34" charset="0"/>
+              </a:rPr>
+              <a:t> </a:t>
+            </a:r>
+            <a:r>
+              <a:rPr lang="en-US" dirty="0" err="1">
+                <a:latin typeface="Arial" panose="020B0604020202020204" pitchFamily="34" charset="0"/>
+                <a:cs typeface="Arial" panose="020B0604020202020204" pitchFamily="34" charset="0"/>
+              </a:rPr>
+              <a:t>sikeresen</a:t>
+            </a:r>
+            <a:r>
+              <a:rPr lang="en-US" dirty="0">
+                <a:latin typeface="Arial" panose="020B0604020202020204" pitchFamily="34" charset="0"/>
+                <a:cs typeface="Arial" panose="020B0604020202020204" pitchFamily="34" charset="0"/>
+              </a:rPr>
+              <a:t> </a:t>
+            </a:r>
+            <a:r>
+              <a:rPr lang="en-US" dirty="0" err="1">
+                <a:latin typeface="Arial" panose="020B0604020202020204" pitchFamily="34" charset="0"/>
+                <a:cs typeface="Arial" panose="020B0604020202020204" pitchFamily="34" charset="0"/>
+              </a:rPr>
+              <a:t>elvégeztem</a:t>
+            </a:r>
+            <a:r>
+              <a:rPr lang="en-US" dirty="0">
+                <a:latin typeface="Arial" panose="020B0604020202020204" pitchFamily="34" charset="0"/>
+                <a:cs typeface="Arial" panose="020B0604020202020204" pitchFamily="34" charset="0"/>
+              </a:rPr>
+              <a:t>, </a:t>
+            </a:r>
+            <a:r>
+              <a:rPr lang="en-US" dirty="0" err="1">
+                <a:latin typeface="Arial" panose="020B0604020202020204" pitchFamily="34" charset="0"/>
+                <a:cs typeface="Arial" panose="020B0604020202020204" pitchFamily="34" charset="0"/>
+              </a:rPr>
+              <a:t>néha</a:t>
+            </a:r>
+            <a:r>
+              <a:rPr lang="en-US" dirty="0">
+                <a:latin typeface="Arial" panose="020B0604020202020204" pitchFamily="34" charset="0"/>
+                <a:cs typeface="Arial" panose="020B0604020202020204" pitchFamily="34" charset="0"/>
+              </a:rPr>
+              <a:t> </a:t>
+            </a:r>
+            <a:r>
+              <a:rPr lang="en-US" dirty="0" err="1">
+                <a:latin typeface="Arial" panose="020B0604020202020204" pitchFamily="34" charset="0"/>
+                <a:cs typeface="Arial" panose="020B0604020202020204" pitchFamily="34" charset="0"/>
+              </a:rPr>
+              <a:t>sok</a:t>
+            </a:r>
+            <a:r>
+              <a:rPr lang="en-US" dirty="0">
+                <a:latin typeface="Arial" panose="020B0604020202020204" pitchFamily="34" charset="0"/>
+                <a:cs typeface="Arial" panose="020B0604020202020204" pitchFamily="34" charset="0"/>
+              </a:rPr>
+              <a:t> </a:t>
+            </a:r>
+            <a:r>
+              <a:rPr lang="en-US" dirty="0" err="1">
+                <a:latin typeface="Arial" panose="020B0604020202020204" pitchFamily="34" charset="0"/>
+                <a:cs typeface="Arial" panose="020B0604020202020204" pitchFamily="34" charset="0"/>
+              </a:rPr>
+              <a:t>nehezséggel</a:t>
+            </a:r>
+            <a:r>
+              <a:rPr lang="en-US" dirty="0">
+                <a:latin typeface="Arial" panose="020B0604020202020204" pitchFamily="34" charset="0"/>
+                <a:cs typeface="Arial" panose="020B0604020202020204" pitchFamily="34" charset="0"/>
+              </a:rPr>
+              <a:t>. </a:t>
+            </a:r>
+          </a:p>
+          <a:p>
+            <a:r>
+              <a:rPr lang="en-US" dirty="0" err="1">
+                <a:latin typeface="Arial" panose="020B0604020202020204" pitchFamily="34" charset="0"/>
+                <a:cs typeface="Arial" panose="020B0604020202020204" pitchFamily="34" charset="0"/>
+              </a:rPr>
+              <a:t>Összeségében</a:t>
+            </a:r>
+            <a:r>
+              <a:rPr lang="en-US" dirty="0">
+                <a:latin typeface="Arial" panose="020B0604020202020204" pitchFamily="34" charset="0"/>
+                <a:cs typeface="Arial" panose="020B0604020202020204" pitchFamily="34" charset="0"/>
+              </a:rPr>
+              <a:t> a </a:t>
+            </a:r>
+            <a:r>
+              <a:rPr lang="en-US" dirty="0" err="1">
+                <a:latin typeface="Arial" panose="020B0604020202020204" pitchFamily="34" charset="0"/>
+                <a:cs typeface="Arial" panose="020B0604020202020204" pitchFamily="34" charset="0"/>
+              </a:rPr>
+              <a:t>csapatmunka</a:t>
+            </a:r>
+            <a:r>
+              <a:rPr lang="en-US" dirty="0">
+                <a:latin typeface="Arial" panose="020B0604020202020204" pitchFamily="34" charset="0"/>
+                <a:cs typeface="Arial" panose="020B0604020202020204" pitchFamily="34" charset="0"/>
+              </a:rPr>
+              <a:t> </a:t>
+            </a:r>
+            <a:r>
+              <a:rPr lang="en-US" dirty="0" err="1">
+                <a:latin typeface="Arial" panose="020B0604020202020204" pitchFamily="34" charset="0"/>
+                <a:cs typeface="Arial" panose="020B0604020202020204" pitchFamily="34" charset="0"/>
+              </a:rPr>
+              <a:t>jól</a:t>
+            </a:r>
+            <a:r>
+              <a:rPr lang="en-US" dirty="0">
+                <a:latin typeface="Arial" panose="020B0604020202020204" pitchFamily="34" charset="0"/>
+                <a:cs typeface="Arial" panose="020B0604020202020204" pitchFamily="34" charset="0"/>
+              </a:rPr>
+              <a:t> </a:t>
+            </a:r>
+            <a:r>
+              <a:rPr lang="en-US" dirty="0" err="1">
+                <a:latin typeface="Arial" panose="020B0604020202020204" pitchFamily="34" charset="0"/>
+                <a:cs typeface="Arial" panose="020B0604020202020204" pitchFamily="34" charset="0"/>
+              </a:rPr>
+              <a:t>ment</a:t>
+            </a:r>
+            <a:r>
+              <a:rPr lang="en-US" dirty="0">
+                <a:latin typeface="Arial" panose="020B0604020202020204" pitchFamily="34" charset="0"/>
+                <a:cs typeface="Arial" panose="020B0604020202020204" pitchFamily="34" charset="0"/>
+              </a:rPr>
+              <a:t>. A </a:t>
+            </a:r>
+            <a:r>
+              <a:rPr lang="en-US" dirty="0" err="1">
+                <a:latin typeface="Arial" panose="020B0604020202020204" pitchFamily="34" charset="0"/>
+                <a:cs typeface="Arial" panose="020B0604020202020204" pitchFamily="34" charset="0"/>
+              </a:rPr>
+              <a:t>végere</a:t>
+            </a:r>
+            <a:r>
+              <a:rPr lang="en-US" dirty="0">
+                <a:latin typeface="Arial" panose="020B0604020202020204" pitchFamily="34" charset="0"/>
+                <a:cs typeface="Arial" panose="020B0604020202020204" pitchFamily="34" charset="0"/>
+              </a:rPr>
+              <a:t> </a:t>
+            </a:r>
+            <a:r>
+              <a:rPr lang="en-US" dirty="0" err="1">
+                <a:latin typeface="Arial" panose="020B0604020202020204" pitchFamily="34" charset="0"/>
+                <a:cs typeface="Arial" panose="020B0604020202020204" pitchFamily="34" charset="0"/>
+              </a:rPr>
+              <a:t>nagyon</a:t>
+            </a:r>
+            <a:r>
+              <a:rPr lang="en-US" dirty="0">
+                <a:latin typeface="Arial" panose="020B0604020202020204" pitchFamily="34" charset="0"/>
+                <a:cs typeface="Arial" panose="020B0604020202020204" pitchFamily="34" charset="0"/>
+              </a:rPr>
+              <a:t> </a:t>
+            </a:r>
+            <a:r>
+              <a:rPr lang="en-US" dirty="0" err="1">
+                <a:latin typeface="Arial" panose="020B0604020202020204" pitchFamily="34" charset="0"/>
+                <a:cs typeface="Arial" panose="020B0604020202020204" pitchFamily="34" charset="0"/>
+              </a:rPr>
+              <a:t>össze</a:t>
+            </a:r>
+            <a:r>
+              <a:rPr lang="en-US" dirty="0">
+                <a:latin typeface="Arial" panose="020B0604020202020204" pitchFamily="34" charset="0"/>
+                <a:cs typeface="Arial" panose="020B0604020202020204" pitchFamily="34" charset="0"/>
+              </a:rPr>
+              <a:t> </a:t>
+            </a:r>
+            <a:r>
+              <a:rPr lang="en-US" dirty="0" err="1">
+                <a:latin typeface="Arial" panose="020B0604020202020204" pitchFamily="34" charset="0"/>
+                <a:cs typeface="Arial" panose="020B0604020202020204" pitchFamily="34" charset="0"/>
+              </a:rPr>
+              <a:t>hangolódtunk</a:t>
+            </a:r>
+            <a:endParaRPr lang="en-US" dirty="0">
+              <a:latin typeface="Arial" panose="020B0604020202020204" pitchFamily="34" charset="0"/>
+              <a:cs typeface="Arial" panose="020B0604020202020204" pitchFamily="34" charset="0"/>
+            </a:endParaRPr>
+          </a:p>
+        </p:txBody>
+      </p:sp>
+    </p:spTree>
+    <p:extLst>
+      <p:ext uri="{BB962C8B-B14F-4D97-AF65-F5344CB8AC3E}">
+        <p14:creationId xmlns:p14="http://schemas.microsoft.com/office/powerpoint/2010/main" val="1037935441"/>
+      </p:ext>
+    </p:extLst>
+  </p:cSld>
+  <p:clrMapOvr>
+    <a:masterClrMapping/>
+  </p:clrMapOvr>
+</p:sld>
+</file>
+
+<file path=ppt/slides/slide26.xml><?xml version="1.0" encoding="utf-8"?>
+<p:sld xmlns:a="http://schemas.openxmlformats.org/drawingml/2006/main" xmlns:r="http://schemas.openxmlformats.org/officeDocument/2006/relationships" xmlns:p="http://schemas.openxmlformats.org/presentationml/2006/main">
+  <p:cSld>
+    <p:spTree>
+      <p:nvGrpSpPr>
+        <p:cNvPr id="1" name=""/>
+        <p:cNvGrpSpPr/>
+        <p:nvPr/>
+      </p:nvGrpSpPr>
+      <p:grpSpPr>
+        <a:xfrm>
+          <a:off x="0" y="0"/>
+          <a:ext cx="0" cy="0"/>
+          <a:chOff x="0" y="0"/>
+          <a:chExt cx="0" cy="0"/>
+        </a:xfrm>
+      </p:grpSpPr>
+      <p:sp>
+        <p:nvSpPr>
+          <p:cNvPr id="2" name="Title 1">
+            <a:extLst>
+              <a:ext uri="{FF2B5EF4-FFF2-40B4-BE49-F238E27FC236}">
+                <a16:creationId xmlns:a16="http://schemas.microsoft.com/office/drawing/2014/main" id="{EC5B04F0-763D-039E-C2E8-A315B4DE6926}"/>
+              </a:ext>
+            </a:extLst>
+          </p:cNvPr>
+          <p:cNvSpPr>
+            <a:spLocks noGrp="1"/>
+          </p:cNvSpPr>
+          <p:nvPr>
+            <p:ph type="title"/>
+          </p:nvPr>
+        </p:nvSpPr>
+        <p:spPr/>
+        <p:txBody>
+          <a:bodyPr/>
+          <a:lstStyle/>
+          <a:p>
+            <a:r>
+              <a:rPr lang="en-US" dirty="0" err="1">
+                <a:latin typeface="Arial" panose="020B0604020202020204" pitchFamily="34" charset="0"/>
+                <a:cs typeface="Arial" panose="020B0604020202020204" pitchFamily="34" charset="0"/>
+              </a:rPr>
+              <a:t>Török</a:t>
+            </a:r>
+            <a:r>
+              <a:rPr lang="en-US" dirty="0">
+                <a:latin typeface="Arial" panose="020B0604020202020204" pitchFamily="34" charset="0"/>
+                <a:cs typeface="Arial" panose="020B0604020202020204" pitchFamily="34" charset="0"/>
+              </a:rPr>
+              <a:t> </a:t>
+            </a:r>
+            <a:r>
+              <a:rPr lang="en-US" dirty="0" err="1">
+                <a:latin typeface="Arial" panose="020B0604020202020204" pitchFamily="34" charset="0"/>
+                <a:cs typeface="Arial" panose="020B0604020202020204" pitchFamily="34" charset="0"/>
+              </a:rPr>
+              <a:t>Péter</a:t>
+            </a:r>
+            <a:endParaRPr lang="en-US" dirty="0">
+              <a:latin typeface="Arial" panose="020B0604020202020204" pitchFamily="34" charset="0"/>
+              <a:cs typeface="Arial" panose="020B0604020202020204" pitchFamily="34" charset="0"/>
+            </a:endParaRPr>
+          </a:p>
+        </p:txBody>
+      </p:sp>
+      <p:sp>
+        <p:nvSpPr>
+          <p:cNvPr id="3" name="Content Placeholder 2">
+            <a:extLst>
+              <a:ext uri="{FF2B5EF4-FFF2-40B4-BE49-F238E27FC236}">
+                <a16:creationId xmlns:a16="http://schemas.microsoft.com/office/drawing/2014/main" id="{E49BB02E-E330-60F3-DB9A-6423564E0BE3}"/>
+              </a:ext>
+            </a:extLst>
+          </p:cNvPr>
+          <p:cNvSpPr>
+            <a:spLocks noGrp="1"/>
+          </p:cNvSpPr>
+          <p:nvPr>
+            <p:ph idx="1"/>
+          </p:nvPr>
+        </p:nvSpPr>
+        <p:spPr/>
+        <p:txBody>
+          <a:bodyPr/>
+          <a:lstStyle/>
+          <a:p>
+            <a:r>
+              <a:rPr lang="hu-HU" dirty="0">
+                <a:latin typeface="Arial" panose="020B0604020202020204" pitchFamily="34" charset="0"/>
+                <a:cs typeface="Arial" panose="020B0604020202020204" pitchFamily="34" charset="0"/>
+              </a:rPr>
+              <a:t>Eleinte a munka nehezen indult el, voltak nehézségek illetve akadályok</a:t>
+            </a:r>
+          </a:p>
+          <a:p>
+            <a:r>
+              <a:rPr lang="hu-HU" dirty="0">
+                <a:latin typeface="Arial" panose="020B0604020202020204" pitchFamily="34" charset="0"/>
+                <a:cs typeface="Arial" panose="020B0604020202020204" pitchFamily="34" charset="0"/>
+              </a:rPr>
+              <a:t>Nekem kiosztott feladatokat sikerült elvégeznem szerintem</a:t>
+            </a:r>
+          </a:p>
+          <a:p>
+            <a:r>
+              <a:rPr lang="hu-HU" dirty="0">
+                <a:latin typeface="Arial" panose="020B0604020202020204" pitchFamily="34" charset="0"/>
+                <a:cs typeface="Arial" panose="020B0604020202020204" pitchFamily="34" charset="0"/>
+              </a:rPr>
+              <a:t>Az én feladatom a Főoldal illetve a Blog megvalósítása</a:t>
+            </a:r>
+            <a:endParaRPr lang="en-US" dirty="0">
+              <a:latin typeface="Arial" panose="020B0604020202020204" pitchFamily="34" charset="0"/>
+              <a:cs typeface="Arial" panose="020B0604020202020204" pitchFamily="34" charset="0"/>
+            </a:endParaRPr>
+          </a:p>
+        </p:txBody>
+      </p:sp>
+    </p:spTree>
+    <p:extLst>
+      <p:ext uri="{BB962C8B-B14F-4D97-AF65-F5344CB8AC3E}">
+        <p14:creationId xmlns:p14="http://schemas.microsoft.com/office/powerpoint/2010/main" val="3874125964"/>
+      </p:ext>
+    </p:extLst>
+  </p:cSld>
+  <p:clrMapOvr>
+    <a:masterClrMapping/>
+  </p:clrMapOvr>
+</p:sld>
+</file>
+
+<file path=ppt/slides/slide27.xml><?xml version="1.0" encoding="utf-8"?>
+<p:sld xmlns:a="http://schemas.openxmlformats.org/drawingml/2006/main" xmlns:r="http://schemas.openxmlformats.org/officeDocument/2006/relationships" xmlns:p="http://schemas.openxmlformats.org/presentationml/2006/main">
+  <p:cSld>
+    <p:spTree>
+      <p:nvGrpSpPr>
+        <p:cNvPr id="1" name=""/>
+        <p:cNvGrpSpPr/>
+        <p:nvPr/>
+      </p:nvGrpSpPr>
+      <p:grpSpPr>
+        <a:xfrm>
+          <a:off x="0" y="0"/>
+          <a:ext cx="0" cy="0"/>
+          <a:chOff x="0" y="0"/>
+          <a:chExt cx="0" cy="0"/>
+        </a:xfrm>
+      </p:grpSpPr>
+      <p:sp>
+        <p:nvSpPr>
+          <p:cNvPr id="2" name="Title 1">
+            <a:extLst>
+              <a:ext uri="{FF2B5EF4-FFF2-40B4-BE49-F238E27FC236}">
+                <a16:creationId xmlns:a16="http://schemas.microsoft.com/office/drawing/2014/main" id="{713AE4D2-94C1-5010-B749-8FAAF4BE032C}"/>
+              </a:ext>
+            </a:extLst>
+          </p:cNvPr>
+          <p:cNvSpPr>
+            <a:spLocks noGrp="1"/>
+          </p:cNvSpPr>
+          <p:nvPr>
+            <p:ph type="title"/>
+          </p:nvPr>
+        </p:nvSpPr>
+        <p:spPr/>
+        <p:txBody>
+          <a:bodyPr/>
+          <a:lstStyle/>
+          <a:p>
+            <a:r>
+              <a:rPr lang="en-US" dirty="0">
+                <a:latin typeface="Arial" panose="020B0604020202020204" pitchFamily="34" charset="0"/>
+                <a:cs typeface="Arial" panose="020B0604020202020204" pitchFamily="34" charset="0"/>
+              </a:rPr>
+              <a:t>Vér Bence</a:t>
+            </a:r>
+          </a:p>
+        </p:txBody>
+      </p:sp>
+      <p:sp>
+        <p:nvSpPr>
+          <p:cNvPr id="3" name="Content Placeholder 2">
+            <a:extLst>
+              <a:ext uri="{FF2B5EF4-FFF2-40B4-BE49-F238E27FC236}">
+                <a16:creationId xmlns:a16="http://schemas.microsoft.com/office/drawing/2014/main" id="{CC8DBA58-CC8E-9B23-1A23-B919CBE84712}"/>
+              </a:ext>
+            </a:extLst>
+          </p:cNvPr>
+          <p:cNvSpPr>
+            <a:spLocks noGrp="1"/>
+          </p:cNvSpPr>
+          <p:nvPr>
+            <p:ph idx="1"/>
+          </p:nvPr>
+        </p:nvSpPr>
+        <p:spPr/>
+        <p:txBody>
+          <a:bodyPr/>
+          <a:lstStyle/>
+          <a:p>
+            <a:r>
+              <a:rPr lang="en-US" dirty="0">
+                <a:latin typeface="Arial" panose="020B0604020202020204" pitchFamily="34" charset="0"/>
+                <a:cs typeface="Arial" panose="020B0604020202020204" pitchFamily="34" charset="0"/>
+              </a:rPr>
+              <a:t>A </a:t>
+            </a:r>
+            <a:r>
+              <a:rPr lang="en-US" dirty="0" err="1">
+                <a:latin typeface="Arial" panose="020B0604020202020204" pitchFamily="34" charset="0"/>
+                <a:cs typeface="Arial" panose="020B0604020202020204" pitchFamily="34" charset="0"/>
+              </a:rPr>
+              <a:t>szerszámkatalógus</a:t>
+            </a:r>
+            <a:r>
+              <a:rPr lang="en-US" dirty="0">
+                <a:latin typeface="Arial" panose="020B0604020202020204" pitchFamily="34" charset="0"/>
+                <a:cs typeface="Arial" panose="020B0604020202020204" pitchFamily="34" charset="0"/>
+              </a:rPr>
+              <a:t> </a:t>
+            </a:r>
+            <a:r>
+              <a:rPr lang="en-US" dirty="0" err="1">
+                <a:latin typeface="Arial" panose="020B0604020202020204" pitchFamily="34" charset="0"/>
+                <a:cs typeface="Arial" panose="020B0604020202020204" pitchFamily="34" charset="0"/>
+              </a:rPr>
+              <a:t>és</a:t>
+            </a:r>
+            <a:r>
+              <a:rPr lang="en-US" dirty="0">
+                <a:latin typeface="Arial" panose="020B0604020202020204" pitchFamily="34" charset="0"/>
+                <a:cs typeface="Arial" panose="020B0604020202020204" pitchFamily="34" charset="0"/>
+              </a:rPr>
+              <a:t> </a:t>
+            </a:r>
+            <a:r>
+              <a:rPr lang="en-US" dirty="0" err="1">
+                <a:latin typeface="Arial" panose="020B0604020202020204" pitchFamily="34" charset="0"/>
+                <a:cs typeface="Arial" panose="020B0604020202020204" pitchFamily="34" charset="0"/>
+              </a:rPr>
+              <a:t>festék</a:t>
+            </a:r>
+            <a:r>
+              <a:rPr lang="en-US" dirty="0">
+                <a:latin typeface="Arial" panose="020B0604020202020204" pitchFamily="34" charset="0"/>
+                <a:cs typeface="Arial" panose="020B0604020202020204" pitchFamily="34" charset="0"/>
+              </a:rPr>
+              <a:t> </a:t>
+            </a:r>
+            <a:r>
+              <a:rPr lang="en-US" dirty="0" err="1">
+                <a:latin typeface="Arial" panose="020B0604020202020204" pitchFamily="34" charset="0"/>
+                <a:cs typeface="Arial" panose="020B0604020202020204" pitchFamily="34" charset="0"/>
+              </a:rPr>
+              <a:t>oldalakért</a:t>
+            </a:r>
+            <a:r>
+              <a:rPr lang="en-US" dirty="0">
+                <a:latin typeface="Arial" panose="020B0604020202020204" pitchFamily="34" charset="0"/>
+                <a:cs typeface="Arial" panose="020B0604020202020204" pitchFamily="34" charset="0"/>
+              </a:rPr>
+              <a:t> </a:t>
+            </a:r>
+            <a:r>
+              <a:rPr lang="en-US" dirty="0" err="1">
+                <a:latin typeface="Arial" panose="020B0604020202020204" pitchFamily="34" charset="0"/>
+                <a:cs typeface="Arial" panose="020B0604020202020204" pitchFamily="34" charset="0"/>
+              </a:rPr>
+              <a:t>felelős</a:t>
+            </a:r>
+            <a:endParaRPr lang="en-US" dirty="0">
+              <a:latin typeface="Arial" panose="020B0604020202020204" pitchFamily="34" charset="0"/>
+              <a:cs typeface="Arial" panose="020B0604020202020204" pitchFamily="34" charset="0"/>
+            </a:endParaRPr>
+          </a:p>
+          <a:p>
+            <a:r>
+              <a:rPr lang="en-US" dirty="0">
+                <a:latin typeface="Arial" panose="020B0604020202020204" pitchFamily="34" charset="0"/>
+                <a:cs typeface="Arial" panose="020B0604020202020204" pitchFamily="34" charset="0"/>
+              </a:rPr>
+              <a:t>A </a:t>
+            </a:r>
+            <a:r>
+              <a:rPr lang="en-US" dirty="0" err="1">
+                <a:latin typeface="Arial" panose="020B0604020202020204" pitchFamily="34" charset="0"/>
+                <a:cs typeface="Arial" panose="020B0604020202020204" pitchFamily="34" charset="0"/>
+              </a:rPr>
+              <a:t>megvalósítás</a:t>
+            </a:r>
+            <a:r>
+              <a:rPr lang="en-US" dirty="0">
+                <a:latin typeface="Arial" panose="020B0604020202020204" pitchFamily="34" charset="0"/>
+                <a:cs typeface="Arial" panose="020B0604020202020204" pitchFamily="34" charset="0"/>
+              </a:rPr>
+              <a:t> </a:t>
+            </a:r>
+            <a:r>
+              <a:rPr lang="en-US" dirty="0" err="1">
+                <a:latin typeface="Arial" panose="020B0604020202020204" pitchFamily="34" charset="0"/>
+                <a:cs typeface="Arial" panose="020B0604020202020204" pitchFamily="34" charset="0"/>
+              </a:rPr>
+              <a:t>elején</a:t>
+            </a:r>
+            <a:r>
+              <a:rPr lang="en-US" dirty="0">
+                <a:latin typeface="Arial" panose="020B0604020202020204" pitchFamily="34" charset="0"/>
+                <a:cs typeface="Arial" panose="020B0604020202020204" pitchFamily="34" charset="0"/>
+              </a:rPr>
+              <a:t> </a:t>
+            </a:r>
+            <a:r>
+              <a:rPr lang="en-US" dirty="0" err="1">
+                <a:latin typeface="Arial" panose="020B0604020202020204" pitchFamily="34" charset="0"/>
+                <a:cs typeface="Arial" panose="020B0604020202020204" pitchFamily="34" charset="0"/>
+              </a:rPr>
+              <a:t>voltak</a:t>
+            </a:r>
+            <a:r>
+              <a:rPr lang="en-US" dirty="0">
+                <a:latin typeface="Arial" panose="020B0604020202020204" pitchFamily="34" charset="0"/>
+                <a:cs typeface="Arial" panose="020B0604020202020204" pitchFamily="34" charset="0"/>
+              </a:rPr>
+              <a:t> </a:t>
+            </a:r>
+            <a:r>
+              <a:rPr lang="en-US" dirty="0" err="1">
+                <a:latin typeface="Arial" panose="020B0604020202020204" pitchFamily="34" charset="0"/>
+                <a:cs typeface="Arial" panose="020B0604020202020204" pitchFamily="34" charset="0"/>
+              </a:rPr>
+              <a:t>problémák</a:t>
+            </a:r>
+            <a:endParaRPr lang="en-US" dirty="0">
+              <a:latin typeface="Arial" panose="020B0604020202020204" pitchFamily="34" charset="0"/>
+              <a:cs typeface="Arial" panose="020B0604020202020204" pitchFamily="34" charset="0"/>
+            </a:endParaRPr>
+          </a:p>
+          <a:p>
+            <a:r>
+              <a:rPr lang="en-US" dirty="0" err="1">
+                <a:latin typeface="Arial" panose="020B0604020202020204" pitchFamily="34" charset="0"/>
+                <a:cs typeface="Arial" panose="020B0604020202020204" pitchFamily="34" charset="0"/>
+              </a:rPr>
+              <a:t>Jó</a:t>
+            </a:r>
+            <a:r>
+              <a:rPr lang="en-US" dirty="0">
+                <a:latin typeface="Arial" panose="020B0604020202020204" pitchFamily="34" charset="0"/>
+                <a:cs typeface="Arial" panose="020B0604020202020204" pitchFamily="34" charset="0"/>
+              </a:rPr>
+              <a:t> </a:t>
+            </a:r>
+            <a:r>
+              <a:rPr lang="en-US" dirty="0" err="1">
+                <a:latin typeface="Arial" panose="020B0604020202020204" pitchFamily="34" charset="0"/>
+                <a:cs typeface="Arial" panose="020B0604020202020204" pitchFamily="34" charset="0"/>
+              </a:rPr>
+              <a:t>fejlesztőkörnyezet</a:t>
+            </a:r>
+            <a:endParaRPr lang="en-US" dirty="0">
+              <a:latin typeface="Arial" panose="020B0604020202020204" pitchFamily="34" charset="0"/>
+              <a:cs typeface="Arial" panose="020B0604020202020204" pitchFamily="34" charset="0"/>
+            </a:endParaRPr>
+          </a:p>
+          <a:p>
+            <a:endParaRPr lang="en-US" dirty="0">
+              <a:latin typeface="Arial" panose="020B0604020202020204" pitchFamily="34" charset="0"/>
+              <a:cs typeface="Arial" panose="020B0604020202020204" pitchFamily="34" charset="0"/>
+            </a:endParaRPr>
+          </a:p>
+        </p:txBody>
+      </p:sp>
+    </p:spTree>
+    <p:extLst>
+      <p:ext uri="{BB962C8B-B14F-4D97-AF65-F5344CB8AC3E}">
+        <p14:creationId xmlns:p14="http://schemas.microsoft.com/office/powerpoint/2010/main" val="3456065911"/>
+      </p:ext>
+    </p:extLst>
+  </p:cSld>
+  <p:clrMapOvr>
+    <a:masterClrMapping/>
+  </p:clrMapOvr>
+</p:sld>
+</file>
+
+<file path=ppt/slides/slide28.xml><?xml version="1.0" encoding="utf-8"?>
+<p:sld xmlns:a="http://schemas.openxmlformats.org/drawingml/2006/main" xmlns:r="http://schemas.openxmlformats.org/officeDocument/2006/relationships" xmlns:p="http://schemas.openxmlformats.org/presentationml/2006/main">
+  <p:cSld>
+    <p:spTree>
+      <p:nvGrpSpPr>
+        <p:cNvPr id="1" name=""/>
+        <p:cNvGrpSpPr/>
+        <p:nvPr/>
+      </p:nvGrpSpPr>
+      <p:grpSpPr>
+        <a:xfrm>
+          <a:off x="0" y="0"/>
+          <a:ext cx="0" cy="0"/>
+          <a:chOff x="0" y="0"/>
+          <a:chExt cx="0" cy="0"/>
+        </a:xfrm>
+      </p:grpSpPr>
+      <p:sp>
+        <p:nvSpPr>
+          <p:cNvPr id="2" name="Cím 1"/>
+          <p:cNvSpPr>
+            <a:spLocks noGrp="1"/>
+          </p:cNvSpPr>
+          <p:nvPr>
+            <p:ph type="ctrTitle"/>
+          </p:nvPr>
+        </p:nvSpPr>
+        <p:spPr>
+          <a:xfrm>
+            <a:off x="1524000" y="1490663"/>
+            <a:ext cx="9144000" cy="2387600"/>
+          </a:xfrm>
+        </p:spPr>
+        <p:txBody>
+          <a:bodyPr>
+            <a:normAutofit/>
+          </a:bodyPr>
+          <a:lstStyle/>
+          <a:p>
+            <a:r>
+              <a:rPr lang="en-US" sz="6600" dirty="0" err="1">
+                <a:latin typeface="Arial" panose="020B0604020202020204" pitchFamily="34" charset="0"/>
+                <a:ea typeface="Arial Unicode MS" panose="020B0604020202020204" pitchFamily="34" charset="-128"/>
+                <a:cs typeface="Arial" panose="020B0604020202020204" pitchFamily="34" charset="0"/>
+              </a:rPr>
+              <a:t>Köszönjük</a:t>
+            </a:r>
+            <a:r>
+              <a:rPr lang="en-US" sz="6600" dirty="0">
+                <a:latin typeface="Arial" panose="020B0604020202020204" pitchFamily="34" charset="0"/>
+                <a:ea typeface="Arial Unicode MS" panose="020B0604020202020204" pitchFamily="34" charset="-128"/>
+                <a:cs typeface="Arial" panose="020B0604020202020204" pitchFamily="34" charset="0"/>
+              </a:rPr>
+              <a:t> a </a:t>
+            </a:r>
+            <a:r>
+              <a:rPr lang="en-US" sz="6600" dirty="0" err="1">
+                <a:latin typeface="Arial" panose="020B0604020202020204" pitchFamily="34" charset="0"/>
+                <a:ea typeface="Arial Unicode MS" panose="020B0604020202020204" pitchFamily="34" charset="-128"/>
+                <a:cs typeface="Arial" panose="020B0604020202020204" pitchFamily="34" charset="0"/>
+              </a:rPr>
+              <a:t>figyelmet</a:t>
+            </a:r>
+            <a:r>
+              <a:rPr lang="en-US" sz="6600" dirty="0">
+                <a:latin typeface="Arial" panose="020B0604020202020204" pitchFamily="34" charset="0"/>
+                <a:ea typeface="Arial Unicode MS" panose="020B0604020202020204" pitchFamily="34" charset="-128"/>
+                <a:cs typeface="Arial" panose="020B0604020202020204" pitchFamily="34" charset="0"/>
+              </a:rPr>
+              <a:t>!</a:t>
+            </a:r>
+            <a:endParaRPr lang="hu-HU" sz="6600" dirty="0">
+              <a:latin typeface="Arial" panose="020B0604020202020204" pitchFamily="34" charset="0"/>
+              <a:ea typeface="Arial Unicode MS" panose="020B0604020202020204" pitchFamily="34" charset="-128"/>
+              <a:cs typeface="Arial" panose="020B0604020202020204" pitchFamily="34" charset="0"/>
+            </a:endParaRPr>
+          </a:p>
+        </p:txBody>
+      </p:sp>
+    </p:spTree>
+    <p:extLst>
+      <p:ext uri="{BB962C8B-B14F-4D97-AF65-F5344CB8AC3E}">
+        <p14:creationId xmlns:p14="http://schemas.microsoft.com/office/powerpoint/2010/main" val="3260255604"/>
       </p:ext>
     </p:extLst>
   </p:cSld>
@@ -4764,6 +7648,230 @@
       </p:sp>
       <p:pic>
         <p:nvPicPr>
+          <p:cNvPr id="4098" name="Picture 2">
+            <a:extLst>
+              <a:ext uri="{FF2B5EF4-FFF2-40B4-BE49-F238E27FC236}">
+                <a16:creationId xmlns:a16="http://schemas.microsoft.com/office/drawing/2014/main" id="{8C30D511-CC6C-DF40-B61B-B20A8A9CFE47}"/>
+              </a:ext>
+            </a:extLst>
+          </p:cNvPr>
+          <p:cNvPicPr>
+            <a:picLocks noChangeAspect="1" noChangeArrowheads="1"/>
+          </p:cNvPicPr>
+          <p:nvPr/>
+        </p:nvPicPr>
+        <p:blipFill>
+          <a:blip r:embed="rId2" cstate="print">
+            <a:extLst>
+              <a:ext uri="{28A0092B-C50C-407E-A947-70E740481C1C}">
+                <a14:useLocalDpi xmlns:a14="http://schemas.microsoft.com/office/drawing/2010/main" val="0"/>
+              </a:ext>
+            </a:extLst>
+          </a:blip>
+          <a:srcRect/>
+          <a:stretch>
+            <a:fillRect/>
+          </a:stretch>
+        </p:blipFill>
+        <p:spPr bwMode="auto">
+          <a:xfrm>
+            <a:off x="407239" y="2418459"/>
+            <a:ext cx="3852082" cy="4242987"/>
+          </a:xfrm>
+          <a:prstGeom prst="rect">
+            <a:avLst/>
+          </a:prstGeom>
+          <a:noFill/>
+          <a:extLst>
+            <a:ext uri="{909E8E84-426E-40DD-AFC4-6F175D3DCCD1}">
+              <a14:hiddenFill xmlns:a14="http://schemas.microsoft.com/office/drawing/2010/main">
+                <a:solidFill>
+                  <a:srgbClr val="FFFFFF"/>
+                </a:solidFill>
+              </a14:hiddenFill>
+            </a:ext>
+          </a:extLst>
+        </p:spPr>
+      </p:pic>
+      <p:pic>
+        <p:nvPicPr>
+          <p:cNvPr id="4100" name="Picture 4">
+            <a:extLst>
+              <a:ext uri="{FF2B5EF4-FFF2-40B4-BE49-F238E27FC236}">
+                <a16:creationId xmlns:a16="http://schemas.microsoft.com/office/drawing/2014/main" id="{5DB2F978-8375-07FA-321C-CA5E8CFFEDDB}"/>
+              </a:ext>
+            </a:extLst>
+          </p:cNvPr>
+          <p:cNvPicPr>
+            <a:picLocks noChangeAspect="1" noChangeArrowheads="1"/>
+          </p:cNvPicPr>
+          <p:nvPr/>
+        </p:nvPicPr>
+        <p:blipFill>
+          <a:blip r:embed="rId3" cstate="print">
+            <a:extLst>
+              <a:ext uri="{28A0092B-C50C-407E-A947-70E740481C1C}">
+                <a14:useLocalDpi xmlns:a14="http://schemas.microsoft.com/office/drawing/2010/main" val="0"/>
+              </a:ext>
+            </a:extLst>
+          </a:blip>
+          <a:srcRect/>
+          <a:stretch>
+            <a:fillRect/>
+          </a:stretch>
+        </p:blipFill>
+        <p:spPr bwMode="auto">
+          <a:xfrm>
+            <a:off x="4421844" y="2435551"/>
+            <a:ext cx="3852082" cy="4242987"/>
+          </a:xfrm>
+          <a:prstGeom prst="rect">
+            <a:avLst/>
+          </a:prstGeom>
+          <a:noFill/>
+          <a:extLst>
+            <a:ext uri="{909E8E84-426E-40DD-AFC4-6F175D3DCCD1}">
+              <a14:hiddenFill xmlns:a14="http://schemas.microsoft.com/office/drawing/2010/main">
+                <a:solidFill>
+                  <a:srgbClr val="FFFFFF"/>
+                </a:solidFill>
+              </a14:hiddenFill>
+            </a:ext>
+          </a:extLst>
+        </p:spPr>
+      </p:pic>
+      <p:pic>
+        <p:nvPicPr>
+          <p:cNvPr id="4104" name="Picture 8">
+            <a:extLst>
+              <a:ext uri="{FF2B5EF4-FFF2-40B4-BE49-F238E27FC236}">
+                <a16:creationId xmlns:a16="http://schemas.microsoft.com/office/drawing/2014/main" id="{79986CA7-FE7D-EA99-CA67-E6F179769C7B}"/>
+              </a:ext>
+            </a:extLst>
+          </p:cNvPr>
+          <p:cNvPicPr>
+            <a:picLocks noChangeAspect="1" noChangeArrowheads="1"/>
+          </p:cNvPicPr>
+          <p:nvPr/>
+        </p:nvPicPr>
+        <p:blipFill>
+          <a:blip r:embed="rId4" cstate="print">
+            <a:extLst>
+              <a:ext uri="{28A0092B-C50C-407E-A947-70E740481C1C}">
+                <a14:useLocalDpi xmlns:a14="http://schemas.microsoft.com/office/drawing/2010/main" val="0"/>
+              </a:ext>
+            </a:extLst>
+          </a:blip>
+          <a:srcRect/>
+          <a:stretch>
+            <a:fillRect/>
+          </a:stretch>
+        </p:blipFill>
+        <p:spPr bwMode="auto">
+          <a:xfrm>
+            <a:off x="8436449" y="2461189"/>
+            <a:ext cx="3348312" cy="3688095"/>
+          </a:xfrm>
+          <a:prstGeom prst="rect">
+            <a:avLst/>
+          </a:prstGeom>
+          <a:noFill/>
+          <a:extLst>
+            <a:ext uri="{909E8E84-426E-40DD-AFC4-6F175D3DCCD1}">
+              <a14:hiddenFill xmlns:a14="http://schemas.microsoft.com/office/drawing/2010/main">
+                <a:solidFill>
+                  <a:srgbClr val="FFFFFF"/>
+                </a:solidFill>
+              </a14:hiddenFill>
+            </a:ext>
+          </a:extLst>
+        </p:spPr>
+      </p:pic>
+    </p:spTree>
+    <p:extLst>
+      <p:ext uri="{BB962C8B-B14F-4D97-AF65-F5344CB8AC3E}">
+        <p14:creationId xmlns:p14="http://schemas.microsoft.com/office/powerpoint/2010/main" val="4186089985"/>
+      </p:ext>
+    </p:extLst>
+  </p:cSld>
+  <p:clrMapOvr>
+    <a:masterClrMapping/>
+  </p:clrMapOvr>
+</p:sld>
+</file>
+
+<file path=ppt/slides/slide6.xml><?xml version="1.0" encoding="utf-8"?>
+<p:sld xmlns:a="http://schemas.openxmlformats.org/drawingml/2006/main" xmlns:r="http://schemas.openxmlformats.org/officeDocument/2006/relationships" xmlns:p="http://schemas.openxmlformats.org/presentationml/2006/main">
+  <p:cSld>
+    <p:spTree>
+      <p:nvGrpSpPr>
+        <p:cNvPr id="1" name=""/>
+        <p:cNvGrpSpPr/>
+        <p:nvPr/>
+      </p:nvGrpSpPr>
+      <p:grpSpPr>
+        <a:xfrm>
+          <a:off x="0" y="0"/>
+          <a:ext cx="0" cy="0"/>
+          <a:chOff x="0" y="0"/>
+          <a:chExt cx="0" cy="0"/>
+        </a:xfrm>
+      </p:grpSpPr>
+      <p:sp>
+        <p:nvSpPr>
+          <p:cNvPr id="2" name="Cím 1"/>
+          <p:cNvSpPr>
+            <a:spLocks noGrp="1"/>
+          </p:cNvSpPr>
+          <p:nvPr>
+            <p:ph type="title"/>
+          </p:nvPr>
+        </p:nvSpPr>
+        <p:spPr/>
+        <p:txBody>
+          <a:bodyPr/>
+          <a:lstStyle/>
+          <a:p>
+            <a:r>
+              <a:rPr lang="hu-HU" dirty="0">
+                <a:latin typeface="Arial" panose="020B0604020202020204" pitchFamily="34" charset="0"/>
+                <a:cs typeface="Arial" panose="020B0604020202020204" pitchFamily="34" charset="0"/>
+              </a:rPr>
+              <a:t>Oldal design</a:t>
+            </a:r>
+          </a:p>
+        </p:txBody>
+      </p:sp>
+      <p:sp>
+        <p:nvSpPr>
+          <p:cNvPr id="3" name="Tartalom helye 2"/>
+          <p:cNvSpPr>
+            <a:spLocks noGrp="1"/>
+          </p:cNvSpPr>
+          <p:nvPr>
+            <p:ph idx="1"/>
+          </p:nvPr>
+        </p:nvSpPr>
+        <p:spPr/>
+        <p:txBody>
+          <a:bodyPr/>
+          <a:lstStyle/>
+          <a:p>
+            <a:pPr marL="0" indent="0" algn="ctr">
+              <a:buNone/>
+            </a:pPr>
+            <a:r>
+              <a:rPr lang="hu-HU" dirty="0">
+                <a:latin typeface="Arial" panose="020B0604020202020204" pitchFamily="34" charset="0"/>
+                <a:cs typeface="Arial" panose="020B0604020202020204" pitchFamily="34" charset="0"/>
+              </a:rPr>
+              <a:t>Mindenki csinált először egy drótvázat </a:t>
+            </a:r>
+          </a:p>
+        </p:txBody>
+      </p:sp>
+      <p:pic>
+        <p:nvPicPr>
           <p:cNvPr id="1026" name="Picture 2">
             <a:extLst>
               <a:ext uri="{FF2B5EF4-FFF2-40B4-BE49-F238E27FC236}">
@@ -4869,7 +7977,361 @@
 </p:sld>
 </file>
 
-<file path=ppt/slides/slide6.xml><?xml version="1.0" encoding="utf-8"?>
+<file path=ppt/slides/slide7.xml><?xml version="1.0" encoding="utf-8"?>
+<p:sld xmlns:a="http://schemas.openxmlformats.org/drawingml/2006/main" xmlns:r="http://schemas.openxmlformats.org/officeDocument/2006/relationships" xmlns:p="http://schemas.openxmlformats.org/presentationml/2006/main">
+  <p:cSld>
+    <p:spTree>
+      <p:nvGrpSpPr>
+        <p:cNvPr id="1" name=""/>
+        <p:cNvGrpSpPr/>
+        <p:nvPr/>
+      </p:nvGrpSpPr>
+      <p:grpSpPr>
+        <a:xfrm>
+          <a:off x="0" y="0"/>
+          <a:ext cx="0" cy="0"/>
+          <a:chOff x="0" y="0"/>
+          <a:chExt cx="0" cy="0"/>
+        </a:xfrm>
+      </p:grpSpPr>
+      <p:sp>
+        <p:nvSpPr>
+          <p:cNvPr id="2" name="Cím 1"/>
+          <p:cNvSpPr>
+            <a:spLocks noGrp="1"/>
+          </p:cNvSpPr>
+          <p:nvPr>
+            <p:ph type="title"/>
+          </p:nvPr>
+        </p:nvSpPr>
+        <p:spPr/>
+        <p:txBody>
+          <a:bodyPr/>
+          <a:lstStyle/>
+          <a:p>
+            <a:r>
+              <a:rPr lang="hu-HU" dirty="0">
+                <a:latin typeface="Arial" panose="020B0604020202020204" pitchFamily="34" charset="0"/>
+                <a:cs typeface="Arial" panose="020B0604020202020204" pitchFamily="34" charset="0"/>
+              </a:rPr>
+              <a:t>Oldal design</a:t>
+            </a:r>
+          </a:p>
+        </p:txBody>
+      </p:sp>
+      <p:sp>
+        <p:nvSpPr>
+          <p:cNvPr id="3" name="Tartalom helye 2"/>
+          <p:cNvSpPr>
+            <a:spLocks noGrp="1"/>
+          </p:cNvSpPr>
+          <p:nvPr>
+            <p:ph idx="1"/>
+          </p:nvPr>
+        </p:nvSpPr>
+        <p:spPr/>
+        <p:txBody>
+          <a:bodyPr/>
+          <a:lstStyle/>
+          <a:p>
+            <a:pPr marL="0" indent="0" algn="ctr">
+              <a:buNone/>
+            </a:pPr>
+            <a:r>
+              <a:rPr lang="hu-HU" dirty="0">
+                <a:latin typeface="Arial" panose="020B0604020202020204" pitchFamily="34" charset="0"/>
+                <a:cs typeface="Arial" panose="020B0604020202020204" pitchFamily="34" charset="0"/>
+              </a:rPr>
+              <a:t>Mindenki csinált először egy drótvázat </a:t>
+            </a:r>
+          </a:p>
+        </p:txBody>
+      </p:sp>
+      <p:pic>
+        <p:nvPicPr>
+          <p:cNvPr id="2050" name="Picture 2">
+            <a:extLst>
+              <a:ext uri="{FF2B5EF4-FFF2-40B4-BE49-F238E27FC236}">
+                <a16:creationId xmlns:a16="http://schemas.microsoft.com/office/drawing/2014/main" id="{137B5178-8028-B696-45F3-6442CC0E000E}"/>
+              </a:ext>
+            </a:extLst>
+          </p:cNvPr>
+          <p:cNvPicPr>
+            <a:picLocks noChangeAspect="1" noChangeArrowheads="1"/>
+          </p:cNvPicPr>
+          <p:nvPr/>
+        </p:nvPicPr>
+        <p:blipFill>
+          <a:blip r:embed="rId2" cstate="print">
+            <a:extLst>
+              <a:ext uri="{28A0092B-C50C-407E-A947-70E740481C1C}">
+                <a14:useLocalDpi xmlns:a14="http://schemas.microsoft.com/office/drawing/2010/main" val="0"/>
+              </a:ext>
+            </a:extLst>
+          </a:blip>
+          <a:srcRect/>
+          <a:stretch>
+            <a:fillRect/>
+          </a:stretch>
+        </p:blipFill>
+        <p:spPr bwMode="auto">
+          <a:xfrm>
+            <a:off x="838200" y="2597922"/>
+            <a:ext cx="4967252" cy="3022328"/>
+          </a:xfrm>
+          <a:prstGeom prst="rect">
+            <a:avLst/>
+          </a:prstGeom>
+          <a:noFill/>
+          <a:extLst>
+            <a:ext uri="{909E8E84-426E-40DD-AFC4-6F175D3DCCD1}">
+              <a14:hiddenFill xmlns:a14="http://schemas.microsoft.com/office/drawing/2010/main">
+                <a:solidFill>
+                  <a:srgbClr val="FFFFFF"/>
+                </a:solidFill>
+              </a14:hiddenFill>
+            </a:ext>
+          </a:extLst>
+        </p:spPr>
+      </p:pic>
+      <p:pic>
+        <p:nvPicPr>
+          <p:cNvPr id="2052" name="Picture 4">
+            <a:extLst>
+              <a:ext uri="{FF2B5EF4-FFF2-40B4-BE49-F238E27FC236}">
+                <a16:creationId xmlns:a16="http://schemas.microsoft.com/office/drawing/2014/main" id="{7FB71C45-3C88-9EF9-7548-9F08C8956F76}"/>
+              </a:ext>
+            </a:extLst>
+          </p:cNvPr>
+          <p:cNvPicPr>
+            <a:picLocks noChangeAspect="1" noChangeArrowheads="1"/>
+          </p:cNvPicPr>
+          <p:nvPr/>
+        </p:nvPicPr>
+        <p:blipFill>
+          <a:blip r:embed="rId3">
+            <a:extLst>
+              <a:ext uri="{28A0092B-C50C-407E-A947-70E740481C1C}">
+                <a14:useLocalDpi xmlns:a14="http://schemas.microsoft.com/office/drawing/2010/main" val="0"/>
+              </a:ext>
+            </a:extLst>
+          </a:blip>
+          <a:srcRect/>
+          <a:stretch>
+            <a:fillRect/>
+          </a:stretch>
+        </p:blipFill>
+        <p:spPr bwMode="auto">
+          <a:xfrm>
+            <a:off x="6004744" y="2610389"/>
+            <a:ext cx="5149763" cy="3009861"/>
+          </a:xfrm>
+          <a:prstGeom prst="rect">
+            <a:avLst/>
+          </a:prstGeom>
+          <a:noFill/>
+          <a:extLst>
+            <a:ext uri="{909E8E84-426E-40DD-AFC4-6F175D3DCCD1}">
+              <a14:hiddenFill xmlns:a14="http://schemas.microsoft.com/office/drawing/2010/main">
+                <a:solidFill>
+                  <a:srgbClr val="FFFFFF"/>
+                </a:solidFill>
+              </a14:hiddenFill>
+            </a:ext>
+          </a:extLst>
+        </p:spPr>
+      </p:pic>
+    </p:spTree>
+    <p:extLst>
+      <p:ext uri="{BB962C8B-B14F-4D97-AF65-F5344CB8AC3E}">
+        <p14:creationId xmlns:p14="http://schemas.microsoft.com/office/powerpoint/2010/main" val="499301162"/>
+      </p:ext>
+    </p:extLst>
+  </p:cSld>
+  <p:clrMapOvr>
+    <a:masterClrMapping/>
+  </p:clrMapOvr>
+</p:sld>
+</file>
+
+<file path=ppt/slides/slide8.xml><?xml version="1.0" encoding="utf-8"?>
+<p:sld xmlns:a="http://schemas.openxmlformats.org/drawingml/2006/main" xmlns:r="http://schemas.openxmlformats.org/officeDocument/2006/relationships" xmlns:p="http://schemas.openxmlformats.org/presentationml/2006/main">
+  <p:cSld>
+    <p:spTree>
+      <p:nvGrpSpPr>
+        <p:cNvPr id="1" name=""/>
+        <p:cNvGrpSpPr/>
+        <p:nvPr/>
+      </p:nvGrpSpPr>
+      <p:grpSpPr>
+        <a:xfrm>
+          <a:off x="0" y="0"/>
+          <a:ext cx="0" cy="0"/>
+          <a:chOff x="0" y="0"/>
+          <a:chExt cx="0" cy="0"/>
+        </a:xfrm>
+      </p:grpSpPr>
+      <p:sp>
+        <p:nvSpPr>
+          <p:cNvPr id="2" name="Cím 1"/>
+          <p:cNvSpPr>
+            <a:spLocks noGrp="1"/>
+          </p:cNvSpPr>
+          <p:nvPr>
+            <p:ph type="title"/>
+          </p:nvPr>
+        </p:nvSpPr>
+        <p:spPr/>
+        <p:txBody>
+          <a:bodyPr/>
+          <a:lstStyle/>
+          <a:p>
+            <a:r>
+              <a:rPr lang="hu-HU" dirty="0">
+                <a:latin typeface="Arial" panose="020B0604020202020204" pitchFamily="34" charset="0"/>
+                <a:cs typeface="Arial" panose="020B0604020202020204" pitchFamily="34" charset="0"/>
+              </a:rPr>
+              <a:t>Oldal design</a:t>
+            </a:r>
+          </a:p>
+        </p:txBody>
+      </p:sp>
+      <p:sp>
+        <p:nvSpPr>
+          <p:cNvPr id="3" name="Tartalom helye 2"/>
+          <p:cNvSpPr>
+            <a:spLocks noGrp="1"/>
+          </p:cNvSpPr>
+          <p:nvPr>
+            <p:ph idx="1"/>
+          </p:nvPr>
+        </p:nvSpPr>
+        <p:spPr/>
+        <p:txBody>
+          <a:bodyPr/>
+          <a:lstStyle/>
+          <a:p>
+            <a:pPr marL="0" indent="0" algn="ctr">
+              <a:buNone/>
+            </a:pPr>
+            <a:r>
+              <a:rPr lang="hu-HU" dirty="0">
+                <a:latin typeface="Arial" panose="020B0604020202020204" pitchFamily="34" charset="0"/>
+                <a:cs typeface="Arial" panose="020B0604020202020204" pitchFamily="34" charset="0"/>
+              </a:rPr>
+              <a:t>Mindenki csinált először egy drótvázat </a:t>
+            </a:r>
+          </a:p>
+        </p:txBody>
+      </p:sp>
+      <p:pic>
+        <p:nvPicPr>
+          <p:cNvPr id="3074" name="Picture 2">
+            <a:extLst>
+              <a:ext uri="{FF2B5EF4-FFF2-40B4-BE49-F238E27FC236}">
+                <a16:creationId xmlns:a16="http://schemas.microsoft.com/office/drawing/2014/main" id="{D0238A47-9BA4-AB00-E5AB-E2D96F152764}"/>
+              </a:ext>
+            </a:extLst>
+          </p:cNvPr>
+          <p:cNvPicPr>
+            <a:picLocks noChangeAspect="1" noChangeArrowheads="1"/>
+          </p:cNvPicPr>
+          <p:nvPr/>
+        </p:nvPicPr>
+        <p:blipFill>
+          <a:blip r:embed="rId2">
+            <a:extLst>
+              <a:ext uri="{28A0092B-C50C-407E-A947-70E740481C1C}">
+                <a14:useLocalDpi xmlns:a14="http://schemas.microsoft.com/office/drawing/2010/main" val="0"/>
+              </a:ext>
+            </a:extLst>
+          </a:blip>
+          <a:srcRect/>
+          <a:stretch>
+            <a:fillRect/>
+          </a:stretch>
+        </p:blipFill>
+        <p:spPr bwMode="auto">
+          <a:xfrm>
+            <a:off x="731051" y="2583052"/>
+            <a:ext cx="5257800" cy="3199112"/>
+          </a:xfrm>
+          <a:prstGeom prst="rect">
+            <a:avLst/>
+          </a:prstGeom>
+          <a:noFill/>
+          <a:extLst>
+            <a:ext uri="{909E8E84-426E-40DD-AFC4-6F175D3DCCD1}">
+              <a14:hiddenFill xmlns:a14="http://schemas.microsoft.com/office/drawing/2010/main">
+                <a:solidFill>
+                  <a:srgbClr val="FFFFFF"/>
+                </a:solidFill>
+              </a14:hiddenFill>
+            </a:ext>
+          </a:extLst>
+        </p:spPr>
+      </p:pic>
+      <p:pic>
+        <p:nvPicPr>
+          <p:cNvPr id="3076" name="Picture 4">
+            <a:extLst>
+              <a:ext uri="{FF2B5EF4-FFF2-40B4-BE49-F238E27FC236}">
+                <a16:creationId xmlns:a16="http://schemas.microsoft.com/office/drawing/2014/main" id="{3520A259-4DC6-DDDC-FE7C-318BFAC39B83}"/>
+              </a:ext>
+            </a:extLst>
+          </p:cNvPr>
+          <p:cNvPicPr>
+            <a:picLocks noChangeAspect="1" noChangeArrowheads="1"/>
+          </p:cNvPicPr>
+          <p:nvPr/>
+        </p:nvPicPr>
+        <p:blipFill>
+          <a:blip r:embed="rId3">
+            <a:extLst>
+              <a:ext uri="{28A0092B-C50C-407E-A947-70E740481C1C}">
+                <a14:useLocalDpi xmlns:a14="http://schemas.microsoft.com/office/drawing/2010/main" val="0"/>
+              </a:ext>
+            </a:extLst>
+          </a:blip>
+          <a:srcRect/>
+          <a:stretch>
+            <a:fillRect/>
+          </a:stretch>
+        </p:blipFill>
+        <p:spPr bwMode="auto">
+          <a:xfrm>
+            <a:off x="6203149" y="2583052"/>
+            <a:ext cx="5257800" cy="3199112"/>
+          </a:xfrm>
+          <a:prstGeom prst="rect">
+            <a:avLst/>
+          </a:prstGeom>
+          <a:noFill/>
+          <a:extLst>
+            <a:ext uri="{909E8E84-426E-40DD-AFC4-6F175D3DCCD1}">
+              <a14:hiddenFill xmlns:a14="http://schemas.microsoft.com/office/drawing/2010/main">
+                <a:solidFill>
+                  <a:srgbClr val="FFFFFF"/>
+                </a:solidFill>
+              </a14:hiddenFill>
+            </a:ext>
+          </a:extLst>
+        </p:spPr>
+      </p:pic>
+    </p:spTree>
+    <p:extLst>
+      <p:ext uri="{BB962C8B-B14F-4D97-AF65-F5344CB8AC3E}">
+        <p14:creationId xmlns:p14="http://schemas.microsoft.com/office/powerpoint/2010/main" val="3144454438"/>
+      </p:ext>
+    </p:extLst>
+  </p:cSld>
+  <p:clrMapOvr>
+    <a:masterClrMapping/>
+  </p:clrMapOvr>
+</p:sld>
+</file>
+
+<file path=ppt/slides/slide9.xml><?xml version="1.0" encoding="utf-8"?>
 <p:sld xmlns:a="http://schemas.openxmlformats.org/drawingml/2006/main" xmlns:r="http://schemas.openxmlformats.org/officeDocument/2006/relationships" xmlns:p="http://schemas.openxmlformats.org/presentationml/2006/main">
   <p:cSld>
     <p:spTree>
@@ -5131,703 +8593,6 @@
     <p:extLst>
       <p:ext uri="{BB962C8B-B14F-4D97-AF65-F5344CB8AC3E}">
         <p14:creationId xmlns:p14="http://schemas.microsoft.com/office/powerpoint/2010/main" val="792134925"/>
-      </p:ext>
-    </p:extLst>
-  </p:cSld>
-  <p:clrMapOvr>
-    <a:masterClrMapping/>
-  </p:clrMapOvr>
-</p:sld>
-</file>
-
-<file path=ppt/slides/slide7.xml><?xml version="1.0" encoding="utf-8"?>
-<p:sld xmlns:a="http://schemas.openxmlformats.org/drawingml/2006/main" xmlns:r="http://schemas.openxmlformats.org/officeDocument/2006/relationships" xmlns:p="http://schemas.openxmlformats.org/presentationml/2006/main">
-  <p:cSld>
-    <p:spTree>
-      <p:nvGrpSpPr>
-        <p:cNvPr id="1" name=""/>
-        <p:cNvGrpSpPr/>
-        <p:nvPr/>
-      </p:nvGrpSpPr>
-      <p:grpSpPr>
-        <a:xfrm>
-          <a:off x="0" y="0"/>
-          <a:ext cx="0" cy="0"/>
-          <a:chOff x="0" y="0"/>
-          <a:chExt cx="0" cy="0"/>
-        </a:xfrm>
-      </p:grpSpPr>
-      <p:sp>
-        <p:nvSpPr>
-          <p:cNvPr id="2" name="Cím 1"/>
-          <p:cNvSpPr>
-            <a:spLocks noGrp="1"/>
-          </p:cNvSpPr>
-          <p:nvPr>
-            <p:ph type="title"/>
-          </p:nvPr>
-        </p:nvSpPr>
-        <p:spPr/>
-        <p:txBody>
-          <a:bodyPr/>
-          <a:lstStyle/>
-          <a:p>
-            <a:r>
-              <a:rPr lang="en-US" dirty="0" err="1">
-                <a:latin typeface="Arial" panose="020B0604020202020204" pitchFamily="34" charset="0"/>
-                <a:cs typeface="Arial" panose="020B0604020202020204" pitchFamily="34" charset="0"/>
-              </a:rPr>
-              <a:t>Oldal</a:t>
-            </a:r>
-            <a:r>
-              <a:rPr lang="en-US" dirty="0">
-                <a:latin typeface="Arial" panose="020B0604020202020204" pitchFamily="34" charset="0"/>
-                <a:cs typeface="Arial" panose="020B0604020202020204" pitchFamily="34" charset="0"/>
-              </a:rPr>
-              <a:t> design</a:t>
-            </a:r>
-            <a:endParaRPr lang="hu-HU" dirty="0">
-              <a:latin typeface="Arial" panose="020B0604020202020204" pitchFamily="34" charset="0"/>
-              <a:cs typeface="Arial" panose="020B0604020202020204" pitchFamily="34" charset="0"/>
-            </a:endParaRPr>
-          </a:p>
-        </p:txBody>
-      </p:sp>
-      <p:sp>
-        <p:nvSpPr>
-          <p:cNvPr id="3" name="Tartalom helye 2"/>
-          <p:cNvSpPr>
-            <a:spLocks noGrp="1"/>
-          </p:cNvSpPr>
-          <p:nvPr>
-            <p:ph idx="1"/>
-          </p:nvPr>
-        </p:nvSpPr>
-        <p:spPr/>
-        <p:txBody>
-          <a:bodyPr/>
-          <a:lstStyle/>
-          <a:p>
-            <a:pPr marL="0" indent="0" algn="ctr">
-              <a:buNone/>
-            </a:pPr>
-            <a:r>
-              <a:rPr lang="en-US" dirty="0" err="1">
-                <a:latin typeface="Arial" panose="020B0604020202020204" pitchFamily="34" charset="0"/>
-                <a:cs typeface="Arial" panose="020B0604020202020204" pitchFamily="34" charset="0"/>
-              </a:rPr>
-              <a:t>Ezután</a:t>
-            </a:r>
-            <a:r>
-              <a:rPr lang="en-US" dirty="0">
-                <a:latin typeface="Arial" panose="020B0604020202020204" pitchFamily="34" charset="0"/>
-                <a:cs typeface="Arial" panose="020B0604020202020204" pitchFamily="34" charset="0"/>
-              </a:rPr>
-              <a:t> Figma-ban </a:t>
-            </a:r>
-            <a:r>
-              <a:rPr lang="en-US" dirty="0" err="1">
-                <a:latin typeface="Arial" panose="020B0604020202020204" pitchFamily="34" charset="0"/>
-                <a:cs typeface="Arial" panose="020B0604020202020204" pitchFamily="34" charset="0"/>
-              </a:rPr>
-              <a:t>készítettük</a:t>
-            </a:r>
-            <a:r>
-              <a:rPr lang="en-US" dirty="0">
-                <a:latin typeface="Arial" panose="020B0604020202020204" pitchFamily="34" charset="0"/>
-                <a:cs typeface="Arial" panose="020B0604020202020204" pitchFamily="34" charset="0"/>
-              </a:rPr>
-              <a:t> </a:t>
-            </a:r>
-            <a:r>
-              <a:rPr lang="en-US" dirty="0" err="1">
-                <a:latin typeface="Arial" panose="020B0604020202020204" pitchFamily="34" charset="0"/>
-                <a:cs typeface="Arial" panose="020B0604020202020204" pitchFamily="34" charset="0"/>
-              </a:rPr>
-              <a:t>az</a:t>
-            </a:r>
-            <a:r>
-              <a:rPr lang="en-US" dirty="0">
-                <a:latin typeface="Arial" panose="020B0604020202020204" pitchFamily="34" charset="0"/>
-                <a:cs typeface="Arial" panose="020B0604020202020204" pitchFamily="34" charset="0"/>
-              </a:rPr>
-              <a:t> </a:t>
-            </a:r>
-            <a:r>
-              <a:rPr lang="en-US" dirty="0" err="1">
-                <a:latin typeface="Arial" panose="020B0604020202020204" pitchFamily="34" charset="0"/>
-                <a:cs typeface="Arial" panose="020B0604020202020204" pitchFamily="34" charset="0"/>
-              </a:rPr>
-              <a:t>oldal</a:t>
-            </a:r>
-            <a:r>
-              <a:rPr lang="en-US" dirty="0">
-                <a:latin typeface="Arial" panose="020B0604020202020204" pitchFamily="34" charset="0"/>
-                <a:cs typeface="Arial" panose="020B0604020202020204" pitchFamily="34" charset="0"/>
-              </a:rPr>
-              <a:t> </a:t>
-            </a:r>
-            <a:r>
-              <a:rPr lang="en-US" dirty="0" err="1">
-                <a:latin typeface="Arial" panose="020B0604020202020204" pitchFamily="34" charset="0"/>
-                <a:cs typeface="Arial" panose="020B0604020202020204" pitchFamily="34" charset="0"/>
-              </a:rPr>
-              <a:t>sablonjait</a:t>
-            </a:r>
-            <a:endParaRPr lang="hu-HU" dirty="0">
-              <a:latin typeface="Arial" panose="020B0604020202020204" pitchFamily="34" charset="0"/>
-              <a:cs typeface="Arial" panose="020B0604020202020204" pitchFamily="34" charset="0"/>
-            </a:endParaRPr>
-          </a:p>
-        </p:txBody>
-      </p:sp>
-      <p:pic>
-        <p:nvPicPr>
-          <p:cNvPr id="3074" name="Picture 2">
-            <a:extLst>
-              <a:ext uri="{FF2B5EF4-FFF2-40B4-BE49-F238E27FC236}">
-                <a16:creationId xmlns:a16="http://schemas.microsoft.com/office/drawing/2014/main" id="{14C37571-D67C-0B74-3318-212D8A2A8AFE}"/>
-              </a:ext>
-            </a:extLst>
-          </p:cNvPr>
-          <p:cNvPicPr>
-            <a:picLocks noChangeAspect="1" noChangeArrowheads="1"/>
-          </p:cNvPicPr>
-          <p:nvPr/>
-        </p:nvPicPr>
-        <p:blipFill>
-          <a:blip r:embed="rId2">
-            <a:extLst>
-              <a:ext uri="{28A0092B-C50C-407E-A947-70E740481C1C}">
-                <a14:useLocalDpi xmlns:a14="http://schemas.microsoft.com/office/drawing/2010/main" val="0"/>
-              </a:ext>
-            </a:extLst>
-          </a:blip>
-          <a:srcRect/>
-          <a:stretch>
-            <a:fillRect/>
-          </a:stretch>
-        </p:blipFill>
-        <p:spPr bwMode="auto">
-          <a:xfrm>
-            <a:off x="537896" y="2640647"/>
-            <a:ext cx="5303689" cy="3852225"/>
-          </a:xfrm>
-          <a:prstGeom prst="rect">
-            <a:avLst/>
-          </a:prstGeom>
-          <a:noFill/>
-          <a:extLst>
-            <a:ext uri="{909E8E84-426E-40DD-AFC4-6F175D3DCCD1}">
-              <a14:hiddenFill xmlns:a14="http://schemas.microsoft.com/office/drawing/2010/main">
-                <a:solidFill>
-                  <a:srgbClr val="FFFFFF"/>
-                </a:solidFill>
-              </a14:hiddenFill>
-            </a:ext>
-          </a:extLst>
-        </p:spPr>
-      </p:pic>
-      <p:pic>
-        <p:nvPicPr>
-          <p:cNvPr id="3078" name="Picture 6">
-            <a:extLst>
-              <a:ext uri="{FF2B5EF4-FFF2-40B4-BE49-F238E27FC236}">
-                <a16:creationId xmlns:a16="http://schemas.microsoft.com/office/drawing/2014/main" id="{846E828F-9F98-B7D5-DF28-A9AB303F5BEA}"/>
-              </a:ext>
-            </a:extLst>
-          </p:cNvPr>
-          <p:cNvPicPr>
-            <a:picLocks noChangeAspect="1" noChangeArrowheads="1"/>
-          </p:cNvPicPr>
-          <p:nvPr/>
-        </p:nvPicPr>
-        <p:blipFill>
-          <a:blip r:embed="rId3">
-            <a:extLst>
-              <a:ext uri="{28A0092B-C50C-407E-A947-70E740481C1C}">
-                <a14:useLocalDpi xmlns:a14="http://schemas.microsoft.com/office/drawing/2010/main" val="0"/>
-              </a:ext>
-            </a:extLst>
-          </a:blip>
-          <a:srcRect/>
-          <a:stretch>
-            <a:fillRect/>
-          </a:stretch>
-        </p:blipFill>
-        <p:spPr bwMode="auto">
-          <a:xfrm>
-            <a:off x="6141889" y="2640646"/>
-            <a:ext cx="5329602" cy="3852225"/>
-          </a:xfrm>
-          <a:prstGeom prst="rect">
-            <a:avLst/>
-          </a:prstGeom>
-          <a:noFill/>
-          <a:extLst>
-            <a:ext uri="{909E8E84-426E-40DD-AFC4-6F175D3DCCD1}">
-              <a14:hiddenFill xmlns:a14="http://schemas.microsoft.com/office/drawing/2010/main">
-                <a:solidFill>
-                  <a:srgbClr val="FFFFFF"/>
-                </a:solidFill>
-              </a14:hiddenFill>
-            </a:ext>
-          </a:extLst>
-        </p:spPr>
-      </p:pic>
-    </p:spTree>
-    <p:extLst>
-      <p:ext uri="{BB962C8B-B14F-4D97-AF65-F5344CB8AC3E}">
-        <p14:creationId xmlns:p14="http://schemas.microsoft.com/office/powerpoint/2010/main" val="1207112714"/>
-      </p:ext>
-    </p:extLst>
-  </p:cSld>
-  <p:clrMapOvr>
-    <a:masterClrMapping/>
-  </p:clrMapOvr>
-</p:sld>
-</file>
-
-<file path=ppt/slides/slide8.xml><?xml version="1.0" encoding="utf-8"?>
-<p:sld xmlns:a="http://schemas.openxmlformats.org/drawingml/2006/main" xmlns:r="http://schemas.openxmlformats.org/officeDocument/2006/relationships" xmlns:p="http://schemas.openxmlformats.org/presentationml/2006/main">
-  <p:cSld>
-    <p:spTree>
-      <p:nvGrpSpPr>
-        <p:cNvPr id="1" name=""/>
-        <p:cNvGrpSpPr/>
-        <p:nvPr/>
-      </p:nvGrpSpPr>
-      <p:grpSpPr>
-        <a:xfrm>
-          <a:off x="0" y="0"/>
-          <a:ext cx="0" cy="0"/>
-          <a:chOff x="0" y="0"/>
-          <a:chExt cx="0" cy="0"/>
-        </a:xfrm>
-      </p:grpSpPr>
-      <p:sp>
-        <p:nvSpPr>
-          <p:cNvPr id="2" name="Cím 1"/>
-          <p:cNvSpPr>
-            <a:spLocks noGrp="1"/>
-          </p:cNvSpPr>
-          <p:nvPr>
-            <p:ph type="title"/>
-          </p:nvPr>
-        </p:nvSpPr>
-        <p:spPr/>
-        <p:txBody>
-          <a:bodyPr/>
-          <a:lstStyle/>
-          <a:p>
-            <a:r>
-              <a:rPr lang="en-US" dirty="0" err="1">
-                <a:latin typeface="Arial" panose="020B0604020202020204" pitchFamily="34" charset="0"/>
-                <a:cs typeface="Arial" panose="020B0604020202020204" pitchFamily="34" charset="0"/>
-              </a:rPr>
-              <a:t>Oldal</a:t>
-            </a:r>
-            <a:r>
-              <a:rPr lang="en-US" dirty="0">
-                <a:latin typeface="Arial" panose="020B0604020202020204" pitchFamily="34" charset="0"/>
-                <a:cs typeface="Arial" panose="020B0604020202020204" pitchFamily="34" charset="0"/>
-              </a:rPr>
-              <a:t> design</a:t>
-            </a:r>
-            <a:endParaRPr lang="hu-HU" dirty="0">
-              <a:latin typeface="Arial" panose="020B0604020202020204" pitchFamily="34" charset="0"/>
-              <a:cs typeface="Arial" panose="020B0604020202020204" pitchFamily="34" charset="0"/>
-            </a:endParaRPr>
-          </a:p>
-        </p:txBody>
-      </p:sp>
-      <p:sp>
-        <p:nvSpPr>
-          <p:cNvPr id="3" name="Tartalom helye 2"/>
-          <p:cNvSpPr>
-            <a:spLocks noGrp="1"/>
-          </p:cNvSpPr>
-          <p:nvPr>
-            <p:ph idx="1"/>
-          </p:nvPr>
-        </p:nvSpPr>
-        <p:spPr/>
-        <p:txBody>
-          <a:bodyPr/>
-          <a:lstStyle/>
-          <a:p>
-            <a:pPr marL="0" indent="0" algn="ctr">
-              <a:buNone/>
-            </a:pPr>
-            <a:r>
-              <a:rPr lang="en-US" dirty="0" err="1">
-                <a:latin typeface="Arial" panose="020B0604020202020204" pitchFamily="34" charset="0"/>
-                <a:cs typeface="Arial" panose="020B0604020202020204" pitchFamily="34" charset="0"/>
-              </a:rPr>
-              <a:t>Ezután</a:t>
-            </a:r>
-            <a:r>
-              <a:rPr lang="en-US" dirty="0">
-                <a:latin typeface="Arial" panose="020B0604020202020204" pitchFamily="34" charset="0"/>
-                <a:cs typeface="Arial" panose="020B0604020202020204" pitchFamily="34" charset="0"/>
-              </a:rPr>
-              <a:t> Figma-ban </a:t>
-            </a:r>
-            <a:r>
-              <a:rPr lang="en-US" dirty="0" err="1">
-                <a:latin typeface="Arial" panose="020B0604020202020204" pitchFamily="34" charset="0"/>
-                <a:cs typeface="Arial" panose="020B0604020202020204" pitchFamily="34" charset="0"/>
-              </a:rPr>
-              <a:t>készítettük</a:t>
-            </a:r>
-            <a:r>
-              <a:rPr lang="en-US" dirty="0">
-                <a:latin typeface="Arial" panose="020B0604020202020204" pitchFamily="34" charset="0"/>
-                <a:cs typeface="Arial" panose="020B0604020202020204" pitchFamily="34" charset="0"/>
-              </a:rPr>
-              <a:t> </a:t>
-            </a:r>
-            <a:r>
-              <a:rPr lang="en-US" dirty="0" err="1">
-                <a:latin typeface="Arial" panose="020B0604020202020204" pitchFamily="34" charset="0"/>
-                <a:cs typeface="Arial" panose="020B0604020202020204" pitchFamily="34" charset="0"/>
-              </a:rPr>
-              <a:t>az</a:t>
-            </a:r>
-            <a:r>
-              <a:rPr lang="en-US" dirty="0">
-                <a:latin typeface="Arial" panose="020B0604020202020204" pitchFamily="34" charset="0"/>
-                <a:cs typeface="Arial" panose="020B0604020202020204" pitchFamily="34" charset="0"/>
-              </a:rPr>
-              <a:t> </a:t>
-            </a:r>
-            <a:r>
-              <a:rPr lang="en-US" dirty="0" err="1">
-                <a:latin typeface="Arial" panose="020B0604020202020204" pitchFamily="34" charset="0"/>
-                <a:cs typeface="Arial" panose="020B0604020202020204" pitchFamily="34" charset="0"/>
-              </a:rPr>
-              <a:t>oldal</a:t>
-            </a:r>
-            <a:r>
-              <a:rPr lang="en-US" dirty="0">
-                <a:latin typeface="Arial" panose="020B0604020202020204" pitchFamily="34" charset="0"/>
-                <a:cs typeface="Arial" panose="020B0604020202020204" pitchFamily="34" charset="0"/>
-              </a:rPr>
-              <a:t> </a:t>
-            </a:r>
-            <a:r>
-              <a:rPr lang="en-US" dirty="0" err="1">
-                <a:latin typeface="Arial" panose="020B0604020202020204" pitchFamily="34" charset="0"/>
-                <a:cs typeface="Arial" panose="020B0604020202020204" pitchFamily="34" charset="0"/>
-              </a:rPr>
-              <a:t>sablonjait</a:t>
-            </a:r>
-            <a:endParaRPr lang="hu-HU" dirty="0">
-              <a:latin typeface="Arial" panose="020B0604020202020204" pitchFamily="34" charset="0"/>
-              <a:cs typeface="Arial" panose="020B0604020202020204" pitchFamily="34" charset="0"/>
-            </a:endParaRPr>
-          </a:p>
-        </p:txBody>
-      </p:sp>
-      <p:pic>
-        <p:nvPicPr>
-          <p:cNvPr id="4102" name="Picture 6">
-            <a:extLst>
-              <a:ext uri="{FF2B5EF4-FFF2-40B4-BE49-F238E27FC236}">
-                <a16:creationId xmlns:a16="http://schemas.microsoft.com/office/drawing/2014/main" id="{E6B23D54-477C-C5D4-6E40-17381D855A7C}"/>
-              </a:ext>
-            </a:extLst>
-          </p:cNvPr>
-          <p:cNvPicPr>
-            <a:picLocks noChangeAspect="1" noChangeArrowheads="1"/>
-          </p:cNvPicPr>
-          <p:nvPr/>
-        </p:nvPicPr>
-        <p:blipFill>
-          <a:blip r:embed="rId2">
-            <a:extLst>
-              <a:ext uri="{28A0092B-C50C-407E-A947-70E740481C1C}">
-                <a14:useLocalDpi xmlns:a14="http://schemas.microsoft.com/office/drawing/2010/main" val="0"/>
-              </a:ext>
-            </a:extLst>
-          </a:blip>
-          <a:srcRect/>
-          <a:stretch>
-            <a:fillRect/>
-          </a:stretch>
-        </p:blipFill>
-        <p:spPr bwMode="auto">
-          <a:xfrm>
-            <a:off x="1033462" y="2380060"/>
-            <a:ext cx="10125075" cy="3796903"/>
-          </a:xfrm>
-          <a:prstGeom prst="rect">
-            <a:avLst/>
-          </a:prstGeom>
-          <a:noFill/>
-          <a:extLst>
-            <a:ext uri="{909E8E84-426E-40DD-AFC4-6F175D3DCCD1}">
-              <a14:hiddenFill xmlns:a14="http://schemas.microsoft.com/office/drawing/2010/main">
-                <a:solidFill>
-                  <a:srgbClr val="FFFFFF"/>
-                </a:solidFill>
-              </a14:hiddenFill>
-            </a:ext>
-          </a:extLst>
-        </p:spPr>
-      </p:pic>
-    </p:spTree>
-    <p:extLst>
-      <p:ext uri="{BB962C8B-B14F-4D97-AF65-F5344CB8AC3E}">
-        <p14:creationId xmlns:p14="http://schemas.microsoft.com/office/powerpoint/2010/main" val="1795959441"/>
-      </p:ext>
-    </p:extLst>
-  </p:cSld>
-  <p:clrMapOvr>
-    <a:masterClrMapping/>
-  </p:clrMapOvr>
-</p:sld>
-</file>
-
-<file path=ppt/slides/slide9.xml><?xml version="1.0" encoding="utf-8"?>
-<p:sld xmlns:a="http://schemas.openxmlformats.org/drawingml/2006/main" xmlns:r="http://schemas.openxmlformats.org/officeDocument/2006/relationships" xmlns:p="http://schemas.openxmlformats.org/presentationml/2006/main">
-  <p:cSld>
-    <p:spTree>
-      <p:nvGrpSpPr>
-        <p:cNvPr id="1" name=""/>
-        <p:cNvGrpSpPr/>
-        <p:nvPr/>
-      </p:nvGrpSpPr>
-      <p:grpSpPr>
-        <a:xfrm>
-          <a:off x="0" y="0"/>
-          <a:ext cx="0" cy="0"/>
-          <a:chOff x="0" y="0"/>
-          <a:chExt cx="0" cy="0"/>
-        </a:xfrm>
-      </p:grpSpPr>
-      <p:sp>
-        <p:nvSpPr>
-          <p:cNvPr id="2" name="Cím 1"/>
-          <p:cNvSpPr>
-            <a:spLocks noGrp="1"/>
-          </p:cNvSpPr>
-          <p:nvPr>
-            <p:ph type="title"/>
-          </p:nvPr>
-        </p:nvSpPr>
-        <p:spPr/>
-        <p:txBody>
-          <a:bodyPr/>
-          <a:lstStyle/>
-          <a:p>
-            <a:r>
-              <a:rPr lang="en-US" dirty="0" err="1">
-                <a:latin typeface="Arial" panose="020B0604020202020204" pitchFamily="34" charset="0"/>
-                <a:cs typeface="Arial" panose="020B0604020202020204" pitchFamily="34" charset="0"/>
-              </a:rPr>
-              <a:t>Oldal</a:t>
-            </a:r>
-            <a:r>
-              <a:rPr lang="en-US" dirty="0">
-                <a:latin typeface="Arial" panose="020B0604020202020204" pitchFamily="34" charset="0"/>
-                <a:cs typeface="Arial" panose="020B0604020202020204" pitchFamily="34" charset="0"/>
-              </a:rPr>
-              <a:t> design</a:t>
-            </a:r>
-            <a:endParaRPr lang="hu-HU" dirty="0">
-              <a:latin typeface="Arial" panose="020B0604020202020204" pitchFamily="34" charset="0"/>
-              <a:cs typeface="Arial" panose="020B0604020202020204" pitchFamily="34" charset="0"/>
-            </a:endParaRPr>
-          </a:p>
-        </p:txBody>
-      </p:sp>
-      <p:sp>
-        <p:nvSpPr>
-          <p:cNvPr id="3" name="Tartalom helye 2"/>
-          <p:cNvSpPr>
-            <a:spLocks noGrp="1"/>
-          </p:cNvSpPr>
-          <p:nvPr>
-            <p:ph idx="1"/>
-          </p:nvPr>
-        </p:nvSpPr>
-        <p:spPr/>
-        <p:txBody>
-          <a:bodyPr/>
-          <a:lstStyle/>
-          <a:p>
-            <a:pPr marL="0" indent="0" algn="ctr">
-              <a:buNone/>
-            </a:pPr>
-            <a:r>
-              <a:rPr lang="en-US" dirty="0" err="1">
-                <a:latin typeface="Arial" panose="020B0604020202020204" pitchFamily="34" charset="0"/>
-                <a:cs typeface="Arial" panose="020B0604020202020204" pitchFamily="34" charset="0"/>
-              </a:rPr>
-              <a:t>Ezután</a:t>
-            </a:r>
-            <a:r>
-              <a:rPr lang="en-US" dirty="0">
-                <a:latin typeface="Arial" panose="020B0604020202020204" pitchFamily="34" charset="0"/>
-                <a:cs typeface="Arial" panose="020B0604020202020204" pitchFamily="34" charset="0"/>
-              </a:rPr>
-              <a:t> Figma-ban </a:t>
-            </a:r>
-            <a:r>
-              <a:rPr lang="en-US" dirty="0" err="1">
-                <a:latin typeface="Arial" panose="020B0604020202020204" pitchFamily="34" charset="0"/>
-                <a:cs typeface="Arial" panose="020B0604020202020204" pitchFamily="34" charset="0"/>
-              </a:rPr>
-              <a:t>készítettük</a:t>
-            </a:r>
-            <a:r>
-              <a:rPr lang="en-US" dirty="0">
-                <a:latin typeface="Arial" panose="020B0604020202020204" pitchFamily="34" charset="0"/>
-                <a:cs typeface="Arial" panose="020B0604020202020204" pitchFamily="34" charset="0"/>
-              </a:rPr>
-              <a:t> </a:t>
-            </a:r>
-            <a:r>
-              <a:rPr lang="en-US" dirty="0" err="1">
-                <a:latin typeface="Arial" panose="020B0604020202020204" pitchFamily="34" charset="0"/>
-                <a:cs typeface="Arial" panose="020B0604020202020204" pitchFamily="34" charset="0"/>
-              </a:rPr>
-              <a:t>az</a:t>
-            </a:r>
-            <a:r>
-              <a:rPr lang="en-US" dirty="0">
-                <a:latin typeface="Arial" panose="020B0604020202020204" pitchFamily="34" charset="0"/>
-                <a:cs typeface="Arial" panose="020B0604020202020204" pitchFamily="34" charset="0"/>
-              </a:rPr>
-              <a:t> </a:t>
-            </a:r>
-            <a:r>
-              <a:rPr lang="en-US" dirty="0" err="1">
-                <a:latin typeface="Arial" panose="020B0604020202020204" pitchFamily="34" charset="0"/>
-                <a:cs typeface="Arial" panose="020B0604020202020204" pitchFamily="34" charset="0"/>
-              </a:rPr>
-              <a:t>oldal</a:t>
-            </a:r>
-            <a:r>
-              <a:rPr lang="en-US" dirty="0">
-                <a:latin typeface="Arial" panose="020B0604020202020204" pitchFamily="34" charset="0"/>
-                <a:cs typeface="Arial" panose="020B0604020202020204" pitchFamily="34" charset="0"/>
-              </a:rPr>
-              <a:t> </a:t>
-            </a:r>
-            <a:r>
-              <a:rPr lang="en-US" dirty="0" err="1">
-                <a:latin typeface="Arial" panose="020B0604020202020204" pitchFamily="34" charset="0"/>
-                <a:cs typeface="Arial" panose="020B0604020202020204" pitchFamily="34" charset="0"/>
-              </a:rPr>
-              <a:t>sablonjait</a:t>
-            </a:r>
-            <a:endParaRPr lang="hu-HU" dirty="0">
-              <a:latin typeface="Arial" panose="020B0604020202020204" pitchFamily="34" charset="0"/>
-              <a:cs typeface="Arial" panose="020B0604020202020204" pitchFamily="34" charset="0"/>
-            </a:endParaRPr>
-          </a:p>
-        </p:txBody>
-      </p:sp>
-      <p:pic>
-        <p:nvPicPr>
-          <p:cNvPr id="5122" name="Picture 2">
-            <a:extLst>
-              <a:ext uri="{FF2B5EF4-FFF2-40B4-BE49-F238E27FC236}">
-                <a16:creationId xmlns:a16="http://schemas.microsoft.com/office/drawing/2014/main" id="{9CAB2859-865D-01A7-C7C6-B81BC4749BD5}"/>
-              </a:ext>
-            </a:extLst>
-          </p:cNvPr>
-          <p:cNvPicPr>
-            <a:picLocks noChangeAspect="1" noChangeArrowheads="1"/>
-          </p:cNvPicPr>
-          <p:nvPr/>
-        </p:nvPicPr>
-        <p:blipFill>
-          <a:blip r:embed="rId2">
-            <a:extLst>
-              <a:ext uri="{28A0092B-C50C-407E-A947-70E740481C1C}">
-                <a14:useLocalDpi xmlns:a14="http://schemas.microsoft.com/office/drawing/2010/main" val="0"/>
-              </a:ext>
-            </a:extLst>
-          </a:blip>
-          <a:srcRect/>
-          <a:stretch>
-            <a:fillRect/>
-          </a:stretch>
-        </p:blipFill>
-        <p:spPr bwMode="auto">
-          <a:xfrm>
-            <a:off x="1603664" y="2316159"/>
-            <a:ext cx="4021966" cy="4351339"/>
-          </a:xfrm>
-          <a:prstGeom prst="rect">
-            <a:avLst/>
-          </a:prstGeom>
-          <a:noFill/>
-          <a:extLst>
-            <a:ext uri="{909E8E84-426E-40DD-AFC4-6F175D3DCCD1}">
-              <a14:hiddenFill xmlns:a14="http://schemas.microsoft.com/office/drawing/2010/main">
-                <a:solidFill>
-                  <a:srgbClr val="FFFFFF"/>
-                </a:solidFill>
-              </a14:hiddenFill>
-            </a:ext>
-          </a:extLst>
-        </p:spPr>
-      </p:pic>
-      <p:pic>
-        <p:nvPicPr>
-          <p:cNvPr id="5124" name="Picture 4">
-            <a:extLst>
-              <a:ext uri="{FF2B5EF4-FFF2-40B4-BE49-F238E27FC236}">
-                <a16:creationId xmlns:a16="http://schemas.microsoft.com/office/drawing/2014/main" id="{FDE36526-2381-06CB-6842-11AA78AA8A93}"/>
-              </a:ext>
-            </a:extLst>
-          </p:cNvPr>
-          <p:cNvPicPr>
-            <a:picLocks noChangeAspect="1" noChangeArrowheads="1"/>
-          </p:cNvPicPr>
-          <p:nvPr/>
-        </p:nvPicPr>
-        <p:blipFill>
-          <a:blip r:embed="rId3">
-            <a:extLst>
-              <a:ext uri="{28A0092B-C50C-407E-A947-70E740481C1C}">
-                <a14:useLocalDpi xmlns:a14="http://schemas.microsoft.com/office/drawing/2010/main" val="0"/>
-              </a:ext>
-            </a:extLst>
-          </a:blip>
-          <a:srcRect/>
-          <a:stretch>
-            <a:fillRect/>
-          </a:stretch>
-        </p:blipFill>
-        <p:spPr bwMode="auto">
-          <a:xfrm>
-            <a:off x="6566371" y="2316159"/>
-            <a:ext cx="4120679" cy="4351340"/>
-          </a:xfrm>
-          <a:prstGeom prst="rect">
-            <a:avLst/>
-          </a:prstGeom>
-          <a:noFill/>
-          <a:extLst>
-            <a:ext uri="{909E8E84-426E-40DD-AFC4-6F175D3DCCD1}">
-              <a14:hiddenFill xmlns:a14="http://schemas.microsoft.com/office/drawing/2010/main">
-                <a:solidFill>
-                  <a:srgbClr val="FFFFFF"/>
-                </a:solidFill>
-              </a14:hiddenFill>
-            </a:ext>
-          </a:extLst>
-        </p:spPr>
-      </p:pic>
-    </p:spTree>
-    <p:extLst>
-      <p:ext uri="{BB962C8B-B14F-4D97-AF65-F5344CB8AC3E}">
-        <p14:creationId xmlns:p14="http://schemas.microsoft.com/office/powerpoint/2010/main" val="2232490883"/>
       </p:ext>
     </p:extLst>
   </p:cSld>

--- a/PPT/tztpvb_barkacs.pptx
+++ b/PPT/tztpvb_barkacs.pptx
@@ -32,7 +32,14 @@
     <p:sldId id="269" r:id="rId26"/>
     <p:sldId id="270" r:id="rId27"/>
     <p:sldId id="268" r:id="rId28"/>
-    <p:sldId id="272" r:id="rId29"/>
+    <p:sldId id="286" r:id="rId29"/>
+    <p:sldId id="287" r:id="rId30"/>
+    <p:sldId id="288" r:id="rId31"/>
+    <p:sldId id="289" r:id="rId32"/>
+    <p:sldId id="290" r:id="rId33"/>
+    <p:sldId id="291" r:id="rId34"/>
+    <p:sldId id="292" r:id="rId35"/>
+    <p:sldId id="272" r:id="rId36"/>
   </p:sldIdLst>
   <p:sldSz cx="12192000" cy="6858000"/>
   <p:notesSz cx="6858000" cy="9144000"/>
@@ -268,7 +275,7 @@
           <a:p>
             <a:fld id="{71E632DD-E401-4CE4-A4E1-B4FCB673BE30}" type="datetimeFigureOut">
               <a:rPr lang="hu-HU" smtClean="0"/>
-              <a:t>2023. 02. 05.</a:t>
+              <a:t>2023. 02. 06.</a:t>
             </a:fld>
             <a:endParaRPr lang="hu-HU"/>
           </a:p>
@@ -436,7 +443,7 @@
           <a:p>
             <a:fld id="{71E632DD-E401-4CE4-A4E1-B4FCB673BE30}" type="datetimeFigureOut">
               <a:rPr lang="hu-HU" smtClean="0"/>
-              <a:t>2023. 02. 05.</a:t>
+              <a:t>2023. 02. 06.</a:t>
             </a:fld>
             <a:endParaRPr lang="hu-HU"/>
           </a:p>
@@ -614,7 +621,7 @@
           <a:p>
             <a:fld id="{71E632DD-E401-4CE4-A4E1-B4FCB673BE30}" type="datetimeFigureOut">
               <a:rPr lang="hu-HU" smtClean="0"/>
-              <a:t>2023. 02. 05.</a:t>
+              <a:t>2023. 02. 06.</a:t>
             </a:fld>
             <a:endParaRPr lang="hu-HU"/>
           </a:p>
@@ -782,7 +789,7 @@
           <a:p>
             <a:fld id="{71E632DD-E401-4CE4-A4E1-B4FCB673BE30}" type="datetimeFigureOut">
               <a:rPr lang="hu-HU" smtClean="0"/>
-              <a:t>2023. 02. 05.</a:t>
+              <a:t>2023. 02. 06.</a:t>
             </a:fld>
             <a:endParaRPr lang="hu-HU"/>
           </a:p>
@@ -1027,7 +1034,7 @@
           <a:p>
             <a:fld id="{71E632DD-E401-4CE4-A4E1-B4FCB673BE30}" type="datetimeFigureOut">
               <a:rPr lang="hu-HU" smtClean="0"/>
-              <a:t>2023. 02. 05.</a:t>
+              <a:t>2023. 02. 06.</a:t>
             </a:fld>
             <a:endParaRPr lang="hu-HU"/>
           </a:p>
@@ -1256,7 +1263,7 @@
           <a:p>
             <a:fld id="{71E632DD-E401-4CE4-A4E1-B4FCB673BE30}" type="datetimeFigureOut">
               <a:rPr lang="hu-HU" smtClean="0"/>
-              <a:t>2023. 02. 05.</a:t>
+              <a:t>2023. 02. 06.</a:t>
             </a:fld>
             <a:endParaRPr lang="hu-HU"/>
           </a:p>
@@ -1620,7 +1627,7 @@
           <a:p>
             <a:fld id="{71E632DD-E401-4CE4-A4E1-B4FCB673BE30}" type="datetimeFigureOut">
               <a:rPr lang="hu-HU" smtClean="0"/>
-              <a:t>2023. 02. 05.</a:t>
+              <a:t>2023. 02. 06.</a:t>
             </a:fld>
             <a:endParaRPr lang="hu-HU"/>
           </a:p>
@@ -1737,7 +1744,7 @@
           <a:p>
             <a:fld id="{71E632DD-E401-4CE4-A4E1-B4FCB673BE30}" type="datetimeFigureOut">
               <a:rPr lang="hu-HU" smtClean="0"/>
-              <a:t>2023. 02. 05.</a:t>
+              <a:t>2023. 02. 06.</a:t>
             </a:fld>
             <a:endParaRPr lang="hu-HU"/>
           </a:p>
@@ -1832,7 +1839,7 @@
           <a:p>
             <a:fld id="{71E632DD-E401-4CE4-A4E1-B4FCB673BE30}" type="datetimeFigureOut">
               <a:rPr lang="hu-HU" smtClean="0"/>
-              <a:t>2023. 02. 05.</a:t>
+              <a:t>2023. 02. 06.</a:t>
             </a:fld>
             <a:endParaRPr lang="hu-HU"/>
           </a:p>
@@ -2107,7 +2114,7 @@
           <a:p>
             <a:fld id="{71E632DD-E401-4CE4-A4E1-B4FCB673BE30}" type="datetimeFigureOut">
               <a:rPr lang="hu-HU" smtClean="0"/>
-              <a:t>2023. 02. 05.</a:t>
+              <a:t>2023. 02. 06.</a:t>
             </a:fld>
             <a:endParaRPr lang="hu-HU"/>
           </a:p>
@@ -2359,7 +2366,7 @@
           <a:p>
             <a:fld id="{71E632DD-E401-4CE4-A4E1-B4FCB673BE30}" type="datetimeFigureOut">
               <a:rPr lang="hu-HU" smtClean="0"/>
-              <a:t>2023. 02. 05.</a:t>
+              <a:t>2023. 02. 06.</a:t>
             </a:fld>
             <a:endParaRPr lang="hu-HU"/>
           </a:p>
@@ -2570,7 +2577,7 @@
           <a:p>
             <a:fld id="{71E632DD-E401-4CE4-A4E1-B4FCB673BE30}" type="datetimeFigureOut">
               <a:rPr lang="hu-HU" smtClean="0"/>
-              <a:t>2023. 02. 05.</a:t>
+              <a:t>2023. 02. 06.</a:t>
             </a:fld>
             <a:endParaRPr lang="hu-HU"/>
           </a:p>
@@ -3094,6 +3101,17 @@
               </a:rPr>
               <a:t>Oldal design</a:t>
             </a:r>
+            <a:r>
+              <a:rPr lang="en-US" dirty="0">
+                <a:latin typeface="Arial" panose="020B0604020202020204" pitchFamily="34" charset="0"/>
+                <a:cs typeface="Arial" panose="020B0604020202020204" pitchFamily="34" charset="0"/>
+              </a:rPr>
+              <a:t> (Terdik Zalán)</a:t>
+            </a:r>
+            <a:endParaRPr lang="hu-HU" dirty="0">
+              <a:latin typeface="Arial" panose="020B0604020202020204" pitchFamily="34" charset="0"/>
+              <a:cs typeface="Arial" panose="020B0604020202020204" pitchFamily="34" charset="0"/>
+            </a:endParaRPr>
           </a:p>
         </p:txBody>
       </p:sp>
@@ -3276,7 +3294,7 @@
                 <a:latin typeface="Arial" panose="020B0604020202020204" pitchFamily="34" charset="0"/>
                 <a:cs typeface="Arial" panose="020B0604020202020204" pitchFamily="34" charset="0"/>
               </a:rPr>
-              <a:t> design</a:t>
+              <a:t> design (Vér Bence)</a:t>
             </a:r>
             <a:endParaRPr lang="hu-HU" dirty="0">
               <a:latin typeface="Arial" panose="020B0604020202020204" pitchFamily="34" charset="0"/>
@@ -3524,7 +3542,7 @@
                 <a:latin typeface="Arial" panose="020B0604020202020204" pitchFamily="34" charset="0"/>
                 <a:cs typeface="Arial" panose="020B0604020202020204" pitchFamily="34" charset="0"/>
               </a:rPr>
-              <a:t> design</a:t>
+              <a:t> design (Vér Bence)</a:t>
             </a:r>
             <a:endParaRPr lang="hu-HU" dirty="0">
               <a:latin typeface="Arial" panose="020B0604020202020204" pitchFamily="34" charset="0"/>
@@ -3772,7 +3790,7 @@
                 <a:latin typeface="Arial" panose="020B0604020202020204" pitchFamily="34" charset="0"/>
                 <a:cs typeface="Arial" panose="020B0604020202020204" pitchFamily="34" charset="0"/>
               </a:rPr>
-              <a:t> design</a:t>
+              <a:t> design (Vér Bence)</a:t>
             </a:r>
             <a:endParaRPr lang="hu-HU" dirty="0">
               <a:latin typeface="Arial" panose="020B0604020202020204" pitchFamily="34" charset="0"/>
@@ -4020,7 +4038,7 @@
                 <a:latin typeface="Arial" panose="020B0604020202020204" pitchFamily="34" charset="0"/>
                 <a:cs typeface="Arial" panose="020B0604020202020204" pitchFamily="34" charset="0"/>
               </a:rPr>
-              <a:t> design</a:t>
+              <a:t> design (Török Péter)</a:t>
             </a:r>
             <a:endParaRPr lang="hu-HU" dirty="0">
               <a:latin typeface="Arial" panose="020B0604020202020204" pitchFamily="34" charset="0"/>
@@ -4221,7 +4239,7 @@
                 <a:latin typeface="Arial" panose="020B0604020202020204" pitchFamily="34" charset="0"/>
                 <a:cs typeface="Arial" panose="020B0604020202020204" pitchFamily="34" charset="0"/>
               </a:rPr>
-              <a:t> design</a:t>
+              <a:t> design (Török Péter)</a:t>
             </a:r>
             <a:endParaRPr lang="hu-HU" dirty="0">
               <a:latin typeface="Arial" panose="020B0604020202020204" pitchFamily="34" charset="0"/>
@@ -4422,7 +4440,7 @@
                 <a:latin typeface="Arial" panose="020B0604020202020204" pitchFamily="34" charset="0"/>
                 <a:cs typeface="Arial" panose="020B0604020202020204" pitchFamily="34" charset="0"/>
               </a:rPr>
-              <a:t> design</a:t>
+              <a:t> design (Török Péter)</a:t>
             </a:r>
             <a:endParaRPr lang="hu-HU" dirty="0">
               <a:latin typeface="Arial" panose="020B0604020202020204" pitchFamily="34" charset="0"/>
@@ -4623,7 +4641,7 @@
                 <a:latin typeface="Arial" panose="020B0604020202020204" pitchFamily="34" charset="0"/>
                 <a:cs typeface="Arial" panose="020B0604020202020204" pitchFamily="34" charset="0"/>
               </a:rPr>
-              <a:t> design</a:t>
+              <a:t> design (Török Péter)</a:t>
             </a:r>
             <a:endParaRPr lang="hu-HU" dirty="0">
               <a:latin typeface="Arial" panose="020B0604020202020204" pitchFamily="34" charset="0"/>
@@ -4824,7 +4842,7 @@
                 <a:latin typeface="Arial" panose="020B0604020202020204" pitchFamily="34" charset="0"/>
                 <a:cs typeface="Arial" panose="020B0604020202020204" pitchFamily="34" charset="0"/>
               </a:rPr>
-              <a:t> design</a:t>
+              <a:t> design (Török Péter)</a:t>
             </a:r>
             <a:endParaRPr lang="hu-HU" dirty="0">
               <a:latin typeface="Arial" panose="020B0604020202020204" pitchFamily="34" charset="0"/>
@@ -5025,7 +5043,7 @@
                 <a:latin typeface="Arial" panose="020B0604020202020204" pitchFamily="34" charset="0"/>
                 <a:cs typeface="Arial" panose="020B0604020202020204" pitchFamily="34" charset="0"/>
               </a:rPr>
-              <a:t> design</a:t>
+              <a:t> design (Török Péter)</a:t>
             </a:r>
             <a:endParaRPr lang="hu-HU" dirty="0">
               <a:latin typeface="Arial" panose="020B0604020202020204" pitchFamily="34" charset="0"/>
@@ -5405,7 +5423,7 @@
                 <a:latin typeface="Arial" panose="020B0604020202020204" pitchFamily="34" charset="0"/>
                 <a:cs typeface="Arial" panose="020B0604020202020204" pitchFamily="34" charset="0"/>
               </a:rPr>
-              <a:t> design</a:t>
+              <a:t> design (Terdik Zalán)</a:t>
             </a:r>
             <a:endParaRPr lang="hu-HU" dirty="0">
               <a:latin typeface="Arial" panose="020B0604020202020204" pitchFamily="34" charset="0"/>
@@ -5653,7 +5671,7 @@
                 <a:latin typeface="Arial" panose="020B0604020202020204" pitchFamily="34" charset="0"/>
                 <a:cs typeface="Arial" panose="020B0604020202020204" pitchFamily="34" charset="0"/>
               </a:rPr>
-              <a:t> design</a:t>
+              <a:t> design (Terdik Zalán)</a:t>
             </a:r>
             <a:endParaRPr lang="hu-HU" dirty="0">
               <a:latin typeface="Arial" panose="020B0604020202020204" pitchFamily="34" charset="0"/>
@@ -5901,7 +5919,7 @@
                 <a:latin typeface="Arial" panose="020B0604020202020204" pitchFamily="34" charset="0"/>
                 <a:cs typeface="Arial" panose="020B0604020202020204" pitchFamily="34" charset="0"/>
               </a:rPr>
-              <a:t> design</a:t>
+              <a:t> design (Terdik Zalán)</a:t>
             </a:r>
             <a:endParaRPr lang="hu-HU" dirty="0">
               <a:latin typeface="Arial" panose="020B0604020202020204" pitchFamily="34" charset="0"/>
@@ -7288,38 +7306,38 @@
           <a:lstStyle/>
           <a:p>
             <a:r>
-              <a:rPr lang="en-US" sz="6600" dirty="0" err="1">
+              <a:rPr lang="en-US" sz="7200" dirty="0">
                 <a:latin typeface="Arial" panose="020B0604020202020204" pitchFamily="34" charset="0"/>
                 <a:ea typeface="Arial Unicode MS" panose="020B0604020202020204" pitchFamily="34" charset="-128"/>
                 <a:cs typeface="Arial" panose="020B0604020202020204" pitchFamily="34" charset="0"/>
               </a:rPr>
-              <a:t>Köszönjük</a:t>
-            </a:r>
-            <a:r>
-              <a:rPr lang="en-US" sz="6600" dirty="0">
+              <a:t>A </a:t>
+            </a:r>
+            <a:r>
+              <a:rPr lang="en-US" sz="7200" dirty="0" err="1">
                 <a:latin typeface="Arial" panose="020B0604020202020204" pitchFamily="34" charset="0"/>
                 <a:ea typeface="Arial Unicode MS" panose="020B0604020202020204" pitchFamily="34" charset="-128"/>
                 <a:cs typeface="Arial" panose="020B0604020202020204" pitchFamily="34" charset="0"/>
               </a:rPr>
-              <a:t> a </a:t>
-            </a:r>
-            <a:r>
-              <a:rPr lang="en-US" sz="6600" dirty="0" err="1">
+              <a:t>kész</a:t>
+            </a:r>
+            <a:r>
+              <a:rPr lang="en-US" sz="7200" dirty="0">
                 <a:latin typeface="Arial" panose="020B0604020202020204" pitchFamily="34" charset="0"/>
                 <a:ea typeface="Arial Unicode MS" panose="020B0604020202020204" pitchFamily="34" charset="-128"/>
                 <a:cs typeface="Arial" panose="020B0604020202020204" pitchFamily="34" charset="0"/>
               </a:rPr>
-              <a:t>figyelmet</a:t>
-            </a:r>
-            <a:r>
-              <a:rPr lang="en-US" sz="6600" dirty="0">
+              <a:t> </a:t>
+            </a:r>
+            <a:r>
+              <a:rPr lang="en-US" sz="7200" dirty="0" err="1">
                 <a:latin typeface="Arial" panose="020B0604020202020204" pitchFamily="34" charset="0"/>
                 <a:ea typeface="Arial Unicode MS" panose="020B0604020202020204" pitchFamily="34" charset="-128"/>
                 <a:cs typeface="Arial" panose="020B0604020202020204" pitchFamily="34" charset="0"/>
               </a:rPr>
-              <a:t>!</a:t>
-            </a:r>
-            <a:endParaRPr lang="hu-HU" sz="6600" dirty="0">
+              <a:t>weboldal</a:t>
+            </a:r>
+            <a:endParaRPr lang="hu-HU" sz="7200" dirty="0">
               <a:latin typeface="Arial" panose="020B0604020202020204" pitchFamily="34" charset="0"/>
               <a:ea typeface="Arial Unicode MS" panose="020B0604020202020204" pitchFamily="34" charset="-128"/>
               <a:cs typeface="Arial" panose="020B0604020202020204" pitchFamily="34" charset="0"/>
@@ -7330,7 +7348,93 @@
     </p:spTree>
     <p:extLst>
       <p:ext uri="{BB962C8B-B14F-4D97-AF65-F5344CB8AC3E}">
-        <p14:creationId xmlns:p14="http://schemas.microsoft.com/office/powerpoint/2010/main" val="3260255604"/>
+        <p14:creationId xmlns:p14="http://schemas.microsoft.com/office/powerpoint/2010/main" val="375971181"/>
+      </p:ext>
+    </p:extLst>
+  </p:cSld>
+  <p:clrMapOvr>
+    <a:masterClrMapping/>
+  </p:clrMapOvr>
+</p:sld>
+</file>
+
+<file path=ppt/slides/slide29.xml><?xml version="1.0" encoding="utf-8"?>
+<p:sld xmlns:a="http://schemas.openxmlformats.org/drawingml/2006/main" xmlns:r="http://schemas.openxmlformats.org/officeDocument/2006/relationships" xmlns:p="http://schemas.openxmlformats.org/presentationml/2006/main">
+  <p:cSld>
+    <p:spTree>
+      <p:nvGrpSpPr>
+        <p:cNvPr id="1" name=""/>
+        <p:cNvGrpSpPr/>
+        <p:nvPr/>
+      </p:nvGrpSpPr>
+      <p:grpSpPr>
+        <a:xfrm>
+          <a:off x="0" y="0"/>
+          <a:ext cx="0" cy="0"/>
+          <a:chOff x="0" y="0"/>
+          <a:chExt cx="0" cy="0"/>
+        </a:xfrm>
+      </p:grpSpPr>
+      <p:sp>
+        <p:nvSpPr>
+          <p:cNvPr id="2" name="Title 1">
+            <a:extLst>
+              <a:ext uri="{FF2B5EF4-FFF2-40B4-BE49-F238E27FC236}">
+                <a16:creationId xmlns:a16="http://schemas.microsoft.com/office/drawing/2014/main" id="{3B7684A8-D7BF-AE1E-F002-60BA3CD9B543}"/>
+              </a:ext>
+            </a:extLst>
+          </p:cNvPr>
+          <p:cNvSpPr>
+            <a:spLocks noGrp="1"/>
+          </p:cNvSpPr>
+          <p:nvPr>
+            <p:ph type="title"/>
+          </p:nvPr>
+        </p:nvSpPr>
+        <p:spPr/>
+        <p:txBody>
+          <a:bodyPr/>
+          <a:lstStyle/>
+          <a:p>
+            <a:r>
+              <a:rPr lang="en-US" dirty="0">
+                <a:latin typeface="Arial" panose="020B0604020202020204" pitchFamily="34" charset="0"/>
+                <a:cs typeface="Arial" panose="020B0604020202020204" pitchFamily="34" charset="0"/>
+              </a:rPr>
+              <a:t>A </a:t>
+            </a:r>
+            <a:r>
+              <a:rPr lang="en-US" dirty="0" err="1">
+                <a:latin typeface="Arial" panose="020B0604020202020204" pitchFamily="34" charset="0"/>
+                <a:cs typeface="Arial" panose="020B0604020202020204" pitchFamily="34" charset="0"/>
+              </a:rPr>
+              <a:t>kész</a:t>
+            </a:r>
+            <a:r>
+              <a:rPr lang="en-US" dirty="0">
+                <a:latin typeface="Arial" panose="020B0604020202020204" pitchFamily="34" charset="0"/>
+                <a:cs typeface="Arial" panose="020B0604020202020204" pitchFamily="34" charset="0"/>
+              </a:rPr>
+              <a:t> </a:t>
+            </a:r>
+            <a:r>
+              <a:rPr lang="en-US" dirty="0" err="1">
+                <a:latin typeface="Arial" panose="020B0604020202020204" pitchFamily="34" charset="0"/>
+                <a:cs typeface="Arial" panose="020B0604020202020204" pitchFamily="34" charset="0"/>
+              </a:rPr>
+              <a:t>weboldal</a:t>
+            </a:r>
+            <a:endParaRPr lang="en-HU" dirty="0">
+              <a:latin typeface="Arial" panose="020B0604020202020204" pitchFamily="34" charset="0"/>
+              <a:cs typeface="Arial" panose="020B0604020202020204" pitchFamily="34" charset="0"/>
+            </a:endParaRPr>
+          </a:p>
+        </p:txBody>
+      </p:sp>
+    </p:spTree>
+    <p:extLst>
+      <p:ext uri="{BB962C8B-B14F-4D97-AF65-F5344CB8AC3E}">
+        <p14:creationId xmlns:p14="http://schemas.microsoft.com/office/powerpoint/2010/main" val="3704659676"/>
       </p:ext>
     </p:extLst>
   </p:cSld>
@@ -7403,6 +7507,528 @@
 </p:sld>
 </file>
 
+<file path=ppt/slides/slide30.xml><?xml version="1.0" encoding="utf-8"?>
+<p:sld xmlns:a="http://schemas.openxmlformats.org/drawingml/2006/main" xmlns:r="http://schemas.openxmlformats.org/officeDocument/2006/relationships" xmlns:p="http://schemas.openxmlformats.org/presentationml/2006/main">
+  <p:cSld>
+    <p:spTree>
+      <p:nvGrpSpPr>
+        <p:cNvPr id="1" name=""/>
+        <p:cNvGrpSpPr/>
+        <p:nvPr/>
+      </p:nvGrpSpPr>
+      <p:grpSpPr>
+        <a:xfrm>
+          <a:off x="0" y="0"/>
+          <a:ext cx="0" cy="0"/>
+          <a:chOff x="0" y="0"/>
+          <a:chExt cx="0" cy="0"/>
+        </a:xfrm>
+      </p:grpSpPr>
+      <p:sp>
+        <p:nvSpPr>
+          <p:cNvPr id="2" name="Title 1">
+            <a:extLst>
+              <a:ext uri="{FF2B5EF4-FFF2-40B4-BE49-F238E27FC236}">
+                <a16:creationId xmlns:a16="http://schemas.microsoft.com/office/drawing/2014/main" id="{3B7684A8-D7BF-AE1E-F002-60BA3CD9B543}"/>
+              </a:ext>
+            </a:extLst>
+          </p:cNvPr>
+          <p:cNvSpPr>
+            <a:spLocks noGrp="1"/>
+          </p:cNvSpPr>
+          <p:nvPr>
+            <p:ph type="title"/>
+          </p:nvPr>
+        </p:nvSpPr>
+        <p:spPr/>
+        <p:txBody>
+          <a:bodyPr/>
+          <a:lstStyle/>
+          <a:p>
+            <a:r>
+              <a:rPr lang="en-US" dirty="0">
+                <a:latin typeface="Arial" panose="020B0604020202020204" pitchFamily="34" charset="0"/>
+                <a:cs typeface="Arial" panose="020B0604020202020204" pitchFamily="34" charset="0"/>
+              </a:rPr>
+              <a:t>A </a:t>
+            </a:r>
+            <a:r>
+              <a:rPr lang="en-US" dirty="0" err="1">
+                <a:latin typeface="Arial" panose="020B0604020202020204" pitchFamily="34" charset="0"/>
+                <a:cs typeface="Arial" panose="020B0604020202020204" pitchFamily="34" charset="0"/>
+              </a:rPr>
+              <a:t>kész</a:t>
+            </a:r>
+            <a:r>
+              <a:rPr lang="en-US" dirty="0">
+                <a:latin typeface="Arial" panose="020B0604020202020204" pitchFamily="34" charset="0"/>
+                <a:cs typeface="Arial" panose="020B0604020202020204" pitchFamily="34" charset="0"/>
+              </a:rPr>
+              <a:t> </a:t>
+            </a:r>
+            <a:r>
+              <a:rPr lang="en-US" dirty="0" err="1">
+                <a:latin typeface="Arial" panose="020B0604020202020204" pitchFamily="34" charset="0"/>
+                <a:cs typeface="Arial" panose="020B0604020202020204" pitchFamily="34" charset="0"/>
+              </a:rPr>
+              <a:t>weboldal</a:t>
+            </a:r>
+            <a:endParaRPr lang="en-HU" dirty="0">
+              <a:latin typeface="Arial" panose="020B0604020202020204" pitchFamily="34" charset="0"/>
+              <a:cs typeface="Arial" panose="020B0604020202020204" pitchFamily="34" charset="0"/>
+            </a:endParaRPr>
+          </a:p>
+        </p:txBody>
+      </p:sp>
+    </p:spTree>
+    <p:extLst>
+      <p:ext uri="{BB962C8B-B14F-4D97-AF65-F5344CB8AC3E}">
+        <p14:creationId xmlns:p14="http://schemas.microsoft.com/office/powerpoint/2010/main" val="1822681087"/>
+      </p:ext>
+    </p:extLst>
+  </p:cSld>
+  <p:clrMapOvr>
+    <a:masterClrMapping/>
+  </p:clrMapOvr>
+</p:sld>
+</file>
+
+<file path=ppt/slides/slide31.xml><?xml version="1.0" encoding="utf-8"?>
+<p:sld xmlns:a="http://schemas.openxmlformats.org/drawingml/2006/main" xmlns:r="http://schemas.openxmlformats.org/officeDocument/2006/relationships" xmlns:p="http://schemas.openxmlformats.org/presentationml/2006/main">
+  <p:cSld>
+    <p:spTree>
+      <p:nvGrpSpPr>
+        <p:cNvPr id="1" name=""/>
+        <p:cNvGrpSpPr/>
+        <p:nvPr/>
+      </p:nvGrpSpPr>
+      <p:grpSpPr>
+        <a:xfrm>
+          <a:off x="0" y="0"/>
+          <a:ext cx="0" cy="0"/>
+          <a:chOff x="0" y="0"/>
+          <a:chExt cx="0" cy="0"/>
+        </a:xfrm>
+      </p:grpSpPr>
+      <p:sp>
+        <p:nvSpPr>
+          <p:cNvPr id="2" name="Title 1">
+            <a:extLst>
+              <a:ext uri="{FF2B5EF4-FFF2-40B4-BE49-F238E27FC236}">
+                <a16:creationId xmlns:a16="http://schemas.microsoft.com/office/drawing/2014/main" id="{3B7684A8-D7BF-AE1E-F002-60BA3CD9B543}"/>
+              </a:ext>
+            </a:extLst>
+          </p:cNvPr>
+          <p:cNvSpPr>
+            <a:spLocks noGrp="1"/>
+          </p:cNvSpPr>
+          <p:nvPr>
+            <p:ph type="title"/>
+          </p:nvPr>
+        </p:nvSpPr>
+        <p:spPr/>
+        <p:txBody>
+          <a:bodyPr/>
+          <a:lstStyle/>
+          <a:p>
+            <a:r>
+              <a:rPr lang="en-US" dirty="0">
+                <a:latin typeface="Arial" panose="020B0604020202020204" pitchFamily="34" charset="0"/>
+                <a:cs typeface="Arial" panose="020B0604020202020204" pitchFamily="34" charset="0"/>
+              </a:rPr>
+              <a:t>A </a:t>
+            </a:r>
+            <a:r>
+              <a:rPr lang="en-US" dirty="0" err="1">
+                <a:latin typeface="Arial" panose="020B0604020202020204" pitchFamily="34" charset="0"/>
+                <a:cs typeface="Arial" panose="020B0604020202020204" pitchFamily="34" charset="0"/>
+              </a:rPr>
+              <a:t>kész</a:t>
+            </a:r>
+            <a:r>
+              <a:rPr lang="en-US" dirty="0">
+                <a:latin typeface="Arial" panose="020B0604020202020204" pitchFamily="34" charset="0"/>
+                <a:cs typeface="Arial" panose="020B0604020202020204" pitchFamily="34" charset="0"/>
+              </a:rPr>
+              <a:t> </a:t>
+            </a:r>
+            <a:r>
+              <a:rPr lang="en-US" dirty="0" err="1">
+                <a:latin typeface="Arial" panose="020B0604020202020204" pitchFamily="34" charset="0"/>
+                <a:cs typeface="Arial" panose="020B0604020202020204" pitchFamily="34" charset="0"/>
+              </a:rPr>
+              <a:t>weboldal</a:t>
+            </a:r>
+            <a:endParaRPr lang="en-HU" dirty="0">
+              <a:latin typeface="Arial" panose="020B0604020202020204" pitchFamily="34" charset="0"/>
+              <a:cs typeface="Arial" panose="020B0604020202020204" pitchFamily="34" charset="0"/>
+            </a:endParaRPr>
+          </a:p>
+        </p:txBody>
+      </p:sp>
+    </p:spTree>
+    <p:extLst>
+      <p:ext uri="{BB962C8B-B14F-4D97-AF65-F5344CB8AC3E}">
+        <p14:creationId xmlns:p14="http://schemas.microsoft.com/office/powerpoint/2010/main" val="3656866945"/>
+      </p:ext>
+    </p:extLst>
+  </p:cSld>
+  <p:clrMapOvr>
+    <a:masterClrMapping/>
+  </p:clrMapOvr>
+</p:sld>
+</file>
+
+<file path=ppt/slides/slide32.xml><?xml version="1.0" encoding="utf-8"?>
+<p:sld xmlns:a="http://schemas.openxmlformats.org/drawingml/2006/main" xmlns:r="http://schemas.openxmlformats.org/officeDocument/2006/relationships" xmlns:p="http://schemas.openxmlformats.org/presentationml/2006/main">
+  <p:cSld>
+    <p:spTree>
+      <p:nvGrpSpPr>
+        <p:cNvPr id="1" name=""/>
+        <p:cNvGrpSpPr/>
+        <p:nvPr/>
+      </p:nvGrpSpPr>
+      <p:grpSpPr>
+        <a:xfrm>
+          <a:off x="0" y="0"/>
+          <a:ext cx="0" cy="0"/>
+          <a:chOff x="0" y="0"/>
+          <a:chExt cx="0" cy="0"/>
+        </a:xfrm>
+      </p:grpSpPr>
+      <p:sp>
+        <p:nvSpPr>
+          <p:cNvPr id="2" name="Title 1">
+            <a:extLst>
+              <a:ext uri="{FF2B5EF4-FFF2-40B4-BE49-F238E27FC236}">
+                <a16:creationId xmlns:a16="http://schemas.microsoft.com/office/drawing/2014/main" id="{3B7684A8-D7BF-AE1E-F002-60BA3CD9B543}"/>
+              </a:ext>
+            </a:extLst>
+          </p:cNvPr>
+          <p:cNvSpPr>
+            <a:spLocks noGrp="1"/>
+          </p:cNvSpPr>
+          <p:nvPr>
+            <p:ph type="title"/>
+          </p:nvPr>
+        </p:nvSpPr>
+        <p:spPr/>
+        <p:txBody>
+          <a:bodyPr/>
+          <a:lstStyle/>
+          <a:p>
+            <a:r>
+              <a:rPr lang="en-US" dirty="0">
+                <a:latin typeface="Arial" panose="020B0604020202020204" pitchFamily="34" charset="0"/>
+                <a:cs typeface="Arial" panose="020B0604020202020204" pitchFamily="34" charset="0"/>
+              </a:rPr>
+              <a:t>A </a:t>
+            </a:r>
+            <a:r>
+              <a:rPr lang="en-US" dirty="0" err="1">
+                <a:latin typeface="Arial" panose="020B0604020202020204" pitchFamily="34" charset="0"/>
+                <a:cs typeface="Arial" panose="020B0604020202020204" pitchFamily="34" charset="0"/>
+              </a:rPr>
+              <a:t>kész</a:t>
+            </a:r>
+            <a:r>
+              <a:rPr lang="en-US" dirty="0">
+                <a:latin typeface="Arial" panose="020B0604020202020204" pitchFamily="34" charset="0"/>
+                <a:cs typeface="Arial" panose="020B0604020202020204" pitchFamily="34" charset="0"/>
+              </a:rPr>
+              <a:t> </a:t>
+            </a:r>
+            <a:r>
+              <a:rPr lang="en-US" dirty="0" err="1">
+                <a:latin typeface="Arial" panose="020B0604020202020204" pitchFamily="34" charset="0"/>
+                <a:cs typeface="Arial" panose="020B0604020202020204" pitchFamily="34" charset="0"/>
+              </a:rPr>
+              <a:t>weboldal</a:t>
+            </a:r>
+            <a:endParaRPr lang="en-HU" dirty="0">
+              <a:latin typeface="Arial" panose="020B0604020202020204" pitchFamily="34" charset="0"/>
+              <a:cs typeface="Arial" panose="020B0604020202020204" pitchFamily="34" charset="0"/>
+            </a:endParaRPr>
+          </a:p>
+        </p:txBody>
+      </p:sp>
+    </p:spTree>
+    <p:extLst>
+      <p:ext uri="{BB962C8B-B14F-4D97-AF65-F5344CB8AC3E}">
+        <p14:creationId xmlns:p14="http://schemas.microsoft.com/office/powerpoint/2010/main" val="1880545532"/>
+      </p:ext>
+    </p:extLst>
+  </p:cSld>
+  <p:clrMapOvr>
+    <a:masterClrMapping/>
+  </p:clrMapOvr>
+</p:sld>
+</file>
+
+<file path=ppt/slides/slide33.xml><?xml version="1.0" encoding="utf-8"?>
+<p:sld xmlns:a="http://schemas.openxmlformats.org/drawingml/2006/main" xmlns:r="http://schemas.openxmlformats.org/officeDocument/2006/relationships" xmlns:p="http://schemas.openxmlformats.org/presentationml/2006/main">
+  <p:cSld>
+    <p:spTree>
+      <p:nvGrpSpPr>
+        <p:cNvPr id="1" name=""/>
+        <p:cNvGrpSpPr/>
+        <p:nvPr/>
+      </p:nvGrpSpPr>
+      <p:grpSpPr>
+        <a:xfrm>
+          <a:off x="0" y="0"/>
+          <a:ext cx="0" cy="0"/>
+          <a:chOff x="0" y="0"/>
+          <a:chExt cx="0" cy="0"/>
+        </a:xfrm>
+      </p:grpSpPr>
+      <p:sp>
+        <p:nvSpPr>
+          <p:cNvPr id="2" name="Title 1">
+            <a:extLst>
+              <a:ext uri="{FF2B5EF4-FFF2-40B4-BE49-F238E27FC236}">
+                <a16:creationId xmlns:a16="http://schemas.microsoft.com/office/drawing/2014/main" id="{3B7684A8-D7BF-AE1E-F002-60BA3CD9B543}"/>
+              </a:ext>
+            </a:extLst>
+          </p:cNvPr>
+          <p:cNvSpPr>
+            <a:spLocks noGrp="1"/>
+          </p:cNvSpPr>
+          <p:nvPr>
+            <p:ph type="title"/>
+          </p:nvPr>
+        </p:nvSpPr>
+        <p:spPr/>
+        <p:txBody>
+          <a:bodyPr/>
+          <a:lstStyle/>
+          <a:p>
+            <a:r>
+              <a:rPr lang="en-US" dirty="0">
+                <a:latin typeface="Arial" panose="020B0604020202020204" pitchFamily="34" charset="0"/>
+                <a:cs typeface="Arial" panose="020B0604020202020204" pitchFamily="34" charset="0"/>
+              </a:rPr>
+              <a:t>A </a:t>
+            </a:r>
+            <a:r>
+              <a:rPr lang="en-US" dirty="0" err="1">
+                <a:latin typeface="Arial" panose="020B0604020202020204" pitchFamily="34" charset="0"/>
+                <a:cs typeface="Arial" panose="020B0604020202020204" pitchFamily="34" charset="0"/>
+              </a:rPr>
+              <a:t>kész</a:t>
+            </a:r>
+            <a:r>
+              <a:rPr lang="en-US" dirty="0">
+                <a:latin typeface="Arial" panose="020B0604020202020204" pitchFamily="34" charset="0"/>
+                <a:cs typeface="Arial" panose="020B0604020202020204" pitchFamily="34" charset="0"/>
+              </a:rPr>
+              <a:t> </a:t>
+            </a:r>
+            <a:r>
+              <a:rPr lang="en-US" dirty="0" err="1">
+                <a:latin typeface="Arial" panose="020B0604020202020204" pitchFamily="34" charset="0"/>
+                <a:cs typeface="Arial" panose="020B0604020202020204" pitchFamily="34" charset="0"/>
+              </a:rPr>
+              <a:t>weboldal</a:t>
+            </a:r>
+            <a:endParaRPr lang="en-HU" dirty="0">
+              <a:latin typeface="Arial" panose="020B0604020202020204" pitchFamily="34" charset="0"/>
+              <a:cs typeface="Arial" panose="020B0604020202020204" pitchFamily="34" charset="0"/>
+            </a:endParaRPr>
+          </a:p>
+        </p:txBody>
+      </p:sp>
+    </p:spTree>
+    <p:extLst>
+      <p:ext uri="{BB962C8B-B14F-4D97-AF65-F5344CB8AC3E}">
+        <p14:creationId xmlns:p14="http://schemas.microsoft.com/office/powerpoint/2010/main" val="1409800015"/>
+      </p:ext>
+    </p:extLst>
+  </p:cSld>
+  <p:clrMapOvr>
+    <a:masterClrMapping/>
+  </p:clrMapOvr>
+</p:sld>
+</file>
+
+<file path=ppt/slides/slide34.xml><?xml version="1.0" encoding="utf-8"?>
+<p:sld xmlns:a="http://schemas.openxmlformats.org/drawingml/2006/main" xmlns:r="http://schemas.openxmlformats.org/officeDocument/2006/relationships" xmlns:p="http://schemas.openxmlformats.org/presentationml/2006/main">
+  <p:cSld>
+    <p:spTree>
+      <p:nvGrpSpPr>
+        <p:cNvPr id="1" name=""/>
+        <p:cNvGrpSpPr/>
+        <p:nvPr/>
+      </p:nvGrpSpPr>
+      <p:grpSpPr>
+        <a:xfrm>
+          <a:off x="0" y="0"/>
+          <a:ext cx="0" cy="0"/>
+          <a:chOff x="0" y="0"/>
+          <a:chExt cx="0" cy="0"/>
+        </a:xfrm>
+      </p:grpSpPr>
+      <p:sp>
+        <p:nvSpPr>
+          <p:cNvPr id="2" name="Title 1">
+            <a:extLst>
+              <a:ext uri="{FF2B5EF4-FFF2-40B4-BE49-F238E27FC236}">
+                <a16:creationId xmlns:a16="http://schemas.microsoft.com/office/drawing/2014/main" id="{3B7684A8-D7BF-AE1E-F002-60BA3CD9B543}"/>
+              </a:ext>
+            </a:extLst>
+          </p:cNvPr>
+          <p:cNvSpPr>
+            <a:spLocks noGrp="1"/>
+          </p:cNvSpPr>
+          <p:nvPr>
+            <p:ph type="title"/>
+          </p:nvPr>
+        </p:nvSpPr>
+        <p:spPr/>
+        <p:txBody>
+          <a:bodyPr/>
+          <a:lstStyle/>
+          <a:p>
+            <a:r>
+              <a:rPr lang="en-US" dirty="0">
+                <a:latin typeface="Arial" panose="020B0604020202020204" pitchFamily="34" charset="0"/>
+                <a:cs typeface="Arial" panose="020B0604020202020204" pitchFamily="34" charset="0"/>
+              </a:rPr>
+              <a:t>A </a:t>
+            </a:r>
+            <a:r>
+              <a:rPr lang="en-US" dirty="0" err="1">
+                <a:latin typeface="Arial" panose="020B0604020202020204" pitchFamily="34" charset="0"/>
+                <a:cs typeface="Arial" panose="020B0604020202020204" pitchFamily="34" charset="0"/>
+              </a:rPr>
+              <a:t>kész</a:t>
+            </a:r>
+            <a:r>
+              <a:rPr lang="en-US" dirty="0">
+                <a:latin typeface="Arial" panose="020B0604020202020204" pitchFamily="34" charset="0"/>
+                <a:cs typeface="Arial" panose="020B0604020202020204" pitchFamily="34" charset="0"/>
+              </a:rPr>
+              <a:t> </a:t>
+            </a:r>
+            <a:r>
+              <a:rPr lang="en-US" dirty="0" err="1">
+                <a:latin typeface="Arial" panose="020B0604020202020204" pitchFamily="34" charset="0"/>
+                <a:cs typeface="Arial" panose="020B0604020202020204" pitchFamily="34" charset="0"/>
+              </a:rPr>
+              <a:t>weboldal</a:t>
+            </a:r>
+            <a:endParaRPr lang="en-HU" dirty="0">
+              <a:latin typeface="Arial" panose="020B0604020202020204" pitchFamily="34" charset="0"/>
+              <a:cs typeface="Arial" panose="020B0604020202020204" pitchFamily="34" charset="0"/>
+            </a:endParaRPr>
+          </a:p>
+        </p:txBody>
+      </p:sp>
+    </p:spTree>
+    <p:extLst>
+      <p:ext uri="{BB962C8B-B14F-4D97-AF65-F5344CB8AC3E}">
+        <p14:creationId xmlns:p14="http://schemas.microsoft.com/office/powerpoint/2010/main" val="3129581279"/>
+      </p:ext>
+    </p:extLst>
+  </p:cSld>
+  <p:clrMapOvr>
+    <a:masterClrMapping/>
+  </p:clrMapOvr>
+</p:sld>
+</file>
+
+<file path=ppt/slides/slide35.xml><?xml version="1.0" encoding="utf-8"?>
+<p:sld xmlns:a="http://schemas.openxmlformats.org/drawingml/2006/main" xmlns:r="http://schemas.openxmlformats.org/officeDocument/2006/relationships" xmlns:p="http://schemas.openxmlformats.org/presentationml/2006/main">
+  <p:cSld>
+    <p:spTree>
+      <p:nvGrpSpPr>
+        <p:cNvPr id="1" name=""/>
+        <p:cNvGrpSpPr/>
+        <p:nvPr/>
+      </p:nvGrpSpPr>
+      <p:grpSpPr>
+        <a:xfrm>
+          <a:off x="0" y="0"/>
+          <a:ext cx="0" cy="0"/>
+          <a:chOff x="0" y="0"/>
+          <a:chExt cx="0" cy="0"/>
+        </a:xfrm>
+      </p:grpSpPr>
+      <p:sp>
+        <p:nvSpPr>
+          <p:cNvPr id="2" name="Cím 1"/>
+          <p:cNvSpPr>
+            <a:spLocks noGrp="1"/>
+          </p:cNvSpPr>
+          <p:nvPr>
+            <p:ph type="ctrTitle"/>
+          </p:nvPr>
+        </p:nvSpPr>
+        <p:spPr>
+          <a:xfrm>
+            <a:off x="1524000" y="1490663"/>
+            <a:ext cx="9144000" cy="2387600"/>
+          </a:xfrm>
+        </p:spPr>
+        <p:txBody>
+          <a:bodyPr>
+            <a:normAutofit/>
+          </a:bodyPr>
+          <a:lstStyle/>
+          <a:p>
+            <a:r>
+              <a:rPr lang="en-US" sz="6600" dirty="0" err="1">
+                <a:latin typeface="Arial" panose="020B0604020202020204" pitchFamily="34" charset="0"/>
+                <a:ea typeface="Arial Unicode MS" panose="020B0604020202020204" pitchFamily="34" charset="-128"/>
+                <a:cs typeface="Arial" panose="020B0604020202020204" pitchFamily="34" charset="0"/>
+              </a:rPr>
+              <a:t>Köszönjük</a:t>
+            </a:r>
+            <a:r>
+              <a:rPr lang="en-US" sz="6600" dirty="0">
+                <a:latin typeface="Arial" panose="020B0604020202020204" pitchFamily="34" charset="0"/>
+                <a:ea typeface="Arial Unicode MS" panose="020B0604020202020204" pitchFamily="34" charset="-128"/>
+                <a:cs typeface="Arial" panose="020B0604020202020204" pitchFamily="34" charset="0"/>
+              </a:rPr>
+              <a:t> a </a:t>
+            </a:r>
+            <a:r>
+              <a:rPr lang="en-US" sz="6600" dirty="0" err="1">
+                <a:latin typeface="Arial" panose="020B0604020202020204" pitchFamily="34" charset="0"/>
+                <a:ea typeface="Arial Unicode MS" panose="020B0604020202020204" pitchFamily="34" charset="-128"/>
+                <a:cs typeface="Arial" panose="020B0604020202020204" pitchFamily="34" charset="0"/>
+              </a:rPr>
+              <a:t>figyelmet</a:t>
+            </a:r>
+            <a:r>
+              <a:rPr lang="en-US" sz="6600" dirty="0">
+                <a:latin typeface="Arial" panose="020B0604020202020204" pitchFamily="34" charset="0"/>
+                <a:ea typeface="Arial Unicode MS" panose="020B0604020202020204" pitchFamily="34" charset="-128"/>
+                <a:cs typeface="Arial" panose="020B0604020202020204" pitchFamily="34" charset="0"/>
+              </a:rPr>
+              <a:t>!</a:t>
+            </a:r>
+            <a:endParaRPr lang="hu-HU" sz="6600" dirty="0">
+              <a:latin typeface="Arial" panose="020B0604020202020204" pitchFamily="34" charset="0"/>
+              <a:ea typeface="Arial Unicode MS" panose="020B0604020202020204" pitchFamily="34" charset="-128"/>
+              <a:cs typeface="Arial" panose="020B0604020202020204" pitchFamily="34" charset="0"/>
+            </a:endParaRPr>
+          </a:p>
+        </p:txBody>
+      </p:sp>
+    </p:spTree>
+    <p:extLst>
+      <p:ext uri="{BB962C8B-B14F-4D97-AF65-F5344CB8AC3E}">
+        <p14:creationId xmlns:p14="http://schemas.microsoft.com/office/powerpoint/2010/main" val="3260255604"/>
+      </p:ext>
+    </p:extLst>
+  </p:cSld>
+  <p:clrMapOvr>
+    <a:masterClrMapping/>
+  </p:clrMapOvr>
+</p:sld>
+</file>
+
 <file path=ppt/slides/slide4.xml><?xml version="1.0" encoding="utf-8"?>
 <p:sld xmlns:a="http://schemas.openxmlformats.org/drawingml/2006/main" xmlns:r="http://schemas.openxmlformats.org/officeDocument/2006/relationships" xmlns:p="http://schemas.openxmlformats.org/presentationml/2006/main">
   <p:cSld>
@@ -7442,6 +8068,17 @@
               </a:rPr>
               <a:t>Oldal design</a:t>
             </a:r>
+            <a:r>
+              <a:rPr lang="en-US" dirty="0">
+                <a:latin typeface="Arial" panose="020B0604020202020204" pitchFamily="34" charset="0"/>
+                <a:cs typeface="Arial" panose="020B0604020202020204" pitchFamily="34" charset="0"/>
+              </a:rPr>
+              <a:t> (Vér Bence)</a:t>
+            </a:r>
+            <a:endParaRPr lang="hu-HU" dirty="0">
+              <a:latin typeface="Arial" panose="020B0604020202020204" pitchFamily="34" charset="0"/>
+              <a:cs typeface="Arial" panose="020B0604020202020204" pitchFamily="34" charset="0"/>
+            </a:endParaRPr>
           </a:p>
         </p:txBody>
       </p:sp>
@@ -7615,6 +8252,17 @@
               </a:rPr>
               <a:t>Oldal design</a:t>
             </a:r>
+            <a:r>
+              <a:rPr lang="en-US" dirty="0">
+                <a:latin typeface="Arial" panose="020B0604020202020204" pitchFamily="34" charset="0"/>
+                <a:cs typeface="Arial" panose="020B0604020202020204" pitchFamily="34" charset="0"/>
+              </a:rPr>
+              <a:t> (Vér Bence)</a:t>
+            </a:r>
+            <a:endParaRPr lang="hu-HU" dirty="0">
+              <a:latin typeface="Arial" panose="020B0604020202020204" pitchFamily="34" charset="0"/>
+              <a:cs typeface="Arial" panose="020B0604020202020204" pitchFamily="34" charset="0"/>
+            </a:endParaRPr>
           </a:p>
         </p:txBody>
       </p:sp>
@@ -7839,6 +8487,17 @@
               </a:rPr>
               <a:t>Oldal design</a:t>
             </a:r>
+            <a:r>
+              <a:rPr lang="en-US" dirty="0">
+                <a:latin typeface="Arial" panose="020B0604020202020204" pitchFamily="34" charset="0"/>
+                <a:cs typeface="Arial" panose="020B0604020202020204" pitchFamily="34" charset="0"/>
+              </a:rPr>
+              <a:t> (Török Péter)</a:t>
+            </a:r>
+            <a:endParaRPr lang="hu-HU" dirty="0">
+              <a:latin typeface="Arial" panose="020B0604020202020204" pitchFamily="34" charset="0"/>
+              <a:cs typeface="Arial" panose="020B0604020202020204" pitchFamily="34" charset="0"/>
+            </a:endParaRPr>
           </a:p>
         </p:txBody>
       </p:sp>
@@ -8016,6 +8675,17 @@
               </a:rPr>
               <a:t>Oldal design</a:t>
             </a:r>
+            <a:r>
+              <a:rPr lang="en-US" dirty="0">
+                <a:latin typeface="Arial" panose="020B0604020202020204" pitchFamily="34" charset="0"/>
+                <a:cs typeface="Arial" panose="020B0604020202020204" pitchFamily="34" charset="0"/>
+              </a:rPr>
+              <a:t> (Török Péter)</a:t>
+            </a:r>
+            <a:endParaRPr lang="hu-HU" dirty="0">
+              <a:latin typeface="Arial" panose="020B0604020202020204" pitchFamily="34" charset="0"/>
+              <a:cs typeface="Arial" panose="020B0604020202020204" pitchFamily="34" charset="0"/>
+            </a:endParaRPr>
           </a:p>
         </p:txBody>
       </p:sp>
@@ -8193,6 +8863,17 @@
               </a:rPr>
               <a:t>Oldal design</a:t>
             </a:r>
+            <a:r>
+              <a:rPr lang="en-US" dirty="0">
+                <a:latin typeface="Arial" panose="020B0604020202020204" pitchFamily="34" charset="0"/>
+                <a:cs typeface="Arial" panose="020B0604020202020204" pitchFamily="34" charset="0"/>
+              </a:rPr>
+              <a:t> (Török Péter)</a:t>
+            </a:r>
+            <a:endParaRPr lang="hu-HU" dirty="0">
+              <a:latin typeface="Arial" panose="020B0604020202020204" pitchFamily="34" charset="0"/>
+              <a:cs typeface="Arial" panose="020B0604020202020204" pitchFamily="34" charset="0"/>
+            </a:endParaRPr>
           </a:p>
         </p:txBody>
       </p:sp>
@@ -8370,6 +9051,17 @@
               </a:rPr>
               <a:t>Oldal design</a:t>
             </a:r>
+            <a:r>
+              <a:rPr lang="en-US" dirty="0">
+                <a:latin typeface="Arial" panose="020B0604020202020204" pitchFamily="34" charset="0"/>
+                <a:cs typeface="Arial" panose="020B0604020202020204" pitchFamily="34" charset="0"/>
+              </a:rPr>
+              <a:t> (Terdik Zalán)</a:t>
+            </a:r>
+            <a:endParaRPr lang="hu-HU" dirty="0">
+              <a:latin typeface="Arial" panose="020B0604020202020204" pitchFamily="34" charset="0"/>
+              <a:cs typeface="Arial" panose="020B0604020202020204" pitchFamily="34" charset="0"/>
+            </a:endParaRPr>
           </a:p>
         </p:txBody>
       </p:sp>
